--- a/Docker基础与简单应用.pptx
+++ b/Docker基础与简单应用.pptx
@@ -4,17 +4,26 @@
   <p:sldMasterIdLst>
     <p:sldMasterId id="2147483648" r:id="rId1"/>
   </p:sldMasterIdLst>
+  <p:notesMasterIdLst>
+    <p:notesMasterId r:id="rId18"/>
+  </p:notesMasterIdLst>
   <p:sldIdLst>
     <p:sldId id="256" r:id="rId2"/>
-    <p:sldId id="259" r:id="rId3"/>
-    <p:sldId id="262" r:id="rId4"/>
-    <p:sldId id="261" r:id="rId5"/>
-    <p:sldId id="260" r:id="rId6"/>
-    <p:sldId id="263" r:id="rId7"/>
+    <p:sldId id="262" r:id="rId3"/>
+    <p:sldId id="261" r:id="rId4"/>
+    <p:sldId id="260" r:id="rId5"/>
+    <p:sldId id="263" r:id="rId6"/>
+    <p:sldId id="269" r:id="rId7"/>
     <p:sldId id="264" r:id="rId8"/>
-    <p:sldId id="265" r:id="rId9"/>
-    <p:sldId id="266" r:id="rId10"/>
-    <p:sldId id="267" r:id="rId11"/>
+    <p:sldId id="270" r:id="rId9"/>
+    <p:sldId id="273" r:id="rId10"/>
+    <p:sldId id="265" r:id="rId11"/>
+    <p:sldId id="277" r:id="rId12"/>
+    <p:sldId id="275" r:id="rId13"/>
+    <p:sldId id="266" r:id="rId14"/>
+    <p:sldId id="268" r:id="rId15"/>
+    <p:sldId id="267" r:id="rId16"/>
+    <p:sldId id="276" r:id="rId17"/>
   </p:sldIdLst>
   <p:sldSz cx="9144000" cy="6858000" type="screen4x3"/>
   <p:notesSz cx="6858000" cy="9144000"/>
@@ -116,6 +125,918 @@
 </p:presentation>
 </file>
 
+<file path=ppt/notesMasters/notesMaster1.xml><?xml version="1.0" encoding="utf-8"?>
+<p:notesMaster xmlns:a="http://schemas.openxmlformats.org/drawingml/2006/main" xmlns:r="http://schemas.openxmlformats.org/officeDocument/2006/relationships" xmlns:p="http://schemas.openxmlformats.org/presentationml/2006/main">
+  <p:cSld>
+    <p:bg>
+      <p:bgRef idx="1001">
+        <a:schemeClr val="bg1"/>
+      </p:bgRef>
+    </p:bg>
+    <p:spTree>
+      <p:nvGrpSpPr>
+        <p:cNvPr id="1" name=""/>
+        <p:cNvGrpSpPr/>
+        <p:nvPr/>
+      </p:nvGrpSpPr>
+      <p:grpSpPr>
+        <a:xfrm>
+          <a:off x="0" y="0"/>
+          <a:ext cx="0" cy="0"/>
+          <a:chOff x="0" y="0"/>
+          <a:chExt cx="0" cy="0"/>
+        </a:xfrm>
+      </p:grpSpPr>
+      <p:sp>
+        <p:nvSpPr>
+          <p:cNvPr id="2" name="页眉占位符 1"/>
+          <p:cNvSpPr>
+            <a:spLocks noGrp="1"/>
+          </p:cNvSpPr>
+          <p:nvPr>
+            <p:ph type="hdr" sz="quarter"/>
+          </p:nvPr>
+        </p:nvSpPr>
+        <p:spPr>
+          <a:xfrm>
+            <a:off x="0" y="0"/>
+            <a:ext cx="2971800" cy="457200"/>
+          </a:xfrm>
+          <a:prstGeom prst="rect">
+            <a:avLst/>
+          </a:prstGeom>
+        </p:spPr>
+        <p:txBody>
+          <a:bodyPr vert="horz" lIns="91440" tIns="45720" rIns="91440" bIns="45720" rtlCol="0"/>
+          <a:lstStyle>
+            <a:lvl1pPr algn="l">
+              <a:defRPr sz="1200"/>
+            </a:lvl1pPr>
+          </a:lstStyle>
+          <a:p>
+            <a:endParaRPr lang="zh-CN" altLang="en-US"/>
+          </a:p>
+        </p:txBody>
+      </p:sp>
+      <p:sp>
+        <p:nvSpPr>
+          <p:cNvPr id="3" name="日期占位符 2"/>
+          <p:cNvSpPr>
+            <a:spLocks noGrp="1"/>
+          </p:cNvSpPr>
+          <p:nvPr>
+            <p:ph type="dt" idx="1"/>
+          </p:nvPr>
+        </p:nvSpPr>
+        <p:spPr>
+          <a:xfrm>
+            <a:off x="3884613" y="0"/>
+            <a:ext cx="2971800" cy="457200"/>
+          </a:xfrm>
+          <a:prstGeom prst="rect">
+            <a:avLst/>
+          </a:prstGeom>
+        </p:spPr>
+        <p:txBody>
+          <a:bodyPr vert="horz" lIns="91440" tIns="45720" rIns="91440" bIns="45720" rtlCol="0"/>
+          <a:lstStyle>
+            <a:lvl1pPr algn="r">
+              <a:defRPr sz="1200"/>
+            </a:lvl1pPr>
+          </a:lstStyle>
+          <a:p>
+            <a:fld id="{8A9AECEF-6125-4259-BD55-A840A08874E8}" type="datetimeFigureOut">
+              <a:rPr lang="zh-CN" altLang="en-US" smtClean="0"/>
+              <a:t>2018/3/12</a:t>
+            </a:fld>
+            <a:endParaRPr lang="zh-CN" altLang="en-US"/>
+          </a:p>
+        </p:txBody>
+      </p:sp>
+      <p:sp>
+        <p:nvSpPr>
+          <p:cNvPr id="4" name="幻灯片图像占位符 3"/>
+          <p:cNvSpPr>
+            <a:spLocks noGrp="1" noRot="1" noChangeAspect="1"/>
+          </p:cNvSpPr>
+          <p:nvPr>
+            <p:ph type="sldImg" idx="2"/>
+          </p:nvPr>
+        </p:nvSpPr>
+        <p:spPr>
+          <a:xfrm>
+            <a:off x="1143000" y="685800"/>
+            <a:ext cx="4572000" cy="3429000"/>
+          </a:xfrm>
+          <a:prstGeom prst="rect">
+            <a:avLst/>
+          </a:prstGeom>
+          <a:noFill/>
+          <a:ln w="12700">
+            <a:solidFill>
+              <a:prstClr val="black"/>
+            </a:solidFill>
+          </a:ln>
+        </p:spPr>
+        <p:txBody>
+          <a:bodyPr vert="horz" lIns="91440" tIns="45720" rIns="91440" bIns="45720" rtlCol="0" anchor="ctr"/>
+          <a:lstStyle/>
+          <a:p>
+            <a:endParaRPr lang="zh-CN" altLang="en-US"/>
+          </a:p>
+        </p:txBody>
+      </p:sp>
+      <p:sp>
+        <p:nvSpPr>
+          <p:cNvPr id="5" name="备注占位符 4"/>
+          <p:cNvSpPr>
+            <a:spLocks noGrp="1"/>
+          </p:cNvSpPr>
+          <p:nvPr>
+            <p:ph type="body" sz="quarter" idx="3"/>
+          </p:nvPr>
+        </p:nvSpPr>
+        <p:spPr>
+          <a:xfrm>
+            <a:off x="685800" y="4343400"/>
+            <a:ext cx="5486400" cy="4114800"/>
+          </a:xfrm>
+          <a:prstGeom prst="rect">
+            <a:avLst/>
+          </a:prstGeom>
+        </p:spPr>
+        <p:txBody>
+          <a:bodyPr vert="horz" lIns="91440" tIns="45720" rIns="91440" bIns="45720" rtlCol="0">
+            <a:normAutofit/>
+          </a:bodyPr>
+          <a:lstStyle/>
+          <a:p>
+            <a:pPr lvl="0"/>
+            <a:r>
+              <a:rPr lang="zh-CN" altLang="en-US" smtClean="0"/>
+              <a:t>单击此处编辑母版文本样式</a:t>
+            </a:r>
+          </a:p>
+          <a:p>
+            <a:pPr lvl="1"/>
+            <a:r>
+              <a:rPr lang="zh-CN" altLang="en-US" smtClean="0"/>
+              <a:t>第二级</a:t>
+            </a:r>
+          </a:p>
+          <a:p>
+            <a:pPr lvl="2"/>
+            <a:r>
+              <a:rPr lang="zh-CN" altLang="en-US" smtClean="0"/>
+              <a:t>第三级</a:t>
+            </a:r>
+          </a:p>
+          <a:p>
+            <a:pPr lvl="3"/>
+            <a:r>
+              <a:rPr lang="zh-CN" altLang="en-US" smtClean="0"/>
+              <a:t>第四级</a:t>
+            </a:r>
+          </a:p>
+          <a:p>
+            <a:pPr lvl="4"/>
+            <a:r>
+              <a:rPr lang="zh-CN" altLang="en-US" smtClean="0"/>
+              <a:t>第五级</a:t>
+            </a:r>
+            <a:endParaRPr lang="zh-CN" altLang="en-US"/>
+          </a:p>
+        </p:txBody>
+      </p:sp>
+      <p:sp>
+        <p:nvSpPr>
+          <p:cNvPr id="6" name="页脚占位符 5"/>
+          <p:cNvSpPr>
+            <a:spLocks noGrp="1"/>
+          </p:cNvSpPr>
+          <p:nvPr>
+            <p:ph type="ftr" sz="quarter" idx="4"/>
+          </p:nvPr>
+        </p:nvSpPr>
+        <p:spPr>
+          <a:xfrm>
+            <a:off x="0" y="8685213"/>
+            <a:ext cx="2971800" cy="457200"/>
+          </a:xfrm>
+          <a:prstGeom prst="rect">
+            <a:avLst/>
+          </a:prstGeom>
+        </p:spPr>
+        <p:txBody>
+          <a:bodyPr vert="horz" lIns="91440" tIns="45720" rIns="91440" bIns="45720" rtlCol="0" anchor="b"/>
+          <a:lstStyle>
+            <a:lvl1pPr algn="l">
+              <a:defRPr sz="1200"/>
+            </a:lvl1pPr>
+          </a:lstStyle>
+          <a:p>
+            <a:endParaRPr lang="zh-CN" altLang="en-US"/>
+          </a:p>
+        </p:txBody>
+      </p:sp>
+      <p:sp>
+        <p:nvSpPr>
+          <p:cNvPr id="7" name="灯片编号占位符 6"/>
+          <p:cNvSpPr>
+            <a:spLocks noGrp="1"/>
+          </p:cNvSpPr>
+          <p:nvPr>
+            <p:ph type="sldNum" sz="quarter" idx="5"/>
+          </p:nvPr>
+        </p:nvSpPr>
+        <p:spPr>
+          <a:xfrm>
+            <a:off x="3884613" y="8685213"/>
+            <a:ext cx="2971800" cy="457200"/>
+          </a:xfrm>
+          <a:prstGeom prst="rect">
+            <a:avLst/>
+          </a:prstGeom>
+        </p:spPr>
+        <p:txBody>
+          <a:bodyPr vert="horz" lIns="91440" tIns="45720" rIns="91440" bIns="45720" rtlCol="0" anchor="b"/>
+          <a:lstStyle>
+            <a:lvl1pPr algn="r">
+              <a:defRPr sz="1200"/>
+            </a:lvl1pPr>
+          </a:lstStyle>
+          <a:p>
+            <a:fld id="{5C07F6E3-1134-492B-BB47-39165E612D99}" type="slidenum">
+              <a:rPr lang="zh-CN" altLang="en-US" smtClean="0"/>
+              <a:t>‹#›</a:t>
+            </a:fld>
+            <a:endParaRPr lang="zh-CN" altLang="en-US"/>
+          </a:p>
+        </p:txBody>
+      </p:sp>
+    </p:spTree>
+  </p:cSld>
+  <p:clrMap bg1="lt1" tx1="dk1" bg2="lt2" tx2="dk2" accent1="accent1" accent2="accent2" accent3="accent3" accent4="accent4" accent5="accent5" accent6="accent6" hlink="hlink" folHlink="folHlink"/>
+  <p:notesStyle>
+    <a:lvl1pPr marL="0" algn="l" defTabSz="914400" rtl="0" eaLnBrk="1" latinLnBrk="0" hangingPunct="1">
+      <a:defRPr sz="1200" kern="1200">
+        <a:solidFill>
+          <a:schemeClr val="tx1"/>
+        </a:solidFill>
+        <a:latin typeface="+mn-lt"/>
+        <a:ea typeface="+mn-ea"/>
+        <a:cs typeface="+mn-cs"/>
+      </a:defRPr>
+    </a:lvl1pPr>
+    <a:lvl2pPr marL="457200" algn="l" defTabSz="914400" rtl="0" eaLnBrk="1" latinLnBrk="0" hangingPunct="1">
+      <a:defRPr sz="1200" kern="1200">
+        <a:solidFill>
+          <a:schemeClr val="tx1"/>
+        </a:solidFill>
+        <a:latin typeface="+mn-lt"/>
+        <a:ea typeface="+mn-ea"/>
+        <a:cs typeface="+mn-cs"/>
+      </a:defRPr>
+    </a:lvl2pPr>
+    <a:lvl3pPr marL="914400" algn="l" defTabSz="914400" rtl="0" eaLnBrk="1" latinLnBrk="0" hangingPunct="1">
+      <a:defRPr sz="1200" kern="1200">
+        <a:solidFill>
+          <a:schemeClr val="tx1"/>
+        </a:solidFill>
+        <a:latin typeface="+mn-lt"/>
+        <a:ea typeface="+mn-ea"/>
+        <a:cs typeface="+mn-cs"/>
+      </a:defRPr>
+    </a:lvl3pPr>
+    <a:lvl4pPr marL="1371600" algn="l" defTabSz="914400" rtl="0" eaLnBrk="1" latinLnBrk="0" hangingPunct="1">
+      <a:defRPr sz="1200" kern="1200">
+        <a:solidFill>
+          <a:schemeClr val="tx1"/>
+        </a:solidFill>
+        <a:latin typeface="+mn-lt"/>
+        <a:ea typeface="+mn-ea"/>
+        <a:cs typeface="+mn-cs"/>
+      </a:defRPr>
+    </a:lvl4pPr>
+    <a:lvl5pPr marL="1828800" algn="l" defTabSz="914400" rtl="0" eaLnBrk="1" latinLnBrk="0" hangingPunct="1">
+      <a:defRPr sz="1200" kern="1200">
+        <a:solidFill>
+          <a:schemeClr val="tx1"/>
+        </a:solidFill>
+        <a:latin typeface="+mn-lt"/>
+        <a:ea typeface="+mn-ea"/>
+        <a:cs typeface="+mn-cs"/>
+      </a:defRPr>
+    </a:lvl5pPr>
+    <a:lvl6pPr marL="2286000" algn="l" defTabSz="914400" rtl="0" eaLnBrk="1" latinLnBrk="0" hangingPunct="1">
+      <a:defRPr sz="1200" kern="1200">
+        <a:solidFill>
+          <a:schemeClr val="tx1"/>
+        </a:solidFill>
+        <a:latin typeface="+mn-lt"/>
+        <a:ea typeface="+mn-ea"/>
+        <a:cs typeface="+mn-cs"/>
+      </a:defRPr>
+    </a:lvl6pPr>
+    <a:lvl7pPr marL="2743200" algn="l" defTabSz="914400" rtl="0" eaLnBrk="1" latinLnBrk="0" hangingPunct="1">
+      <a:defRPr sz="1200" kern="1200">
+        <a:solidFill>
+          <a:schemeClr val="tx1"/>
+        </a:solidFill>
+        <a:latin typeface="+mn-lt"/>
+        <a:ea typeface="+mn-ea"/>
+        <a:cs typeface="+mn-cs"/>
+      </a:defRPr>
+    </a:lvl7pPr>
+    <a:lvl8pPr marL="3200400" algn="l" defTabSz="914400" rtl="0" eaLnBrk="1" latinLnBrk="0" hangingPunct="1">
+      <a:defRPr sz="1200" kern="1200">
+        <a:solidFill>
+          <a:schemeClr val="tx1"/>
+        </a:solidFill>
+        <a:latin typeface="+mn-lt"/>
+        <a:ea typeface="+mn-ea"/>
+        <a:cs typeface="+mn-cs"/>
+      </a:defRPr>
+    </a:lvl8pPr>
+    <a:lvl9pPr marL="3657600" algn="l" defTabSz="914400" rtl="0" eaLnBrk="1" latinLnBrk="0" hangingPunct="1">
+      <a:defRPr sz="1200" kern="1200">
+        <a:solidFill>
+          <a:schemeClr val="tx1"/>
+        </a:solidFill>
+        <a:latin typeface="+mn-lt"/>
+        <a:ea typeface="+mn-ea"/>
+        <a:cs typeface="+mn-cs"/>
+      </a:defRPr>
+    </a:lvl9pPr>
+  </p:notesStyle>
+</p:notesMaster>
+</file>
+
+<file path=ppt/notesSlides/notesSlide1.xml><?xml version="1.0" encoding="utf-8"?>
+<p:notes xmlns:a="http://schemas.openxmlformats.org/drawingml/2006/main" xmlns:r="http://schemas.openxmlformats.org/officeDocument/2006/relationships" xmlns:p="http://schemas.openxmlformats.org/presentationml/2006/main">
+  <p:cSld>
+    <p:spTree>
+      <p:nvGrpSpPr>
+        <p:cNvPr id="1" name=""/>
+        <p:cNvGrpSpPr/>
+        <p:nvPr/>
+      </p:nvGrpSpPr>
+      <p:grpSpPr>
+        <a:xfrm>
+          <a:off x="0" y="0"/>
+          <a:ext cx="0" cy="0"/>
+          <a:chOff x="0" y="0"/>
+          <a:chExt cx="0" cy="0"/>
+        </a:xfrm>
+      </p:grpSpPr>
+      <p:sp>
+        <p:nvSpPr>
+          <p:cNvPr id="2" name="幻灯片图像占位符 1"/>
+          <p:cNvSpPr>
+            <a:spLocks noGrp="1" noRot="1" noChangeAspect="1"/>
+          </p:cNvSpPr>
+          <p:nvPr>
+            <p:ph type="sldImg"/>
+          </p:nvPr>
+        </p:nvSpPr>
+        <p:spPr/>
+      </p:sp>
+      <p:sp>
+        <p:nvSpPr>
+          <p:cNvPr id="3" name="备注占位符 2"/>
+          <p:cNvSpPr>
+            <a:spLocks noGrp="1"/>
+          </p:cNvSpPr>
+          <p:nvPr>
+            <p:ph type="body" idx="1"/>
+          </p:nvPr>
+        </p:nvSpPr>
+        <p:spPr/>
+        <p:txBody>
+          <a:bodyPr>
+            <a:normAutofit/>
+          </a:bodyPr>
+          <a:lstStyle/>
+          <a:p>
+            <a:pPr marL="0" marR="0" indent="0" algn="l" defTabSz="914400" rtl="0" eaLnBrk="1" fontAlgn="auto" latinLnBrk="0" hangingPunct="1">
+              <a:lnSpc>
+                <a:spcPct val="100000"/>
+              </a:lnSpc>
+              <a:spcBef>
+                <a:spcPts val="0"/>
+              </a:spcBef>
+              <a:spcAft>
+                <a:spcPts val="0"/>
+              </a:spcAft>
+              <a:buClrTx/>
+              <a:buSzTx/>
+              <a:buFontTx/>
+              <a:buNone/>
+              <a:tabLst/>
+              <a:defRPr/>
+            </a:pPr>
+            <a:r>
+              <a:rPr lang="zh-CN" altLang="en-US" sz="1200" dirty="0" smtClean="0"/>
+              <a:t>我们会先介绍 </a:t>
+            </a:r>
+            <a:r>
+              <a:rPr lang="en-US" sz="1200" dirty="0" err="1" smtClean="0"/>
+              <a:t>Dockerfile</a:t>
+            </a:r>
+            <a:r>
+              <a:rPr lang="en-US" sz="1200" dirty="0" smtClean="0"/>
+              <a:t> </a:t>
+            </a:r>
+            <a:r>
+              <a:rPr lang="zh-CN" altLang="en-US" sz="1200" dirty="0" smtClean="0"/>
+              <a:t>的基本结构及其支持的众多指令，并具体讲解通过执行指令来编写定制镜像的 </a:t>
+            </a:r>
+            <a:r>
+              <a:rPr lang="en-US" sz="1200" dirty="0" err="1" smtClean="0"/>
+              <a:t>Dockerfile</a:t>
+            </a:r>
+            <a:endParaRPr lang="zh-CN" altLang="en-US" dirty="0" smtClean="0"/>
+          </a:p>
+        </p:txBody>
+      </p:sp>
+      <p:sp>
+        <p:nvSpPr>
+          <p:cNvPr id="4" name="灯片编号占位符 3"/>
+          <p:cNvSpPr>
+            <a:spLocks noGrp="1"/>
+          </p:cNvSpPr>
+          <p:nvPr>
+            <p:ph type="sldNum" sz="quarter" idx="10"/>
+          </p:nvPr>
+        </p:nvSpPr>
+        <p:spPr/>
+        <p:txBody>
+          <a:bodyPr/>
+          <a:lstStyle/>
+          <a:p>
+            <a:fld id="{5C07F6E3-1134-492B-BB47-39165E612D99}" type="slidenum">
+              <a:rPr lang="zh-CN" altLang="en-US" smtClean="0"/>
+              <a:t>7</a:t>
+            </a:fld>
+            <a:endParaRPr lang="zh-CN" altLang="en-US"/>
+          </a:p>
+        </p:txBody>
+      </p:sp>
+    </p:spTree>
+  </p:cSld>
+  <p:clrMapOvr>
+    <a:masterClrMapping/>
+  </p:clrMapOvr>
+</p:notes>
+</file>
+
+<file path=ppt/notesSlides/notesSlide2.xml><?xml version="1.0" encoding="utf-8"?>
+<p:notes xmlns:a="http://schemas.openxmlformats.org/drawingml/2006/main" xmlns:r="http://schemas.openxmlformats.org/officeDocument/2006/relationships" xmlns:p="http://schemas.openxmlformats.org/presentationml/2006/main">
+  <p:cSld>
+    <p:spTree>
+      <p:nvGrpSpPr>
+        <p:cNvPr id="1" name=""/>
+        <p:cNvGrpSpPr/>
+        <p:nvPr/>
+      </p:nvGrpSpPr>
+      <p:grpSpPr>
+        <a:xfrm>
+          <a:off x="0" y="0"/>
+          <a:ext cx="0" cy="0"/>
+          <a:chOff x="0" y="0"/>
+          <a:chExt cx="0" cy="0"/>
+        </a:xfrm>
+      </p:grpSpPr>
+      <p:sp>
+        <p:nvSpPr>
+          <p:cNvPr id="2" name="幻灯片图像占位符 1"/>
+          <p:cNvSpPr>
+            <a:spLocks noGrp="1" noRot="1" noChangeAspect="1"/>
+          </p:cNvSpPr>
+          <p:nvPr>
+            <p:ph type="sldImg"/>
+          </p:nvPr>
+        </p:nvSpPr>
+        <p:spPr/>
+      </p:sp>
+      <p:sp>
+        <p:nvSpPr>
+          <p:cNvPr id="3" name="备注占位符 2"/>
+          <p:cNvSpPr>
+            <a:spLocks noGrp="1"/>
+          </p:cNvSpPr>
+          <p:nvPr>
+            <p:ph type="body" idx="1"/>
+          </p:nvPr>
+        </p:nvSpPr>
+        <p:spPr/>
+        <p:txBody>
+          <a:bodyPr>
+            <a:normAutofit/>
+          </a:bodyPr>
+          <a:lstStyle/>
+          <a:p>
+            <a:pPr marL="0" marR="0" indent="0" algn="l" defTabSz="914400" rtl="0" eaLnBrk="1" fontAlgn="auto" latinLnBrk="0" hangingPunct="1">
+              <a:lnSpc>
+                <a:spcPct val="100000"/>
+              </a:lnSpc>
+              <a:spcBef>
+                <a:spcPts val="0"/>
+              </a:spcBef>
+              <a:spcAft>
+                <a:spcPts val="0"/>
+              </a:spcAft>
+              <a:buClrTx/>
+              <a:buSzTx/>
+              <a:buFontTx/>
+              <a:buNone/>
+              <a:tabLst/>
+              <a:defRPr/>
+            </a:pPr>
+            <a:r>
+              <a:rPr lang="en-US" altLang="zh-CN" sz="1200" dirty="0" smtClean="0"/>
+              <a:t>http://47.94.158.99:8080/jpress/c/Docker%E5%9F%BA%E7%A1%80Dockerfile</a:t>
+            </a:r>
+            <a:endParaRPr lang="zh-CN" altLang="en-US" dirty="0" smtClean="0"/>
+          </a:p>
+        </p:txBody>
+      </p:sp>
+      <p:sp>
+        <p:nvSpPr>
+          <p:cNvPr id="4" name="灯片编号占位符 3"/>
+          <p:cNvSpPr>
+            <a:spLocks noGrp="1"/>
+          </p:cNvSpPr>
+          <p:nvPr>
+            <p:ph type="sldNum" sz="quarter" idx="10"/>
+          </p:nvPr>
+        </p:nvSpPr>
+        <p:spPr/>
+        <p:txBody>
+          <a:bodyPr/>
+          <a:lstStyle/>
+          <a:p>
+            <a:fld id="{5C07F6E3-1134-492B-BB47-39165E612D99}" type="slidenum">
+              <a:rPr lang="zh-CN" altLang="en-US" smtClean="0"/>
+              <a:t>8</a:t>
+            </a:fld>
+            <a:endParaRPr lang="zh-CN" altLang="en-US"/>
+          </a:p>
+        </p:txBody>
+      </p:sp>
+    </p:spTree>
+  </p:cSld>
+  <p:clrMapOvr>
+    <a:masterClrMapping/>
+  </p:clrMapOvr>
+</p:notes>
+</file>
+
+<file path=ppt/notesSlides/notesSlide3.xml><?xml version="1.0" encoding="utf-8"?>
+<p:notes xmlns:a="http://schemas.openxmlformats.org/drawingml/2006/main" xmlns:r="http://schemas.openxmlformats.org/officeDocument/2006/relationships" xmlns:p="http://schemas.openxmlformats.org/presentationml/2006/main">
+  <p:cSld>
+    <p:spTree>
+      <p:nvGrpSpPr>
+        <p:cNvPr id="1" name=""/>
+        <p:cNvGrpSpPr/>
+        <p:nvPr/>
+      </p:nvGrpSpPr>
+      <p:grpSpPr>
+        <a:xfrm>
+          <a:off x="0" y="0"/>
+          <a:ext cx="0" cy="0"/>
+          <a:chOff x="0" y="0"/>
+          <a:chExt cx="0" cy="0"/>
+        </a:xfrm>
+      </p:grpSpPr>
+      <p:sp>
+        <p:nvSpPr>
+          <p:cNvPr id="2" name="幻灯片图像占位符 1"/>
+          <p:cNvSpPr>
+            <a:spLocks noGrp="1" noRot="1" noChangeAspect="1"/>
+          </p:cNvSpPr>
+          <p:nvPr>
+            <p:ph type="sldImg"/>
+          </p:nvPr>
+        </p:nvSpPr>
+        <p:spPr/>
+      </p:sp>
+      <p:sp>
+        <p:nvSpPr>
+          <p:cNvPr id="3" name="备注占位符 2"/>
+          <p:cNvSpPr>
+            <a:spLocks noGrp="1"/>
+          </p:cNvSpPr>
+          <p:nvPr>
+            <p:ph type="body" idx="1"/>
+          </p:nvPr>
+        </p:nvSpPr>
+        <p:spPr/>
+        <p:txBody>
+          <a:bodyPr>
+            <a:normAutofit/>
+          </a:bodyPr>
+          <a:lstStyle/>
+          <a:p>
+            <a:pPr marL="0" marR="0" indent="0" algn="l" defTabSz="914400" rtl="0" eaLnBrk="1" fontAlgn="auto" latinLnBrk="0" hangingPunct="1">
+              <a:lnSpc>
+                <a:spcPct val="100000"/>
+              </a:lnSpc>
+              <a:spcBef>
+                <a:spcPts val="0"/>
+              </a:spcBef>
+              <a:spcAft>
+                <a:spcPts val="0"/>
+              </a:spcAft>
+              <a:buClrTx/>
+              <a:buSzTx/>
+              <a:buFontTx/>
+              <a:buNone/>
+              <a:tabLst/>
+              <a:defRPr/>
+            </a:pPr>
+            <a:r>
+              <a:rPr lang="en-US" altLang="zh-CN" sz="1200" dirty="0" smtClean="0"/>
+              <a:t>http://47.94.158.99:8080/jpress/c/Docker%E5%9F%BA%E7%A1%80Dockerfile</a:t>
+            </a:r>
+            <a:endParaRPr lang="zh-CN" altLang="en-US" dirty="0" smtClean="0"/>
+          </a:p>
+        </p:txBody>
+      </p:sp>
+      <p:sp>
+        <p:nvSpPr>
+          <p:cNvPr id="4" name="灯片编号占位符 3"/>
+          <p:cNvSpPr>
+            <a:spLocks noGrp="1"/>
+          </p:cNvSpPr>
+          <p:nvPr>
+            <p:ph type="sldNum" sz="quarter" idx="10"/>
+          </p:nvPr>
+        </p:nvSpPr>
+        <p:spPr/>
+        <p:txBody>
+          <a:bodyPr/>
+          <a:lstStyle/>
+          <a:p>
+            <a:fld id="{5C07F6E3-1134-492B-BB47-39165E612D99}" type="slidenum">
+              <a:rPr lang="zh-CN" altLang="en-US" smtClean="0"/>
+              <a:t>9</a:t>
+            </a:fld>
+            <a:endParaRPr lang="zh-CN" altLang="en-US"/>
+          </a:p>
+        </p:txBody>
+      </p:sp>
+    </p:spTree>
+  </p:cSld>
+  <p:clrMapOvr>
+    <a:masterClrMapping/>
+  </p:clrMapOvr>
+</p:notes>
+</file>
+
+<file path=ppt/notesSlides/notesSlide4.xml><?xml version="1.0" encoding="utf-8"?>
+<p:notes xmlns:a="http://schemas.openxmlformats.org/drawingml/2006/main" xmlns:r="http://schemas.openxmlformats.org/officeDocument/2006/relationships" xmlns:p="http://schemas.openxmlformats.org/presentationml/2006/main">
+  <p:cSld>
+    <p:spTree>
+      <p:nvGrpSpPr>
+        <p:cNvPr id="1" name=""/>
+        <p:cNvGrpSpPr/>
+        <p:nvPr/>
+      </p:nvGrpSpPr>
+      <p:grpSpPr>
+        <a:xfrm>
+          <a:off x="0" y="0"/>
+          <a:ext cx="0" cy="0"/>
+          <a:chOff x="0" y="0"/>
+          <a:chExt cx="0" cy="0"/>
+        </a:xfrm>
+      </p:grpSpPr>
+      <p:sp>
+        <p:nvSpPr>
+          <p:cNvPr id="2" name="幻灯片图像占位符 1"/>
+          <p:cNvSpPr>
+            <a:spLocks noGrp="1" noRot="1" noChangeAspect="1"/>
+          </p:cNvSpPr>
+          <p:nvPr>
+            <p:ph type="sldImg"/>
+          </p:nvPr>
+        </p:nvSpPr>
+        <p:spPr/>
+      </p:sp>
+      <p:sp>
+        <p:nvSpPr>
+          <p:cNvPr id="3" name="备注占位符 2"/>
+          <p:cNvSpPr>
+            <a:spLocks noGrp="1"/>
+          </p:cNvSpPr>
+          <p:nvPr>
+            <p:ph type="body" idx="1"/>
+          </p:nvPr>
+        </p:nvSpPr>
+        <p:spPr/>
+        <p:txBody>
+          <a:bodyPr>
+            <a:normAutofit/>
+          </a:bodyPr>
+          <a:lstStyle/>
+          <a:p>
+            <a:endParaRPr lang="zh-CN" altLang="en-US" dirty="0"/>
+          </a:p>
+        </p:txBody>
+      </p:sp>
+      <p:sp>
+        <p:nvSpPr>
+          <p:cNvPr id="4" name="灯片编号占位符 3"/>
+          <p:cNvSpPr>
+            <a:spLocks noGrp="1"/>
+          </p:cNvSpPr>
+          <p:nvPr>
+            <p:ph type="sldNum" sz="quarter" idx="10"/>
+          </p:nvPr>
+        </p:nvSpPr>
+        <p:spPr/>
+        <p:txBody>
+          <a:bodyPr/>
+          <a:lstStyle/>
+          <a:p>
+            <a:fld id="{5C07F6E3-1134-492B-BB47-39165E612D99}" type="slidenum">
+              <a:rPr lang="zh-CN" altLang="en-US" smtClean="0"/>
+              <a:t>10</a:t>
+            </a:fld>
+            <a:endParaRPr lang="zh-CN" altLang="en-US"/>
+          </a:p>
+        </p:txBody>
+      </p:sp>
+    </p:spTree>
+  </p:cSld>
+  <p:clrMapOvr>
+    <a:masterClrMapping/>
+  </p:clrMapOvr>
+</p:notes>
+</file>
+
+<file path=ppt/notesSlides/notesSlide5.xml><?xml version="1.0" encoding="utf-8"?>
+<p:notes xmlns:a="http://schemas.openxmlformats.org/drawingml/2006/main" xmlns:r="http://schemas.openxmlformats.org/officeDocument/2006/relationships" xmlns:p="http://schemas.openxmlformats.org/presentationml/2006/main">
+  <p:cSld>
+    <p:spTree>
+      <p:nvGrpSpPr>
+        <p:cNvPr id="1" name=""/>
+        <p:cNvGrpSpPr/>
+        <p:nvPr/>
+      </p:nvGrpSpPr>
+      <p:grpSpPr>
+        <a:xfrm>
+          <a:off x="0" y="0"/>
+          <a:ext cx="0" cy="0"/>
+          <a:chOff x="0" y="0"/>
+          <a:chExt cx="0" cy="0"/>
+        </a:xfrm>
+      </p:grpSpPr>
+      <p:sp>
+        <p:nvSpPr>
+          <p:cNvPr id="2" name="幻灯片图像占位符 1"/>
+          <p:cNvSpPr>
+            <a:spLocks noGrp="1" noRot="1" noChangeAspect="1"/>
+          </p:cNvSpPr>
+          <p:nvPr>
+            <p:ph type="sldImg"/>
+          </p:nvPr>
+        </p:nvSpPr>
+        <p:spPr/>
+      </p:sp>
+      <p:sp>
+        <p:nvSpPr>
+          <p:cNvPr id="3" name="备注占位符 2"/>
+          <p:cNvSpPr>
+            <a:spLocks noGrp="1"/>
+          </p:cNvSpPr>
+          <p:nvPr>
+            <p:ph type="body" idx="1"/>
+          </p:nvPr>
+        </p:nvSpPr>
+        <p:spPr/>
+        <p:txBody>
+          <a:bodyPr>
+            <a:normAutofit/>
+          </a:bodyPr>
+          <a:lstStyle/>
+          <a:p>
+            <a:endParaRPr lang="zh-CN" altLang="en-US" dirty="0"/>
+          </a:p>
+        </p:txBody>
+      </p:sp>
+      <p:sp>
+        <p:nvSpPr>
+          <p:cNvPr id="4" name="灯片编号占位符 3"/>
+          <p:cNvSpPr>
+            <a:spLocks noGrp="1"/>
+          </p:cNvSpPr>
+          <p:nvPr>
+            <p:ph type="sldNum" sz="quarter" idx="10"/>
+          </p:nvPr>
+        </p:nvSpPr>
+        <p:spPr/>
+        <p:txBody>
+          <a:bodyPr/>
+          <a:lstStyle/>
+          <a:p>
+            <a:fld id="{5C07F6E3-1134-492B-BB47-39165E612D99}" type="slidenum">
+              <a:rPr lang="zh-CN" altLang="en-US" smtClean="0"/>
+              <a:t>11</a:t>
+            </a:fld>
+            <a:endParaRPr lang="zh-CN" altLang="en-US"/>
+          </a:p>
+        </p:txBody>
+      </p:sp>
+    </p:spTree>
+  </p:cSld>
+  <p:clrMapOvr>
+    <a:masterClrMapping/>
+  </p:clrMapOvr>
+</p:notes>
+</file>
+
+<file path=ppt/notesSlides/notesSlide6.xml><?xml version="1.0" encoding="utf-8"?>
+<p:notes xmlns:a="http://schemas.openxmlformats.org/drawingml/2006/main" xmlns:r="http://schemas.openxmlformats.org/officeDocument/2006/relationships" xmlns:p="http://schemas.openxmlformats.org/presentationml/2006/main">
+  <p:cSld>
+    <p:spTree>
+      <p:nvGrpSpPr>
+        <p:cNvPr id="1" name=""/>
+        <p:cNvGrpSpPr/>
+        <p:nvPr/>
+      </p:nvGrpSpPr>
+      <p:grpSpPr>
+        <a:xfrm>
+          <a:off x="0" y="0"/>
+          <a:ext cx="0" cy="0"/>
+          <a:chOff x="0" y="0"/>
+          <a:chExt cx="0" cy="0"/>
+        </a:xfrm>
+      </p:grpSpPr>
+      <p:sp>
+        <p:nvSpPr>
+          <p:cNvPr id="2" name="幻灯片图像占位符 1"/>
+          <p:cNvSpPr>
+            <a:spLocks noGrp="1" noRot="1" noChangeAspect="1"/>
+          </p:cNvSpPr>
+          <p:nvPr>
+            <p:ph type="sldImg"/>
+          </p:nvPr>
+        </p:nvSpPr>
+        <p:spPr/>
+      </p:sp>
+      <p:sp>
+        <p:nvSpPr>
+          <p:cNvPr id="3" name="备注占位符 2"/>
+          <p:cNvSpPr>
+            <a:spLocks noGrp="1"/>
+          </p:cNvSpPr>
+          <p:nvPr>
+            <p:ph type="body" idx="1"/>
+          </p:nvPr>
+        </p:nvSpPr>
+        <p:spPr/>
+        <p:txBody>
+          <a:bodyPr>
+            <a:normAutofit/>
+          </a:bodyPr>
+          <a:lstStyle/>
+          <a:p>
+            <a:endParaRPr lang="zh-CN" altLang="en-US" dirty="0"/>
+          </a:p>
+        </p:txBody>
+      </p:sp>
+      <p:sp>
+        <p:nvSpPr>
+          <p:cNvPr id="4" name="灯片编号占位符 3"/>
+          <p:cNvSpPr>
+            <a:spLocks noGrp="1"/>
+          </p:cNvSpPr>
+          <p:nvPr>
+            <p:ph type="sldNum" sz="quarter" idx="10"/>
+          </p:nvPr>
+        </p:nvSpPr>
+        <p:spPr/>
+        <p:txBody>
+          <a:bodyPr/>
+          <a:lstStyle/>
+          <a:p>
+            <a:fld id="{5C07F6E3-1134-492B-BB47-39165E612D99}" type="slidenum">
+              <a:rPr lang="zh-CN" altLang="en-US" smtClean="0"/>
+              <a:t>12</a:t>
+            </a:fld>
+            <a:endParaRPr lang="zh-CN" altLang="en-US"/>
+          </a:p>
+        </p:txBody>
+      </p:sp>
+    </p:spTree>
+  </p:cSld>
+  <p:clrMapOvr>
+    <a:masterClrMapping/>
+  </p:clrMapOvr>
+</p:notes>
+</file>
+
 <file path=ppt/slideLayouts/slideLayout1.xml><?xml version="1.0" encoding="utf-8"?>
 <p:sldLayout xmlns:a="http://schemas.openxmlformats.org/drawingml/2006/main" xmlns:r="http://schemas.openxmlformats.org/officeDocument/2006/relationships" xmlns:p="http://schemas.openxmlformats.org/presentationml/2006/main" type="title" preserve="1">
   <p:cSld name="标题幻灯片">
@@ -298,7 +1219,7 @@
             <a:fld id="{530820CF-B880-4189-942D-D702A7CBA730}" type="datetimeFigureOut">
               <a:rPr lang="zh-CN" altLang="en-US" smtClean="0"/>
               <a:pPr/>
-              <a:t>2018/3/9</a:t>
+              <a:t>2018/3/12</a:t>
             </a:fld>
             <a:endParaRPr lang="zh-CN" altLang="en-US"/>
           </a:p>
@@ -465,7 +1386,7 @@
             <a:fld id="{530820CF-B880-4189-942D-D702A7CBA730}" type="datetimeFigureOut">
               <a:rPr lang="zh-CN" altLang="en-US" smtClean="0"/>
               <a:pPr/>
-              <a:t>2018/3/9</a:t>
+              <a:t>2018/3/12</a:t>
             </a:fld>
             <a:endParaRPr lang="zh-CN" altLang="en-US"/>
           </a:p>
@@ -642,7 +1563,7 @@
             <a:fld id="{530820CF-B880-4189-942D-D702A7CBA730}" type="datetimeFigureOut">
               <a:rPr lang="zh-CN" altLang="en-US" smtClean="0"/>
               <a:pPr/>
-              <a:t>2018/3/9</a:t>
+              <a:t>2018/3/12</a:t>
             </a:fld>
             <a:endParaRPr lang="zh-CN" altLang="en-US"/>
           </a:p>
@@ -809,7 +1730,7 @@
             <a:fld id="{530820CF-B880-4189-942D-D702A7CBA730}" type="datetimeFigureOut">
               <a:rPr lang="zh-CN" altLang="en-US" smtClean="0"/>
               <a:pPr/>
-              <a:t>2018/3/9</a:t>
+              <a:t>2018/3/12</a:t>
             </a:fld>
             <a:endParaRPr lang="zh-CN" altLang="en-US"/>
           </a:p>
@@ -1052,7 +1973,7 @@
             <a:fld id="{530820CF-B880-4189-942D-D702A7CBA730}" type="datetimeFigureOut">
               <a:rPr lang="zh-CN" altLang="en-US" smtClean="0"/>
               <a:pPr/>
-              <a:t>2018/3/9</a:t>
+              <a:t>2018/3/12</a:t>
             </a:fld>
             <a:endParaRPr lang="zh-CN" altLang="en-US"/>
           </a:p>
@@ -1337,7 +2258,7 @@
             <a:fld id="{530820CF-B880-4189-942D-D702A7CBA730}" type="datetimeFigureOut">
               <a:rPr lang="zh-CN" altLang="en-US" smtClean="0"/>
               <a:pPr/>
-              <a:t>2018/3/9</a:t>
+              <a:t>2018/3/12</a:t>
             </a:fld>
             <a:endParaRPr lang="zh-CN" altLang="en-US"/>
           </a:p>
@@ -1756,7 +2677,7 @@
             <a:fld id="{530820CF-B880-4189-942D-D702A7CBA730}" type="datetimeFigureOut">
               <a:rPr lang="zh-CN" altLang="en-US" smtClean="0"/>
               <a:pPr/>
-              <a:t>2018/3/9</a:t>
+              <a:t>2018/3/12</a:t>
             </a:fld>
             <a:endParaRPr lang="zh-CN" altLang="en-US"/>
           </a:p>
@@ -1871,7 +2792,7 @@
             <a:fld id="{530820CF-B880-4189-942D-D702A7CBA730}" type="datetimeFigureOut">
               <a:rPr lang="zh-CN" altLang="en-US" smtClean="0"/>
               <a:pPr/>
-              <a:t>2018/3/9</a:t>
+              <a:t>2018/3/12</a:t>
             </a:fld>
             <a:endParaRPr lang="zh-CN" altLang="en-US"/>
           </a:p>
@@ -1963,7 +2884,7 @@
             <a:fld id="{530820CF-B880-4189-942D-D702A7CBA730}" type="datetimeFigureOut">
               <a:rPr lang="zh-CN" altLang="en-US" smtClean="0"/>
               <a:pPr/>
-              <a:t>2018/3/9</a:t>
+              <a:t>2018/3/12</a:t>
             </a:fld>
             <a:endParaRPr lang="zh-CN" altLang="en-US"/>
           </a:p>
@@ -2237,7 +3158,7 @@
             <a:fld id="{530820CF-B880-4189-942D-D702A7CBA730}" type="datetimeFigureOut">
               <a:rPr lang="zh-CN" altLang="en-US" smtClean="0"/>
               <a:pPr/>
-              <a:t>2018/3/9</a:t>
+              <a:t>2018/3/12</a:t>
             </a:fld>
             <a:endParaRPr lang="zh-CN" altLang="en-US"/>
           </a:p>
@@ -2487,7 +3408,7 @@
             <a:fld id="{530820CF-B880-4189-942D-D702A7CBA730}" type="datetimeFigureOut">
               <a:rPr lang="zh-CN" altLang="en-US" smtClean="0"/>
               <a:pPr/>
-              <a:t>2018/3/9</a:t>
+              <a:t>2018/3/12</a:t>
             </a:fld>
             <a:endParaRPr lang="zh-CN" altLang="en-US"/>
           </a:p>
@@ -2697,7 +3618,7 @@
             <a:fld id="{530820CF-B880-4189-942D-D702A7CBA730}" type="datetimeFigureOut">
               <a:rPr lang="zh-CN" altLang="en-US" smtClean="0"/>
               <a:pPr/>
-              <a:t>2018/3/9</a:t>
+              <a:t>2018/3/12</a:t>
             </a:fld>
             <a:endParaRPr lang="zh-CN" altLang="en-US"/>
           </a:p>
@@ -3176,7 +4097,11 @@
             </a:r>
             <a:r>
               <a:rPr lang="zh-CN" altLang="en-US" sz="3200" dirty="0" smtClean="0"/>
-              <a:t> 集群</a:t>
+              <a:t> </a:t>
+            </a:r>
+            <a:r>
+              <a:rPr lang="zh-CN" altLang="en-US" sz="3200" dirty="0" smtClean="0"/>
+              <a:t>数据管理</a:t>
             </a:r>
             <a:endParaRPr lang="zh-CN" altLang="en-US" sz="3200" dirty="0"/>
           </a:p>
@@ -3190,6 +4115,454 @@
           </p:cNvSpPr>
           <p:nvPr>
             <p:ph idx="1"/>
+          </p:nvPr>
+        </p:nvSpPr>
+        <p:spPr/>
+        <p:txBody>
+          <a:bodyPr>
+            <a:normAutofit lnSpcReduction="10000"/>
+          </a:bodyPr>
+          <a:lstStyle/>
+          <a:p>
+            <a:pPr>
+              <a:buNone/>
+            </a:pPr>
+            <a:r>
+              <a:rPr lang="en-US" altLang="zh-CN" sz="1400" dirty="0" smtClean="0"/>
+              <a:t>	         </a:t>
+            </a:r>
+            <a:r>
+              <a:rPr lang="zh-CN" altLang="en-US" sz="1400" dirty="0" smtClean="0"/>
+              <a:t>在</a:t>
+            </a:r>
+            <a:r>
+              <a:rPr lang="zh-CN" altLang="en-US" sz="1400" dirty="0" smtClean="0"/>
+              <a:t>使用 </a:t>
+            </a:r>
+            <a:r>
+              <a:rPr lang="en-US" altLang="zh-CN" sz="1400" dirty="0" err="1" smtClean="0"/>
+              <a:t>Docker</a:t>
+            </a:r>
+            <a:r>
+              <a:rPr lang="en-US" altLang="zh-CN" sz="1400" dirty="0" smtClean="0"/>
+              <a:t> </a:t>
+            </a:r>
+            <a:r>
+              <a:rPr lang="zh-CN" altLang="en-US" sz="1400" dirty="0" smtClean="0"/>
+              <a:t>的过程中往往需要查看容器内应用产生的数据，例如输出日志等等。或者需要把容器内的数据进行备份，甚至多个容器之间进行数据共享。这些操作都涉及到数据管理操作</a:t>
+            </a:r>
+            <a:r>
+              <a:rPr lang="zh-CN" altLang="en-US" sz="1400" dirty="0" smtClean="0"/>
+              <a:t>。</a:t>
+            </a:r>
+            <a:endParaRPr lang="en-US" altLang="zh-CN" sz="1400" dirty="0" smtClean="0"/>
+          </a:p>
+          <a:p>
+            <a:pPr>
+              <a:buNone/>
+            </a:pPr>
+            <a:endParaRPr lang="en-US" altLang="zh-CN" sz="1400" dirty="0" smtClean="0"/>
+          </a:p>
+          <a:p>
+            <a:pPr>
+              <a:buNone/>
+            </a:pPr>
+            <a:r>
+              <a:rPr lang="en-US" altLang="zh-CN" sz="1400" dirty="0" smtClean="0"/>
+              <a:t>	</a:t>
+            </a:r>
+            <a:r>
+              <a:rPr lang="zh-CN" altLang="en-US" sz="1400" dirty="0" smtClean="0"/>
+              <a:t>容器</a:t>
+            </a:r>
+            <a:r>
+              <a:rPr lang="zh-CN" altLang="en-US" sz="1400" dirty="0" smtClean="0"/>
+              <a:t>中数据管理主要有两种方式</a:t>
+            </a:r>
+            <a:r>
+              <a:rPr lang="zh-CN" altLang="en-US" sz="1400" dirty="0" smtClean="0"/>
+              <a:t>：</a:t>
+            </a:r>
+            <a:endParaRPr lang="en-US" altLang="zh-CN" sz="1400" dirty="0" smtClean="0"/>
+          </a:p>
+          <a:p>
+            <a:pPr>
+              <a:buNone/>
+            </a:pPr>
+            <a:endParaRPr lang="en-US" altLang="zh-CN" sz="1400" dirty="0" smtClean="0"/>
+          </a:p>
+          <a:p>
+            <a:pPr>
+              <a:buNone/>
+            </a:pPr>
+            <a:r>
+              <a:rPr lang="en-US" altLang="zh-CN" sz="1400" dirty="0" smtClean="0"/>
+              <a:t>	         </a:t>
+            </a:r>
+            <a:r>
+              <a:rPr lang="zh-CN" altLang="en-US" sz="1400" b="1" i="1" dirty="0" smtClean="0"/>
+              <a:t>数据卷（</a:t>
+            </a:r>
+            <a:r>
+              <a:rPr lang="en-US" altLang="zh-CN" sz="1400" b="1" i="1" dirty="0" smtClean="0"/>
+              <a:t>Data Volumes</a:t>
+            </a:r>
+            <a:r>
+              <a:rPr lang="zh-CN" altLang="en-US" sz="1400" b="1" i="1" dirty="0" smtClean="0"/>
+              <a:t>）</a:t>
+            </a:r>
+            <a:endParaRPr lang="en-US" altLang="zh-CN" sz="1400" b="1" i="1" dirty="0" smtClean="0"/>
+          </a:p>
+          <a:p>
+            <a:pPr>
+              <a:buNone/>
+            </a:pPr>
+            <a:r>
+              <a:rPr lang="en-US" altLang="zh-CN" sz="1400" dirty="0" smtClean="0"/>
+              <a:t>		   Volume</a:t>
+            </a:r>
+            <a:r>
+              <a:rPr lang="zh-CN" altLang="en-US" sz="1400" dirty="0" smtClean="0"/>
+              <a:t>提供独立于容器之外的持久化存储，支持容器间数据共享</a:t>
+            </a:r>
+            <a:r>
+              <a:rPr lang="zh-CN" altLang="en-US" sz="1400" dirty="0" smtClean="0"/>
+              <a:t>。</a:t>
+            </a:r>
+            <a:endParaRPr lang="en-US" altLang="zh-CN" sz="1400" dirty="0" smtClean="0"/>
+          </a:p>
+          <a:p>
+            <a:pPr>
+              <a:buNone/>
+            </a:pPr>
+            <a:r>
+              <a:rPr lang="en-US" altLang="zh-CN" sz="1400" dirty="0" smtClean="0"/>
+              <a:t>		   </a:t>
+            </a:r>
+            <a:r>
+              <a:rPr lang="zh-CN" altLang="en-US" sz="1400" dirty="0" smtClean="0"/>
+              <a:t>数据</a:t>
+            </a:r>
+            <a:r>
+              <a:rPr lang="zh-CN" altLang="en-US" sz="1400" dirty="0" smtClean="0"/>
+              <a:t>卷的使用类似</a:t>
+            </a:r>
+            <a:r>
+              <a:rPr lang="en-US" altLang="zh-CN" sz="1400" dirty="0" smtClean="0"/>
+              <a:t>Linux</a:t>
+            </a:r>
+            <a:r>
+              <a:rPr lang="zh-CN" altLang="en-US" sz="1400" dirty="0" smtClean="0"/>
+              <a:t>对目录或者文件进行</a:t>
+            </a:r>
+            <a:r>
+              <a:rPr lang="en-US" altLang="zh-CN" sz="1400" dirty="0" smtClean="0"/>
+              <a:t>mount</a:t>
+            </a:r>
+            <a:r>
+              <a:rPr lang="zh-CN" altLang="en-US" sz="1400" dirty="0" smtClean="0"/>
+              <a:t>操作。</a:t>
+            </a:r>
+            <a:endParaRPr lang="en-US" altLang="zh-CN" sz="1400" dirty="0" smtClean="0"/>
+          </a:p>
+          <a:p>
+            <a:pPr>
+              <a:buNone/>
+            </a:pPr>
+            <a:r>
+              <a:rPr lang="en-US" altLang="zh-CN" sz="1400" dirty="0" smtClean="0"/>
+              <a:t>	</a:t>
+            </a:r>
+            <a:r>
+              <a:rPr lang="en-US" altLang="zh-CN" sz="1400" dirty="0" smtClean="0"/>
+              <a:t>	   </a:t>
+            </a:r>
+            <a:r>
+              <a:rPr lang="zh-CN" altLang="en-US" sz="1400" dirty="0" smtClean="0"/>
+              <a:t>数据</a:t>
+            </a:r>
+            <a:r>
+              <a:rPr lang="zh-CN" altLang="en-US" sz="1400" dirty="0" smtClean="0"/>
+              <a:t>卷可以绕</a:t>
+            </a:r>
+            <a:r>
+              <a:rPr lang="zh-CN" altLang="en-US" sz="1400" dirty="0" smtClean="0"/>
+              <a:t>过容器的文件系统</a:t>
+            </a:r>
+            <a:r>
+              <a:rPr lang="zh-CN" altLang="en-US" sz="1400" dirty="0" smtClean="0"/>
+              <a:t>，并提供很多特性</a:t>
+            </a:r>
+            <a:r>
+              <a:rPr lang="zh-CN" altLang="en-US" sz="1400" dirty="0" smtClean="0"/>
+              <a:t>：</a:t>
+            </a:r>
+            <a:endParaRPr lang="en-US" altLang="zh-CN" sz="1400" dirty="0" smtClean="0"/>
+          </a:p>
+          <a:p>
+            <a:pPr>
+              <a:buNone/>
+            </a:pPr>
+            <a:r>
+              <a:rPr lang="en-US" altLang="zh-CN" sz="1400" dirty="0" smtClean="0"/>
+              <a:t>		        1.</a:t>
+            </a:r>
+            <a:r>
+              <a:rPr lang="zh-CN" altLang="en-US" sz="1400" dirty="0" smtClean="0"/>
+              <a:t>数据</a:t>
+            </a:r>
+            <a:r>
+              <a:rPr lang="zh-CN" altLang="en-US" sz="1400" dirty="0" smtClean="0"/>
+              <a:t>卷可以在容器之间共享</a:t>
+            </a:r>
+            <a:r>
+              <a:rPr lang="zh-CN" altLang="en-US" sz="1400" dirty="0" smtClean="0"/>
+              <a:t>和重用；</a:t>
+            </a:r>
+            <a:endParaRPr lang="en-US" altLang="zh-CN" sz="1400" dirty="0" smtClean="0"/>
+          </a:p>
+          <a:p>
+            <a:pPr>
+              <a:buNone/>
+            </a:pPr>
+            <a:r>
+              <a:rPr lang="en-US" altLang="zh-CN" sz="1400" dirty="0" smtClean="0"/>
+              <a:t>	</a:t>
+            </a:r>
+            <a:r>
+              <a:rPr lang="en-US" altLang="zh-CN" sz="1400" dirty="0" smtClean="0"/>
+              <a:t>	        2</a:t>
+            </a:r>
+            <a:r>
+              <a:rPr lang="en-US" altLang="zh-CN" sz="1400" dirty="0" smtClean="0"/>
+              <a:t>.</a:t>
+            </a:r>
+            <a:r>
+              <a:rPr lang="zh-CN" altLang="en-US" sz="1400" dirty="0" smtClean="0"/>
+              <a:t>对数据卷的更改会立即</a:t>
+            </a:r>
+            <a:r>
+              <a:rPr lang="zh-CN" altLang="en-US" sz="1400" dirty="0" smtClean="0"/>
+              <a:t>生效；</a:t>
+            </a:r>
+            <a:r>
+              <a:rPr lang="zh-CN" altLang="en-US" sz="1400" dirty="0" smtClean="0"/>
+              <a:t/>
+            </a:r>
+            <a:br>
+              <a:rPr lang="zh-CN" altLang="en-US" sz="1400" dirty="0" smtClean="0"/>
+            </a:br>
+            <a:r>
+              <a:rPr lang="zh-CN" altLang="en-US" sz="1400" dirty="0" smtClean="0"/>
+              <a:t>       </a:t>
+            </a:r>
+            <a:r>
+              <a:rPr lang="en-US" altLang="zh-CN" sz="1400" dirty="0" smtClean="0"/>
+              <a:t>	        3</a:t>
+            </a:r>
+            <a:r>
+              <a:rPr lang="en-US" altLang="zh-CN" sz="1400" dirty="0" smtClean="0"/>
+              <a:t>.</a:t>
+            </a:r>
+            <a:r>
+              <a:rPr lang="zh-CN" altLang="en-US" sz="1400" dirty="0" smtClean="0"/>
+              <a:t>对数据卷的更新不会影响</a:t>
+            </a:r>
+            <a:r>
+              <a:rPr lang="zh-CN" altLang="en-US" sz="1400" dirty="0" smtClean="0"/>
+              <a:t>镜像；</a:t>
+            </a:r>
+            <a:r>
+              <a:rPr lang="zh-CN" altLang="en-US" sz="1400" dirty="0" smtClean="0"/>
+              <a:t/>
+            </a:r>
+            <a:br>
+              <a:rPr lang="zh-CN" altLang="en-US" sz="1400" dirty="0" smtClean="0"/>
+            </a:br>
+            <a:r>
+              <a:rPr lang="zh-CN" altLang="en-US" sz="1400" dirty="0" smtClean="0"/>
+              <a:t>       </a:t>
+            </a:r>
+            <a:r>
+              <a:rPr lang="en-US" altLang="zh-CN" sz="1400" dirty="0" smtClean="0"/>
+              <a:t>	        4</a:t>
+            </a:r>
+            <a:r>
+              <a:rPr lang="en-US" altLang="zh-CN" sz="1400" dirty="0" smtClean="0"/>
+              <a:t>.</a:t>
+            </a:r>
+            <a:r>
+              <a:rPr lang="zh-CN" altLang="en-US" sz="1400" dirty="0" smtClean="0"/>
+              <a:t>数据卷会一直存在，直到没有容器使用</a:t>
+            </a:r>
+            <a:r>
+              <a:rPr lang="zh-CN" altLang="en-US" sz="1400" dirty="0" smtClean="0"/>
+              <a:t>。</a:t>
+            </a:r>
+            <a:endParaRPr lang="en-US" altLang="zh-CN" sz="1400" dirty="0" smtClean="0"/>
+          </a:p>
+          <a:p>
+            <a:pPr>
+              <a:buNone/>
+            </a:pPr>
+            <a:r>
+              <a:rPr lang="en-US" altLang="zh-CN" sz="1400" dirty="0" smtClean="0"/>
+              <a:t>	</a:t>
+            </a:r>
+            <a:r>
+              <a:rPr lang="en-US" altLang="zh-CN" sz="1400" dirty="0" smtClean="0"/>
+              <a:t>	</a:t>
+            </a:r>
+          </a:p>
+          <a:p>
+            <a:pPr>
+              <a:buNone/>
+            </a:pPr>
+            <a:r>
+              <a:rPr lang="en-US" altLang="zh-CN" sz="1400" dirty="0" smtClean="0"/>
+              <a:t>	 </a:t>
+            </a:r>
+            <a:r>
+              <a:rPr lang="en-US" altLang="zh-CN" sz="1400" dirty="0" smtClean="0"/>
+              <a:t>        </a:t>
+            </a:r>
+            <a:r>
+              <a:rPr lang="zh-CN" altLang="en-US" sz="1400" b="1" i="1" dirty="0" smtClean="0"/>
+              <a:t>数据</a:t>
+            </a:r>
+            <a:r>
+              <a:rPr lang="zh-CN" altLang="en-US" sz="1400" b="1" i="1" dirty="0" smtClean="0"/>
+              <a:t>卷</a:t>
+            </a:r>
+            <a:r>
+              <a:rPr lang="zh-CN" altLang="en-US" sz="1400" b="1" i="1" dirty="0" smtClean="0"/>
+              <a:t>容器（</a:t>
+            </a:r>
+            <a:r>
+              <a:rPr lang="en-US" altLang="zh-CN" sz="1400" b="1" i="1" dirty="0" smtClean="0"/>
+              <a:t>Data Volume Containers</a:t>
+            </a:r>
+            <a:r>
+              <a:rPr lang="zh-CN" altLang="en-US" sz="1400" b="1" i="1" dirty="0" smtClean="0"/>
+              <a:t>）</a:t>
+            </a:r>
+            <a:endParaRPr lang="en-US" altLang="zh-CN" sz="1400" b="1" i="1" dirty="0" smtClean="0"/>
+          </a:p>
+          <a:p>
+            <a:pPr>
+              <a:buNone/>
+            </a:pPr>
+            <a:r>
+              <a:rPr lang="en-US" altLang="zh-CN" sz="1400" dirty="0" smtClean="0"/>
+              <a:t>	</a:t>
+            </a:r>
+            <a:r>
+              <a:rPr lang="en-US" altLang="zh-CN" sz="1400" dirty="0" smtClean="0"/>
+              <a:t>	   </a:t>
+            </a:r>
+            <a:r>
+              <a:rPr lang="zh-CN" altLang="en-US" sz="1400" dirty="0" smtClean="0"/>
+              <a:t>在</a:t>
+            </a:r>
+            <a:r>
+              <a:rPr lang="zh-CN" altLang="en-US" sz="1400" dirty="0" smtClean="0"/>
+              <a:t>容器之间共享一些持续更新的数据，最简单的方式是使用数据卷容器</a:t>
+            </a:r>
+            <a:r>
+              <a:rPr lang="zh-CN" altLang="en-US" sz="1400" dirty="0" smtClean="0"/>
+              <a:t>。</a:t>
+            </a:r>
+            <a:endParaRPr lang="en-US" altLang="zh-CN" sz="1400" dirty="0" smtClean="0"/>
+          </a:p>
+          <a:p>
+            <a:pPr>
+              <a:buNone/>
+            </a:pPr>
+            <a:r>
+              <a:rPr lang="en-US" altLang="zh-CN" sz="1400" dirty="0" smtClean="0"/>
+              <a:t>	</a:t>
+            </a:r>
+            <a:r>
+              <a:rPr lang="en-US" altLang="zh-CN" sz="1400" dirty="0" smtClean="0"/>
+              <a:t>	   </a:t>
+            </a:r>
+            <a:r>
+              <a:rPr lang="zh-CN" altLang="en-US" sz="1400" dirty="0" smtClean="0"/>
+              <a:t>数据</a:t>
+            </a:r>
+            <a:r>
+              <a:rPr lang="zh-CN" altLang="en-US" sz="1400" dirty="0" smtClean="0"/>
+              <a:t>卷容器其实就是一个普通的容器，专门用它提供数据卷供其他容器挂载。</a:t>
+            </a:r>
+            <a:endParaRPr lang="en-US" altLang="zh-CN" sz="1400" dirty="0" smtClean="0"/>
+          </a:p>
+          <a:p>
+            <a:pPr>
+              <a:buNone/>
+            </a:pPr>
+            <a:r>
+              <a:rPr lang="en-US" altLang="zh-CN" sz="1400" dirty="0" smtClean="0"/>
+              <a:t>		</a:t>
+            </a:r>
+            <a:endParaRPr lang="en-US" altLang="zh-CN" sz="1400" dirty="0" smtClean="0"/>
+          </a:p>
+          <a:p>
+            <a:pPr>
+              <a:buNone/>
+            </a:pPr>
+            <a:r>
+              <a:rPr lang="en-US" altLang="zh-CN" sz="1400" dirty="0" smtClean="0"/>
+              <a:t>	</a:t>
+            </a:r>
+          </a:p>
+          <a:p>
+            <a:pPr>
+              <a:buNone/>
+            </a:pPr>
+            <a:endParaRPr lang="en-US" altLang="zh-CN" sz="2000" dirty="0" smtClean="0"/>
+          </a:p>
+        </p:txBody>
+      </p:sp>
+    </p:spTree>
+  </p:cSld>
+  <p:clrMapOvr>
+    <a:masterClrMapping/>
+  </p:clrMapOvr>
+  <p:timing>
+    <p:tnLst>
+      <p:par>
+        <p:cTn id="1" dur="indefinite" restart="never" nodeType="tmRoot"/>
+      </p:par>
+    </p:tnLst>
+  </p:timing>
+</p:sld>
+</file>
+
+<file path=ppt/slides/slide11.xml><?xml version="1.0" encoding="utf-8"?>
+<p:sld xmlns:a="http://schemas.openxmlformats.org/drawingml/2006/main" xmlns:r="http://schemas.openxmlformats.org/officeDocument/2006/relationships" xmlns:p="http://schemas.openxmlformats.org/presentationml/2006/main">
+  <p:cSld>
+    <p:spTree>
+      <p:nvGrpSpPr>
+        <p:cNvPr id="1" name=""/>
+        <p:cNvGrpSpPr/>
+        <p:nvPr/>
+      </p:nvGrpSpPr>
+      <p:grpSpPr>
+        <a:xfrm>
+          <a:off x="0" y="0"/>
+          <a:ext cx="0" cy="0"/>
+          <a:chOff x="0" y="0"/>
+          <a:chExt cx="0" cy="0"/>
+        </a:xfrm>
+      </p:grpSpPr>
+      <p:sp>
+        <p:nvSpPr>
+          <p:cNvPr id="2" name="标题 1"/>
+          <p:cNvSpPr>
+            <a:spLocks noGrp="1"/>
+          </p:cNvSpPr>
+          <p:nvPr>
+            <p:ph type="title"/>
           </p:nvPr>
         </p:nvSpPr>
         <p:spPr/>
@@ -3199,16 +4572,84 @@
           </a:bodyPr>
           <a:lstStyle/>
           <a:p>
+            <a:pPr algn="l"/>
+            <a:r>
+              <a:rPr lang="en-US" altLang="zh-CN" sz="3200" dirty="0" err="1" smtClean="0"/>
+              <a:t>Docker</a:t>
+            </a:r>
+            <a:r>
+              <a:rPr lang="zh-CN" altLang="en-US" sz="3200" dirty="0" smtClean="0"/>
+              <a:t> </a:t>
+            </a:r>
+            <a:r>
+              <a:rPr lang="zh-CN" altLang="en-US" sz="3200" dirty="0" smtClean="0"/>
+              <a:t>数据管理</a:t>
+            </a:r>
+            <a:r>
+              <a:rPr lang="en-US" altLang="zh-CN" sz="3200" dirty="0" smtClean="0"/>
+              <a:t>——</a:t>
+            </a:r>
+            <a:r>
+              <a:rPr lang="zh-CN" altLang="en-US" sz="3200" dirty="0" smtClean="0"/>
+              <a:t>数据</a:t>
+            </a:r>
+            <a:r>
+              <a:rPr lang="zh-CN" altLang="en-US" sz="3200" dirty="0" smtClean="0"/>
+              <a:t>卷</a:t>
+            </a:r>
+            <a:endParaRPr lang="zh-CN" altLang="en-US" sz="3200" dirty="0"/>
+          </a:p>
+        </p:txBody>
+      </p:sp>
+      <p:sp>
+        <p:nvSpPr>
+          <p:cNvPr id="3" name="内容占位符 2"/>
+          <p:cNvSpPr>
+            <a:spLocks noGrp="1"/>
+          </p:cNvSpPr>
+          <p:nvPr>
+            <p:ph idx="1"/>
+          </p:nvPr>
+        </p:nvSpPr>
+        <p:spPr/>
+        <p:txBody>
+          <a:bodyPr>
+            <a:normAutofit/>
+          </a:bodyPr>
+          <a:lstStyle/>
+          <a:p>
             <a:pPr>
               <a:buNone/>
             </a:pPr>
             <a:r>
+              <a:rPr lang="zh-CN" altLang="en-US" sz="2000" b="1" dirty="0" smtClean="0"/>
+              <a:t>在容器内创建一个数据卷</a:t>
+            </a:r>
+            <a:endParaRPr lang="zh-CN" altLang="en-US" sz="2000" dirty="0" smtClean="0"/>
+          </a:p>
+          <a:p>
+            <a:pPr>
+              <a:buNone/>
+            </a:pPr>
+            <a:r>
               <a:rPr lang="en-US" altLang="zh-CN" sz="2000" dirty="0" err="1" smtClean="0"/>
-              <a:t>Docker</a:t>
+              <a:t>docker</a:t>
             </a:r>
             <a:r>
               <a:rPr lang="en-US" altLang="zh-CN" sz="2000" dirty="0" smtClean="0"/>
-              <a:t> Swarm</a:t>
+              <a:t> run</a:t>
+            </a:r>
+            <a:r>
+              <a:rPr lang="zh-CN" altLang="en-US" sz="2000" dirty="0" smtClean="0"/>
+              <a:t>命令的时候，使用</a:t>
+            </a:r>
+            <a:r>
+              <a:rPr lang="en-US" altLang="zh-CN" sz="2000" dirty="0" smtClean="0"/>
+              <a:t>-v</a:t>
+            </a:r>
+            <a:r>
+              <a:rPr lang="zh-CN" altLang="en-US" sz="2000" dirty="0" smtClean="0"/>
+              <a:t>变量可以在容器内创建一个数据卷，多次使用可以创建多个。</a:t>
             </a:r>
           </a:p>
           <a:p>
@@ -3216,10 +4657,59 @@
               <a:buNone/>
             </a:pPr>
             <a:r>
+              <a:rPr lang="zh-CN" altLang="en-US" sz="2000" dirty="0" smtClean="0"/>
+              <a:t>使用 </a:t>
+            </a:r>
+            <a:r>
               <a:rPr lang="en-US" altLang="zh-CN" sz="2000" dirty="0" err="1" smtClean="0"/>
-              <a:t>Kubenates</a:t>
-            </a:r>
-            <a:endParaRPr lang="zh-CN" altLang="en-US" sz="2000" dirty="0"/>
+              <a:t>myimg</a:t>
+            </a:r>
+            <a:r>
+              <a:rPr lang="en-US" altLang="zh-CN" sz="2000" dirty="0" smtClean="0"/>
+              <a:t>/</a:t>
+            </a:r>
+            <a:r>
+              <a:rPr lang="en-US" altLang="zh-CN" sz="2000" dirty="0" err="1" smtClean="0"/>
+              <a:t>webapp</a:t>
+            </a:r>
+            <a:r>
+              <a:rPr lang="en-US" altLang="zh-CN" sz="2000" dirty="0" smtClean="0"/>
+              <a:t> </a:t>
+            </a:r>
+            <a:r>
+              <a:rPr lang="zh-CN" altLang="en-US" sz="2000" dirty="0" smtClean="0"/>
+              <a:t>镜像创建一个 </a:t>
+            </a:r>
+            <a:r>
+              <a:rPr lang="en-US" altLang="zh-CN" sz="2000" dirty="0" smtClean="0"/>
+              <a:t>web </a:t>
+            </a:r>
+            <a:r>
+              <a:rPr lang="zh-CN" altLang="en-US" sz="2000" dirty="0" smtClean="0"/>
+              <a:t>容器，并创建一个数据卷挂载到容器的 </a:t>
+            </a:r>
+            <a:r>
+              <a:rPr lang="en-US" altLang="zh-CN" sz="2000" dirty="0" smtClean="0"/>
+              <a:t>/</a:t>
+            </a:r>
+            <a:r>
+              <a:rPr lang="en-US" altLang="zh-CN" sz="2000" dirty="0" err="1" smtClean="0"/>
+              <a:t>webdata</a:t>
+            </a:r>
+            <a:r>
+              <a:rPr lang="en-US" altLang="zh-CN" sz="2000" dirty="0" smtClean="0"/>
+              <a:t> </a:t>
+            </a:r>
+            <a:r>
+              <a:rPr lang="zh-CN" altLang="en-US" sz="2000" dirty="0" smtClean="0"/>
+              <a:t>目录。</a:t>
+            </a:r>
+          </a:p>
+          <a:p>
+            <a:pPr>
+              <a:buNone/>
+            </a:pPr>
+            <a:endParaRPr lang="en-US" altLang="zh-CN" sz="2000" dirty="0" smtClean="0"/>
           </a:p>
         </p:txBody>
       </p:sp>
@@ -3228,6 +4718,537 @@
   <p:clrMapOvr>
     <a:masterClrMapping/>
   </p:clrMapOvr>
+  <p:timing>
+    <p:tnLst>
+      <p:par>
+        <p:cTn id="1" dur="indefinite" restart="never" nodeType="tmRoot"/>
+      </p:par>
+    </p:tnLst>
+  </p:timing>
+</p:sld>
+</file>
+
+<file path=ppt/slides/slide12.xml><?xml version="1.0" encoding="utf-8"?>
+<p:sld xmlns:a="http://schemas.openxmlformats.org/drawingml/2006/main" xmlns:r="http://schemas.openxmlformats.org/officeDocument/2006/relationships" xmlns:p="http://schemas.openxmlformats.org/presentationml/2006/main">
+  <p:cSld>
+    <p:spTree>
+      <p:nvGrpSpPr>
+        <p:cNvPr id="1" name=""/>
+        <p:cNvGrpSpPr/>
+        <p:nvPr/>
+      </p:nvGrpSpPr>
+      <p:grpSpPr>
+        <a:xfrm>
+          <a:off x="0" y="0"/>
+          <a:ext cx="0" cy="0"/>
+          <a:chOff x="0" y="0"/>
+          <a:chExt cx="0" cy="0"/>
+        </a:xfrm>
+      </p:grpSpPr>
+      <p:sp>
+        <p:nvSpPr>
+          <p:cNvPr id="2" name="标题 1"/>
+          <p:cNvSpPr>
+            <a:spLocks noGrp="1"/>
+          </p:cNvSpPr>
+          <p:nvPr>
+            <p:ph type="title"/>
+          </p:nvPr>
+        </p:nvSpPr>
+        <p:spPr/>
+        <p:txBody>
+          <a:bodyPr>
+            <a:normAutofit/>
+          </a:bodyPr>
+          <a:lstStyle/>
+          <a:p>
+            <a:pPr algn="l"/>
+            <a:r>
+              <a:rPr lang="en-US" altLang="zh-CN" sz="3200" dirty="0" err="1" smtClean="0"/>
+              <a:t>Docker</a:t>
+            </a:r>
+            <a:r>
+              <a:rPr lang="zh-CN" altLang="en-US" sz="3200" dirty="0" smtClean="0"/>
+              <a:t> </a:t>
+            </a:r>
+            <a:r>
+              <a:rPr lang="zh-CN" altLang="en-US" sz="3200" dirty="0" smtClean="0"/>
+              <a:t>数据管理</a:t>
+            </a:r>
+            <a:r>
+              <a:rPr lang="en-US" altLang="zh-CN" sz="3200" dirty="0" smtClean="0"/>
+              <a:t>——</a:t>
+            </a:r>
+            <a:r>
+              <a:rPr lang="zh-CN" altLang="en-US" sz="3200" dirty="0" smtClean="0"/>
+              <a:t>数据</a:t>
+            </a:r>
+            <a:r>
+              <a:rPr lang="zh-CN" altLang="en-US" sz="3200" dirty="0" smtClean="0"/>
+              <a:t>卷容器</a:t>
+            </a:r>
+            <a:endParaRPr lang="zh-CN" altLang="en-US" sz="3200" dirty="0"/>
+          </a:p>
+        </p:txBody>
+      </p:sp>
+      <p:sp>
+        <p:nvSpPr>
+          <p:cNvPr id="3" name="内容占位符 2"/>
+          <p:cNvSpPr>
+            <a:spLocks noGrp="1"/>
+          </p:cNvSpPr>
+          <p:nvPr>
+            <p:ph idx="1"/>
+          </p:nvPr>
+        </p:nvSpPr>
+        <p:spPr/>
+        <p:txBody>
+          <a:bodyPr>
+            <a:normAutofit/>
+          </a:bodyPr>
+          <a:lstStyle/>
+          <a:p>
+            <a:pPr>
+              <a:buNone/>
+            </a:pPr>
+            <a:endParaRPr lang="en-US" altLang="zh-CN" sz="2000" dirty="0" smtClean="0"/>
+          </a:p>
+        </p:txBody>
+      </p:sp>
+    </p:spTree>
+  </p:cSld>
+  <p:clrMapOvr>
+    <a:masterClrMapping/>
+  </p:clrMapOvr>
+  <p:timing>
+    <p:tnLst>
+      <p:par>
+        <p:cTn id="1" dur="indefinite" restart="never" nodeType="tmRoot"/>
+      </p:par>
+    </p:tnLst>
+  </p:timing>
+</p:sld>
+</file>
+
+<file path=ppt/slides/slide13.xml><?xml version="1.0" encoding="utf-8"?>
+<p:sld xmlns:a="http://schemas.openxmlformats.org/drawingml/2006/main" xmlns:r="http://schemas.openxmlformats.org/officeDocument/2006/relationships" xmlns:p="http://schemas.openxmlformats.org/presentationml/2006/main">
+  <p:cSld>
+    <p:spTree>
+      <p:nvGrpSpPr>
+        <p:cNvPr id="1" name=""/>
+        <p:cNvGrpSpPr/>
+        <p:nvPr/>
+      </p:nvGrpSpPr>
+      <p:grpSpPr>
+        <a:xfrm>
+          <a:off x="0" y="0"/>
+          <a:ext cx="0" cy="0"/>
+          <a:chOff x="0" y="0"/>
+          <a:chExt cx="0" cy="0"/>
+        </a:xfrm>
+      </p:grpSpPr>
+      <p:sp>
+        <p:nvSpPr>
+          <p:cNvPr id="2" name="标题 1"/>
+          <p:cNvSpPr>
+            <a:spLocks noGrp="1"/>
+          </p:cNvSpPr>
+          <p:nvPr>
+            <p:ph type="title"/>
+          </p:nvPr>
+        </p:nvSpPr>
+        <p:spPr/>
+        <p:txBody>
+          <a:bodyPr>
+            <a:normAutofit/>
+          </a:bodyPr>
+          <a:lstStyle/>
+          <a:p>
+            <a:pPr algn="l"/>
+            <a:r>
+              <a:rPr lang="en-US" altLang="zh-CN" sz="3200" dirty="0" err="1" smtClean="0"/>
+              <a:t>Docker</a:t>
+            </a:r>
+            <a:r>
+              <a:rPr lang="zh-CN" altLang="en-US" sz="3200" dirty="0" smtClean="0"/>
+              <a:t> </a:t>
+            </a:r>
+            <a:r>
+              <a:rPr lang="zh-CN" altLang="en-US" sz="3200" dirty="0" smtClean="0"/>
+              <a:t>网络配置</a:t>
+            </a:r>
+            <a:endParaRPr lang="zh-CN" altLang="en-US" sz="3200" dirty="0"/>
+          </a:p>
+        </p:txBody>
+      </p:sp>
+      <p:sp>
+        <p:nvSpPr>
+          <p:cNvPr id="3" name="内容占位符 2"/>
+          <p:cNvSpPr>
+            <a:spLocks noGrp="1"/>
+          </p:cNvSpPr>
+          <p:nvPr>
+            <p:ph idx="1"/>
+          </p:nvPr>
+        </p:nvSpPr>
+        <p:spPr/>
+        <p:txBody>
+          <a:bodyPr>
+            <a:normAutofit/>
+          </a:bodyPr>
+          <a:lstStyle/>
+          <a:p>
+            <a:pPr>
+              <a:buNone/>
+            </a:pPr>
+            <a:r>
+              <a:rPr lang="zh-CN" altLang="en-US" sz="2000" dirty="0" smtClean="0"/>
+              <a:t>桥接</a:t>
+            </a:r>
+            <a:endParaRPr lang="zh-CN" altLang="en-US" sz="2000" dirty="0"/>
+          </a:p>
+        </p:txBody>
+      </p:sp>
+    </p:spTree>
+  </p:cSld>
+  <p:clrMapOvr>
+    <a:masterClrMapping/>
+  </p:clrMapOvr>
+  <p:timing>
+    <p:tnLst>
+      <p:par>
+        <p:cTn id="1" dur="indefinite" restart="never" nodeType="tmRoot"/>
+      </p:par>
+    </p:tnLst>
+  </p:timing>
+</p:sld>
+</file>
+
+<file path=ppt/slides/slide14.xml><?xml version="1.0" encoding="utf-8"?>
+<p:sld xmlns:a="http://schemas.openxmlformats.org/drawingml/2006/main" xmlns:r="http://schemas.openxmlformats.org/officeDocument/2006/relationships" xmlns:p="http://schemas.openxmlformats.org/presentationml/2006/main">
+  <p:cSld>
+    <p:spTree>
+      <p:nvGrpSpPr>
+        <p:cNvPr id="1" name=""/>
+        <p:cNvGrpSpPr/>
+        <p:nvPr/>
+      </p:nvGrpSpPr>
+      <p:grpSpPr>
+        <a:xfrm>
+          <a:off x="0" y="0"/>
+          <a:ext cx="0" cy="0"/>
+          <a:chOff x="0" y="0"/>
+          <a:chExt cx="0" cy="0"/>
+        </a:xfrm>
+      </p:grpSpPr>
+      <p:sp>
+        <p:nvSpPr>
+          <p:cNvPr id="2" name="标题 1"/>
+          <p:cNvSpPr>
+            <a:spLocks noGrp="1"/>
+          </p:cNvSpPr>
+          <p:nvPr>
+            <p:ph type="title"/>
+          </p:nvPr>
+        </p:nvSpPr>
+        <p:spPr/>
+        <p:txBody>
+          <a:bodyPr>
+            <a:normAutofit/>
+          </a:bodyPr>
+          <a:lstStyle/>
+          <a:p>
+            <a:pPr algn="l"/>
+            <a:r>
+              <a:rPr lang="en-US" altLang="zh-CN" sz="3200" dirty="0" err="1" smtClean="0"/>
+              <a:t>Docker</a:t>
+            </a:r>
+            <a:r>
+              <a:rPr lang="en-US" altLang="zh-CN" sz="3200" dirty="0" smtClean="0"/>
+              <a:t> </a:t>
+            </a:r>
+            <a:r>
+              <a:rPr lang="en-US" altLang="zh-CN" sz="3200" dirty="0" smtClean="0"/>
+              <a:t>Registry</a:t>
+            </a:r>
+            <a:endParaRPr lang="zh-CN" altLang="en-US" sz="3200" dirty="0"/>
+          </a:p>
+        </p:txBody>
+      </p:sp>
+      <p:sp>
+        <p:nvSpPr>
+          <p:cNvPr id="3" name="内容占位符 2"/>
+          <p:cNvSpPr>
+            <a:spLocks noGrp="1"/>
+          </p:cNvSpPr>
+          <p:nvPr>
+            <p:ph idx="1"/>
+          </p:nvPr>
+        </p:nvSpPr>
+        <p:spPr/>
+        <p:txBody>
+          <a:bodyPr>
+            <a:normAutofit/>
+          </a:bodyPr>
+          <a:lstStyle/>
+          <a:p>
+            <a:pPr>
+              <a:buNone/>
+            </a:pPr>
+            <a:endParaRPr lang="zh-CN" altLang="en-US" sz="2000" dirty="0"/>
+          </a:p>
+        </p:txBody>
+      </p:sp>
+    </p:spTree>
+  </p:cSld>
+  <p:clrMapOvr>
+    <a:masterClrMapping/>
+  </p:clrMapOvr>
+  <p:timing>
+    <p:tnLst>
+      <p:par>
+        <p:cTn id="1" dur="indefinite" restart="never" nodeType="tmRoot"/>
+      </p:par>
+    </p:tnLst>
+  </p:timing>
+</p:sld>
+</file>
+
+<file path=ppt/slides/slide15.xml><?xml version="1.0" encoding="utf-8"?>
+<p:sld xmlns:a="http://schemas.openxmlformats.org/drawingml/2006/main" xmlns:r="http://schemas.openxmlformats.org/officeDocument/2006/relationships" xmlns:p="http://schemas.openxmlformats.org/presentationml/2006/main">
+  <p:cSld>
+    <p:spTree>
+      <p:nvGrpSpPr>
+        <p:cNvPr id="1" name=""/>
+        <p:cNvGrpSpPr/>
+        <p:nvPr/>
+      </p:nvGrpSpPr>
+      <p:grpSpPr>
+        <a:xfrm>
+          <a:off x="0" y="0"/>
+          <a:ext cx="0" cy="0"/>
+          <a:chOff x="0" y="0"/>
+          <a:chExt cx="0" cy="0"/>
+        </a:xfrm>
+      </p:grpSpPr>
+      <p:sp>
+        <p:nvSpPr>
+          <p:cNvPr id="2" name="标题 1"/>
+          <p:cNvSpPr>
+            <a:spLocks noGrp="1"/>
+          </p:cNvSpPr>
+          <p:nvPr>
+            <p:ph type="title"/>
+          </p:nvPr>
+        </p:nvSpPr>
+        <p:spPr/>
+        <p:txBody>
+          <a:bodyPr>
+            <a:normAutofit/>
+          </a:bodyPr>
+          <a:lstStyle/>
+          <a:p>
+            <a:pPr algn="l"/>
+            <a:r>
+              <a:rPr lang="en-US" altLang="zh-CN" sz="3200" dirty="0" err="1" smtClean="0"/>
+              <a:t>Docker</a:t>
+            </a:r>
+            <a:r>
+              <a:rPr lang="zh-CN" altLang="en-US" sz="3200" dirty="0" smtClean="0"/>
+              <a:t> </a:t>
+            </a:r>
+            <a:r>
+              <a:rPr lang="zh-CN" altLang="en-US" sz="3200" dirty="0" smtClean="0"/>
+              <a:t>集群</a:t>
+            </a:r>
+            <a:r>
+              <a:rPr lang="en-US" altLang="zh-CN" sz="3200" dirty="0" smtClean="0"/>
+              <a:t>——</a:t>
+            </a:r>
+            <a:r>
+              <a:rPr lang="en-US" altLang="zh-CN" sz="3200" dirty="0" err="1" smtClean="0"/>
+              <a:t>Docker</a:t>
+            </a:r>
+            <a:r>
+              <a:rPr lang="en-US" altLang="zh-CN" sz="3200" dirty="0" smtClean="0"/>
+              <a:t> </a:t>
+            </a:r>
+            <a:r>
+              <a:rPr lang="en-US" altLang="zh-CN" sz="3200" dirty="0" smtClean="0"/>
+              <a:t>Swarm</a:t>
+            </a:r>
+            <a:endParaRPr lang="zh-CN" altLang="en-US" sz="3200" dirty="0"/>
+          </a:p>
+        </p:txBody>
+      </p:sp>
+      <p:sp>
+        <p:nvSpPr>
+          <p:cNvPr id="3" name="内容占位符 2"/>
+          <p:cNvSpPr>
+            <a:spLocks noGrp="1"/>
+          </p:cNvSpPr>
+          <p:nvPr>
+            <p:ph idx="1"/>
+          </p:nvPr>
+        </p:nvSpPr>
+        <p:spPr/>
+        <p:txBody>
+          <a:bodyPr>
+            <a:normAutofit/>
+          </a:bodyPr>
+          <a:lstStyle/>
+          <a:p>
+            <a:pPr>
+              <a:buNone/>
+            </a:pPr>
+            <a:r>
+              <a:rPr lang="en-US" altLang="zh-CN" sz="2000" dirty="0" err="1" smtClean="0"/>
+              <a:t>Docker</a:t>
+            </a:r>
+            <a:r>
+              <a:rPr lang="en-US" altLang="zh-CN" sz="2000" dirty="0" smtClean="0"/>
+              <a:t> Swarm</a:t>
+            </a:r>
+          </a:p>
+          <a:p>
+            <a:pPr>
+              <a:buNone/>
+            </a:pPr>
+            <a:r>
+              <a:rPr lang="en-US" altLang="zh-CN" sz="2000" dirty="0" err="1" smtClean="0"/>
+              <a:t>Kubenates</a:t>
+            </a:r>
+            <a:endParaRPr lang="zh-CN" altLang="en-US" sz="2000" dirty="0"/>
+          </a:p>
+        </p:txBody>
+      </p:sp>
+    </p:spTree>
+  </p:cSld>
+  <p:clrMapOvr>
+    <a:masterClrMapping/>
+  </p:clrMapOvr>
+  <p:timing>
+    <p:tnLst>
+      <p:par>
+        <p:cTn id="1" dur="indefinite" restart="never" nodeType="tmRoot"/>
+      </p:par>
+    </p:tnLst>
+  </p:timing>
+</p:sld>
+</file>
+
+<file path=ppt/slides/slide16.xml><?xml version="1.0" encoding="utf-8"?>
+<p:sld xmlns:a="http://schemas.openxmlformats.org/drawingml/2006/main" xmlns:r="http://schemas.openxmlformats.org/officeDocument/2006/relationships" xmlns:p="http://schemas.openxmlformats.org/presentationml/2006/main">
+  <p:cSld>
+    <p:spTree>
+      <p:nvGrpSpPr>
+        <p:cNvPr id="1" name=""/>
+        <p:cNvGrpSpPr/>
+        <p:nvPr/>
+      </p:nvGrpSpPr>
+      <p:grpSpPr>
+        <a:xfrm>
+          <a:off x="0" y="0"/>
+          <a:ext cx="0" cy="0"/>
+          <a:chOff x="0" y="0"/>
+          <a:chExt cx="0" cy="0"/>
+        </a:xfrm>
+      </p:grpSpPr>
+      <p:sp>
+        <p:nvSpPr>
+          <p:cNvPr id="2" name="标题 1"/>
+          <p:cNvSpPr>
+            <a:spLocks noGrp="1"/>
+          </p:cNvSpPr>
+          <p:nvPr>
+            <p:ph type="title"/>
+          </p:nvPr>
+        </p:nvSpPr>
+        <p:spPr/>
+        <p:txBody>
+          <a:bodyPr>
+            <a:normAutofit/>
+          </a:bodyPr>
+          <a:lstStyle/>
+          <a:p>
+            <a:pPr algn="l"/>
+            <a:r>
+              <a:rPr lang="en-US" altLang="zh-CN" sz="3200" dirty="0" err="1" smtClean="0"/>
+              <a:t>Docker</a:t>
+            </a:r>
+            <a:r>
+              <a:rPr lang="zh-CN" altLang="en-US" sz="3200" dirty="0" smtClean="0"/>
+              <a:t> </a:t>
+            </a:r>
+            <a:r>
+              <a:rPr lang="zh-CN" altLang="en-US" sz="3200" dirty="0" smtClean="0"/>
+              <a:t>集群</a:t>
+            </a:r>
+            <a:r>
+              <a:rPr lang="en-US" altLang="zh-CN" sz="3200" dirty="0" smtClean="0"/>
+              <a:t>——</a:t>
+            </a:r>
+            <a:r>
+              <a:rPr lang="en-US" altLang="zh-CN" sz="3200" dirty="0" err="1" smtClean="0"/>
+              <a:t>Kubenates</a:t>
+            </a:r>
+            <a:endParaRPr lang="zh-CN" altLang="en-US" sz="3200" dirty="0"/>
+          </a:p>
+        </p:txBody>
+      </p:sp>
+      <p:sp>
+        <p:nvSpPr>
+          <p:cNvPr id="3" name="内容占位符 2"/>
+          <p:cNvSpPr>
+            <a:spLocks noGrp="1"/>
+          </p:cNvSpPr>
+          <p:nvPr>
+            <p:ph idx="1"/>
+          </p:nvPr>
+        </p:nvSpPr>
+        <p:spPr/>
+        <p:txBody>
+          <a:bodyPr>
+            <a:normAutofit/>
+          </a:bodyPr>
+          <a:lstStyle/>
+          <a:p>
+            <a:pPr>
+              <a:buNone/>
+            </a:pPr>
+            <a:r>
+              <a:rPr lang="en-US" altLang="zh-CN" sz="2000" dirty="0" err="1" smtClean="0"/>
+              <a:t>Docker</a:t>
+            </a:r>
+            <a:r>
+              <a:rPr lang="en-US" altLang="zh-CN" sz="2000" dirty="0" smtClean="0"/>
+              <a:t> Swarm</a:t>
+            </a:r>
+          </a:p>
+          <a:p>
+            <a:pPr>
+              <a:buNone/>
+            </a:pPr>
+            <a:r>
+              <a:rPr lang="en-US" altLang="zh-CN" sz="2000" dirty="0" err="1" smtClean="0"/>
+              <a:t>Kubenates</a:t>
+            </a:r>
+            <a:endParaRPr lang="zh-CN" altLang="en-US" sz="2000" dirty="0"/>
+          </a:p>
+        </p:txBody>
+      </p:sp>
+    </p:spTree>
+  </p:cSld>
+  <p:clrMapOvr>
+    <a:masterClrMapping/>
+  </p:clrMapOvr>
+  <p:timing>
+    <p:tnLst>
+      <p:par>
+        <p:cTn id="1" dur="indefinite" restart="never" nodeType="tmRoot"/>
+      </p:par>
+    </p:tnLst>
+  </p:timing>
 </p:sld>
 </file>
 
@@ -3250,216 +5271,6 @@
       </p:grpSpPr>
       <p:sp>
         <p:nvSpPr>
-          <p:cNvPr id="2" name="标题 1"/>
-          <p:cNvSpPr>
-            <a:spLocks noGrp="1"/>
-          </p:cNvSpPr>
-          <p:nvPr>
-            <p:ph type="title"/>
-          </p:nvPr>
-        </p:nvSpPr>
-        <p:spPr/>
-        <p:txBody>
-          <a:bodyPr/>
-          <a:lstStyle/>
-          <a:p>
-            <a:endParaRPr lang="zh-CN" altLang="en-US" dirty="0">
-              <a:solidFill>
-                <a:srgbClr val="FF0000"/>
-              </a:solidFill>
-            </a:endParaRPr>
-          </a:p>
-        </p:txBody>
-      </p:sp>
-      <p:sp>
-        <p:nvSpPr>
-          <p:cNvPr id="3" name="内容占位符 2"/>
-          <p:cNvSpPr>
-            <a:spLocks noGrp="1"/>
-          </p:cNvSpPr>
-          <p:nvPr>
-            <p:ph idx="1"/>
-          </p:nvPr>
-        </p:nvSpPr>
-        <p:spPr>
-          <a:xfrm>
-            <a:off x="2357422" y="1600200"/>
-            <a:ext cx="6357982" cy="4525963"/>
-          </a:xfrm>
-        </p:spPr>
-        <p:txBody>
-          <a:bodyPr/>
-          <a:lstStyle/>
-          <a:p>
-            <a:r>
-              <a:rPr lang="zh-CN" altLang="en-US" dirty="0" smtClean="0">
-                <a:latin typeface="微软雅黑" pitchFamily="34" charset="-122"/>
-                <a:ea typeface="微软雅黑" pitchFamily="34" charset="-122"/>
-              </a:rPr>
-              <a:t>一、</a:t>
-            </a:r>
-            <a:r>
-              <a:rPr lang="en-US" altLang="zh-CN" dirty="0" err="1" smtClean="0">
-                <a:latin typeface="微软雅黑" pitchFamily="34" charset="-122"/>
-                <a:ea typeface="微软雅黑" pitchFamily="34" charset="-122"/>
-              </a:rPr>
-              <a:t>Docker</a:t>
-            </a:r>
-            <a:r>
-              <a:rPr lang="zh-CN" altLang="en-US" dirty="0" smtClean="0">
-                <a:latin typeface="微软雅黑" pitchFamily="34" charset="-122"/>
-                <a:ea typeface="微软雅黑" pitchFamily="34" charset="-122"/>
-              </a:rPr>
-              <a:t>介绍</a:t>
-            </a:r>
-            <a:endParaRPr lang="en-US" altLang="zh-CN" dirty="0" smtClean="0">
-              <a:latin typeface="微软雅黑" pitchFamily="34" charset="-122"/>
-              <a:ea typeface="微软雅黑" pitchFamily="34" charset="-122"/>
-            </a:endParaRPr>
-          </a:p>
-          <a:p>
-            <a:r>
-              <a:rPr lang="zh-CN" altLang="en-US" dirty="0" smtClean="0">
-                <a:latin typeface="微软雅黑" pitchFamily="34" charset="-122"/>
-                <a:ea typeface="微软雅黑" pitchFamily="34" charset="-122"/>
-              </a:rPr>
-              <a:t>二、</a:t>
-            </a:r>
-            <a:r>
-              <a:rPr lang="en-US" altLang="zh-CN" dirty="0" err="1" smtClean="0">
-                <a:latin typeface="微软雅黑" pitchFamily="34" charset="-122"/>
-                <a:ea typeface="微软雅黑" pitchFamily="34" charset="-122"/>
-              </a:rPr>
-              <a:t>Docker</a:t>
-            </a:r>
-            <a:r>
-              <a:rPr lang="zh-CN" altLang="en-US" dirty="0" smtClean="0">
-                <a:latin typeface="微软雅黑" pitchFamily="34" charset="-122"/>
-                <a:ea typeface="微软雅黑" pitchFamily="34" charset="-122"/>
-              </a:rPr>
-              <a:t>优势</a:t>
-            </a:r>
-            <a:endParaRPr lang="en-US" altLang="zh-CN" dirty="0" smtClean="0">
-              <a:latin typeface="微软雅黑" pitchFamily="34" charset="-122"/>
-              <a:ea typeface="微软雅黑" pitchFamily="34" charset="-122"/>
-            </a:endParaRPr>
-          </a:p>
-          <a:p>
-            <a:r>
-              <a:rPr lang="zh-CN" altLang="en-US" dirty="0" smtClean="0">
-                <a:latin typeface="微软雅黑" pitchFamily="34" charset="-122"/>
-                <a:ea typeface="微软雅黑" pitchFamily="34" charset="-122"/>
-              </a:rPr>
-              <a:t>三、</a:t>
-            </a:r>
-            <a:r>
-              <a:rPr lang="en-US" altLang="zh-CN" dirty="0" err="1" smtClean="0">
-                <a:latin typeface="微软雅黑" pitchFamily="34" charset="-122"/>
-                <a:ea typeface="微软雅黑" pitchFamily="34" charset="-122"/>
-              </a:rPr>
-              <a:t>Docker</a:t>
-            </a:r>
-            <a:r>
-              <a:rPr lang="zh-CN" altLang="en-US" dirty="0" smtClean="0">
-                <a:latin typeface="微软雅黑" pitchFamily="34" charset="-122"/>
-                <a:ea typeface="微软雅黑" pitchFamily="34" charset="-122"/>
-              </a:rPr>
-              <a:t>与云</a:t>
-            </a:r>
-            <a:endParaRPr lang="en-US" altLang="zh-CN" dirty="0" smtClean="0">
-              <a:latin typeface="微软雅黑" pitchFamily="34" charset="-122"/>
-              <a:ea typeface="微软雅黑" pitchFamily="34" charset="-122"/>
-            </a:endParaRPr>
-          </a:p>
-          <a:p>
-            <a:r>
-              <a:rPr lang="zh-CN" altLang="en-US" dirty="0" smtClean="0">
-                <a:latin typeface="微软雅黑" pitchFamily="34" charset="-122"/>
-                <a:ea typeface="微软雅黑" pitchFamily="34" charset="-122"/>
-              </a:rPr>
-              <a:t>四、</a:t>
-            </a:r>
-            <a:r>
-              <a:rPr lang="en-US" altLang="zh-CN" dirty="0" err="1" smtClean="0">
-                <a:latin typeface="微软雅黑" pitchFamily="34" charset="-122"/>
-                <a:ea typeface="微软雅黑" pitchFamily="34" charset="-122"/>
-              </a:rPr>
-              <a:t>Docker</a:t>
-            </a:r>
-            <a:r>
-              <a:rPr lang="zh-CN" altLang="en-US" dirty="0" smtClean="0">
-                <a:latin typeface="微软雅黑" pitchFamily="34" charset="-122"/>
-                <a:ea typeface="微软雅黑" pitchFamily="34" charset="-122"/>
-              </a:rPr>
-              <a:t>常用姿势</a:t>
-            </a:r>
-            <a:endParaRPr lang="en-US" altLang="zh-CN" dirty="0" smtClean="0">
-              <a:latin typeface="微软雅黑" pitchFamily="34" charset="-122"/>
-              <a:ea typeface="微软雅黑" pitchFamily="34" charset="-122"/>
-            </a:endParaRPr>
-          </a:p>
-          <a:p>
-            <a:r>
-              <a:rPr lang="zh-CN" altLang="en-US" dirty="0" smtClean="0">
-                <a:latin typeface="微软雅黑" pitchFamily="34" charset="-122"/>
-                <a:ea typeface="微软雅黑" pitchFamily="34" charset="-122"/>
-              </a:rPr>
-              <a:t>五、</a:t>
-            </a:r>
-            <a:r>
-              <a:rPr lang="en-US" altLang="zh-CN" dirty="0" err="1" smtClean="0">
-                <a:latin typeface="微软雅黑" pitchFamily="34" charset="-122"/>
-                <a:ea typeface="微软雅黑" pitchFamily="34" charset="-122"/>
-              </a:rPr>
-              <a:t>Docker</a:t>
-            </a:r>
-            <a:endParaRPr lang="en-US" altLang="zh-CN" dirty="0" smtClean="0">
-              <a:latin typeface="微软雅黑" pitchFamily="34" charset="-122"/>
-              <a:ea typeface="微软雅黑" pitchFamily="34" charset="-122"/>
-            </a:endParaRPr>
-          </a:p>
-          <a:p>
-            <a:pPr>
-              <a:buNone/>
-            </a:pPr>
-            <a:endParaRPr lang="zh-CN" altLang="en-US" dirty="0"/>
-          </a:p>
-        </p:txBody>
-      </p:sp>
-    </p:spTree>
-  </p:cSld>
-  <p:clrMapOvr>
-    <a:masterClrMapping/>
-  </p:clrMapOvr>
-  <p:timing>
-    <p:tnLst>
-      <p:par>
-        <p:cTn id="1" dur="indefinite" restart="never" nodeType="tmRoot"/>
-      </p:par>
-    </p:tnLst>
-  </p:timing>
-</p:sld>
-</file>
-
-<file path=ppt/slides/slide3.xml><?xml version="1.0" encoding="utf-8"?>
-<p:sld xmlns:a="http://schemas.openxmlformats.org/drawingml/2006/main" xmlns:r="http://schemas.openxmlformats.org/officeDocument/2006/relationships" xmlns:p="http://schemas.openxmlformats.org/presentationml/2006/main">
-  <p:cSld>
-    <p:spTree>
-      <p:nvGrpSpPr>
-        <p:cNvPr id="1" name=""/>
-        <p:cNvGrpSpPr/>
-        <p:nvPr/>
-      </p:nvGrpSpPr>
-      <p:grpSpPr>
-        <a:xfrm>
-          <a:off x="0" y="0"/>
-          <a:ext cx="0" cy="0"/>
-          <a:chOff x="0" y="0"/>
-          <a:chExt cx="0" cy="0"/>
-        </a:xfrm>
-      </p:grpSpPr>
-      <p:sp>
-        <p:nvSpPr>
           <p:cNvPr id="3" name="内容占位符 2"/>
           <p:cNvSpPr>
             <a:spLocks noGrp="1"/>
@@ -3485,11 +5296,7 @@
             </a:pPr>
             <a:r>
               <a:rPr lang="en-US" altLang="zh-CN" sz="2800" dirty="0" smtClean="0"/>
-              <a:t>	</a:t>
-            </a:r>
-            <a:r>
-              <a:rPr lang="en-US" altLang="zh-CN" sz="2800" dirty="0" smtClean="0"/>
-              <a:t>	</a:t>
+              <a:t>		</a:t>
             </a:r>
             <a:r>
               <a:rPr lang="zh-CN" altLang="en-US" sz="2000" dirty="0" smtClean="0"/>
@@ -3517,11 +5324,15 @@
             </a:r>
             <a:r>
               <a:rPr lang="zh-CN" altLang="en-US" sz="2000" dirty="0" smtClean="0"/>
-              <a:t>的使用场景和范围进一步发展，如今在微服务架构越来越流行的情况下，微服务</a:t>
+              <a:t>的使用场景和范围进一步发展，如今在微服务架构越来越流行的情况下，微</a:t>
+            </a:r>
+            <a:r>
+              <a:rPr lang="zh-CN" altLang="en-US" sz="2000" dirty="0" smtClean="0"/>
+              <a:t>服务 </a:t>
             </a:r>
             <a:r>
               <a:rPr lang="en-US" altLang="zh-CN" sz="2000" dirty="0" smtClean="0"/>
-              <a:t>+</a:t>
+              <a:t>+ </a:t>
             </a:r>
             <a:r>
               <a:rPr lang="en-US" altLang="zh-CN" sz="2000" dirty="0" err="1" smtClean="0"/>
@@ -3529,11 +5340,7 @@
             </a:r>
             <a:r>
               <a:rPr lang="zh-CN" altLang="en-US" sz="2000" dirty="0" smtClean="0"/>
-              <a:t>的完美组合，更加方便微服务架构运维部署落地</a:t>
-            </a:r>
-            <a:r>
-              <a:rPr lang="zh-CN" altLang="en-US" sz="2000" dirty="0" smtClean="0"/>
-              <a:t>。</a:t>
+              <a:t>的完美组合，更加方便微服务架构运维部署落地。</a:t>
             </a:r>
             <a:endParaRPr lang="zh-CN" altLang="en-US" sz="2000" dirty="0"/>
           </a:p>
@@ -3614,7 +5421,7 @@
         <p:spPr>
           <a:xfrm>
             <a:off x="3714744" y="1571612"/>
-            <a:ext cx="1571636" cy="500066"/>
+            <a:ext cx="1428760" cy="500066"/>
           </a:xfrm>
           <a:prstGeom prst="rightArrow">
             <a:avLst/>
@@ -3672,6 +5479,279 @@
 </p:sld>
 </file>
 
+<file path=ppt/slides/slide3.xml><?xml version="1.0" encoding="utf-8"?>
+<p:sld xmlns:a="http://schemas.openxmlformats.org/drawingml/2006/main" xmlns:r="http://schemas.openxmlformats.org/officeDocument/2006/relationships" xmlns:p="http://schemas.openxmlformats.org/presentationml/2006/main">
+  <p:cSld>
+    <p:spTree>
+      <p:nvGrpSpPr>
+        <p:cNvPr id="1" name=""/>
+        <p:cNvGrpSpPr/>
+        <p:nvPr/>
+      </p:nvGrpSpPr>
+      <p:grpSpPr>
+        <a:xfrm>
+          <a:off x="0" y="0"/>
+          <a:ext cx="0" cy="0"/>
+          <a:chOff x="0" y="0"/>
+          <a:chExt cx="0" cy="0"/>
+        </a:xfrm>
+      </p:grpSpPr>
+      <p:sp>
+        <p:nvSpPr>
+          <p:cNvPr id="2" name="标题 1"/>
+          <p:cNvSpPr>
+            <a:spLocks noGrp="1"/>
+          </p:cNvSpPr>
+          <p:nvPr>
+            <p:ph type="title"/>
+          </p:nvPr>
+        </p:nvSpPr>
+        <p:spPr/>
+        <p:txBody>
+          <a:bodyPr>
+            <a:normAutofit/>
+          </a:bodyPr>
+          <a:lstStyle/>
+          <a:p>
+            <a:pPr algn="l"/>
+            <a:r>
+              <a:rPr lang="en-US" altLang="zh-CN" sz="3200" dirty="0" err="1" smtClean="0"/>
+              <a:t>Docker</a:t>
+            </a:r>
+            <a:r>
+              <a:rPr lang="zh-CN" altLang="en-US" sz="3200" dirty="0" smtClean="0"/>
+              <a:t>是什么</a:t>
+            </a:r>
+            <a:endParaRPr lang="zh-CN" altLang="en-US" sz="3200" dirty="0"/>
+          </a:p>
+        </p:txBody>
+      </p:sp>
+      <p:sp>
+        <p:nvSpPr>
+          <p:cNvPr id="3" name="内容占位符 2"/>
+          <p:cNvSpPr>
+            <a:spLocks noGrp="1"/>
+          </p:cNvSpPr>
+          <p:nvPr>
+            <p:ph idx="1"/>
+          </p:nvPr>
+        </p:nvSpPr>
+        <p:spPr>
+          <a:xfrm>
+            <a:off x="428596" y="1643050"/>
+            <a:ext cx="8401080" cy="4525963"/>
+          </a:xfrm>
+        </p:spPr>
+        <p:txBody>
+          <a:bodyPr>
+            <a:normAutofit/>
+          </a:bodyPr>
+          <a:lstStyle/>
+          <a:p>
+            <a:pPr>
+              <a:buNone/>
+            </a:pPr>
+            <a:r>
+              <a:rPr lang="en-US" altLang="zh-CN" sz="2000" dirty="0" err="1" smtClean="0"/>
+              <a:t>Docker</a:t>
+            </a:r>
+            <a:r>
+              <a:rPr lang="en-US" altLang="zh-CN" sz="2000" dirty="0" smtClean="0"/>
+              <a:t> </a:t>
+            </a:r>
+            <a:r>
+              <a:rPr lang="zh-CN" altLang="en-US" sz="2000" dirty="0" smtClean="0"/>
+              <a:t>是 </a:t>
+            </a:r>
+            <a:r>
+              <a:rPr lang="en-US" altLang="zh-CN" sz="2000" dirty="0" err="1" smtClean="0"/>
+              <a:t>PaaS</a:t>
+            </a:r>
+            <a:r>
+              <a:rPr lang="en-US" altLang="zh-CN" sz="2000" dirty="0" smtClean="0"/>
+              <a:t> </a:t>
+            </a:r>
+            <a:r>
+              <a:rPr lang="zh-CN" altLang="en-US" sz="2000" dirty="0" smtClean="0"/>
+              <a:t>提供商 </a:t>
+            </a:r>
+            <a:r>
+              <a:rPr lang="en-US" altLang="zh-CN" sz="2000" dirty="0" err="1" smtClean="0"/>
+              <a:t>dotCloud</a:t>
+            </a:r>
+            <a:r>
+              <a:rPr lang="en-US" altLang="zh-CN" sz="2000" dirty="0" smtClean="0"/>
+              <a:t> </a:t>
+            </a:r>
+            <a:r>
+              <a:rPr lang="zh-CN" altLang="en-US" sz="2000" dirty="0" smtClean="0"/>
+              <a:t>开源的高级容器引擎。</a:t>
+            </a:r>
+            <a:endParaRPr lang="en-US" altLang="zh-CN" sz="2000" dirty="0" smtClean="0"/>
+          </a:p>
+          <a:p>
+            <a:pPr>
+              <a:buNone/>
+            </a:pPr>
+            <a:r>
+              <a:rPr lang="en-US" sz="2000" dirty="0" err="1" smtClean="0"/>
+              <a:t>Docker</a:t>
+            </a:r>
+            <a:r>
+              <a:rPr lang="en-US" sz="2000" dirty="0" smtClean="0"/>
+              <a:t> </a:t>
+            </a:r>
+            <a:r>
+              <a:rPr lang="zh-CN" altLang="en-US" sz="2000" dirty="0" smtClean="0"/>
+              <a:t>提供简单易用的容器使用的接口。</a:t>
+            </a:r>
+            <a:endParaRPr lang="en-US" altLang="zh-CN" sz="2000" dirty="0" smtClean="0"/>
+          </a:p>
+          <a:p>
+            <a:pPr>
+              <a:buNone/>
+            </a:pPr>
+            <a:r>
+              <a:rPr lang="en-US" altLang="zh-CN" sz="2000" dirty="0" err="1" smtClean="0"/>
+              <a:t>Docker</a:t>
+            </a:r>
+            <a:r>
+              <a:rPr lang="en-US" altLang="zh-CN" sz="2000" dirty="0" smtClean="0"/>
+              <a:t> </a:t>
+            </a:r>
+            <a:r>
+              <a:rPr lang="zh-CN" altLang="en-US" sz="2000" dirty="0" smtClean="0"/>
+              <a:t>是基于</a:t>
+            </a:r>
+            <a:r>
+              <a:rPr lang="en-US" altLang="zh-CN" sz="2000" dirty="0" smtClean="0"/>
+              <a:t>Linux</a:t>
+            </a:r>
+            <a:r>
+              <a:rPr lang="zh-CN" altLang="en-US" sz="2000" dirty="0" smtClean="0"/>
+              <a:t>的</a:t>
+            </a:r>
+            <a:r>
+              <a:rPr lang="en-US" altLang="zh-CN" sz="2000" dirty="0" smtClean="0"/>
+              <a:t>LXC</a:t>
+            </a:r>
+            <a:r>
+              <a:rPr lang="zh-CN" altLang="en-US" sz="2000" dirty="0" smtClean="0"/>
+              <a:t>技术开发的，提供轻量级虚拟化，隔离进程资源。</a:t>
+            </a:r>
+            <a:endParaRPr lang="en-US" altLang="zh-CN" sz="2000" dirty="0" smtClean="0"/>
+          </a:p>
+          <a:p>
+            <a:pPr>
+              <a:buNone/>
+            </a:pPr>
+            <a:endParaRPr lang="en-US" altLang="zh-CN" sz="2000" dirty="0" smtClean="0"/>
+          </a:p>
+          <a:p>
+            <a:pPr>
+              <a:buNone/>
+            </a:pPr>
+            <a:endParaRPr lang="en-US" altLang="zh-CN" sz="2000" dirty="0" smtClean="0"/>
+          </a:p>
+          <a:p>
+            <a:pPr>
+              <a:buNone/>
+            </a:pPr>
+            <a:endParaRPr lang="en-US" altLang="zh-CN" sz="2000" dirty="0" smtClean="0"/>
+          </a:p>
+          <a:p>
+            <a:pPr>
+              <a:buNone/>
+            </a:pPr>
+            <a:r>
+              <a:rPr lang="zh-CN" altLang="en-US" sz="2000" dirty="0" smtClean="0"/>
+              <a:t>一个完整的</a:t>
+            </a:r>
+            <a:r>
+              <a:rPr lang="en-US" sz="2000" dirty="0" err="1" smtClean="0"/>
+              <a:t>Docker</a:t>
+            </a:r>
+            <a:r>
+              <a:rPr lang="zh-CN" altLang="en-US" sz="2000" dirty="0" smtClean="0"/>
+              <a:t>有以下几个部分组成：</a:t>
+            </a:r>
+            <a:endParaRPr lang="en-US" altLang="zh-CN" sz="2000" dirty="0" smtClean="0"/>
+          </a:p>
+          <a:p>
+            <a:r>
+              <a:rPr lang="en-US" altLang="zh-CN" sz="2000" dirty="0" err="1" smtClean="0"/>
+              <a:t>D</a:t>
+            </a:r>
+            <a:r>
+              <a:rPr lang="en-US" sz="2000" dirty="0" err="1" smtClean="0"/>
+              <a:t>ockerClient</a:t>
+            </a:r>
+            <a:r>
+              <a:rPr lang="zh-CN" altLang="en-US" sz="2000" dirty="0" smtClean="0"/>
+              <a:t>客户端</a:t>
+            </a:r>
+          </a:p>
+          <a:p>
+            <a:r>
+              <a:rPr lang="en-US" sz="2000" dirty="0" err="1" smtClean="0"/>
+              <a:t>Docker</a:t>
+            </a:r>
+            <a:r>
+              <a:rPr lang="en-US" sz="2000" dirty="0" smtClean="0"/>
+              <a:t> Daemon</a:t>
+            </a:r>
+            <a:r>
+              <a:rPr lang="zh-CN" altLang="en-US" sz="2000" dirty="0" smtClean="0"/>
+              <a:t>守护进程</a:t>
+            </a:r>
+          </a:p>
+          <a:p>
+            <a:r>
+              <a:rPr lang="en-US" sz="2000" dirty="0" err="1" smtClean="0"/>
+              <a:t>Docker</a:t>
+            </a:r>
+            <a:r>
+              <a:rPr lang="en-US" sz="2000" dirty="0" smtClean="0"/>
+              <a:t> Image</a:t>
+            </a:r>
+            <a:r>
+              <a:rPr lang="zh-CN" altLang="en-US" sz="2000" dirty="0" smtClean="0"/>
+              <a:t>镜像</a:t>
+            </a:r>
+          </a:p>
+          <a:p>
+            <a:r>
+              <a:rPr lang="en-US" sz="2000" dirty="0" err="1" smtClean="0"/>
+              <a:t>DockerContainer</a:t>
+            </a:r>
+            <a:r>
+              <a:rPr lang="zh-CN" altLang="en-US" sz="2000" dirty="0" smtClean="0"/>
+              <a:t>容器</a:t>
+            </a:r>
+          </a:p>
+          <a:p>
+            <a:pPr>
+              <a:buNone/>
+            </a:pPr>
+            <a:endParaRPr lang="en-US" altLang="zh-CN" sz="2000" dirty="0" smtClean="0"/>
+          </a:p>
+        </p:txBody>
+      </p:sp>
+    </p:spTree>
+  </p:cSld>
+  <p:clrMapOvr>
+    <a:masterClrMapping/>
+  </p:clrMapOvr>
+  <p:timing>
+    <p:tnLst>
+      <p:par>
+        <p:cTn id="1" dur="indefinite" restart="never" nodeType="tmRoot"/>
+      </p:par>
+    </p:tnLst>
+  </p:timing>
+</p:sld>
+</file>
+
 <file path=ppt/slides/slide4.xml><?xml version="1.0" encoding="utf-8"?>
 <p:sld xmlns:a="http://schemas.openxmlformats.org/drawingml/2006/main" xmlns:r="http://schemas.openxmlformats.org/officeDocument/2006/relationships" xmlns:p="http://schemas.openxmlformats.org/presentationml/2006/main">
   <p:cSld>
@@ -3713,7 +5793,7 @@
             </a:r>
             <a:r>
               <a:rPr lang="zh-CN" altLang="en-US" sz="3200" dirty="0" smtClean="0"/>
-              <a:t>是什么</a:t>
+              <a:t>有啥用</a:t>
             </a:r>
             <a:endParaRPr lang="zh-CN" altLang="en-US" sz="3200" dirty="0"/>
           </a:p>
@@ -3731,8 +5811,8 @@
         </p:nvSpPr>
         <p:spPr>
           <a:xfrm>
-            <a:off x="428596" y="1643050"/>
-            <a:ext cx="8401080" cy="4525963"/>
+            <a:off x="214282" y="1600200"/>
+            <a:ext cx="8472518" cy="4525963"/>
           </a:xfrm>
         </p:spPr>
         <p:txBody>
@@ -3745,6 +5825,14 @@
               <a:buNone/>
             </a:pPr>
             <a:r>
+              <a:rPr lang="en-US" altLang="zh-CN" sz="2000" dirty="0" smtClean="0"/>
+              <a:t>		</a:t>
+            </a:r>
+            <a:r>
+              <a:rPr lang="zh-CN" altLang="en-US" sz="2000" dirty="0" smtClean="0"/>
+              <a:t>开发人员利用 </a:t>
+            </a:r>
+            <a:r>
               <a:rPr lang="en-US" altLang="zh-CN" sz="2000" dirty="0" err="1" smtClean="0"/>
               <a:t>Docker</a:t>
             </a:r>
@@ -3754,11 +5842,25 @@
             </a:r>
             <a:r>
               <a:rPr lang="zh-CN" altLang="en-US" sz="2000" dirty="0" smtClean="0"/>
-              <a:t>是 </a:t>
+              <a:t>可以解决环境差异“在我的机器上可正常工作”的问题。</a:t>
+            </a:r>
+            <a:endParaRPr lang="en-US" altLang="zh-CN" sz="2000" dirty="0" smtClean="0"/>
+          </a:p>
+          <a:p>
+            <a:pPr>
+              <a:buNone/>
+            </a:pPr>
+            <a:r>
+              <a:rPr lang="en-US" altLang="zh-CN" sz="2000" dirty="0" smtClean="0"/>
+              <a:t>		</a:t>
+            </a:r>
+            <a:r>
+              <a:rPr lang="zh-CN" altLang="en-US" sz="2000" dirty="0" smtClean="0"/>
+              <a:t>运维人员利用 </a:t>
             </a:r>
             <a:r>
               <a:rPr lang="en-US" altLang="zh-CN" sz="2000" dirty="0" err="1" smtClean="0"/>
-              <a:t>PaaS</a:t>
+              <a:t>Docker</a:t>
             </a:r>
             <a:r>
               <a:rPr lang="en-US" altLang="zh-CN" sz="2000" dirty="0" smtClean="0"/>
@@ -3766,15 +5868,25 @@
             </a:r>
             <a:r>
               <a:rPr lang="zh-CN" altLang="en-US" sz="2000" dirty="0" smtClean="0"/>
-              <a:t>提供</a:t>
+              <a:t>可以在隔离容器中并行运行和管理应用，获得更好的计算密度。</a:t>
+            </a:r>
+            <a:endParaRPr lang="en-US" altLang="zh-CN" sz="2000" dirty="0" smtClean="0"/>
+          </a:p>
+          <a:p>
+            <a:pPr>
+              <a:buNone/>
+            </a:pPr>
+            <a:r>
+              <a:rPr lang="en-US" altLang="zh-CN" sz="2000" dirty="0" smtClean="0"/>
+              <a:t>		</a:t>
             </a:r>
             <a:r>
               <a:rPr lang="zh-CN" altLang="en-US" sz="2000" dirty="0" smtClean="0"/>
-              <a:t>商 </a:t>
+              <a:t>企业利用 </a:t>
             </a:r>
             <a:r>
               <a:rPr lang="en-US" altLang="zh-CN" sz="2000" dirty="0" err="1" smtClean="0"/>
-              <a:t>dotCloud</a:t>
+              <a:t>Docker</a:t>
             </a:r>
             <a:r>
               <a:rPr lang="en-US" altLang="zh-CN" sz="2000" dirty="0" smtClean="0"/>
@@ -3782,55 +5894,27 @@
             </a:r>
             <a:r>
               <a:rPr lang="zh-CN" altLang="en-US" sz="2000" dirty="0" smtClean="0"/>
-              <a:t>开源</a:t>
+              <a:t>可以构建敏捷的软件交付管道，以更快的速度、更高的安全性和可靠的信誉为 应用发布新功能。</a:t>
+            </a:r>
+            <a:endParaRPr lang="en-US" altLang="zh-CN" sz="2000" dirty="0" smtClean="0"/>
+          </a:p>
+          <a:p>
+            <a:pPr>
+              <a:buNone/>
+            </a:pPr>
+            <a:endParaRPr lang="en-US" altLang="zh-CN" sz="2000" dirty="0" smtClean="0"/>
+          </a:p>
+          <a:p>
+            <a:pPr>
+              <a:buNone/>
+            </a:pPr>
+            <a:r>
+              <a:rPr lang="en-US" altLang="zh-CN" sz="2000" dirty="0" smtClean="0"/>
+              <a:t>		</a:t>
             </a:r>
             <a:r>
               <a:rPr lang="zh-CN" altLang="en-US" sz="2000" dirty="0" smtClean="0"/>
-              <a:t>的高级</a:t>
-            </a:r>
-            <a:r>
-              <a:rPr lang="zh-CN" altLang="en-US" sz="2000" dirty="0" smtClean="0"/>
-              <a:t>容器</a:t>
-            </a:r>
-            <a:r>
-              <a:rPr lang="zh-CN" altLang="en-US" sz="2000" dirty="0" smtClean="0"/>
-              <a:t>引擎。</a:t>
-            </a:r>
-            <a:endParaRPr lang="en-US" altLang="zh-CN" sz="2000" dirty="0" smtClean="0"/>
-          </a:p>
-          <a:p>
-            <a:pPr>
-              <a:buNone/>
-            </a:pPr>
-            <a:r>
-              <a:rPr lang="en-US" sz="2000" dirty="0" err="1" smtClean="0"/>
-              <a:t>Docker</a:t>
-            </a:r>
-            <a:r>
-              <a:rPr lang="en-US" sz="2000" dirty="0" smtClean="0"/>
-              <a:t> </a:t>
-            </a:r>
-            <a:r>
-              <a:rPr lang="zh-CN" altLang="en-US" sz="2000" dirty="0" smtClean="0"/>
-              <a:t>提供简单易用的容器使用的接口。</a:t>
-            </a:r>
-            <a:endParaRPr lang="en-US" altLang="zh-CN" sz="2000" dirty="0" smtClean="0"/>
-          </a:p>
-          <a:p>
-            <a:pPr>
-              <a:buNone/>
-            </a:pPr>
-            <a:r>
-              <a:rPr lang="en-US" altLang="zh-CN" sz="2000" dirty="0" err="1" smtClean="0"/>
-              <a:t>Docker</a:t>
-            </a:r>
-            <a:r>
-              <a:rPr lang="en-US" altLang="zh-CN" sz="2000" dirty="0" smtClean="0"/>
-              <a:t> </a:t>
-            </a:r>
-            <a:r>
-              <a:rPr lang="zh-CN" altLang="en-US" sz="2000" dirty="0" smtClean="0"/>
-              <a:t>是基于</a:t>
+              <a:t>开发者可以打包他们的应用以及依赖包到一个可移植的容器中，然后发布到任何流行的 </a:t>
             </a:r>
             <a:r>
               <a:rPr lang="en-US" altLang="zh-CN" sz="2000" dirty="0" smtClean="0"/>
@@ -3838,15 +5922,7 @@
             </a:r>
             <a:r>
               <a:rPr lang="zh-CN" altLang="en-US" sz="2000" dirty="0" smtClean="0"/>
-              <a:t>的</a:t>
-            </a:r>
-            <a:r>
-              <a:rPr lang="en-US" altLang="zh-CN" sz="2000" dirty="0" smtClean="0"/>
-              <a:t>LXC</a:t>
-            </a:r>
-            <a:r>
-              <a:rPr lang="zh-CN" altLang="en-US" sz="2000" dirty="0" smtClean="0"/>
-              <a:t>技术开发的，提供轻量级虚拟化，隔离进程资源。</a:t>
+              <a:t>机器上，也可以实现虚拟化。容器是完全使用沙箱机制，相互之间不会有任何接口。</a:t>
             </a:r>
             <a:endParaRPr lang="en-US" altLang="zh-CN" sz="2000" dirty="0" smtClean="0"/>
           </a:p>
@@ -3854,107 +5930,7 @@
             <a:pPr>
               <a:buNone/>
             </a:pPr>
-            <a:endParaRPr lang="en-US" altLang="zh-CN" sz="2000" dirty="0" smtClean="0"/>
-          </a:p>
-          <a:p>
-            <a:pPr>
-              <a:buNone/>
-            </a:pPr>
-            <a:endParaRPr lang="en-US" altLang="zh-CN" sz="2000" dirty="0" smtClean="0"/>
-          </a:p>
-          <a:p>
-            <a:pPr>
-              <a:buNone/>
-            </a:pPr>
-            <a:endParaRPr lang="en-US" altLang="zh-CN" sz="2000" dirty="0" smtClean="0"/>
-          </a:p>
-          <a:p>
-            <a:pPr>
-              <a:buNone/>
-            </a:pPr>
-            <a:r>
-              <a:rPr lang="zh-CN" altLang="en-US" sz="2000" dirty="0" smtClean="0"/>
-              <a:t>一</a:t>
-            </a:r>
-            <a:r>
-              <a:rPr lang="zh-CN" altLang="en-US" sz="2000" dirty="0" smtClean="0"/>
-              <a:t>个完整的</a:t>
-            </a:r>
-            <a:r>
-              <a:rPr lang="en-US" sz="2000" dirty="0" err="1" smtClean="0"/>
-              <a:t>Docker</a:t>
-            </a:r>
-            <a:r>
-              <a:rPr lang="zh-CN" altLang="en-US" sz="2000" dirty="0" smtClean="0"/>
-              <a:t>有以下几个部分</a:t>
-            </a:r>
-            <a:r>
-              <a:rPr lang="zh-CN" altLang="en-US" sz="2000" dirty="0" smtClean="0"/>
-              <a:t>组成：</a:t>
-            </a:r>
-            <a:endParaRPr lang="en-US" altLang="zh-CN" sz="2000" dirty="0" smtClean="0"/>
-          </a:p>
-          <a:p>
-            <a:r>
-              <a:rPr lang="en-US" altLang="zh-CN" sz="2000" dirty="0" err="1" smtClean="0"/>
-              <a:t>D</a:t>
-            </a:r>
-            <a:r>
-              <a:rPr lang="en-US" sz="2000" dirty="0" err="1" smtClean="0"/>
-              <a:t>ockerClient</a:t>
-            </a:r>
-            <a:r>
-              <a:rPr lang="zh-CN" altLang="en-US" sz="2000" dirty="0" smtClean="0"/>
-              <a:t>客户端</a:t>
-            </a:r>
-          </a:p>
-          <a:p>
-            <a:r>
-              <a:rPr lang="en-US" sz="2000" dirty="0" err="1" smtClean="0"/>
-              <a:t>Docker</a:t>
-            </a:r>
-            <a:r>
-              <a:rPr lang="en-US" sz="2000" dirty="0" smtClean="0"/>
-              <a:t> </a:t>
-            </a:r>
-            <a:r>
-              <a:rPr lang="en-US" sz="2000" dirty="0" smtClean="0"/>
-              <a:t>Daemon</a:t>
-            </a:r>
-            <a:r>
-              <a:rPr lang="zh-CN" altLang="en-US" sz="2000" dirty="0" smtClean="0"/>
-              <a:t>守护进程</a:t>
-            </a:r>
-          </a:p>
-          <a:p>
-            <a:r>
-              <a:rPr lang="en-US" sz="2000" dirty="0" err="1" smtClean="0"/>
-              <a:t>Docker</a:t>
-            </a:r>
-            <a:r>
-              <a:rPr lang="en-US" sz="2000" dirty="0" smtClean="0"/>
-              <a:t> Image</a:t>
-            </a:r>
-            <a:r>
-              <a:rPr lang="zh-CN" altLang="en-US" sz="2000" dirty="0" smtClean="0"/>
-              <a:t>镜像</a:t>
-            </a:r>
-          </a:p>
-          <a:p>
-            <a:r>
-              <a:rPr lang="en-US" sz="2000" dirty="0" err="1" smtClean="0"/>
-              <a:t>DockerContainer</a:t>
-            </a:r>
-            <a:r>
-              <a:rPr lang="zh-CN" altLang="en-US" sz="2000" dirty="0" smtClean="0"/>
-              <a:t>容器</a:t>
-            </a:r>
-          </a:p>
-          <a:p>
-            <a:pPr>
-              <a:buNone/>
-            </a:pPr>
-            <a:endParaRPr lang="en-US" altLang="zh-CN" sz="2000" dirty="0" smtClean="0"/>
+            <a:endParaRPr lang="zh-CN" altLang="en-US" sz="2000" dirty="0"/>
           </a:p>
         </p:txBody>
       </p:sp>
@@ -4013,8 +5989,12 @@
               <a:t>Docker</a:t>
             </a:r>
             <a:r>
+              <a:rPr lang="en-US" altLang="zh-CN" sz="3200" dirty="0" smtClean="0"/>
+              <a:t> </a:t>
+            </a:r>
+            <a:r>
               <a:rPr lang="zh-CN" altLang="en-US" sz="3200" dirty="0" smtClean="0"/>
-              <a:t>有啥用</a:t>
+              <a:t>安装与镜像操作</a:t>
             </a:r>
             <a:endParaRPr lang="zh-CN" altLang="en-US" sz="3200" dirty="0"/>
           </a:p>
@@ -4030,12 +6010,7 @@
             <p:ph idx="1"/>
           </p:nvPr>
         </p:nvSpPr>
-        <p:spPr>
-          <a:xfrm>
-            <a:off x="214282" y="1600200"/>
-            <a:ext cx="8472518" cy="4525963"/>
-          </a:xfrm>
-        </p:spPr>
+        <p:spPr/>
         <p:txBody>
           <a:bodyPr>
             <a:normAutofit/>
@@ -4046,18 +6021,6 @@
               <a:buNone/>
             </a:pPr>
             <a:r>
-              <a:rPr lang="en-US" altLang="zh-CN" sz="2000" dirty="0" smtClean="0"/>
-              <a:t>		</a:t>
-            </a:r>
-            <a:r>
-              <a:rPr lang="zh-CN" altLang="en-US" sz="2000" dirty="0" smtClean="0"/>
-              <a:t>开发</a:t>
-            </a:r>
-            <a:r>
-              <a:rPr lang="zh-CN" altLang="en-US" sz="2000" dirty="0" smtClean="0"/>
-              <a:t>人员利用 </a:t>
-            </a:r>
-            <a:r>
               <a:rPr lang="en-US" altLang="zh-CN" sz="2000" dirty="0" err="1" smtClean="0"/>
               <a:t>Docker</a:t>
             </a:r>
@@ -4066,16 +6029,10 @@
               <a:t> </a:t>
             </a:r>
             <a:r>
-              <a:rPr lang="zh-CN" altLang="en-US" sz="2000" dirty="0" smtClean="0"/>
-              <a:t>可以解决环境差异“</a:t>
-            </a:r>
-            <a:r>
-              <a:rPr lang="zh-CN" altLang="en-US" sz="2000" dirty="0" smtClean="0"/>
-              <a:t>在我的机器上可正常工作</a:t>
-            </a:r>
-            <a:r>
-              <a:rPr lang="zh-CN" altLang="en-US" sz="2000" dirty="0" smtClean="0"/>
-              <a:t>”的问题。</a:t>
+              <a:rPr lang="zh-CN" altLang="en-US" sz="2000" dirty="0" smtClean="0">
+                <a:hlinkClick r:id="rId2"/>
+              </a:rPr>
+              <a:t>安装</a:t>
             </a:r>
             <a:endParaRPr lang="en-US" altLang="zh-CN" sz="2000" dirty="0" smtClean="0"/>
           </a:p>
@@ -4083,22 +6040,12 @@
             <a:pPr>
               <a:buNone/>
             </a:pPr>
-            <a:r>
-              <a:rPr lang="en-US" altLang="zh-CN" sz="2000" dirty="0" smtClean="0"/>
-              <a:t>	</a:t>
-            </a:r>
-            <a:r>
-              <a:rPr lang="en-US" altLang="zh-CN" sz="2000" dirty="0" smtClean="0"/>
-              <a:t>	</a:t>
-            </a:r>
-            <a:r>
-              <a:rPr lang="zh-CN" altLang="en-US" sz="2000" dirty="0" smtClean="0"/>
-              <a:t>运</a:t>
-            </a:r>
-            <a:r>
-              <a:rPr lang="zh-CN" altLang="en-US" sz="2000" dirty="0" smtClean="0"/>
-              <a:t>维人员利用 </a:t>
-            </a:r>
+            <a:endParaRPr lang="en-US" altLang="zh-CN" sz="2000" dirty="0" smtClean="0"/>
+          </a:p>
+          <a:p>
+            <a:pPr>
+              <a:buNone/>
+            </a:pPr>
             <a:r>
               <a:rPr lang="en-US" altLang="zh-CN" sz="2000" dirty="0" err="1" smtClean="0"/>
               <a:t>Docker</a:t>
@@ -4109,93 +6056,7 @@
             </a:r>
             <a:r>
               <a:rPr lang="zh-CN" altLang="en-US" sz="2000" dirty="0" smtClean="0"/>
-              <a:t>可以在隔离容器中并行运行和管理应用</a:t>
-            </a:r>
-            <a:r>
-              <a:rPr lang="zh-CN" altLang="en-US" sz="2000" dirty="0" smtClean="0"/>
-              <a:t>，获得</a:t>
-            </a:r>
-            <a:r>
-              <a:rPr lang="zh-CN" altLang="en-US" sz="2000" dirty="0" smtClean="0"/>
-              <a:t>更好的计算密度</a:t>
-            </a:r>
-            <a:r>
-              <a:rPr lang="zh-CN" altLang="en-US" sz="2000" dirty="0" smtClean="0"/>
-              <a:t>。</a:t>
-            </a:r>
-            <a:endParaRPr lang="en-US" altLang="zh-CN" sz="2000" dirty="0" smtClean="0"/>
-          </a:p>
-          <a:p>
-            <a:pPr>
-              <a:buNone/>
-            </a:pPr>
-            <a:r>
-              <a:rPr lang="en-US" altLang="zh-CN" sz="2000" dirty="0" smtClean="0"/>
-              <a:t>	</a:t>
-            </a:r>
-            <a:r>
-              <a:rPr lang="en-US" altLang="zh-CN" sz="2000" dirty="0" smtClean="0"/>
-              <a:t>	</a:t>
-            </a:r>
-            <a:r>
-              <a:rPr lang="zh-CN" altLang="en-US" sz="2000" dirty="0" smtClean="0"/>
-              <a:t>企业</a:t>
-            </a:r>
-            <a:r>
-              <a:rPr lang="zh-CN" altLang="en-US" sz="2000" dirty="0" smtClean="0"/>
-              <a:t>利用 </a:t>
-            </a:r>
-            <a:r>
-              <a:rPr lang="en-US" altLang="zh-CN" sz="2000" dirty="0" err="1" smtClean="0"/>
-              <a:t>Docker</a:t>
-            </a:r>
-            <a:r>
-              <a:rPr lang="en-US" altLang="zh-CN" sz="2000" dirty="0" smtClean="0"/>
-              <a:t> </a:t>
-            </a:r>
-            <a:r>
-              <a:rPr lang="zh-CN" altLang="en-US" sz="2000" dirty="0" smtClean="0"/>
-              <a:t>可以构建敏捷的软件交付管道，以更快的速度、更高的安全性和可靠的信誉为 应用发布新功能</a:t>
-            </a:r>
-            <a:r>
-              <a:rPr lang="zh-CN" altLang="en-US" sz="2000" dirty="0" smtClean="0"/>
-              <a:t>。</a:t>
-            </a:r>
-            <a:endParaRPr lang="en-US" altLang="zh-CN" sz="2000" dirty="0" smtClean="0"/>
-          </a:p>
-          <a:p>
-            <a:pPr>
-              <a:buNone/>
-            </a:pPr>
-            <a:endParaRPr lang="en-US" altLang="zh-CN" sz="2000" dirty="0" smtClean="0"/>
-          </a:p>
-          <a:p>
-            <a:pPr>
-              <a:buNone/>
-            </a:pPr>
-            <a:r>
-              <a:rPr lang="en-US" altLang="zh-CN" sz="2000" dirty="0" smtClean="0"/>
-              <a:t>		</a:t>
-            </a:r>
-            <a:r>
-              <a:rPr lang="zh-CN" altLang="en-US" sz="2000" dirty="0" smtClean="0"/>
-              <a:t>开发</a:t>
-            </a:r>
-            <a:r>
-              <a:rPr lang="zh-CN" altLang="en-US" sz="2000" dirty="0" smtClean="0"/>
-              <a:t>者可以打包他们的应用以及依赖包到一个可移植的容器中，然后发布到任何流行的 </a:t>
-            </a:r>
-            <a:r>
-              <a:rPr lang="en-US" altLang="zh-CN" sz="2000" dirty="0" smtClean="0"/>
-              <a:t>Linux</a:t>
-            </a:r>
-            <a:r>
-              <a:rPr lang="zh-CN" altLang="en-US" sz="2000" dirty="0" smtClean="0"/>
-              <a:t>机器</a:t>
-            </a:r>
-            <a:r>
-              <a:rPr lang="zh-CN" altLang="en-US" sz="2000" dirty="0" smtClean="0"/>
-              <a:t>上，也可以实现虚拟化。容器是完全使用沙箱机制，相互之间不会有任何接口。</a:t>
+              <a:t>镜像操作</a:t>
             </a:r>
             <a:endParaRPr lang="en-US" altLang="zh-CN" sz="2000" dirty="0" smtClean="0"/>
           </a:p>
@@ -4207,6 +6068,700 @@
           </a:p>
         </p:txBody>
       </p:sp>
+      <p:graphicFrame>
+        <p:nvGraphicFramePr>
+          <p:cNvPr id="4" name="表格 3"/>
+          <p:cNvGraphicFramePr>
+            <a:graphicFrameLocks noGrp="1"/>
+          </p:cNvGraphicFramePr>
+          <p:nvPr/>
+        </p:nvGraphicFramePr>
+        <p:xfrm>
+          <a:off x="571472" y="2928934"/>
+          <a:ext cx="7929618" cy="3169920"/>
+        </p:xfrm>
+        <a:graphic>
+          <a:graphicData uri="http://schemas.openxmlformats.org/drawingml/2006/table">
+            <a:tbl>
+              <a:tblPr firstRow="1" bandRow="1">
+                <a:tableStyleId>{5C22544A-7EE6-4342-B048-85BDC9FD1C3A}</a:tableStyleId>
+              </a:tblPr>
+              <a:tblGrid>
+                <a:gridCol w="4071966"/>
+                <a:gridCol w="3857652"/>
+              </a:tblGrid>
+              <a:tr h="250033">
+                <a:tc>
+                  <a:txBody>
+                    <a:bodyPr/>
+                    <a:lstStyle/>
+                    <a:p>
+                      <a:pPr algn="ctr"/>
+                      <a:r>
+                        <a:rPr lang="zh-CN" altLang="en-US" sz="1400" dirty="0" smtClean="0"/>
+                        <a:t>命令</a:t>
+                      </a:r>
+                      <a:endParaRPr lang="zh-CN" altLang="en-US" sz="1400" dirty="0"/>
+                    </a:p>
+                  </a:txBody>
+                  <a:tcPr/>
+                </a:tc>
+                <a:tc>
+                  <a:txBody>
+                    <a:bodyPr/>
+                    <a:lstStyle/>
+                    <a:p>
+                      <a:pPr algn="ctr"/>
+                      <a:r>
+                        <a:rPr lang="zh-CN" altLang="en-US" sz="1400" dirty="0" smtClean="0"/>
+                        <a:t>用途</a:t>
+                      </a:r>
+                      <a:endParaRPr lang="zh-CN" altLang="en-US" sz="1400" dirty="0"/>
+                    </a:p>
+                  </a:txBody>
+                  <a:tcPr/>
+                </a:tc>
+              </a:tr>
+              <a:tr h="250033">
+                <a:tc>
+                  <a:txBody>
+                    <a:bodyPr/>
+                    <a:lstStyle/>
+                    <a:p>
+                      <a:r>
+                        <a:rPr lang="en-US" altLang="zh-CN" sz="1400" dirty="0" err="1" smtClean="0"/>
+                        <a:t>docker</a:t>
+                      </a:r>
+                      <a:r>
+                        <a:rPr lang="en-US" altLang="zh-CN" sz="1400" dirty="0" smtClean="0"/>
+                        <a:t> </a:t>
+                      </a:r>
+                      <a:r>
+                        <a:rPr lang="en-US" altLang="zh-CN" sz="1400" dirty="0" err="1" smtClean="0"/>
+                        <a:t>serarch</a:t>
+                      </a:r>
+                      <a:r>
+                        <a:rPr lang="en-US" altLang="zh-CN" sz="1400" dirty="0" smtClean="0"/>
+                        <a:t> [Option]</a:t>
+                      </a:r>
+                      <a:endParaRPr lang="zh-CN" altLang="en-US" sz="1400" dirty="0"/>
+                    </a:p>
+                  </a:txBody>
+                  <a:tcPr/>
+                </a:tc>
+                <a:tc>
+                  <a:txBody>
+                    <a:bodyPr/>
+                    <a:lstStyle/>
+                    <a:p>
+                      <a:r>
+                        <a:rPr lang="zh-CN" altLang="en-US" sz="1400" dirty="0" smtClean="0"/>
+                        <a:t>搜索镜像仓库</a:t>
+                      </a:r>
+                      <a:endParaRPr lang="zh-CN" altLang="en-US" sz="1400" dirty="0"/>
+                    </a:p>
+                  </a:txBody>
+                  <a:tcPr/>
+                </a:tc>
+              </a:tr>
+              <a:tr h="250033">
+                <a:tc>
+                  <a:txBody>
+                    <a:bodyPr/>
+                    <a:lstStyle/>
+                    <a:p>
+                      <a:r>
+                        <a:rPr lang="en-US" altLang="zh-CN" sz="1400" dirty="0" err="1" smtClean="0"/>
+                        <a:t>docker</a:t>
+                      </a:r>
+                      <a:r>
+                        <a:rPr lang="en-US" altLang="zh-CN" sz="1400" baseline="0" dirty="0" smtClean="0"/>
+                        <a:t> pull </a:t>
+                      </a:r>
+                      <a:r>
+                        <a:rPr lang="en-US" sz="1400" b="0" i="0" kern="1200" dirty="0" smtClean="0">
+                          <a:solidFill>
+                            <a:schemeClr val="dk1"/>
+                          </a:solidFill>
+                          <a:latin typeface="+mn-lt"/>
+                          <a:ea typeface="+mn-ea"/>
+                          <a:cs typeface="+mn-cs"/>
+                        </a:rPr>
+                        <a:t>[Option] Name[:Tag]</a:t>
+                      </a:r>
+                      <a:endParaRPr lang="zh-CN" altLang="en-US" sz="1400" dirty="0"/>
+                    </a:p>
+                  </a:txBody>
+                  <a:tcPr/>
+                </a:tc>
+                <a:tc>
+                  <a:txBody>
+                    <a:bodyPr/>
+                    <a:lstStyle/>
+                    <a:p>
+                      <a:r>
+                        <a:rPr lang="zh-CN" altLang="en-US" sz="1400" b="0" i="0" kern="1200" dirty="0" smtClean="0">
+                          <a:solidFill>
+                            <a:schemeClr val="dk1"/>
+                          </a:solidFill>
+                          <a:latin typeface="+mn-lt"/>
+                          <a:ea typeface="+mn-ea"/>
+                          <a:cs typeface="+mn-cs"/>
+                        </a:rPr>
+                        <a:t>拉取镜像</a:t>
+                      </a:r>
+                      <a:endParaRPr lang="en-US" altLang="zh-CN" sz="1400" b="0" i="0" kern="1200" dirty="0" smtClean="0">
+                        <a:solidFill>
+                          <a:schemeClr val="dk1"/>
+                        </a:solidFill>
+                        <a:latin typeface="+mn-lt"/>
+                        <a:ea typeface="+mn-ea"/>
+                        <a:cs typeface="+mn-cs"/>
+                      </a:endParaRPr>
+                    </a:p>
+                    <a:p>
+                      <a:r>
+                        <a:rPr lang="en-US" sz="1400" b="0" i="0" kern="1200" dirty="0" smtClean="0">
+                          <a:solidFill>
+                            <a:schemeClr val="dk1"/>
+                          </a:solidFill>
+                          <a:latin typeface="+mn-lt"/>
+                          <a:ea typeface="+mn-ea"/>
+                          <a:cs typeface="+mn-cs"/>
+                        </a:rPr>
+                        <a:t>Option</a:t>
+                      </a:r>
+                      <a:r>
+                        <a:rPr lang="zh-CN" altLang="en-US" sz="1400" b="0" i="0" kern="1200" dirty="0" smtClean="0">
+                          <a:solidFill>
+                            <a:schemeClr val="dk1"/>
+                          </a:solidFill>
+                          <a:latin typeface="+mn-lt"/>
+                          <a:ea typeface="+mn-ea"/>
+                          <a:cs typeface="+mn-cs"/>
+                        </a:rPr>
+                        <a:t>拉取参数，</a:t>
+                      </a:r>
+                      <a:r>
+                        <a:rPr lang="en-US" altLang="zh-CN" sz="1400" b="0" i="0" kern="1200" dirty="0" smtClean="0">
+                          <a:solidFill>
+                            <a:schemeClr val="dk1"/>
+                          </a:solidFill>
+                          <a:latin typeface="+mn-lt"/>
+                          <a:ea typeface="+mn-ea"/>
+                          <a:cs typeface="+mn-cs"/>
+                        </a:rPr>
+                        <a:t>:</a:t>
+                      </a:r>
+                      <a:r>
+                        <a:rPr lang="en-US" sz="1400" b="0" i="0" kern="1200" dirty="0" smtClean="0">
+                          <a:solidFill>
+                            <a:schemeClr val="dk1"/>
+                          </a:solidFill>
+                          <a:latin typeface="+mn-lt"/>
+                          <a:ea typeface="+mn-ea"/>
+                          <a:cs typeface="+mn-cs"/>
+                        </a:rPr>
+                        <a:t>Tag</a:t>
+                      </a:r>
+                      <a:r>
+                        <a:rPr lang="zh-CN" altLang="en-US" sz="1400" b="0" i="0" kern="1200" dirty="0" smtClean="0">
+                          <a:solidFill>
+                            <a:schemeClr val="dk1"/>
+                          </a:solidFill>
+                          <a:latin typeface="+mn-lt"/>
+                          <a:ea typeface="+mn-ea"/>
+                          <a:cs typeface="+mn-cs"/>
+                        </a:rPr>
+                        <a:t>拉取版本，默认</a:t>
+                      </a:r>
+                      <a:r>
+                        <a:rPr lang="en-US" sz="1400" b="0" i="0" kern="1200" dirty="0" smtClean="0">
+                          <a:solidFill>
+                            <a:schemeClr val="dk1"/>
+                          </a:solidFill>
+                          <a:latin typeface="+mn-lt"/>
+                          <a:ea typeface="+mn-ea"/>
+                          <a:cs typeface="+mn-cs"/>
+                        </a:rPr>
+                        <a:t>latest</a:t>
+                      </a:r>
+                      <a:endParaRPr lang="zh-CN" altLang="en-US" sz="1400" dirty="0"/>
+                    </a:p>
+                  </a:txBody>
+                  <a:tcPr/>
+                </a:tc>
+              </a:tr>
+              <a:tr h="250033">
+                <a:tc>
+                  <a:txBody>
+                    <a:bodyPr/>
+                    <a:lstStyle/>
+                    <a:p>
+                      <a:pPr marL="0" algn="l" defTabSz="914400" rtl="0" eaLnBrk="1" latinLnBrk="0" hangingPunct="1"/>
+                      <a:r>
+                        <a:rPr lang="en-US" altLang="zh-CN" sz="1400" kern="1200" dirty="0" err="1" smtClean="0">
+                          <a:solidFill>
+                            <a:schemeClr val="dk1"/>
+                          </a:solidFill>
+                          <a:latin typeface="+mn-lt"/>
+                          <a:ea typeface="+mn-ea"/>
+                          <a:cs typeface="+mn-cs"/>
+                        </a:rPr>
+                        <a:t>docker</a:t>
+                      </a:r>
+                      <a:r>
+                        <a:rPr lang="en-US" altLang="zh-CN" sz="1400" kern="1200" dirty="0" smtClean="0">
+                          <a:solidFill>
+                            <a:schemeClr val="dk1"/>
+                          </a:solidFill>
+                          <a:latin typeface="+mn-lt"/>
+                          <a:ea typeface="+mn-ea"/>
+                          <a:cs typeface="+mn-cs"/>
+                        </a:rPr>
+                        <a:t> images [Option] [Repository[:Tag]]</a:t>
+                      </a:r>
+                      <a:endParaRPr lang="zh-CN" altLang="en-US" sz="1400" kern="1200" dirty="0" smtClean="0">
+                        <a:solidFill>
+                          <a:schemeClr val="dk1"/>
+                        </a:solidFill>
+                        <a:latin typeface="+mn-lt"/>
+                        <a:ea typeface="+mn-ea"/>
+                        <a:cs typeface="+mn-cs"/>
+                      </a:endParaRPr>
+                    </a:p>
+                  </a:txBody>
+                  <a:tcPr/>
+                </a:tc>
+                <a:tc>
+                  <a:txBody>
+                    <a:bodyPr/>
+                    <a:lstStyle/>
+                    <a:p>
+                      <a:pPr marL="0" algn="l" defTabSz="914400" rtl="0" eaLnBrk="1" latinLnBrk="0" hangingPunct="1"/>
+                      <a:r>
+                        <a:rPr lang="zh-CN" altLang="en-US" sz="1400" b="0" i="0" kern="1200" dirty="0" smtClean="0">
+                          <a:solidFill>
+                            <a:schemeClr val="dk1"/>
+                          </a:solidFill>
+                          <a:latin typeface="+mn-lt"/>
+                          <a:ea typeface="+mn-ea"/>
+                          <a:cs typeface="+mn-cs"/>
+                        </a:rPr>
+                        <a:t>查看本机镜像列表</a:t>
+                      </a:r>
+                      <a:endParaRPr lang="en-US" altLang="zh-CN" sz="1400" b="0" i="0" kern="1200" dirty="0" smtClean="0">
+                        <a:solidFill>
+                          <a:schemeClr val="dk1"/>
+                        </a:solidFill>
+                        <a:latin typeface="+mn-lt"/>
+                        <a:ea typeface="+mn-ea"/>
+                        <a:cs typeface="+mn-cs"/>
+                      </a:endParaRPr>
+                    </a:p>
+                    <a:p>
+                      <a:pPr marL="0" algn="l" defTabSz="914400" rtl="0" eaLnBrk="1" latinLnBrk="0" hangingPunct="1"/>
+                      <a:r>
+                        <a:rPr lang="en-US" altLang="zh-CN" sz="1400" b="0" i="0" kern="1200" dirty="0" smtClean="0">
+                          <a:solidFill>
+                            <a:schemeClr val="dk1"/>
+                          </a:solidFill>
+                          <a:latin typeface="+mn-lt"/>
+                          <a:ea typeface="+mn-ea"/>
+                          <a:cs typeface="+mn-cs"/>
+                        </a:rPr>
+                        <a:t>[</a:t>
+                      </a:r>
+                      <a:r>
+                        <a:rPr lang="en-US" altLang="en-US" sz="1400" b="0" i="0" kern="1200" dirty="0" smtClean="0">
+                          <a:solidFill>
+                            <a:schemeClr val="dk1"/>
+                          </a:solidFill>
+                          <a:latin typeface="+mn-lt"/>
+                          <a:ea typeface="+mn-ea"/>
+                          <a:cs typeface="+mn-cs"/>
+                        </a:rPr>
+                        <a:t>Repository[:Tag]]</a:t>
+                      </a:r>
+                      <a:r>
+                        <a:rPr lang="zh-CN" altLang="en-US" sz="1400" b="0" i="0" kern="1200" dirty="0" smtClean="0">
+                          <a:solidFill>
+                            <a:schemeClr val="dk1"/>
+                          </a:solidFill>
+                          <a:latin typeface="+mn-lt"/>
+                          <a:ea typeface="+mn-ea"/>
+                          <a:cs typeface="+mn-cs"/>
+                        </a:rPr>
+                        <a:t>指定镜像名称和版本</a:t>
+                      </a:r>
+                    </a:p>
+                  </a:txBody>
+                  <a:tcPr/>
+                </a:tc>
+              </a:tr>
+              <a:tr h="250033">
+                <a:tc>
+                  <a:txBody>
+                    <a:bodyPr/>
+                    <a:lstStyle/>
+                    <a:p>
+                      <a:pPr marL="0" algn="l" defTabSz="914400" rtl="0" eaLnBrk="1" latinLnBrk="0" hangingPunct="1"/>
+                      <a:r>
+                        <a:rPr lang="en-US" altLang="zh-CN" sz="1400" kern="1200" dirty="0" err="1" smtClean="0">
+                          <a:solidFill>
+                            <a:schemeClr val="dk1"/>
+                          </a:solidFill>
+                          <a:latin typeface="+mn-lt"/>
+                          <a:ea typeface="+mn-ea"/>
+                          <a:cs typeface="+mn-cs"/>
+                        </a:rPr>
+                        <a:t>docker</a:t>
+                      </a:r>
+                      <a:r>
+                        <a:rPr lang="en-US" altLang="zh-CN" sz="1400" kern="1200" dirty="0" smtClean="0">
+                          <a:solidFill>
+                            <a:schemeClr val="dk1"/>
+                          </a:solidFill>
+                          <a:latin typeface="+mn-lt"/>
+                          <a:ea typeface="+mn-ea"/>
+                          <a:cs typeface="+mn-cs"/>
+                        </a:rPr>
+                        <a:t> run [Option] IMAGE[:Tag] [COMMAND] [ARG…]</a:t>
+                      </a:r>
+                      <a:endParaRPr lang="zh-CN" altLang="en-US" sz="1400" kern="1200" dirty="0" smtClean="0">
+                        <a:solidFill>
+                          <a:schemeClr val="dk1"/>
+                        </a:solidFill>
+                        <a:latin typeface="+mn-lt"/>
+                        <a:ea typeface="+mn-ea"/>
+                        <a:cs typeface="+mn-cs"/>
+                      </a:endParaRPr>
+                    </a:p>
+                  </a:txBody>
+                  <a:tcPr/>
+                </a:tc>
+                <a:tc>
+                  <a:txBody>
+                    <a:bodyPr/>
+                    <a:lstStyle/>
+                    <a:p>
+                      <a:pPr marL="0" algn="l" defTabSz="914400" rtl="0" eaLnBrk="1" latinLnBrk="0" hangingPunct="1"/>
+                      <a:r>
+                        <a:rPr lang="zh-CN" altLang="en-US" sz="1400" b="0" i="0" kern="1200" dirty="0" smtClean="0">
+                          <a:solidFill>
+                            <a:schemeClr val="dk1"/>
+                          </a:solidFill>
+                          <a:latin typeface="+mn-lt"/>
+                          <a:ea typeface="+mn-ea"/>
+                          <a:cs typeface="+mn-cs"/>
+                        </a:rPr>
+                        <a:t>开始容器运行</a:t>
+                      </a:r>
+                    </a:p>
+                  </a:txBody>
+                  <a:tcPr/>
+                </a:tc>
+              </a:tr>
+              <a:tr h="250033">
+                <a:tc>
+                  <a:txBody>
+                    <a:bodyPr/>
+                    <a:lstStyle/>
+                    <a:p>
+                      <a:pPr marL="0" algn="l" defTabSz="914400" rtl="0" eaLnBrk="1" latinLnBrk="0" hangingPunct="1"/>
+                      <a:r>
+                        <a:rPr lang="en-US" altLang="zh-CN" sz="1400" kern="1200" dirty="0" err="1" smtClean="0">
+                          <a:solidFill>
+                            <a:schemeClr val="dk1"/>
+                          </a:solidFill>
+                          <a:latin typeface="+mn-lt"/>
+                          <a:ea typeface="+mn-ea"/>
+                          <a:cs typeface="+mn-cs"/>
+                        </a:rPr>
+                        <a:t>docker</a:t>
+                      </a:r>
+                      <a:r>
+                        <a:rPr lang="en-US" altLang="zh-CN" sz="1400" kern="1200" dirty="0" smtClean="0">
+                          <a:solidFill>
+                            <a:schemeClr val="dk1"/>
+                          </a:solidFill>
+                          <a:latin typeface="+mn-lt"/>
+                          <a:ea typeface="+mn-ea"/>
+                          <a:cs typeface="+mn-cs"/>
+                        </a:rPr>
+                        <a:t> stop –</a:t>
+                      </a:r>
+                      <a:r>
+                        <a:rPr lang="en-US" altLang="zh-CN" sz="1400" kern="1200" dirty="0" err="1" smtClean="0">
+                          <a:solidFill>
+                            <a:schemeClr val="dk1"/>
+                          </a:solidFill>
+                          <a:latin typeface="+mn-lt"/>
+                          <a:ea typeface="+mn-ea"/>
+                          <a:cs typeface="+mn-cs"/>
+                        </a:rPr>
+                        <a:t>pid</a:t>
+                      </a:r>
+                      <a:endParaRPr lang="zh-CN" altLang="en-US" sz="1400" kern="1200" dirty="0" smtClean="0">
+                        <a:solidFill>
+                          <a:schemeClr val="dk1"/>
+                        </a:solidFill>
+                        <a:latin typeface="+mn-lt"/>
+                        <a:ea typeface="+mn-ea"/>
+                        <a:cs typeface="+mn-cs"/>
+                      </a:endParaRPr>
+                    </a:p>
+                  </a:txBody>
+                  <a:tcPr/>
+                </a:tc>
+                <a:tc>
+                  <a:txBody>
+                    <a:bodyPr/>
+                    <a:lstStyle/>
+                    <a:p>
+                      <a:pPr marL="0" algn="l" defTabSz="914400" rtl="0" eaLnBrk="1" latinLnBrk="0" hangingPunct="1"/>
+                      <a:r>
+                        <a:rPr lang="zh-CN" altLang="en-US" sz="1400" b="0" i="0" kern="1200" dirty="0" smtClean="0">
+                          <a:solidFill>
+                            <a:schemeClr val="dk1"/>
+                          </a:solidFill>
+                          <a:latin typeface="+mn-lt"/>
+                          <a:ea typeface="+mn-ea"/>
+                          <a:cs typeface="+mn-cs"/>
+                        </a:rPr>
+                        <a:t>停止容器运行</a:t>
+                      </a:r>
+                    </a:p>
+                  </a:txBody>
+                  <a:tcPr/>
+                </a:tc>
+              </a:tr>
+              <a:tr h="250033">
+                <a:tc>
+                  <a:txBody>
+                    <a:bodyPr/>
+                    <a:lstStyle/>
+                    <a:p>
+                      <a:pPr marL="0" algn="l" defTabSz="914400" rtl="0" eaLnBrk="1" latinLnBrk="0" hangingPunct="1"/>
+                      <a:r>
+                        <a:rPr lang="en-US" altLang="zh-CN" sz="1400" kern="1200" dirty="0" err="1" smtClean="0">
+                          <a:solidFill>
+                            <a:schemeClr val="dk1"/>
+                          </a:solidFill>
+                          <a:latin typeface="+mn-lt"/>
+                          <a:ea typeface="+mn-ea"/>
+                          <a:cs typeface="+mn-cs"/>
+                        </a:rPr>
+                        <a:t>docker</a:t>
+                      </a:r>
+                      <a:r>
+                        <a:rPr lang="en-US" altLang="zh-CN" sz="1400" kern="1200" dirty="0" smtClean="0">
+                          <a:solidFill>
+                            <a:schemeClr val="dk1"/>
+                          </a:solidFill>
+                          <a:latin typeface="+mn-lt"/>
+                          <a:ea typeface="+mn-ea"/>
+                          <a:cs typeface="+mn-cs"/>
+                        </a:rPr>
+                        <a:t> </a:t>
+                      </a:r>
+                      <a:r>
+                        <a:rPr lang="en-US" altLang="zh-CN" sz="1400" kern="1200" dirty="0" err="1" smtClean="0">
+                          <a:solidFill>
+                            <a:schemeClr val="dk1"/>
+                          </a:solidFill>
+                          <a:latin typeface="+mn-lt"/>
+                          <a:ea typeface="+mn-ea"/>
+                          <a:cs typeface="+mn-cs"/>
+                        </a:rPr>
+                        <a:t>ps</a:t>
+                      </a:r>
+                      <a:endParaRPr lang="zh-CN" altLang="en-US" sz="1400" kern="1200" dirty="0" smtClean="0">
+                        <a:solidFill>
+                          <a:schemeClr val="dk1"/>
+                        </a:solidFill>
+                        <a:latin typeface="+mn-lt"/>
+                        <a:ea typeface="+mn-ea"/>
+                        <a:cs typeface="+mn-cs"/>
+                      </a:endParaRPr>
+                    </a:p>
+                  </a:txBody>
+                  <a:tcPr/>
+                </a:tc>
+                <a:tc>
+                  <a:txBody>
+                    <a:bodyPr/>
+                    <a:lstStyle/>
+                    <a:p>
+                      <a:pPr marL="0" algn="l" defTabSz="914400" rtl="0" eaLnBrk="1" latinLnBrk="0" hangingPunct="1"/>
+                      <a:r>
+                        <a:rPr lang="zh-CN" altLang="en-US" sz="1400" b="0" i="0" kern="1200" dirty="0" smtClean="0">
+                          <a:solidFill>
+                            <a:schemeClr val="dk1"/>
+                          </a:solidFill>
+                          <a:latin typeface="+mn-lt"/>
+                          <a:ea typeface="+mn-ea"/>
+                          <a:cs typeface="+mn-cs"/>
+                        </a:rPr>
+                        <a:t>查看运行中容器</a:t>
+                      </a:r>
+                    </a:p>
+                  </a:txBody>
+                  <a:tcPr/>
+                </a:tc>
+              </a:tr>
+              <a:tr h="250033">
+                <a:tc>
+                  <a:txBody>
+                    <a:bodyPr/>
+                    <a:lstStyle/>
+                    <a:p>
+                      <a:pPr marL="0" algn="l" defTabSz="914400" rtl="0" eaLnBrk="1" latinLnBrk="0" hangingPunct="1"/>
+                      <a:r>
+                        <a:rPr lang="en-US" altLang="zh-CN" sz="1400" kern="1200" dirty="0" err="1" smtClean="0">
+                          <a:solidFill>
+                            <a:schemeClr val="dk1"/>
+                          </a:solidFill>
+                          <a:latin typeface="+mn-lt"/>
+                          <a:ea typeface="+mn-ea"/>
+                          <a:cs typeface="+mn-cs"/>
+                        </a:rPr>
+                        <a:t>docker</a:t>
+                      </a:r>
+                      <a:r>
+                        <a:rPr lang="en-US" altLang="zh-CN" sz="1400" kern="1200" dirty="0" smtClean="0">
+                          <a:solidFill>
+                            <a:schemeClr val="dk1"/>
+                          </a:solidFill>
+                          <a:latin typeface="+mn-lt"/>
+                          <a:ea typeface="+mn-ea"/>
+                          <a:cs typeface="+mn-cs"/>
+                        </a:rPr>
+                        <a:t> exec [Option] CONTAINER COMMAND [ARG…]</a:t>
+                      </a:r>
+                      <a:endParaRPr lang="zh-CN" altLang="en-US" sz="1400" kern="1200" dirty="0" smtClean="0">
+                        <a:solidFill>
+                          <a:schemeClr val="dk1"/>
+                        </a:solidFill>
+                        <a:latin typeface="+mn-lt"/>
+                        <a:ea typeface="+mn-ea"/>
+                        <a:cs typeface="+mn-cs"/>
+                      </a:endParaRPr>
+                    </a:p>
+                  </a:txBody>
+                  <a:tcPr/>
+                </a:tc>
+                <a:tc>
+                  <a:txBody>
+                    <a:bodyPr/>
+                    <a:lstStyle/>
+                    <a:p>
+                      <a:pPr marL="0" algn="l" defTabSz="914400" rtl="0" eaLnBrk="1" latinLnBrk="0" hangingPunct="1"/>
+                      <a:r>
+                        <a:rPr lang="zh-CN" altLang="en-US" sz="1400" b="0" i="0" kern="1200" dirty="0" smtClean="0">
+                          <a:solidFill>
+                            <a:schemeClr val="dk1"/>
+                          </a:solidFill>
+                          <a:latin typeface="+mn-lt"/>
+                          <a:ea typeface="+mn-ea"/>
+                          <a:cs typeface="+mn-cs"/>
+                        </a:rPr>
+                        <a:t>进入容器</a:t>
+                      </a:r>
+                    </a:p>
+                  </a:txBody>
+                  <a:tcPr/>
+                </a:tc>
+              </a:tr>
+              <a:tr h="250033">
+                <a:tc>
+                  <a:txBody>
+                    <a:bodyPr/>
+                    <a:lstStyle/>
+                    <a:p>
+                      <a:pPr marL="0" algn="l" defTabSz="914400" rtl="0" eaLnBrk="1" latinLnBrk="0" hangingPunct="1"/>
+                      <a:r>
+                        <a:rPr lang="en-US" altLang="zh-CN" sz="1400" kern="1200" dirty="0" err="1" smtClean="0">
+                          <a:solidFill>
+                            <a:schemeClr val="dk1"/>
+                          </a:solidFill>
+                          <a:latin typeface="+mn-lt"/>
+                          <a:ea typeface="+mn-ea"/>
+                          <a:cs typeface="+mn-cs"/>
+                        </a:rPr>
+                        <a:t>docker</a:t>
+                      </a:r>
+                      <a:r>
+                        <a:rPr lang="en-US" altLang="zh-CN" sz="1400" kern="1200" dirty="0" smtClean="0">
+                          <a:solidFill>
+                            <a:schemeClr val="dk1"/>
+                          </a:solidFill>
+                          <a:latin typeface="+mn-lt"/>
+                          <a:ea typeface="+mn-ea"/>
+                          <a:cs typeface="+mn-cs"/>
+                        </a:rPr>
+                        <a:t> build –t </a:t>
+                      </a:r>
+                      <a:r>
+                        <a:rPr lang="en-US" altLang="zh-CN" sz="1400" kern="1200" dirty="0" err="1" smtClean="0">
+                          <a:solidFill>
+                            <a:schemeClr val="dk1"/>
+                          </a:solidFill>
+                          <a:latin typeface="+mn-lt"/>
+                          <a:ea typeface="+mn-ea"/>
+                          <a:cs typeface="+mn-cs"/>
+                        </a:rPr>
+                        <a:t>imageName:latest</a:t>
+                      </a:r>
+                      <a:r>
+                        <a:rPr lang="en-US" altLang="zh-CN" sz="1400" kern="1200" dirty="0" smtClean="0">
+                          <a:solidFill>
+                            <a:schemeClr val="dk1"/>
+                          </a:solidFill>
+                          <a:latin typeface="+mn-lt"/>
+                          <a:ea typeface="+mn-ea"/>
+                          <a:cs typeface="+mn-cs"/>
+                        </a:rPr>
+                        <a:t> .</a:t>
+                      </a:r>
+                      <a:endParaRPr lang="zh-CN" altLang="en-US" sz="1400" kern="1200" dirty="0" smtClean="0">
+                        <a:solidFill>
+                          <a:schemeClr val="dk1"/>
+                        </a:solidFill>
+                        <a:latin typeface="+mn-lt"/>
+                        <a:ea typeface="+mn-ea"/>
+                        <a:cs typeface="+mn-cs"/>
+                      </a:endParaRPr>
+                    </a:p>
+                  </a:txBody>
+                  <a:tcPr/>
+                </a:tc>
+                <a:tc>
+                  <a:txBody>
+                    <a:bodyPr/>
+                    <a:lstStyle/>
+                    <a:p>
+                      <a:pPr marL="0" algn="l" defTabSz="914400" rtl="0" eaLnBrk="1" latinLnBrk="0" hangingPunct="1"/>
+                      <a:r>
+                        <a:rPr lang="zh-CN" altLang="en-US" sz="1400" b="0" i="0" kern="1200" dirty="0" smtClean="0">
+                          <a:solidFill>
+                            <a:schemeClr val="dk1"/>
+                          </a:solidFill>
+                          <a:latin typeface="+mn-lt"/>
+                          <a:ea typeface="+mn-ea"/>
+                          <a:cs typeface="+mn-cs"/>
+                        </a:rPr>
+                        <a:t>构建镜像</a:t>
+                      </a:r>
+                    </a:p>
+                  </a:txBody>
+                  <a:tcPr/>
+                </a:tc>
+              </a:tr>
+            </a:tbl>
+          </a:graphicData>
+        </a:graphic>
+      </p:graphicFrame>
     </p:spTree>
   </p:cSld>
   <p:clrMapOvr>
@@ -4267,7 +6822,15 @@
             </a:r>
             <a:r>
               <a:rPr lang="zh-CN" altLang="en-US" sz="3200" dirty="0" smtClean="0"/>
-              <a:t>安装与镜像操作</a:t>
+              <a:t>化一个</a:t>
+            </a:r>
+            <a:r>
+              <a:rPr lang="en-US" altLang="zh-CN" sz="3200" dirty="0" smtClean="0"/>
+              <a:t>Java</a:t>
+            </a:r>
+            <a:r>
+              <a:rPr lang="zh-CN" altLang="en-US" sz="3200" dirty="0" smtClean="0"/>
+              <a:t>应用</a:t>
             </a:r>
             <a:endParaRPr lang="zh-CN" altLang="en-US" sz="3200" dirty="0"/>
           </a:p>
@@ -4294,9 +6857,56 @@
               <a:buNone/>
             </a:pPr>
             <a:r>
-              <a:rPr lang="en-US" altLang="zh-CN" sz="2000" smtClean="0"/>
-              <a:t>123</a:t>
-            </a:r>
+              <a:rPr lang="zh-CN" altLang="en-US" sz="2000" dirty="0" smtClean="0"/>
+              <a:t>一、将一个应用打包成</a:t>
+            </a:r>
+            <a:r>
+              <a:rPr lang="en-US" altLang="zh-CN" sz="2000" dirty="0" smtClean="0"/>
+              <a:t>jar</a:t>
+            </a:r>
+          </a:p>
+          <a:p>
+            <a:pPr>
+              <a:buNone/>
+            </a:pPr>
+            <a:r>
+              <a:rPr lang="zh-CN" altLang="en-US" sz="2000" dirty="0" smtClean="0"/>
+              <a:t>二、编写</a:t>
+            </a:r>
+            <a:r>
+              <a:rPr lang="en-US" altLang="zh-CN" sz="2000" dirty="0" err="1" smtClean="0"/>
+              <a:t>Dockerfile</a:t>
+            </a:r>
+            <a:endParaRPr lang="en-US" altLang="zh-CN" sz="2000" dirty="0" smtClean="0"/>
+          </a:p>
+          <a:p>
+            <a:pPr>
+              <a:buNone/>
+            </a:pPr>
+            <a:endParaRPr lang="en-US" altLang="zh-CN" sz="2000" dirty="0" smtClean="0"/>
+          </a:p>
+          <a:p>
+            <a:pPr>
+              <a:buNone/>
+            </a:pPr>
+            <a:r>
+              <a:rPr lang="zh-CN" altLang="en-US" sz="2000" dirty="0" smtClean="0"/>
+              <a:t>三、运行命令行打包成</a:t>
+            </a:r>
+            <a:r>
+              <a:rPr lang="en-US" altLang="zh-CN" sz="2000" dirty="0" err="1" smtClean="0"/>
+              <a:t>docker</a:t>
+            </a:r>
+            <a:r>
+              <a:rPr lang="zh-CN" altLang="en-US" sz="2000" dirty="0" smtClean="0"/>
+              <a:t>镜像</a:t>
+            </a:r>
+            <a:endParaRPr lang="en-US" altLang="zh-CN" sz="2000" dirty="0" smtClean="0"/>
+          </a:p>
+          <a:p>
+            <a:pPr>
+              <a:buNone/>
+            </a:pPr>
             <a:endParaRPr lang="zh-CN" altLang="en-US" sz="2000" dirty="0"/>
           </a:p>
         </p:txBody>
@@ -4306,6 +6916,13 @@
   <p:clrMapOvr>
     <a:masterClrMapping/>
   </p:clrMapOvr>
+  <p:timing>
+    <p:tnLst>
+      <p:par>
+        <p:cTn id="1" dur="indefinite" restart="never" nodeType="tmRoot"/>
+      </p:par>
+    </p:tnLst>
+  </p:timing>
 </p:sld>
 </file>
 
@@ -4348,14 +6965,6 @@
               <a:rPr lang="en-US" altLang="zh-CN" sz="3200" dirty="0" err="1" smtClean="0"/>
               <a:t>Dockerfile</a:t>
             </a:r>
-            <a:r>
-              <a:rPr lang="en-US" altLang="zh-CN" sz="3200" dirty="0" smtClean="0"/>
-              <a:t> </a:t>
-            </a:r>
-            <a:r>
-              <a:rPr lang="zh-CN" altLang="en-US" sz="3200" dirty="0" smtClean="0"/>
-              <a:t>简单介绍</a:t>
-            </a:r>
             <a:endParaRPr lang="zh-CN" altLang="en-US" sz="3200" dirty="0"/>
           </a:p>
         </p:txBody>
@@ -4373,7 +6982,7 @@
         <p:spPr/>
         <p:txBody>
           <a:bodyPr>
-            <a:normAutofit/>
+            <a:normAutofit lnSpcReduction="10000"/>
           </a:bodyPr>
           <a:lstStyle/>
           <a:p>
@@ -4381,10 +6990,641 @@
               <a:buNone/>
             </a:pPr>
             <a:r>
-              <a:rPr lang="en-US" altLang="zh-CN" sz="2000" dirty="0" err="1" smtClean="0"/>
+              <a:rPr lang="en-US" sz="1400" dirty="0" err="1" smtClean="0"/>
               <a:t>Dockerfile</a:t>
             </a:r>
-            <a:endParaRPr lang="zh-CN" altLang="en-US" sz="2000" dirty="0"/>
+            <a:r>
+              <a:rPr lang="en-US" sz="1400" dirty="0" smtClean="0"/>
+              <a:t> </a:t>
+            </a:r>
+            <a:r>
+              <a:rPr lang="zh-CN" altLang="en-US" sz="1400" dirty="0" smtClean="0"/>
+              <a:t>是一个文本格式的配置文件，用户可以使用 </a:t>
+            </a:r>
+            <a:r>
+              <a:rPr lang="en-US" sz="1400" dirty="0" err="1" smtClean="0"/>
+              <a:t>Dockerfile</a:t>
+            </a:r>
+            <a:r>
+              <a:rPr lang="en-US" sz="1400" dirty="0" smtClean="0"/>
+              <a:t> </a:t>
+            </a:r>
+            <a:r>
+              <a:rPr lang="zh-CN" altLang="en-US" sz="1400" dirty="0" smtClean="0"/>
+              <a:t>快速创建自定义的镜像</a:t>
+            </a:r>
+            <a:r>
+              <a:rPr lang="zh-CN" altLang="en-US" sz="1400" dirty="0" smtClean="0"/>
+              <a:t>。</a:t>
+            </a:r>
+            <a:endParaRPr lang="en-US" altLang="zh-CN" sz="1400" dirty="0" smtClean="0"/>
+          </a:p>
+          <a:p>
+            <a:pPr>
+              <a:buNone/>
+            </a:pPr>
+            <a:r>
+              <a:rPr lang="en-US" altLang="zh-CN" sz="1400" dirty="0" err="1" smtClean="0"/>
+              <a:t>Dockerfile</a:t>
+            </a:r>
+            <a:r>
+              <a:rPr lang="en-US" altLang="zh-CN" sz="1400" dirty="0" smtClean="0"/>
+              <a:t> </a:t>
+            </a:r>
+            <a:r>
+              <a:rPr lang="zh-CN" altLang="en-US" sz="1400" dirty="0" smtClean="0"/>
+              <a:t>由一行行命令语句组成，并且支持已 </a:t>
+            </a:r>
+            <a:r>
+              <a:rPr lang="en-US" altLang="zh-CN" sz="1400" dirty="0" smtClean="0"/>
+              <a:t># </a:t>
+            </a:r>
+            <a:r>
+              <a:rPr lang="zh-CN" altLang="en-US" sz="1400" dirty="0" smtClean="0"/>
+              <a:t>开头的注释行</a:t>
+            </a:r>
+            <a:r>
+              <a:rPr lang="zh-CN" altLang="en-US" sz="1400" dirty="0" smtClean="0"/>
+              <a:t>。</a:t>
+            </a:r>
+            <a:endParaRPr lang="en-US" altLang="zh-CN" sz="1400" dirty="0" smtClean="0"/>
+          </a:p>
+          <a:p>
+            <a:pPr>
+              <a:buNone/>
+            </a:pPr>
+            <a:endParaRPr lang="en-US" altLang="zh-CN" sz="1400" dirty="0" smtClean="0"/>
+          </a:p>
+          <a:p>
+            <a:pPr>
+              <a:buNone/>
+            </a:pPr>
+            <a:r>
+              <a:rPr lang="en-US" altLang="zh-CN" sz="1400" dirty="0" err="1" smtClean="0"/>
+              <a:t>Dockerfile</a:t>
+            </a:r>
+            <a:r>
+              <a:rPr lang="en-US" altLang="zh-CN" sz="1400" dirty="0" smtClean="0"/>
+              <a:t> </a:t>
+            </a:r>
+            <a:r>
+              <a:rPr lang="zh-CN" altLang="en-US" sz="1400" dirty="0" smtClean="0"/>
+              <a:t>的内容分为四个部分</a:t>
+            </a:r>
+            <a:r>
+              <a:rPr lang="zh-CN" altLang="en-US" sz="1400" dirty="0" smtClean="0"/>
+              <a:t>：基础</a:t>
+            </a:r>
+            <a:r>
+              <a:rPr lang="zh-CN" altLang="en-US" sz="1400" dirty="0" smtClean="0"/>
+              <a:t>镜像</a:t>
+            </a:r>
+            <a:r>
+              <a:rPr lang="zh-CN" altLang="en-US" sz="1400" dirty="0" smtClean="0"/>
+              <a:t>信息</a:t>
+            </a:r>
+            <a:r>
+              <a:rPr lang="zh-CN" altLang="en-US" sz="1400" dirty="0" smtClean="0"/>
+              <a:t>、</a:t>
+            </a:r>
+            <a:r>
+              <a:rPr lang="zh-CN" altLang="en-US" sz="1400" dirty="0" smtClean="0"/>
+              <a:t>维护</a:t>
+            </a:r>
+            <a:r>
+              <a:rPr lang="zh-CN" altLang="en-US" sz="1400" dirty="0" smtClean="0"/>
+              <a:t>者</a:t>
+            </a:r>
+            <a:r>
+              <a:rPr lang="zh-CN" altLang="en-US" sz="1400" dirty="0" smtClean="0"/>
+              <a:t>信息</a:t>
+            </a:r>
+            <a:r>
+              <a:rPr lang="zh-CN" altLang="en-US" sz="1400" dirty="0" smtClean="0"/>
+              <a:t>、</a:t>
+            </a:r>
+            <a:r>
+              <a:rPr lang="zh-CN" altLang="en-US" sz="1400" dirty="0" smtClean="0"/>
+              <a:t>镜像操作指令</a:t>
+            </a:r>
+            <a:r>
+              <a:rPr lang="zh-CN" altLang="en-US" sz="1400" dirty="0" smtClean="0"/>
+              <a:t>、</a:t>
+            </a:r>
+            <a:r>
+              <a:rPr lang="zh-CN" altLang="en-US" sz="1400" dirty="0" smtClean="0"/>
+              <a:t>容器</a:t>
+            </a:r>
+            <a:r>
+              <a:rPr lang="zh-CN" altLang="en-US" sz="1400" dirty="0" smtClean="0"/>
+              <a:t>启动时</a:t>
+            </a:r>
+            <a:r>
+              <a:rPr lang="zh-CN" altLang="en-US" sz="1400" dirty="0" smtClean="0"/>
+              <a:t>执行的指令</a:t>
+            </a:r>
+            <a:endParaRPr lang="en-US" altLang="zh-CN" sz="1400" dirty="0" smtClean="0"/>
+          </a:p>
+          <a:p>
+            <a:pPr>
+              <a:buNone/>
+            </a:pPr>
+            <a:r>
+              <a:rPr lang="zh-CN" altLang="en-US" sz="1400" dirty="0" smtClean="0"/>
+              <a:t>例如：</a:t>
+            </a:r>
+            <a:endParaRPr lang="en-US" altLang="zh-CN" sz="1400" dirty="0" smtClean="0"/>
+          </a:p>
+          <a:p>
+            <a:pPr>
+              <a:buNone/>
+            </a:pPr>
+            <a:endParaRPr lang="en-US" altLang="zh-CN" sz="800" dirty="0" smtClean="0"/>
+          </a:p>
+          <a:p>
+            <a:pPr>
+              <a:buNone/>
+            </a:pPr>
+            <a:r>
+              <a:rPr lang="en-US" sz="1400" dirty="0" smtClean="0">
+                <a:solidFill>
+                  <a:srgbClr val="002060"/>
+                </a:solidFill>
+              </a:rPr>
+              <a:t># This </a:t>
+            </a:r>
+            <a:r>
+              <a:rPr lang="en-US" sz="1400" dirty="0" err="1" smtClean="0">
+                <a:solidFill>
+                  <a:srgbClr val="002060"/>
+                </a:solidFill>
+              </a:rPr>
+              <a:t>dockerfile</a:t>
+            </a:r>
+            <a:r>
+              <a:rPr lang="en-US" sz="1400" dirty="0" smtClean="0">
+                <a:solidFill>
+                  <a:srgbClr val="002060"/>
+                </a:solidFill>
+              </a:rPr>
+              <a:t> uses the </a:t>
+            </a:r>
+            <a:r>
+              <a:rPr lang="en-US" sz="1400" dirty="0" err="1" smtClean="0">
+                <a:solidFill>
+                  <a:srgbClr val="002060"/>
+                </a:solidFill>
+              </a:rPr>
+              <a:t>Ubuntu</a:t>
+            </a:r>
+            <a:r>
+              <a:rPr lang="en-US" sz="1400" dirty="0" smtClean="0">
+                <a:solidFill>
+                  <a:srgbClr val="002060"/>
+                </a:solidFill>
+              </a:rPr>
+              <a:t> image</a:t>
+            </a:r>
+          </a:p>
+          <a:p>
+            <a:pPr>
+              <a:buNone/>
+            </a:pPr>
+            <a:r>
+              <a:rPr lang="en-US" sz="1400" dirty="0" smtClean="0">
+                <a:solidFill>
+                  <a:srgbClr val="002060"/>
+                </a:solidFill>
+              </a:rPr>
+              <a:t># VERSION 2 # Author: </a:t>
+            </a:r>
+            <a:r>
+              <a:rPr lang="en-US" sz="1400" dirty="0" err="1" smtClean="0">
+                <a:solidFill>
+                  <a:srgbClr val="002060"/>
+                </a:solidFill>
+              </a:rPr>
+              <a:t>docker_user</a:t>
+            </a:r>
+            <a:r>
+              <a:rPr lang="en-US" sz="1400" dirty="0" smtClean="0">
+                <a:solidFill>
+                  <a:srgbClr val="002060"/>
+                </a:solidFill>
+              </a:rPr>
+              <a:t> </a:t>
+            </a:r>
+          </a:p>
+          <a:p>
+            <a:pPr>
+              <a:buNone/>
+            </a:pPr>
+            <a:r>
+              <a:rPr lang="en-US" sz="1400" dirty="0" smtClean="0">
+                <a:solidFill>
+                  <a:srgbClr val="002060"/>
+                </a:solidFill>
+              </a:rPr>
+              <a:t># Command format: Instruction [arguments / command] … </a:t>
+            </a:r>
+          </a:p>
+          <a:p>
+            <a:pPr>
+              <a:buNone/>
+            </a:pPr>
+            <a:r>
+              <a:rPr lang="en-US" sz="1400" dirty="0" smtClean="0">
+                <a:solidFill>
+                  <a:srgbClr val="002060"/>
+                </a:solidFill>
+              </a:rPr>
+              <a:t># </a:t>
+            </a:r>
+            <a:r>
+              <a:rPr lang="zh-CN" altLang="en-US" sz="1400" dirty="0" smtClean="0">
+                <a:solidFill>
+                  <a:srgbClr val="002060"/>
+                </a:solidFill>
+              </a:rPr>
+              <a:t>第一行必须指定基础镜像，基于</a:t>
+            </a:r>
+            <a:r>
+              <a:rPr lang="en-US" altLang="zh-CN" sz="1400" dirty="0" smtClean="0">
+                <a:solidFill>
+                  <a:srgbClr val="002060"/>
+                </a:solidFill>
+              </a:rPr>
+              <a:t>Java</a:t>
+            </a:r>
+            <a:r>
+              <a:rPr lang="zh-CN" altLang="en-US" sz="1400" dirty="0" smtClean="0">
+                <a:solidFill>
+                  <a:srgbClr val="002060"/>
+                </a:solidFill>
+              </a:rPr>
+              <a:t>或者基于</a:t>
+            </a:r>
+            <a:r>
+              <a:rPr lang="en-US" altLang="zh-CN" sz="1400" dirty="0" smtClean="0">
+                <a:solidFill>
+                  <a:srgbClr val="002060"/>
+                </a:solidFill>
+              </a:rPr>
+              <a:t>Tomcat</a:t>
+            </a:r>
+            <a:r>
+              <a:rPr lang="zh-CN" altLang="en-US" sz="1400" dirty="0" smtClean="0">
+                <a:solidFill>
+                  <a:srgbClr val="002060"/>
+                </a:solidFill>
+              </a:rPr>
+              <a:t>等等一些</a:t>
+            </a:r>
+            <a:endParaRPr lang="en-US" altLang="zh-CN" sz="1400" dirty="0" smtClean="0">
+              <a:solidFill>
+                <a:srgbClr val="002060"/>
+              </a:solidFill>
+            </a:endParaRPr>
+          </a:p>
+          <a:p>
+            <a:pPr>
+              <a:buNone/>
+            </a:pPr>
+            <a:r>
+              <a:rPr lang="en-US" sz="1400" dirty="0" smtClean="0">
+                <a:solidFill>
+                  <a:srgbClr val="00B0F0"/>
+                </a:solidFill>
+              </a:rPr>
+              <a:t>FROM </a:t>
+            </a:r>
+            <a:r>
+              <a:rPr lang="en-US" sz="1400" dirty="0" err="1" smtClean="0">
+                <a:solidFill>
+                  <a:srgbClr val="00B0F0"/>
+                </a:solidFill>
+              </a:rPr>
+              <a:t>ubuntu</a:t>
+            </a:r>
+            <a:r>
+              <a:rPr lang="en-US" sz="1400" dirty="0" smtClean="0">
+                <a:solidFill>
+                  <a:srgbClr val="00B0F0"/>
+                </a:solidFill>
+              </a:rPr>
+              <a:t> </a:t>
+            </a:r>
+          </a:p>
+          <a:p>
+            <a:pPr>
+              <a:buNone/>
+            </a:pPr>
+            <a:r>
+              <a:rPr lang="en-US" sz="1400" dirty="0" smtClean="0">
+                <a:solidFill>
+                  <a:srgbClr val="002060"/>
+                </a:solidFill>
+              </a:rPr>
+              <a:t># </a:t>
+            </a:r>
+            <a:r>
+              <a:rPr lang="zh-CN" altLang="en-US" sz="1400" dirty="0" smtClean="0">
+                <a:solidFill>
+                  <a:srgbClr val="002060"/>
+                </a:solidFill>
+              </a:rPr>
+              <a:t>维护者信息</a:t>
+            </a:r>
+            <a:endParaRPr lang="en-US" altLang="zh-CN" sz="1400" dirty="0" smtClean="0">
+              <a:solidFill>
+                <a:srgbClr val="002060"/>
+              </a:solidFill>
+            </a:endParaRPr>
+          </a:p>
+          <a:p>
+            <a:pPr>
+              <a:buNone/>
+            </a:pPr>
+            <a:r>
+              <a:rPr lang="en-US" sz="1400" dirty="0" smtClean="0">
+                <a:solidFill>
+                  <a:srgbClr val="00B050"/>
+                </a:solidFill>
+              </a:rPr>
+              <a:t>MAINTAINER </a:t>
+            </a:r>
+            <a:r>
+              <a:rPr lang="en-US" sz="1400" dirty="0" err="1" smtClean="0">
+                <a:solidFill>
+                  <a:srgbClr val="00B050"/>
+                </a:solidFill>
+              </a:rPr>
+              <a:t>docker_user</a:t>
+            </a:r>
+            <a:r>
+              <a:rPr lang="en-US" sz="1400" dirty="0" smtClean="0">
+                <a:solidFill>
+                  <a:srgbClr val="00B050"/>
+                </a:solidFill>
+              </a:rPr>
+              <a:t> docker_user@email.com</a:t>
+            </a:r>
+            <a:r>
+              <a:rPr lang="en-US" sz="1400" dirty="0" smtClean="0">
+                <a:solidFill>
+                  <a:srgbClr val="00B0F0"/>
+                </a:solidFill>
+              </a:rPr>
+              <a:t> </a:t>
+            </a:r>
+          </a:p>
+          <a:p>
+            <a:pPr>
+              <a:buNone/>
+            </a:pPr>
+            <a:r>
+              <a:rPr lang="en-US" sz="1400" dirty="0" smtClean="0">
+                <a:solidFill>
+                  <a:srgbClr val="002060"/>
+                </a:solidFill>
+              </a:rPr>
+              <a:t># </a:t>
+            </a:r>
+            <a:r>
+              <a:rPr lang="zh-CN" altLang="en-US" sz="1400" dirty="0" smtClean="0">
+                <a:solidFill>
+                  <a:srgbClr val="002060"/>
+                </a:solidFill>
+              </a:rPr>
+              <a:t>镜像的操作指令 </a:t>
+            </a:r>
+            <a:endParaRPr lang="en-US" altLang="zh-CN" sz="1400" dirty="0" smtClean="0">
+              <a:solidFill>
+                <a:srgbClr val="002060"/>
+              </a:solidFill>
+            </a:endParaRPr>
+          </a:p>
+          <a:p>
+            <a:pPr>
+              <a:buNone/>
+            </a:pPr>
+            <a:r>
+              <a:rPr lang="en-US" sz="1400" dirty="0" smtClean="0">
+                <a:solidFill>
+                  <a:srgbClr val="0070C0"/>
+                </a:solidFill>
+              </a:rPr>
+              <a:t>RUN echo “</a:t>
+            </a:r>
+            <a:r>
+              <a:rPr lang="en-US" sz="1400" dirty="0" err="1" smtClean="0">
+                <a:solidFill>
+                  <a:srgbClr val="0070C0"/>
+                </a:solidFill>
+              </a:rPr>
+              <a:t>deb</a:t>
+            </a:r>
+            <a:r>
+              <a:rPr lang="en-US" sz="1400" dirty="0" smtClean="0">
+                <a:solidFill>
+                  <a:srgbClr val="0070C0"/>
+                </a:solidFill>
+              </a:rPr>
+              <a:t> http://archive.ubuntu.com/ubuntu/ raring main universe” &gt;&gt; /etc/apt/</a:t>
+            </a:r>
+            <a:r>
+              <a:rPr lang="en-US" sz="1400" dirty="0" err="1" smtClean="0">
+                <a:solidFill>
+                  <a:srgbClr val="0070C0"/>
+                </a:solidFill>
+              </a:rPr>
+              <a:t>sources.list</a:t>
+            </a:r>
+            <a:r>
+              <a:rPr lang="en-US" sz="1400" dirty="0" smtClean="0">
+                <a:solidFill>
+                  <a:srgbClr val="0070C0"/>
+                </a:solidFill>
+              </a:rPr>
+              <a:t> </a:t>
+            </a:r>
+          </a:p>
+          <a:p>
+            <a:pPr>
+              <a:buNone/>
+            </a:pPr>
+            <a:r>
+              <a:rPr lang="en-US" sz="1400" dirty="0" smtClean="0">
+                <a:solidFill>
+                  <a:srgbClr val="0070C0"/>
+                </a:solidFill>
+              </a:rPr>
+              <a:t>RUN apt-get update &amp;&amp; apt-get install -y </a:t>
+            </a:r>
+            <a:r>
+              <a:rPr lang="en-US" sz="1400" dirty="0" err="1" smtClean="0">
+                <a:solidFill>
+                  <a:srgbClr val="0070C0"/>
+                </a:solidFill>
+              </a:rPr>
+              <a:t>nginx</a:t>
+            </a:r>
+            <a:endParaRPr lang="en-US" sz="1400" dirty="0" smtClean="0">
+              <a:solidFill>
+                <a:srgbClr val="0070C0"/>
+              </a:solidFill>
+            </a:endParaRPr>
+          </a:p>
+          <a:p>
+            <a:pPr>
+              <a:buNone/>
+            </a:pPr>
+            <a:r>
+              <a:rPr lang="en-US" sz="1400" dirty="0" smtClean="0">
+                <a:solidFill>
+                  <a:srgbClr val="0070C0"/>
+                </a:solidFill>
+              </a:rPr>
+              <a:t>RUN echo “\</a:t>
+            </a:r>
+            <a:r>
+              <a:rPr lang="en-US" sz="1400" dirty="0" err="1" smtClean="0">
+                <a:solidFill>
+                  <a:srgbClr val="0070C0"/>
+                </a:solidFill>
+              </a:rPr>
+              <a:t>ndaemon</a:t>
+            </a:r>
+            <a:r>
+              <a:rPr lang="en-US" sz="1400" dirty="0" smtClean="0">
+                <a:solidFill>
+                  <a:srgbClr val="0070C0"/>
+                </a:solidFill>
+              </a:rPr>
+              <a:t> off;” &gt;&gt; /etc/</a:t>
+            </a:r>
+            <a:r>
+              <a:rPr lang="en-US" sz="1400" dirty="0" err="1" smtClean="0">
+                <a:solidFill>
+                  <a:srgbClr val="0070C0"/>
+                </a:solidFill>
+              </a:rPr>
+              <a:t>nginx</a:t>
+            </a:r>
+            <a:r>
+              <a:rPr lang="en-US" sz="1400" dirty="0" smtClean="0">
+                <a:solidFill>
+                  <a:srgbClr val="0070C0"/>
+                </a:solidFill>
+              </a:rPr>
+              <a:t>/</a:t>
+            </a:r>
+            <a:r>
+              <a:rPr lang="en-US" sz="1400" dirty="0" err="1" smtClean="0">
+                <a:solidFill>
+                  <a:srgbClr val="0070C0"/>
+                </a:solidFill>
+              </a:rPr>
+              <a:t>nginx.conf</a:t>
+            </a:r>
+            <a:r>
+              <a:rPr lang="en-US" sz="1400" dirty="0" smtClean="0">
+                <a:solidFill>
+                  <a:srgbClr val="0070C0"/>
+                </a:solidFill>
+              </a:rPr>
+              <a:t> </a:t>
+            </a:r>
+          </a:p>
+          <a:p>
+            <a:pPr>
+              <a:buNone/>
+            </a:pPr>
+            <a:r>
+              <a:rPr lang="en-US" sz="1400" dirty="0" smtClean="0">
+                <a:solidFill>
+                  <a:srgbClr val="002060"/>
+                </a:solidFill>
+              </a:rPr>
+              <a:t># </a:t>
+            </a:r>
+            <a:r>
+              <a:rPr lang="zh-CN" altLang="en-US" sz="1400" dirty="0" smtClean="0">
+                <a:solidFill>
+                  <a:srgbClr val="002060"/>
+                </a:solidFill>
+              </a:rPr>
+              <a:t>容器启动时执行指令 </a:t>
+            </a:r>
+            <a:endParaRPr lang="en-US" altLang="zh-CN" sz="1400" dirty="0" smtClean="0">
+              <a:solidFill>
+                <a:srgbClr val="002060"/>
+              </a:solidFill>
+            </a:endParaRPr>
+          </a:p>
+          <a:p>
+            <a:pPr>
+              <a:buNone/>
+            </a:pPr>
+            <a:r>
+              <a:rPr lang="en-US" sz="1400" dirty="0" smtClean="0">
+                <a:solidFill>
+                  <a:srgbClr val="7030A0"/>
+                </a:solidFill>
+              </a:rPr>
+              <a:t>CMD /</a:t>
+            </a:r>
+            <a:r>
+              <a:rPr lang="en-US" sz="1400" dirty="0" err="1" smtClean="0">
+                <a:solidFill>
+                  <a:srgbClr val="7030A0"/>
+                </a:solidFill>
+              </a:rPr>
+              <a:t>usr</a:t>
+            </a:r>
+            <a:r>
+              <a:rPr lang="en-US" sz="1400" dirty="0" smtClean="0">
+                <a:solidFill>
+                  <a:srgbClr val="7030A0"/>
+                </a:solidFill>
+              </a:rPr>
+              <a:t>/</a:t>
+            </a:r>
+            <a:r>
+              <a:rPr lang="en-US" sz="1400" dirty="0" err="1" smtClean="0">
+                <a:solidFill>
+                  <a:srgbClr val="7030A0"/>
+                </a:solidFill>
+              </a:rPr>
+              <a:t>sbin</a:t>
+            </a:r>
+            <a:r>
+              <a:rPr lang="en-US" sz="1400" dirty="0" smtClean="0">
+                <a:solidFill>
+                  <a:srgbClr val="7030A0"/>
+                </a:solidFill>
+              </a:rPr>
+              <a:t>/</a:t>
+            </a:r>
+            <a:r>
+              <a:rPr lang="en-US" sz="1400" dirty="0" err="1" smtClean="0">
+                <a:solidFill>
+                  <a:srgbClr val="7030A0"/>
+                </a:solidFill>
+              </a:rPr>
+              <a:t>nginx</a:t>
+            </a:r>
+            <a:endParaRPr lang="en-US" altLang="zh-CN" sz="1400" dirty="0" smtClean="0">
+              <a:solidFill>
+                <a:srgbClr val="7030A0"/>
+              </a:solidFill>
+            </a:endParaRPr>
+          </a:p>
+          <a:p>
+            <a:pPr>
+              <a:buNone/>
+            </a:pPr>
+            <a:endParaRPr lang="zh-CN" altLang="en-US" sz="1400" dirty="0"/>
           </a:p>
         </p:txBody>
       </p:sp>
@@ -4393,6 +7633,13 @@
   <p:clrMapOvr>
     <a:masterClrMapping/>
   </p:clrMapOvr>
+  <p:timing>
+    <p:tnLst>
+      <p:par>
+        <p:cTn id="1" dur="indefinite" restart="never" nodeType="tmRoot"/>
+      </p:par>
+    </p:tnLst>
+  </p:timing>
 </p:sld>
 </file>
 
@@ -4433,73 +7680,1570 @@
             <a:pPr algn="l"/>
             <a:r>
               <a:rPr lang="en-US" altLang="zh-CN" sz="3200" dirty="0" err="1" smtClean="0"/>
-              <a:t>Docker</a:t>
-            </a:r>
-            <a:r>
-              <a:rPr lang="zh-CN" altLang="en-US" sz="3200" dirty="0" smtClean="0"/>
-              <a:t> </a:t>
-            </a:r>
-            <a:r>
-              <a:rPr lang="zh-CN" altLang="en-US" sz="3200" dirty="0" smtClean="0"/>
-              <a:t>存储</a:t>
+              <a:t>Dockerfile</a:t>
+            </a:r>
+            <a:r>
+              <a:rPr lang="en-US" altLang="zh-CN" sz="3200" dirty="0" smtClean="0"/>
+              <a:t>——</a:t>
+            </a:r>
+            <a:r>
+              <a:rPr lang="zh-CN" altLang="en-US" sz="3200" dirty="0" smtClean="0">
+                <a:hlinkClick r:id="rId3"/>
+              </a:rPr>
+              <a:t>指令</a:t>
             </a:r>
             <a:endParaRPr lang="zh-CN" altLang="en-US" sz="3200" dirty="0"/>
           </a:p>
         </p:txBody>
       </p:sp>
-      <p:sp>
-        <p:nvSpPr>
-          <p:cNvPr id="3" name="内容占位符 2"/>
-          <p:cNvSpPr>
-            <a:spLocks noGrp="1"/>
-          </p:cNvSpPr>
+      <p:graphicFrame>
+        <p:nvGraphicFramePr>
+          <p:cNvPr id="4" name="内容占位符 3"/>
+          <p:cNvGraphicFramePr>
+            <a:graphicFrameLocks noGrp="1"/>
+          </p:cNvGraphicFramePr>
           <p:nvPr>
             <p:ph idx="1"/>
           </p:nvPr>
-        </p:nvSpPr>
-        <p:spPr/>
-        <p:txBody>
-          <a:bodyPr>
-            <a:normAutofit/>
-          </a:bodyPr>
-          <a:lstStyle/>
-          <a:p>
-            <a:pPr>
-              <a:buNone/>
-            </a:pPr>
-            <a:r>
-              <a:rPr lang="zh-CN" altLang="en-US" sz="2000" dirty="0" smtClean="0"/>
-              <a:t>数据卷</a:t>
-            </a:r>
-            <a:endParaRPr lang="en-US" altLang="zh-CN" sz="2000" dirty="0" smtClean="0"/>
-          </a:p>
-          <a:p>
-            <a:pPr>
-              <a:buNone/>
-            </a:pPr>
-            <a:r>
-              <a:rPr lang="zh-CN" altLang="en-US" sz="2000" dirty="0" smtClean="0"/>
-              <a:t>数据</a:t>
-            </a:r>
-            <a:r>
-              <a:rPr lang="zh-CN" altLang="en-US" sz="2000" dirty="0" smtClean="0"/>
-              <a:t>卷容器</a:t>
-            </a:r>
-            <a:endParaRPr lang="en-US" altLang="zh-CN" sz="2000" dirty="0" smtClean="0"/>
-          </a:p>
-          <a:p>
-            <a:pPr>
-              <a:buNone/>
-            </a:pPr>
-            <a:endParaRPr lang="zh-CN" altLang="en-US" sz="2000" dirty="0"/>
-          </a:p>
-        </p:txBody>
-      </p:sp>
+        </p:nvGraphicFramePr>
+        <p:xfrm>
+          <a:off x="457200" y="1600200"/>
+          <a:ext cx="8229600" cy="4404360"/>
+        </p:xfrm>
+        <a:graphic>
+          <a:graphicData uri="http://schemas.openxmlformats.org/drawingml/2006/table">
+            <a:tbl>
+              <a:tblPr firstRow="1" bandRow="1">
+                <a:tableStyleId>{5C22544A-7EE6-4342-B048-85BDC9FD1C3A}</a:tableStyleId>
+              </a:tblPr>
+              <a:tblGrid>
+                <a:gridCol w="1185842"/>
+                <a:gridCol w="4300558"/>
+                <a:gridCol w="2743200"/>
+              </a:tblGrid>
+              <a:tr h="370840">
+                <a:tc>
+                  <a:txBody>
+                    <a:bodyPr/>
+                    <a:lstStyle/>
+                    <a:p>
+                      <a:pPr algn="l"/>
+                      <a:r>
+                        <a:rPr lang="zh-CN" altLang="en-US" sz="1400" dirty="0" smtClean="0"/>
+                        <a:t>指令名称</a:t>
+                      </a:r>
+                      <a:endParaRPr lang="zh-CN" altLang="en-US" sz="1400" dirty="0"/>
+                    </a:p>
+                  </a:txBody>
+                  <a:tcPr/>
+                </a:tc>
+                <a:tc>
+                  <a:txBody>
+                    <a:bodyPr/>
+                    <a:lstStyle/>
+                    <a:p>
+                      <a:pPr algn="ctr"/>
+                      <a:r>
+                        <a:rPr lang="zh-CN" altLang="en-US" sz="1400" dirty="0" smtClean="0"/>
+                        <a:t>指令用途</a:t>
+                      </a:r>
+                      <a:endParaRPr lang="zh-CN" altLang="en-US" sz="1400" dirty="0"/>
+                    </a:p>
+                  </a:txBody>
+                  <a:tcPr/>
+                </a:tc>
+                <a:tc>
+                  <a:txBody>
+                    <a:bodyPr/>
+                    <a:lstStyle/>
+                    <a:p>
+                      <a:pPr algn="ctr"/>
+                      <a:r>
+                        <a:rPr lang="zh-CN" altLang="en-US" sz="1400" dirty="0" smtClean="0"/>
+                        <a:t>案例</a:t>
+                      </a:r>
+                      <a:endParaRPr lang="zh-CN" altLang="en-US" sz="1400" dirty="0"/>
+                    </a:p>
+                  </a:txBody>
+                  <a:tcPr/>
+                </a:tc>
+              </a:tr>
+              <a:tr h="370840">
+                <a:tc>
+                  <a:txBody>
+                    <a:bodyPr/>
+                    <a:lstStyle/>
+                    <a:p>
+                      <a:pPr marL="0" marR="0" indent="0" algn="l" defTabSz="914400" rtl="0" eaLnBrk="1" fontAlgn="auto" latinLnBrk="0" hangingPunct="1">
+                        <a:lnSpc>
+                          <a:spcPct val="100000"/>
+                        </a:lnSpc>
+                        <a:spcBef>
+                          <a:spcPts val="0"/>
+                        </a:spcBef>
+                        <a:spcAft>
+                          <a:spcPts val="0"/>
+                        </a:spcAft>
+                        <a:buClrTx/>
+                        <a:buSzTx/>
+                        <a:buFontTx/>
+                        <a:buNone/>
+                        <a:tabLst/>
+                        <a:defRPr/>
+                      </a:pPr>
+                      <a:r>
+                        <a:rPr lang="en-US" sz="1200" b="0" i="0" kern="1200" dirty="0" smtClean="0">
+                          <a:solidFill>
+                            <a:schemeClr val="dk1"/>
+                          </a:solidFill>
+                          <a:latin typeface="+mn-lt"/>
+                          <a:ea typeface="+mn-ea"/>
+                          <a:cs typeface="+mn-cs"/>
+                        </a:rPr>
+                        <a:t>FROM</a:t>
+                      </a:r>
+                    </a:p>
+                  </a:txBody>
+                  <a:tcPr/>
+                </a:tc>
+                <a:tc>
+                  <a:txBody>
+                    <a:bodyPr/>
+                    <a:lstStyle/>
+                    <a:p>
+                      <a:r>
+                        <a:rPr lang="en-US" sz="1200" b="0" i="0" kern="1200" dirty="0" err="1" smtClean="0">
+                          <a:solidFill>
+                            <a:schemeClr val="dk1"/>
+                          </a:solidFill>
+                          <a:latin typeface="+mn-lt"/>
+                          <a:ea typeface="+mn-ea"/>
+                          <a:cs typeface="+mn-cs"/>
+                        </a:rPr>
+                        <a:t>Dockerfile</a:t>
+                      </a:r>
+                      <a:r>
+                        <a:rPr lang="en-US" sz="1200" b="0" i="0" kern="1200" dirty="0" smtClean="0">
+                          <a:solidFill>
+                            <a:schemeClr val="dk1"/>
+                          </a:solidFill>
+                          <a:latin typeface="+mn-lt"/>
+                          <a:ea typeface="+mn-ea"/>
+                          <a:cs typeface="+mn-cs"/>
+                        </a:rPr>
+                        <a:t> </a:t>
+                      </a:r>
+                      <a:r>
+                        <a:rPr lang="zh-CN" altLang="en-US" sz="1200" b="0" i="0" kern="1200" dirty="0" smtClean="0">
+                          <a:solidFill>
+                            <a:schemeClr val="dk1"/>
+                          </a:solidFill>
+                          <a:latin typeface="+mn-lt"/>
+                          <a:ea typeface="+mn-ea"/>
+                          <a:cs typeface="+mn-cs"/>
+                        </a:rPr>
+                        <a:t>的第一条指令必须为 </a:t>
+                      </a:r>
+                      <a:r>
+                        <a:rPr lang="en-US" sz="1200" b="0" i="0" kern="1200" dirty="0" smtClean="0">
+                          <a:solidFill>
+                            <a:schemeClr val="dk1"/>
+                          </a:solidFill>
+                          <a:latin typeface="+mn-lt"/>
+                          <a:ea typeface="+mn-ea"/>
+                          <a:cs typeface="+mn-cs"/>
+                        </a:rPr>
+                        <a:t>FROM </a:t>
+                      </a:r>
+                      <a:r>
+                        <a:rPr lang="zh-CN" altLang="en-US" sz="1200" b="0" i="0" kern="1200" dirty="0" smtClean="0">
+                          <a:solidFill>
+                            <a:schemeClr val="dk1"/>
+                          </a:solidFill>
+                          <a:latin typeface="+mn-lt"/>
+                          <a:ea typeface="+mn-ea"/>
+                          <a:cs typeface="+mn-cs"/>
+                        </a:rPr>
+                        <a:t>指令。</a:t>
+                      </a:r>
+                      <a:endParaRPr lang="en-US" altLang="zh-CN" sz="1200" b="0" i="0" kern="1200" dirty="0" smtClean="0">
+                        <a:solidFill>
+                          <a:schemeClr val="dk1"/>
+                        </a:solidFill>
+                        <a:latin typeface="+mn-lt"/>
+                        <a:ea typeface="+mn-ea"/>
+                        <a:cs typeface="+mn-cs"/>
+                      </a:endParaRPr>
+                    </a:p>
+                    <a:p>
+                      <a:r>
+                        <a:rPr lang="zh-CN" altLang="en-US" sz="1200" b="0" i="0" kern="1200" dirty="0" smtClean="0">
+                          <a:solidFill>
+                            <a:schemeClr val="dk1"/>
+                          </a:solidFill>
+                          <a:latin typeface="+mn-lt"/>
+                          <a:ea typeface="+mn-ea"/>
+                          <a:cs typeface="+mn-cs"/>
+                        </a:rPr>
+                        <a:t>同一个 </a:t>
+                      </a:r>
+                      <a:r>
+                        <a:rPr lang="en-US" sz="1200" b="0" i="0" kern="1200" dirty="0" err="1" smtClean="0">
+                          <a:solidFill>
+                            <a:schemeClr val="dk1"/>
+                          </a:solidFill>
+                          <a:latin typeface="+mn-lt"/>
+                          <a:ea typeface="+mn-ea"/>
+                          <a:cs typeface="+mn-cs"/>
+                        </a:rPr>
+                        <a:t>Dockerfile</a:t>
+                      </a:r>
+                      <a:r>
+                        <a:rPr lang="en-US" sz="1200" b="0" i="0" kern="1200" dirty="0" smtClean="0">
+                          <a:solidFill>
+                            <a:schemeClr val="dk1"/>
+                          </a:solidFill>
+                          <a:latin typeface="+mn-lt"/>
+                          <a:ea typeface="+mn-ea"/>
+                          <a:cs typeface="+mn-cs"/>
+                        </a:rPr>
+                        <a:t> </a:t>
+                      </a:r>
+                      <a:r>
+                        <a:rPr lang="zh-CN" altLang="en-US" sz="1200" b="0" i="0" kern="1200" dirty="0" smtClean="0">
+                          <a:solidFill>
+                            <a:schemeClr val="dk1"/>
+                          </a:solidFill>
+                          <a:latin typeface="+mn-lt"/>
+                          <a:ea typeface="+mn-ea"/>
+                          <a:cs typeface="+mn-cs"/>
+                        </a:rPr>
+                        <a:t>创建多个镜像时，可以使用多个 </a:t>
+                      </a:r>
+                      <a:r>
+                        <a:rPr lang="en-US" sz="1200" b="0" i="0" kern="1200" dirty="0" smtClean="0">
+                          <a:solidFill>
+                            <a:schemeClr val="dk1"/>
+                          </a:solidFill>
+                          <a:latin typeface="+mn-lt"/>
+                          <a:ea typeface="+mn-ea"/>
+                          <a:cs typeface="+mn-cs"/>
+                        </a:rPr>
+                        <a:t>FROM </a:t>
+                      </a:r>
+                      <a:r>
+                        <a:rPr lang="zh-CN" altLang="en-US" sz="1200" b="0" i="0" kern="1200" dirty="0" smtClean="0">
+                          <a:solidFill>
+                            <a:schemeClr val="dk1"/>
+                          </a:solidFill>
+                          <a:latin typeface="+mn-lt"/>
+                          <a:ea typeface="+mn-ea"/>
+                          <a:cs typeface="+mn-cs"/>
+                        </a:rPr>
+                        <a:t>指令。</a:t>
+                      </a:r>
+                      <a:endParaRPr lang="zh-CN" altLang="en-US" sz="1200" dirty="0"/>
+                    </a:p>
+                  </a:txBody>
+                  <a:tcPr/>
+                </a:tc>
+                <a:tc>
+                  <a:txBody>
+                    <a:bodyPr/>
+                    <a:lstStyle/>
+                    <a:p>
+                      <a:r>
+                        <a:rPr lang="en-US" sz="1200" b="0" i="0" kern="1200" dirty="0" smtClean="0">
+                          <a:solidFill>
+                            <a:schemeClr val="dk1"/>
+                          </a:solidFill>
+                          <a:latin typeface="+mn-lt"/>
+                          <a:ea typeface="+mn-ea"/>
+                          <a:cs typeface="+mn-cs"/>
+                        </a:rPr>
+                        <a:t>FROM &lt;image&gt;</a:t>
+                      </a:r>
+                    </a:p>
+                    <a:p>
+                      <a:r>
+                        <a:rPr lang="en-US" sz="1200" b="0" i="0" kern="1200" dirty="0" smtClean="0">
+                          <a:solidFill>
+                            <a:schemeClr val="dk1"/>
+                          </a:solidFill>
+                          <a:latin typeface="+mn-lt"/>
+                          <a:ea typeface="+mn-ea"/>
+                          <a:cs typeface="+mn-cs"/>
+                        </a:rPr>
+                        <a:t>FROM&lt;image&gt;:&lt;tag&gt;</a:t>
+                      </a:r>
+                      <a:endParaRPr lang="zh-CN" altLang="en-US" sz="1200" dirty="0"/>
+                    </a:p>
+                  </a:txBody>
+                  <a:tcPr/>
+                </a:tc>
+              </a:tr>
+              <a:tr h="370840">
+                <a:tc>
+                  <a:txBody>
+                    <a:bodyPr/>
+                    <a:lstStyle/>
+                    <a:p>
+                      <a:pPr marL="0" marR="0" indent="0" algn="l" defTabSz="914400" rtl="0" eaLnBrk="1" fontAlgn="auto" latinLnBrk="0" hangingPunct="1">
+                        <a:lnSpc>
+                          <a:spcPct val="100000"/>
+                        </a:lnSpc>
+                        <a:spcBef>
+                          <a:spcPts val="0"/>
+                        </a:spcBef>
+                        <a:spcAft>
+                          <a:spcPts val="0"/>
+                        </a:spcAft>
+                        <a:buClrTx/>
+                        <a:buSzTx/>
+                        <a:buFontTx/>
+                        <a:buNone/>
+                        <a:tabLst/>
+                        <a:defRPr/>
+                      </a:pPr>
+                      <a:r>
+                        <a:rPr lang="en-US" sz="1200" b="0" i="0" kern="1200" dirty="0" smtClean="0">
+                          <a:solidFill>
+                            <a:schemeClr val="dk1"/>
+                          </a:solidFill>
+                          <a:latin typeface="+mn-lt"/>
+                          <a:ea typeface="+mn-ea"/>
+                          <a:cs typeface="+mn-cs"/>
+                        </a:rPr>
+                        <a:t>MAINTAINER</a:t>
+                      </a:r>
+                    </a:p>
+                  </a:txBody>
+                  <a:tcPr/>
+                </a:tc>
+                <a:tc>
+                  <a:txBody>
+                    <a:bodyPr/>
+                    <a:lstStyle/>
+                    <a:p>
+                      <a:r>
+                        <a:rPr lang="zh-CN" altLang="en-US" sz="1200" b="0" i="0" kern="1200" dirty="0" smtClean="0">
+                          <a:solidFill>
+                            <a:schemeClr val="dk1"/>
+                          </a:solidFill>
+                          <a:latin typeface="+mn-lt"/>
+                          <a:ea typeface="+mn-ea"/>
+                          <a:cs typeface="+mn-cs"/>
+                        </a:rPr>
+                        <a:t>指定维护者信息。</a:t>
+                      </a:r>
+                      <a:r>
+                        <a:rPr lang="en-US" sz="1200" b="0" i="0" kern="1200" dirty="0" smtClean="0">
+                          <a:solidFill>
+                            <a:schemeClr val="dk1"/>
+                          </a:solidFill>
+                          <a:latin typeface="+mn-lt"/>
+                          <a:ea typeface="+mn-ea"/>
+                          <a:cs typeface="+mn-cs"/>
+                        </a:rPr>
+                        <a:t>MAINTAINER </a:t>
+                      </a:r>
+                      <a:r>
+                        <a:rPr lang="zh-CN" altLang="en-US" sz="1200" b="0" i="0" kern="1200" dirty="0" smtClean="0">
+                          <a:solidFill>
+                            <a:schemeClr val="dk1"/>
+                          </a:solidFill>
+                          <a:latin typeface="+mn-lt"/>
+                          <a:ea typeface="+mn-ea"/>
+                          <a:cs typeface="+mn-cs"/>
+                        </a:rPr>
+                        <a:t>已被弃用，建议使用 </a:t>
+                      </a:r>
+                      <a:r>
+                        <a:rPr lang="en-US" sz="1200" b="0" i="0" kern="1200" dirty="0" smtClean="0">
+                          <a:solidFill>
+                            <a:schemeClr val="dk1"/>
+                          </a:solidFill>
+                          <a:latin typeface="+mn-lt"/>
+                          <a:ea typeface="+mn-ea"/>
+                          <a:cs typeface="+mn-cs"/>
+                        </a:rPr>
+                        <a:t>LABEL </a:t>
+                      </a:r>
+                      <a:r>
+                        <a:rPr lang="zh-CN" altLang="en-US" sz="1200" b="0" i="0" kern="1200" dirty="0" smtClean="0">
+                          <a:solidFill>
+                            <a:schemeClr val="dk1"/>
+                          </a:solidFill>
+                          <a:latin typeface="+mn-lt"/>
+                          <a:ea typeface="+mn-ea"/>
+                          <a:cs typeface="+mn-cs"/>
+                        </a:rPr>
+                        <a:t>。</a:t>
+                      </a:r>
+                      <a:endParaRPr lang="zh-CN" altLang="en-US" sz="1200" dirty="0"/>
+                    </a:p>
+                  </a:txBody>
+                  <a:tcPr/>
+                </a:tc>
+                <a:tc>
+                  <a:txBody>
+                    <a:bodyPr/>
+                    <a:lstStyle/>
+                    <a:p>
+                      <a:r>
+                        <a:rPr lang="en-US" sz="1200" b="0" i="0" kern="1200" dirty="0" smtClean="0">
+                          <a:solidFill>
+                            <a:schemeClr val="dk1"/>
+                          </a:solidFill>
+                          <a:latin typeface="+mn-lt"/>
+                          <a:ea typeface="+mn-ea"/>
+                          <a:cs typeface="+mn-cs"/>
+                        </a:rPr>
+                        <a:t>MAINTAINER &lt;name&gt;</a:t>
+                      </a:r>
+                      <a:endParaRPr lang="zh-CN" altLang="en-US" sz="1200" dirty="0"/>
+                    </a:p>
+                  </a:txBody>
+                  <a:tcPr/>
+                </a:tc>
+              </a:tr>
+              <a:tr h="370840">
+                <a:tc>
+                  <a:txBody>
+                    <a:bodyPr/>
+                    <a:lstStyle/>
+                    <a:p>
+                      <a:pPr marL="0" marR="0" indent="0" algn="l" defTabSz="914400" rtl="0" eaLnBrk="1" fontAlgn="auto" latinLnBrk="0" hangingPunct="1">
+                        <a:lnSpc>
+                          <a:spcPct val="100000"/>
+                        </a:lnSpc>
+                        <a:spcBef>
+                          <a:spcPts val="0"/>
+                        </a:spcBef>
+                        <a:spcAft>
+                          <a:spcPts val="0"/>
+                        </a:spcAft>
+                        <a:buClrTx/>
+                        <a:buSzTx/>
+                        <a:buFontTx/>
+                        <a:buNone/>
+                        <a:tabLst/>
+                        <a:defRPr/>
+                      </a:pPr>
+                      <a:r>
+                        <a:rPr lang="en-US" sz="1200" b="0" i="0" kern="1200" dirty="0" smtClean="0">
+                          <a:solidFill>
+                            <a:schemeClr val="dk1"/>
+                          </a:solidFill>
+                          <a:latin typeface="+mn-lt"/>
+                          <a:ea typeface="+mn-ea"/>
+                          <a:cs typeface="+mn-cs"/>
+                        </a:rPr>
+                        <a:t>LABEL</a:t>
+                      </a:r>
+                    </a:p>
+                  </a:txBody>
+                  <a:tcPr/>
+                </a:tc>
+                <a:tc>
+                  <a:txBody>
+                    <a:bodyPr/>
+                    <a:lstStyle/>
+                    <a:p>
+                      <a:r>
+                        <a:rPr lang="en-US" altLang="zh-CN" sz="1200" b="0" i="0" kern="1200" dirty="0" smtClean="0">
+                          <a:solidFill>
+                            <a:schemeClr val="dk1"/>
+                          </a:solidFill>
+                          <a:latin typeface="+mn-lt"/>
+                          <a:ea typeface="+mn-ea"/>
+                          <a:cs typeface="+mn-cs"/>
+                        </a:rPr>
+                        <a:t>LABEL </a:t>
+                      </a:r>
+                      <a:r>
+                        <a:rPr lang="zh-CN" altLang="en-US" sz="1200" b="0" i="0" kern="1200" dirty="0" smtClean="0">
+                          <a:solidFill>
+                            <a:schemeClr val="dk1"/>
+                          </a:solidFill>
+                          <a:latin typeface="+mn-lt"/>
+                          <a:ea typeface="+mn-ea"/>
+                          <a:cs typeface="+mn-cs"/>
+                        </a:rPr>
+                        <a:t>指令为镜像添加标签。一个 </a:t>
+                      </a:r>
+                      <a:r>
+                        <a:rPr lang="en-US" altLang="zh-CN" sz="1200" b="0" i="0" kern="1200" dirty="0" smtClean="0">
+                          <a:solidFill>
+                            <a:schemeClr val="dk1"/>
+                          </a:solidFill>
+                          <a:latin typeface="+mn-lt"/>
+                          <a:ea typeface="+mn-ea"/>
+                          <a:cs typeface="+mn-cs"/>
+                        </a:rPr>
+                        <a:t>LABEL </a:t>
+                      </a:r>
+                      <a:r>
+                        <a:rPr lang="zh-CN" altLang="en-US" sz="1200" b="0" i="0" kern="1200" dirty="0" smtClean="0">
+                          <a:solidFill>
+                            <a:schemeClr val="dk1"/>
+                          </a:solidFill>
+                          <a:latin typeface="+mn-lt"/>
+                          <a:ea typeface="+mn-ea"/>
+                          <a:cs typeface="+mn-cs"/>
+                        </a:rPr>
+                        <a:t>就是一个键值对。</a:t>
+                      </a:r>
+                      <a:endParaRPr lang="zh-CN" altLang="en-US" sz="1200" dirty="0"/>
+                    </a:p>
+                  </a:txBody>
+                  <a:tcPr/>
+                </a:tc>
+                <a:tc>
+                  <a:txBody>
+                    <a:bodyPr/>
+                    <a:lstStyle/>
+                    <a:p>
+                      <a:r>
+                        <a:rPr lang="en-US" sz="1200" b="0" i="0" kern="1200" dirty="0" smtClean="0">
+                          <a:solidFill>
+                            <a:schemeClr val="dk1"/>
+                          </a:solidFill>
+                          <a:latin typeface="+mn-lt"/>
+                          <a:ea typeface="+mn-ea"/>
+                          <a:cs typeface="+mn-cs"/>
+                        </a:rPr>
+                        <a:t>LABEL &lt;key&gt;=&lt;value&gt; &lt;key&gt;=&lt;value&gt; ...</a:t>
+                      </a:r>
+                      <a:endParaRPr lang="zh-CN" altLang="en-US" sz="1200" dirty="0"/>
+                    </a:p>
+                  </a:txBody>
+                  <a:tcPr/>
+                </a:tc>
+              </a:tr>
+              <a:tr h="370840">
+                <a:tc>
+                  <a:txBody>
+                    <a:bodyPr/>
+                    <a:lstStyle/>
+                    <a:p>
+                      <a:pPr marL="0" marR="0" indent="0" algn="l" defTabSz="914400" rtl="0" eaLnBrk="1" fontAlgn="auto" latinLnBrk="0" hangingPunct="1">
+                        <a:lnSpc>
+                          <a:spcPct val="100000"/>
+                        </a:lnSpc>
+                        <a:spcBef>
+                          <a:spcPts val="0"/>
+                        </a:spcBef>
+                        <a:spcAft>
+                          <a:spcPts val="0"/>
+                        </a:spcAft>
+                        <a:buClrTx/>
+                        <a:buSzTx/>
+                        <a:buFontTx/>
+                        <a:buNone/>
+                        <a:tabLst/>
+                        <a:defRPr/>
+                      </a:pPr>
+                      <a:r>
+                        <a:rPr lang="en-US" sz="1200" b="0" i="0" kern="1200" dirty="0" smtClean="0">
+                          <a:solidFill>
+                            <a:schemeClr val="dk1"/>
+                          </a:solidFill>
+                          <a:latin typeface="+mn-lt"/>
+                          <a:ea typeface="+mn-ea"/>
+                          <a:cs typeface="+mn-cs"/>
+                        </a:rPr>
+                        <a:t>RUN</a:t>
+                      </a:r>
+                    </a:p>
+                  </a:txBody>
+                  <a:tcPr/>
+                </a:tc>
+                <a:tc>
+                  <a:txBody>
+                    <a:bodyPr/>
+                    <a:lstStyle/>
+                    <a:p>
+                      <a:r>
+                        <a:rPr lang="en-US" altLang="zh-CN" sz="1200" b="0" i="0" kern="1200" dirty="0" smtClean="0">
+                          <a:solidFill>
+                            <a:schemeClr val="dk1"/>
+                          </a:solidFill>
+                          <a:latin typeface="+mn-lt"/>
+                          <a:ea typeface="+mn-ea"/>
+                          <a:cs typeface="+mn-cs"/>
+                        </a:rPr>
+                        <a:t>RUN </a:t>
+                      </a:r>
+                      <a:r>
+                        <a:rPr lang="zh-CN" altLang="en-US" sz="1200" b="0" i="0" kern="1200" dirty="0" smtClean="0">
+                          <a:solidFill>
+                            <a:schemeClr val="dk1"/>
+                          </a:solidFill>
+                          <a:latin typeface="+mn-lt"/>
+                          <a:ea typeface="+mn-ea"/>
+                          <a:cs typeface="+mn-cs"/>
+                        </a:rPr>
+                        <a:t>指令将在当前镜像的基础上执行指定命令，并提交为新的镜像。当命令较长时可以使用 </a:t>
+                      </a:r>
+                      <a:r>
+                        <a:rPr lang="en-US" altLang="zh-CN" sz="1200" b="0" i="0" kern="1200" dirty="0" smtClean="0">
+                          <a:solidFill>
+                            <a:schemeClr val="dk1"/>
+                          </a:solidFill>
+                          <a:latin typeface="+mn-lt"/>
+                          <a:ea typeface="+mn-ea"/>
+                          <a:cs typeface="+mn-cs"/>
+                        </a:rPr>
+                        <a:t>\ </a:t>
+                      </a:r>
+                      <a:r>
+                        <a:rPr lang="zh-CN" altLang="en-US" sz="1200" b="0" i="0" kern="1200" dirty="0" smtClean="0">
+                          <a:solidFill>
+                            <a:schemeClr val="dk1"/>
+                          </a:solidFill>
+                          <a:latin typeface="+mn-lt"/>
+                          <a:ea typeface="+mn-ea"/>
+                          <a:cs typeface="+mn-cs"/>
+                        </a:rPr>
+                        <a:t>来换行。</a:t>
+                      </a:r>
+                      <a:endParaRPr lang="zh-CN" altLang="en-US" sz="1200" dirty="0"/>
+                    </a:p>
+                  </a:txBody>
+                  <a:tcPr/>
+                </a:tc>
+                <a:tc>
+                  <a:txBody>
+                    <a:bodyPr/>
+                    <a:lstStyle/>
+                    <a:p>
+                      <a:r>
+                        <a:rPr lang="en-US" sz="1200" b="0" i="0" kern="1200" dirty="0" smtClean="0">
+                          <a:solidFill>
+                            <a:schemeClr val="dk1"/>
+                          </a:solidFill>
+                          <a:latin typeface="+mn-lt"/>
+                          <a:ea typeface="+mn-ea"/>
+                          <a:cs typeface="+mn-cs"/>
+                        </a:rPr>
+                        <a:t>RUN &lt;command&gt;</a:t>
+                      </a:r>
+                    </a:p>
+                    <a:p>
+                      <a:r>
+                        <a:rPr lang="en-US" sz="1200" b="0" i="0" kern="1200" dirty="0" smtClean="0">
+                          <a:solidFill>
+                            <a:schemeClr val="dk1"/>
+                          </a:solidFill>
+                          <a:latin typeface="+mn-lt"/>
+                          <a:ea typeface="+mn-ea"/>
+                          <a:cs typeface="+mn-cs"/>
+                        </a:rPr>
+                        <a:t>RUN [“executable”, “param1”, “param2”]</a:t>
+                      </a:r>
+                      <a:endParaRPr lang="zh-CN" altLang="en-US" sz="1200" dirty="0"/>
+                    </a:p>
+                  </a:txBody>
+                  <a:tcPr/>
+                </a:tc>
+              </a:tr>
+              <a:tr h="370840">
+                <a:tc>
+                  <a:txBody>
+                    <a:bodyPr/>
+                    <a:lstStyle/>
+                    <a:p>
+                      <a:pPr marL="0" marR="0" indent="0" algn="l" defTabSz="914400" rtl="0" eaLnBrk="1" fontAlgn="auto" latinLnBrk="0" hangingPunct="1">
+                        <a:lnSpc>
+                          <a:spcPct val="100000"/>
+                        </a:lnSpc>
+                        <a:spcBef>
+                          <a:spcPts val="0"/>
+                        </a:spcBef>
+                        <a:spcAft>
+                          <a:spcPts val="0"/>
+                        </a:spcAft>
+                        <a:buClrTx/>
+                        <a:buSzTx/>
+                        <a:buFontTx/>
+                        <a:buNone/>
+                        <a:tabLst/>
+                        <a:defRPr/>
+                      </a:pPr>
+                      <a:r>
+                        <a:rPr lang="en-US" sz="1200" b="0" i="0" kern="1200" dirty="0" smtClean="0">
+                          <a:solidFill>
+                            <a:schemeClr val="dk1"/>
+                          </a:solidFill>
+                          <a:latin typeface="+mn-lt"/>
+                          <a:ea typeface="+mn-ea"/>
+                          <a:cs typeface="+mn-cs"/>
+                        </a:rPr>
+                        <a:t>CMD</a:t>
+                      </a:r>
+                    </a:p>
+                  </a:txBody>
+                  <a:tcPr/>
+                </a:tc>
+                <a:tc>
+                  <a:txBody>
+                    <a:bodyPr/>
+                    <a:lstStyle/>
+                    <a:p>
+                      <a:r>
+                        <a:rPr lang="zh-CN" altLang="en-US" sz="1200" b="0" i="0" kern="1200" dirty="0" smtClean="0">
+                          <a:solidFill>
+                            <a:schemeClr val="dk1"/>
+                          </a:solidFill>
+                          <a:latin typeface="+mn-lt"/>
+                          <a:ea typeface="+mn-ea"/>
+                          <a:cs typeface="+mn-cs"/>
+                        </a:rPr>
+                        <a:t>指定启动容器时执行的命令，每个 </a:t>
+                      </a:r>
+                      <a:r>
+                        <a:rPr lang="en-US" altLang="zh-CN" sz="1200" b="0" i="0" kern="1200" dirty="0" err="1" smtClean="0">
+                          <a:solidFill>
+                            <a:schemeClr val="dk1"/>
+                          </a:solidFill>
+                          <a:latin typeface="+mn-lt"/>
+                          <a:ea typeface="+mn-ea"/>
+                          <a:cs typeface="+mn-cs"/>
+                        </a:rPr>
+                        <a:t>Dockerfile</a:t>
+                      </a:r>
+                      <a:r>
+                        <a:rPr lang="en-US" altLang="zh-CN" sz="1200" b="0" i="0" kern="1200" dirty="0" smtClean="0">
+                          <a:solidFill>
+                            <a:schemeClr val="dk1"/>
+                          </a:solidFill>
+                          <a:latin typeface="+mn-lt"/>
+                          <a:ea typeface="+mn-ea"/>
+                          <a:cs typeface="+mn-cs"/>
+                        </a:rPr>
+                        <a:t> </a:t>
+                      </a:r>
+                      <a:r>
+                        <a:rPr lang="zh-CN" altLang="en-US" sz="1200" b="0" i="0" kern="1200" dirty="0" smtClean="0">
+                          <a:solidFill>
+                            <a:schemeClr val="dk1"/>
+                          </a:solidFill>
+                          <a:latin typeface="+mn-lt"/>
+                          <a:ea typeface="+mn-ea"/>
+                          <a:cs typeface="+mn-cs"/>
+                        </a:rPr>
+                        <a:t>只能有一条 </a:t>
+                      </a:r>
+                      <a:r>
+                        <a:rPr lang="en-US" altLang="zh-CN" sz="1200" b="0" i="0" kern="1200" dirty="0" smtClean="0">
+                          <a:solidFill>
+                            <a:schemeClr val="dk1"/>
+                          </a:solidFill>
+                          <a:latin typeface="+mn-lt"/>
+                          <a:ea typeface="+mn-ea"/>
+                          <a:cs typeface="+mn-cs"/>
+                        </a:rPr>
+                        <a:t>CMD </a:t>
+                      </a:r>
+                      <a:r>
+                        <a:rPr lang="zh-CN" altLang="en-US" sz="1200" b="0" i="0" kern="1200" dirty="0" smtClean="0">
+                          <a:solidFill>
+                            <a:schemeClr val="dk1"/>
+                          </a:solidFill>
+                          <a:latin typeface="+mn-lt"/>
+                          <a:ea typeface="+mn-ea"/>
+                          <a:cs typeface="+mn-cs"/>
+                        </a:rPr>
+                        <a:t>命令。指定了多条 </a:t>
+                      </a:r>
+                      <a:r>
+                        <a:rPr lang="en-US" altLang="zh-CN" sz="1200" b="0" i="0" kern="1200" dirty="0" smtClean="0">
+                          <a:solidFill>
+                            <a:schemeClr val="dk1"/>
+                          </a:solidFill>
+                          <a:latin typeface="+mn-lt"/>
+                          <a:ea typeface="+mn-ea"/>
+                          <a:cs typeface="+mn-cs"/>
+                        </a:rPr>
+                        <a:t>CMD </a:t>
+                      </a:r>
+                      <a:r>
+                        <a:rPr lang="zh-CN" altLang="en-US" sz="1200" b="0" i="0" kern="1200" dirty="0" smtClean="0">
+                          <a:solidFill>
+                            <a:schemeClr val="dk1"/>
+                          </a:solidFill>
+                          <a:latin typeface="+mn-lt"/>
+                          <a:ea typeface="+mn-ea"/>
+                          <a:cs typeface="+mn-cs"/>
+                        </a:rPr>
+                        <a:t>命令，只有最后一条会被执行。用户在启动容器时指定了要运行的命令，则会覆盖掉 </a:t>
+                      </a:r>
+                      <a:r>
+                        <a:rPr lang="en-US" altLang="zh-CN" sz="1200" b="0" i="0" kern="1200" dirty="0" smtClean="0">
+                          <a:solidFill>
+                            <a:schemeClr val="dk1"/>
+                          </a:solidFill>
+                          <a:latin typeface="+mn-lt"/>
+                          <a:ea typeface="+mn-ea"/>
+                          <a:cs typeface="+mn-cs"/>
+                        </a:rPr>
+                        <a:t>CMD </a:t>
+                      </a:r>
+                      <a:r>
+                        <a:rPr lang="zh-CN" altLang="en-US" sz="1200" b="0" i="0" kern="1200" dirty="0" smtClean="0">
+                          <a:solidFill>
+                            <a:schemeClr val="dk1"/>
+                          </a:solidFill>
+                          <a:latin typeface="+mn-lt"/>
+                          <a:ea typeface="+mn-ea"/>
+                          <a:cs typeface="+mn-cs"/>
+                        </a:rPr>
+                        <a:t>指定的命令。</a:t>
+                      </a:r>
+                      <a:endParaRPr lang="zh-CN" altLang="en-US" sz="1200" dirty="0"/>
+                    </a:p>
+                  </a:txBody>
+                  <a:tcPr/>
+                </a:tc>
+                <a:tc>
+                  <a:txBody>
+                    <a:bodyPr/>
+                    <a:lstStyle/>
+                    <a:p>
+                      <a:r>
+                        <a:rPr lang="en-US" sz="1200" b="0" i="0" kern="1200" dirty="0" smtClean="0">
+                          <a:solidFill>
+                            <a:schemeClr val="dk1"/>
+                          </a:solidFill>
+                          <a:latin typeface="+mn-lt"/>
+                          <a:ea typeface="+mn-ea"/>
+                          <a:cs typeface="+mn-cs"/>
+                        </a:rPr>
+                        <a:t>CMD [“executable”, “param1”, “param2”] CMD command param1 param2 </a:t>
+                      </a:r>
+                    </a:p>
+                    <a:p>
+                      <a:r>
+                        <a:rPr lang="en-US" sz="1200" b="0" i="0" kern="1200" dirty="0" smtClean="0">
+                          <a:solidFill>
+                            <a:schemeClr val="dk1"/>
+                          </a:solidFill>
+                          <a:latin typeface="+mn-lt"/>
+                          <a:ea typeface="+mn-ea"/>
+                          <a:cs typeface="+mn-cs"/>
+                        </a:rPr>
+                        <a:t>CMD [“param1”, “param2”]</a:t>
+                      </a:r>
+                      <a:endParaRPr lang="zh-CN" altLang="en-US" sz="1200" dirty="0"/>
+                    </a:p>
+                  </a:txBody>
+                  <a:tcPr/>
+                </a:tc>
+              </a:tr>
+              <a:tr h="370840">
+                <a:tc>
+                  <a:txBody>
+                    <a:bodyPr/>
+                    <a:lstStyle/>
+                    <a:p>
+                      <a:pPr marL="0" marR="0" indent="0" algn="l" defTabSz="914400" rtl="0" eaLnBrk="1" fontAlgn="auto" latinLnBrk="0" hangingPunct="1">
+                        <a:lnSpc>
+                          <a:spcPct val="100000"/>
+                        </a:lnSpc>
+                        <a:spcBef>
+                          <a:spcPts val="0"/>
+                        </a:spcBef>
+                        <a:spcAft>
+                          <a:spcPts val="0"/>
+                        </a:spcAft>
+                        <a:buClrTx/>
+                        <a:buSzTx/>
+                        <a:buFontTx/>
+                        <a:buNone/>
+                        <a:tabLst/>
+                        <a:defRPr/>
+                      </a:pPr>
+                      <a:r>
+                        <a:rPr lang="en-US" sz="1200" b="0" i="0" kern="1200" dirty="0" smtClean="0">
+                          <a:solidFill>
+                            <a:schemeClr val="dk1"/>
+                          </a:solidFill>
+                          <a:latin typeface="+mn-lt"/>
+                          <a:ea typeface="+mn-ea"/>
+                          <a:cs typeface="+mn-cs"/>
+                        </a:rPr>
+                        <a:t>EXPOSE</a:t>
+                      </a:r>
+                    </a:p>
+                  </a:txBody>
+                  <a:tcPr/>
+                </a:tc>
+                <a:tc>
+                  <a:txBody>
+                    <a:bodyPr/>
+                    <a:lstStyle/>
+                    <a:p>
+                      <a:r>
+                        <a:rPr lang="zh-CN" altLang="en-US" sz="1200" b="0" i="0" kern="1200" dirty="0" smtClean="0">
+                          <a:solidFill>
+                            <a:schemeClr val="dk1"/>
+                          </a:solidFill>
+                          <a:latin typeface="+mn-lt"/>
+                          <a:ea typeface="+mn-ea"/>
+                          <a:cs typeface="+mn-cs"/>
+                        </a:rPr>
+                        <a:t>告诉 </a:t>
+                      </a:r>
+                      <a:r>
+                        <a:rPr lang="en-US" altLang="zh-CN" sz="1200" b="0" i="0" kern="1200" dirty="0" err="1" smtClean="0">
+                          <a:solidFill>
+                            <a:schemeClr val="dk1"/>
+                          </a:solidFill>
+                          <a:latin typeface="+mn-lt"/>
+                          <a:ea typeface="+mn-ea"/>
+                          <a:cs typeface="+mn-cs"/>
+                        </a:rPr>
+                        <a:t>Docker</a:t>
+                      </a:r>
+                      <a:r>
+                        <a:rPr lang="en-US" altLang="zh-CN" sz="1200" b="0" i="0" kern="1200" dirty="0" smtClean="0">
+                          <a:solidFill>
+                            <a:schemeClr val="dk1"/>
+                          </a:solidFill>
+                          <a:latin typeface="+mn-lt"/>
+                          <a:ea typeface="+mn-ea"/>
+                          <a:cs typeface="+mn-cs"/>
+                        </a:rPr>
+                        <a:t> </a:t>
+                      </a:r>
+                      <a:r>
+                        <a:rPr lang="zh-CN" altLang="en-US" sz="1200" b="0" i="0" kern="1200" dirty="0" smtClean="0">
+                          <a:solidFill>
+                            <a:schemeClr val="dk1"/>
+                          </a:solidFill>
+                          <a:latin typeface="+mn-lt"/>
+                          <a:ea typeface="+mn-ea"/>
+                          <a:cs typeface="+mn-cs"/>
+                        </a:rPr>
+                        <a:t>服务，容器需要暴露的端口号，供互联系统使用。</a:t>
+                      </a:r>
+                      <a:endParaRPr lang="zh-CN" altLang="en-US" sz="1200" dirty="0"/>
+                    </a:p>
+                  </a:txBody>
+                  <a:tcPr/>
+                </a:tc>
+                <a:tc>
+                  <a:txBody>
+                    <a:bodyPr/>
+                    <a:lstStyle/>
+                    <a:p>
+                      <a:r>
+                        <a:rPr lang="en-US" sz="1200" b="0" i="0" kern="1200" dirty="0" smtClean="0">
+                          <a:solidFill>
+                            <a:schemeClr val="dk1"/>
+                          </a:solidFill>
+                          <a:latin typeface="+mn-lt"/>
+                          <a:ea typeface="+mn-ea"/>
+                          <a:cs typeface="+mn-cs"/>
+                        </a:rPr>
+                        <a:t>EXPOSE &lt;port&gt; [&lt;port&gt;…]</a:t>
+                      </a:r>
+                    </a:p>
+                    <a:p>
+                      <a:r>
+                        <a:rPr lang="en-US" sz="1200" b="0" i="0" kern="1200" dirty="0" smtClean="0">
+                          <a:solidFill>
+                            <a:schemeClr val="dk1"/>
+                          </a:solidFill>
+                          <a:latin typeface="+mn-lt"/>
+                          <a:ea typeface="+mn-ea"/>
+                          <a:cs typeface="+mn-cs"/>
+                        </a:rPr>
+                        <a:t>EXPOSE 22 80 8443</a:t>
+                      </a:r>
+                      <a:endParaRPr lang="zh-CN" altLang="en-US" sz="1200" dirty="0"/>
+                    </a:p>
+                  </a:txBody>
+                  <a:tcPr/>
+                </a:tc>
+              </a:tr>
+              <a:tr h="370840">
+                <a:tc>
+                  <a:txBody>
+                    <a:bodyPr/>
+                    <a:lstStyle/>
+                    <a:p>
+                      <a:pPr marL="0" marR="0" indent="0" algn="l" defTabSz="914400" rtl="0" eaLnBrk="1" fontAlgn="auto" latinLnBrk="0" hangingPunct="1">
+                        <a:lnSpc>
+                          <a:spcPct val="100000"/>
+                        </a:lnSpc>
+                        <a:spcBef>
+                          <a:spcPts val="0"/>
+                        </a:spcBef>
+                        <a:spcAft>
+                          <a:spcPts val="0"/>
+                        </a:spcAft>
+                        <a:buClrTx/>
+                        <a:buSzTx/>
+                        <a:buFontTx/>
+                        <a:buNone/>
+                        <a:tabLst/>
+                        <a:defRPr/>
+                      </a:pPr>
+                      <a:r>
+                        <a:rPr lang="en-US" sz="1200" b="0" i="0" kern="1200" dirty="0" smtClean="0">
+                          <a:solidFill>
+                            <a:schemeClr val="dk1"/>
+                          </a:solidFill>
+                          <a:latin typeface="+mn-lt"/>
+                          <a:ea typeface="+mn-ea"/>
+                          <a:cs typeface="+mn-cs"/>
+                        </a:rPr>
+                        <a:t>ENV</a:t>
+                      </a:r>
+                    </a:p>
+                  </a:txBody>
+                  <a:tcPr/>
+                </a:tc>
+                <a:tc>
+                  <a:txBody>
+                    <a:bodyPr/>
+                    <a:lstStyle/>
+                    <a:p>
+                      <a:r>
+                        <a:rPr lang="zh-CN" altLang="en-US" sz="1200" b="0" i="0" kern="1200" dirty="0" smtClean="0">
+                          <a:solidFill>
+                            <a:schemeClr val="dk1"/>
+                          </a:solidFill>
+                          <a:latin typeface="+mn-lt"/>
+                          <a:ea typeface="+mn-ea"/>
+                          <a:cs typeface="+mn-cs"/>
+                        </a:rPr>
+                        <a:t>指定一个环境变量，会被后续 </a:t>
+                      </a:r>
+                      <a:r>
+                        <a:rPr lang="en-US" sz="1200" b="0" i="0" kern="1200" dirty="0" smtClean="0">
+                          <a:solidFill>
+                            <a:schemeClr val="dk1"/>
+                          </a:solidFill>
+                          <a:latin typeface="+mn-lt"/>
+                          <a:ea typeface="+mn-ea"/>
+                          <a:cs typeface="+mn-cs"/>
+                        </a:rPr>
+                        <a:t>RUN </a:t>
+                      </a:r>
+                      <a:r>
+                        <a:rPr lang="zh-CN" altLang="en-US" sz="1200" b="0" i="0" kern="1200" dirty="0" smtClean="0">
+                          <a:solidFill>
+                            <a:schemeClr val="dk1"/>
+                          </a:solidFill>
+                          <a:latin typeface="+mn-lt"/>
+                          <a:ea typeface="+mn-ea"/>
+                          <a:cs typeface="+mn-cs"/>
+                        </a:rPr>
+                        <a:t>指令使用，并在容器运行时保持。</a:t>
+                      </a:r>
+                      <a:endParaRPr lang="zh-CN" altLang="en-US" sz="1200" dirty="0"/>
+                    </a:p>
+                  </a:txBody>
+                  <a:tcPr/>
+                </a:tc>
+                <a:tc>
+                  <a:txBody>
+                    <a:bodyPr/>
+                    <a:lstStyle/>
+                    <a:p>
+                      <a:r>
+                        <a:rPr lang="en-US" sz="1200" b="0" i="0" kern="1200" dirty="0" smtClean="0">
+                          <a:solidFill>
+                            <a:schemeClr val="dk1"/>
+                          </a:solidFill>
+                          <a:latin typeface="+mn-lt"/>
+                          <a:ea typeface="+mn-ea"/>
+                          <a:cs typeface="+mn-cs"/>
+                        </a:rPr>
+                        <a:t>ENV &lt;key&gt; &lt;value&gt;</a:t>
+                      </a:r>
+                    </a:p>
+                    <a:p>
+                      <a:r>
+                        <a:rPr lang="en-US" sz="1200" b="0" i="0" kern="1200" dirty="0" smtClean="0">
+                          <a:solidFill>
+                            <a:schemeClr val="dk1"/>
+                          </a:solidFill>
+                          <a:latin typeface="+mn-lt"/>
+                          <a:ea typeface="+mn-ea"/>
+                          <a:cs typeface="+mn-cs"/>
+                        </a:rPr>
+                        <a:t>ENV </a:t>
+                      </a:r>
+                      <a:r>
+                        <a:rPr lang="en-US" altLang="zh-CN" sz="1200" b="0" i="0" kern="1200" dirty="0" smtClean="0">
+                          <a:solidFill>
+                            <a:schemeClr val="dk1"/>
+                          </a:solidFill>
+                          <a:latin typeface="+mn-lt"/>
+                          <a:ea typeface="+mn-ea"/>
+                          <a:cs typeface="+mn-cs"/>
+                        </a:rPr>
+                        <a:t>MYSQL_USER_ROOT</a:t>
+                      </a:r>
+                      <a:r>
+                        <a:rPr lang="en-US" altLang="zh-CN" sz="1200" b="0" i="0" kern="1200" baseline="0" dirty="0" smtClean="0">
+                          <a:solidFill>
+                            <a:schemeClr val="dk1"/>
+                          </a:solidFill>
+                          <a:latin typeface="+mn-lt"/>
+                          <a:ea typeface="+mn-ea"/>
+                          <a:cs typeface="+mn-cs"/>
+                        </a:rPr>
+                        <a:t>  root</a:t>
+                      </a:r>
+                      <a:endParaRPr lang="zh-CN" altLang="en-US" sz="1200" dirty="0"/>
+                    </a:p>
+                  </a:txBody>
+                  <a:tcPr/>
+                </a:tc>
+              </a:tr>
+              <a:tr h="370840">
+                <a:tc>
+                  <a:txBody>
+                    <a:bodyPr/>
+                    <a:lstStyle/>
+                    <a:p>
+                      <a:pPr marL="0" marR="0" indent="0" algn="l" defTabSz="914400" rtl="0" eaLnBrk="1" fontAlgn="auto" latinLnBrk="0" hangingPunct="1">
+                        <a:lnSpc>
+                          <a:spcPct val="100000"/>
+                        </a:lnSpc>
+                        <a:spcBef>
+                          <a:spcPts val="0"/>
+                        </a:spcBef>
+                        <a:spcAft>
+                          <a:spcPts val="0"/>
+                        </a:spcAft>
+                        <a:buClrTx/>
+                        <a:buSzTx/>
+                        <a:buFontTx/>
+                        <a:buNone/>
+                        <a:tabLst/>
+                        <a:defRPr/>
+                      </a:pPr>
+                      <a:r>
+                        <a:rPr lang="en-US" sz="1200" b="0" i="0" kern="1200" dirty="0" smtClean="0">
+                          <a:solidFill>
+                            <a:schemeClr val="dk1"/>
+                          </a:solidFill>
+                          <a:latin typeface="+mn-lt"/>
+                          <a:ea typeface="+mn-ea"/>
+                          <a:cs typeface="+mn-cs"/>
+                        </a:rPr>
+                        <a:t>ADD</a:t>
+                      </a:r>
+                    </a:p>
+                  </a:txBody>
+                  <a:tcPr/>
+                </a:tc>
+                <a:tc>
+                  <a:txBody>
+                    <a:bodyPr/>
+                    <a:lstStyle/>
+                    <a:p>
+                      <a:r>
+                        <a:rPr lang="zh-CN" altLang="en-US" sz="1200" b="0" i="0" kern="1200" dirty="0" smtClean="0">
+                          <a:solidFill>
+                            <a:schemeClr val="dk1"/>
+                          </a:solidFill>
+                          <a:latin typeface="+mn-lt"/>
+                          <a:ea typeface="+mn-ea"/>
+                          <a:cs typeface="+mn-cs"/>
+                        </a:rPr>
+                        <a:t>将复制指定的 </a:t>
+                      </a:r>
+                      <a:r>
+                        <a:rPr lang="en-US" altLang="zh-CN" sz="1200" b="0" i="0" kern="1200" dirty="0" smtClean="0">
+                          <a:solidFill>
+                            <a:schemeClr val="dk1"/>
+                          </a:solidFill>
+                          <a:latin typeface="+mn-lt"/>
+                          <a:ea typeface="+mn-ea"/>
+                          <a:cs typeface="+mn-cs"/>
+                        </a:rPr>
+                        <a:t>&lt;</a:t>
+                      </a:r>
+                      <a:r>
+                        <a:rPr lang="en-US" altLang="zh-CN" sz="1200" b="0" i="0" kern="1200" dirty="0" err="1" smtClean="0">
+                          <a:solidFill>
+                            <a:schemeClr val="dk1"/>
+                          </a:solidFill>
+                          <a:latin typeface="+mn-lt"/>
+                          <a:ea typeface="+mn-ea"/>
+                          <a:cs typeface="+mn-cs"/>
+                        </a:rPr>
+                        <a:t>src</a:t>
+                      </a:r>
+                      <a:r>
+                        <a:rPr lang="en-US" altLang="zh-CN" sz="1200" b="0" i="0" kern="1200" dirty="0" smtClean="0">
+                          <a:solidFill>
+                            <a:schemeClr val="dk1"/>
+                          </a:solidFill>
+                          <a:latin typeface="+mn-lt"/>
+                          <a:ea typeface="+mn-ea"/>
+                          <a:cs typeface="+mn-cs"/>
+                        </a:rPr>
+                        <a:t>&gt; </a:t>
+                      </a:r>
+                      <a:r>
+                        <a:rPr lang="zh-CN" altLang="en-US" sz="1200" b="0" i="0" kern="1200" dirty="0" smtClean="0">
+                          <a:solidFill>
+                            <a:schemeClr val="dk1"/>
+                          </a:solidFill>
+                          <a:latin typeface="+mn-lt"/>
+                          <a:ea typeface="+mn-ea"/>
+                          <a:cs typeface="+mn-cs"/>
+                        </a:rPr>
+                        <a:t>到容器中的 </a:t>
+                      </a:r>
+                      <a:r>
+                        <a:rPr lang="en-US" altLang="zh-CN" sz="1200" b="0" i="0" kern="1200" dirty="0" smtClean="0">
+                          <a:solidFill>
+                            <a:schemeClr val="dk1"/>
+                          </a:solidFill>
+                          <a:latin typeface="+mn-lt"/>
+                          <a:ea typeface="+mn-ea"/>
+                          <a:cs typeface="+mn-cs"/>
+                        </a:rPr>
+                        <a:t>&lt;</a:t>
+                      </a:r>
+                      <a:r>
+                        <a:rPr lang="en-US" altLang="zh-CN" sz="1200" b="0" i="0" kern="1200" dirty="0" err="1" smtClean="0">
+                          <a:solidFill>
+                            <a:schemeClr val="dk1"/>
+                          </a:solidFill>
+                          <a:latin typeface="+mn-lt"/>
+                          <a:ea typeface="+mn-ea"/>
+                          <a:cs typeface="+mn-cs"/>
+                        </a:rPr>
+                        <a:t>dest</a:t>
+                      </a:r>
+                      <a:r>
+                        <a:rPr lang="en-US" altLang="zh-CN" sz="1200" b="0" i="0" kern="1200" dirty="0" smtClean="0">
+                          <a:solidFill>
+                            <a:schemeClr val="dk1"/>
+                          </a:solidFill>
+                          <a:latin typeface="+mn-lt"/>
+                          <a:ea typeface="+mn-ea"/>
+                          <a:cs typeface="+mn-cs"/>
+                        </a:rPr>
+                        <a:t>&gt;</a:t>
+                      </a:r>
+                      <a:r>
+                        <a:rPr lang="zh-CN" altLang="en-US" sz="1200" b="0" i="0" kern="1200" dirty="0" smtClean="0">
+                          <a:solidFill>
+                            <a:schemeClr val="dk1"/>
+                          </a:solidFill>
+                          <a:latin typeface="+mn-lt"/>
+                          <a:ea typeface="+mn-ea"/>
+                          <a:cs typeface="+mn-cs"/>
+                        </a:rPr>
+                        <a:t>。其中 </a:t>
+                      </a:r>
+                      <a:r>
+                        <a:rPr lang="en-US" altLang="zh-CN" sz="1200" b="0" i="0" kern="1200" dirty="0" smtClean="0">
+                          <a:solidFill>
+                            <a:schemeClr val="dk1"/>
+                          </a:solidFill>
+                          <a:latin typeface="+mn-lt"/>
+                          <a:ea typeface="+mn-ea"/>
+                          <a:cs typeface="+mn-cs"/>
+                        </a:rPr>
+                        <a:t>&lt;</a:t>
+                      </a:r>
+                      <a:r>
+                        <a:rPr lang="en-US" altLang="zh-CN" sz="1200" b="0" i="0" kern="1200" dirty="0" err="1" smtClean="0">
+                          <a:solidFill>
+                            <a:schemeClr val="dk1"/>
+                          </a:solidFill>
+                          <a:latin typeface="+mn-lt"/>
+                          <a:ea typeface="+mn-ea"/>
+                          <a:cs typeface="+mn-cs"/>
+                        </a:rPr>
+                        <a:t>src</a:t>
+                      </a:r>
+                      <a:r>
+                        <a:rPr lang="en-US" altLang="zh-CN" sz="1200" b="0" i="0" kern="1200" dirty="0" smtClean="0">
+                          <a:solidFill>
+                            <a:schemeClr val="dk1"/>
+                          </a:solidFill>
+                          <a:latin typeface="+mn-lt"/>
+                          <a:ea typeface="+mn-ea"/>
+                          <a:cs typeface="+mn-cs"/>
+                        </a:rPr>
+                        <a:t>&gt; </a:t>
+                      </a:r>
+                      <a:r>
+                        <a:rPr lang="zh-CN" altLang="en-US" sz="1200" b="0" i="0" kern="1200" dirty="0" smtClean="0">
+                          <a:solidFill>
+                            <a:schemeClr val="dk1"/>
+                          </a:solidFill>
+                          <a:latin typeface="+mn-lt"/>
+                          <a:ea typeface="+mn-ea"/>
+                          <a:cs typeface="+mn-cs"/>
+                        </a:rPr>
+                        <a:t>可以是 </a:t>
+                      </a:r>
+                      <a:r>
+                        <a:rPr lang="en-US" altLang="zh-CN" sz="1200" b="0" i="0" kern="1200" dirty="0" err="1" smtClean="0">
+                          <a:solidFill>
+                            <a:schemeClr val="dk1"/>
+                          </a:solidFill>
+                          <a:latin typeface="+mn-lt"/>
+                          <a:ea typeface="+mn-ea"/>
+                          <a:cs typeface="+mn-cs"/>
+                        </a:rPr>
+                        <a:t>Dockerfile</a:t>
+                      </a:r>
+                      <a:r>
+                        <a:rPr lang="en-US" altLang="zh-CN" sz="1200" b="0" i="0" kern="1200" dirty="0" smtClean="0">
+                          <a:solidFill>
+                            <a:schemeClr val="dk1"/>
+                          </a:solidFill>
+                          <a:latin typeface="+mn-lt"/>
+                          <a:ea typeface="+mn-ea"/>
+                          <a:cs typeface="+mn-cs"/>
+                        </a:rPr>
+                        <a:t> </a:t>
+                      </a:r>
+                      <a:r>
+                        <a:rPr lang="zh-CN" altLang="en-US" sz="1200" b="0" i="0" kern="1200" dirty="0" smtClean="0">
+                          <a:solidFill>
+                            <a:schemeClr val="dk1"/>
+                          </a:solidFill>
+                          <a:latin typeface="+mn-lt"/>
+                          <a:ea typeface="+mn-ea"/>
+                          <a:cs typeface="+mn-cs"/>
+                        </a:rPr>
+                        <a:t>所在目录的一个相对路径</a:t>
+                      </a:r>
+                      <a:r>
+                        <a:rPr lang="en-US" altLang="zh-CN" sz="1200" b="0" i="0" kern="1200" dirty="0" smtClean="0">
+                          <a:solidFill>
+                            <a:schemeClr val="dk1"/>
+                          </a:solidFill>
+                          <a:latin typeface="+mn-lt"/>
+                          <a:ea typeface="+mn-ea"/>
+                          <a:cs typeface="+mn-cs"/>
+                        </a:rPr>
+                        <a:t>(</a:t>
+                      </a:r>
+                      <a:r>
+                        <a:rPr lang="zh-CN" altLang="en-US" sz="1200" b="0" i="0" kern="1200" dirty="0" smtClean="0">
+                          <a:solidFill>
+                            <a:schemeClr val="dk1"/>
+                          </a:solidFill>
+                          <a:latin typeface="+mn-lt"/>
+                          <a:ea typeface="+mn-ea"/>
+                          <a:cs typeface="+mn-cs"/>
+                        </a:rPr>
+                        <a:t>文件或目录</a:t>
+                      </a:r>
+                      <a:r>
+                        <a:rPr lang="en-US" altLang="zh-CN" sz="1200" b="0" i="0" kern="1200" dirty="0" smtClean="0">
+                          <a:solidFill>
+                            <a:schemeClr val="dk1"/>
+                          </a:solidFill>
+                          <a:latin typeface="+mn-lt"/>
+                          <a:ea typeface="+mn-ea"/>
+                          <a:cs typeface="+mn-cs"/>
+                        </a:rPr>
+                        <a:t>)</a:t>
+                      </a:r>
+                      <a:r>
+                        <a:rPr lang="zh-CN" altLang="en-US" sz="1200" b="0" i="0" kern="1200" dirty="0" smtClean="0">
+                          <a:solidFill>
+                            <a:schemeClr val="dk1"/>
+                          </a:solidFill>
+                          <a:latin typeface="+mn-lt"/>
+                          <a:ea typeface="+mn-ea"/>
+                          <a:cs typeface="+mn-cs"/>
+                        </a:rPr>
+                        <a:t>；也可以是一个 </a:t>
+                      </a:r>
+                      <a:r>
+                        <a:rPr lang="en-US" altLang="zh-CN" sz="1200" b="0" i="0" kern="1200" dirty="0" smtClean="0">
+                          <a:solidFill>
+                            <a:schemeClr val="dk1"/>
+                          </a:solidFill>
+                          <a:latin typeface="+mn-lt"/>
+                          <a:ea typeface="+mn-ea"/>
+                          <a:cs typeface="+mn-cs"/>
+                        </a:rPr>
+                        <a:t>URL</a:t>
+                      </a:r>
+                      <a:r>
+                        <a:rPr lang="zh-CN" altLang="en-US" sz="1200" b="0" i="0" kern="1200" dirty="0" smtClean="0">
+                          <a:solidFill>
+                            <a:schemeClr val="dk1"/>
+                          </a:solidFill>
+                          <a:latin typeface="+mn-lt"/>
+                          <a:ea typeface="+mn-ea"/>
+                          <a:cs typeface="+mn-cs"/>
+                        </a:rPr>
+                        <a:t>；还可以是一个 </a:t>
+                      </a:r>
+                      <a:r>
+                        <a:rPr lang="en-US" altLang="zh-CN" sz="1200" b="0" i="0" kern="1200" dirty="0" smtClean="0">
+                          <a:solidFill>
+                            <a:schemeClr val="dk1"/>
+                          </a:solidFill>
+                          <a:latin typeface="+mn-lt"/>
+                          <a:ea typeface="+mn-ea"/>
+                          <a:cs typeface="+mn-cs"/>
+                        </a:rPr>
+                        <a:t>tar </a:t>
+                      </a:r>
+                      <a:r>
+                        <a:rPr lang="zh-CN" altLang="en-US" sz="1200" b="0" i="0" kern="1200" dirty="0" smtClean="0">
+                          <a:solidFill>
+                            <a:schemeClr val="dk1"/>
+                          </a:solidFill>
+                          <a:latin typeface="+mn-lt"/>
+                          <a:ea typeface="+mn-ea"/>
+                          <a:cs typeface="+mn-cs"/>
+                        </a:rPr>
+                        <a:t>文件</a:t>
+                      </a:r>
+                      <a:r>
+                        <a:rPr lang="en-US" altLang="zh-CN" sz="1200" b="0" i="0" kern="1200" dirty="0" smtClean="0">
+                          <a:solidFill>
+                            <a:schemeClr val="dk1"/>
+                          </a:solidFill>
+                          <a:latin typeface="+mn-lt"/>
+                          <a:ea typeface="+mn-ea"/>
+                          <a:cs typeface="+mn-cs"/>
+                        </a:rPr>
+                        <a:t>(</a:t>
+                      </a:r>
+                      <a:r>
+                        <a:rPr lang="zh-CN" altLang="en-US" sz="1200" b="0" i="0" kern="1200" dirty="0" smtClean="0">
+                          <a:solidFill>
+                            <a:schemeClr val="dk1"/>
+                          </a:solidFill>
+                          <a:latin typeface="+mn-lt"/>
+                          <a:ea typeface="+mn-ea"/>
+                          <a:cs typeface="+mn-cs"/>
+                        </a:rPr>
+                        <a:t>自动解压为目录</a:t>
+                      </a:r>
+                      <a:r>
+                        <a:rPr lang="en-US" altLang="zh-CN" sz="1200" b="0" i="0" kern="1200" dirty="0" smtClean="0">
+                          <a:solidFill>
+                            <a:schemeClr val="dk1"/>
+                          </a:solidFill>
+                          <a:latin typeface="+mn-lt"/>
+                          <a:ea typeface="+mn-ea"/>
+                          <a:cs typeface="+mn-cs"/>
+                        </a:rPr>
+                        <a:t>)</a:t>
+                      </a:r>
+                      <a:r>
+                        <a:rPr lang="zh-CN" altLang="en-US" sz="1200" b="0" i="0" kern="1200" dirty="0" smtClean="0">
+                          <a:solidFill>
+                            <a:schemeClr val="dk1"/>
+                          </a:solidFill>
+                          <a:latin typeface="+mn-lt"/>
+                          <a:ea typeface="+mn-ea"/>
+                          <a:cs typeface="+mn-cs"/>
+                        </a:rPr>
+                        <a:t>。</a:t>
+                      </a:r>
+                      <a:endParaRPr lang="zh-CN" altLang="en-US" sz="1200" dirty="0"/>
+                    </a:p>
+                  </a:txBody>
+                  <a:tcPr/>
+                </a:tc>
+                <a:tc>
+                  <a:txBody>
+                    <a:bodyPr/>
+                    <a:lstStyle/>
+                    <a:p>
+                      <a:r>
+                        <a:rPr lang="en-US" sz="1200" b="0" i="0" kern="1200" dirty="0" smtClean="0">
+                          <a:solidFill>
+                            <a:schemeClr val="dk1"/>
+                          </a:solidFill>
+                          <a:latin typeface="+mn-lt"/>
+                          <a:ea typeface="+mn-ea"/>
+                          <a:cs typeface="+mn-cs"/>
+                        </a:rPr>
+                        <a:t>ADD &lt;</a:t>
+                      </a:r>
+                      <a:r>
+                        <a:rPr lang="en-US" sz="1200" b="0" i="0" kern="1200" dirty="0" err="1" smtClean="0">
+                          <a:solidFill>
+                            <a:schemeClr val="dk1"/>
+                          </a:solidFill>
+                          <a:latin typeface="+mn-lt"/>
+                          <a:ea typeface="+mn-ea"/>
+                          <a:cs typeface="+mn-cs"/>
+                        </a:rPr>
+                        <a:t>src</a:t>
+                      </a:r>
+                      <a:r>
+                        <a:rPr lang="en-US" sz="1200" b="0" i="0" kern="1200" dirty="0" smtClean="0">
+                          <a:solidFill>
+                            <a:schemeClr val="dk1"/>
+                          </a:solidFill>
+                          <a:latin typeface="+mn-lt"/>
+                          <a:ea typeface="+mn-ea"/>
+                          <a:cs typeface="+mn-cs"/>
+                        </a:rPr>
+                        <a:t>&gt; &lt;</a:t>
+                      </a:r>
+                      <a:r>
+                        <a:rPr lang="en-US" sz="1200" b="0" i="0" kern="1200" dirty="0" err="1" smtClean="0">
+                          <a:solidFill>
+                            <a:schemeClr val="dk1"/>
+                          </a:solidFill>
+                          <a:latin typeface="+mn-lt"/>
+                          <a:ea typeface="+mn-ea"/>
+                          <a:cs typeface="+mn-cs"/>
+                        </a:rPr>
+                        <a:t>dest</a:t>
+                      </a:r>
+                      <a:r>
+                        <a:rPr lang="en-US" sz="1200" b="0" i="0" kern="1200" dirty="0" smtClean="0">
+                          <a:solidFill>
+                            <a:schemeClr val="dk1"/>
+                          </a:solidFill>
+                          <a:latin typeface="+mn-lt"/>
+                          <a:ea typeface="+mn-ea"/>
+                          <a:cs typeface="+mn-cs"/>
+                        </a:rPr>
+                        <a:t>&gt;</a:t>
+                      </a:r>
+                      <a:endParaRPr lang="zh-CN" altLang="en-US" sz="1200" dirty="0"/>
+                    </a:p>
+                  </a:txBody>
+                  <a:tcPr/>
+                </a:tc>
+              </a:tr>
+            </a:tbl>
+          </a:graphicData>
+        </a:graphic>
+      </p:graphicFrame>
     </p:spTree>
   </p:cSld>
   <p:clrMapOvr>
     <a:masterClrMapping/>
   </p:clrMapOvr>
+  <p:timing>
+    <p:tnLst>
+      <p:par>
+        <p:cTn id="1" dur="indefinite" restart="never" nodeType="tmRoot"/>
+      </p:par>
+    </p:tnLst>
+  </p:timing>
 </p:sld>
 </file>
 
@@ -4540,49 +9284,1321 @@
             <a:pPr algn="l"/>
             <a:r>
               <a:rPr lang="en-US" altLang="zh-CN" sz="3200" dirty="0" err="1" smtClean="0"/>
-              <a:t>Docker</a:t>
-            </a:r>
-            <a:r>
-              <a:rPr lang="zh-CN" altLang="en-US" sz="3200" dirty="0" smtClean="0"/>
-              <a:t> 网络</a:t>
+              <a:t>Dockerfile</a:t>
+            </a:r>
+            <a:r>
+              <a:rPr lang="en-US" altLang="zh-CN" sz="3200" dirty="0" smtClean="0"/>
+              <a:t>——</a:t>
+            </a:r>
+            <a:r>
+              <a:rPr lang="zh-CN" altLang="en-US" sz="3200" dirty="0" smtClean="0">
+                <a:hlinkClick r:id="rId3"/>
+              </a:rPr>
+              <a:t>指令</a:t>
             </a:r>
             <a:endParaRPr lang="zh-CN" altLang="en-US" sz="3200" dirty="0"/>
           </a:p>
         </p:txBody>
       </p:sp>
-      <p:sp>
-        <p:nvSpPr>
-          <p:cNvPr id="3" name="内容占位符 2"/>
-          <p:cNvSpPr>
-            <a:spLocks noGrp="1"/>
-          </p:cNvSpPr>
+      <p:graphicFrame>
+        <p:nvGraphicFramePr>
+          <p:cNvPr id="4" name="内容占位符 3"/>
+          <p:cNvGraphicFramePr>
+            <a:graphicFrameLocks noGrp="1"/>
+          </p:cNvGraphicFramePr>
           <p:nvPr>
             <p:ph idx="1"/>
           </p:nvPr>
-        </p:nvSpPr>
-        <p:spPr/>
-        <p:txBody>
-          <a:bodyPr>
-            <a:normAutofit/>
-          </a:bodyPr>
-          <a:lstStyle/>
-          <a:p>
-            <a:pPr>
-              <a:buNone/>
-            </a:pPr>
-            <a:r>
-              <a:rPr lang="zh-CN" altLang="en-US" sz="2000" dirty="0" smtClean="0"/>
-              <a:t>桥接</a:t>
-            </a:r>
-            <a:endParaRPr lang="zh-CN" altLang="en-US" sz="2000" dirty="0"/>
-          </a:p>
-        </p:txBody>
-      </p:sp>
+        </p:nvGraphicFramePr>
+        <p:xfrm>
+          <a:off x="457200" y="1600200"/>
+          <a:ext cx="8229600" cy="4759960"/>
+        </p:xfrm>
+        <a:graphic>
+          <a:graphicData uri="http://schemas.openxmlformats.org/drawingml/2006/table">
+            <a:tbl>
+              <a:tblPr firstRow="1" bandRow="1">
+                <a:tableStyleId>{5C22544A-7EE6-4342-B048-85BDC9FD1C3A}</a:tableStyleId>
+              </a:tblPr>
+              <a:tblGrid>
+                <a:gridCol w="1185842"/>
+                <a:gridCol w="4300558"/>
+                <a:gridCol w="2743200"/>
+              </a:tblGrid>
+              <a:tr h="370840">
+                <a:tc>
+                  <a:txBody>
+                    <a:bodyPr/>
+                    <a:lstStyle/>
+                    <a:p>
+                      <a:pPr algn="l"/>
+                      <a:r>
+                        <a:rPr lang="zh-CN" altLang="en-US" sz="1400" dirty="0" smtClean="0"/>
+                        <a:t>指令名称</a:t>
+                      </a:r>
+                      <a:endParaRPr lang="zh-CN" altLang="en-US" sz="1400" dirty="0"/>
+                    </a:p>
+                  </a:txBody>
+                  <a:tcPr/>
+                </a:tc>
+                <a:tc>
+                  <a:txBody>
+                    <a:bodyPr/>
+                    <a:lstStyle/>
+                    <a:p>
+                      <a:pPr algn="ctr"/>
+                      <a:r>
+                        <a:rPr lang="zh-CN" altLang="en-US" sz="1400" dirty="0" smtClean="0"/>
+                        <a:t>指令用途</a:t>
+                      </a:r>
+                      <a:endParaRPr lang="zh-CN" altLang="en-US" sz="1400" dirty="0"/>
+                    </a:p>
+                  </a:txBody>
+                  <a:tcPr/>
+                </a:tc>
+                <a:tc>
+                  <a:txBody>
+                    <a:bodyPr/>
+                    <a:lstStyle/>
+                    <a:p>
+                      <a:pPr algn="ctr"/>
+                      <a:r>
+                        <a:rPr lang="zh-CN" altLang="en-US" sz="1400" dirty="0" smtClean="0"/>
+                        <a:t>案例</a:t>
+                      </a:r>
+                      <a:endParaRPr lang="zh-CN" altLang="en-US" sz="1400" dirty="0"/>
+                    </a:p>
+                  </a:txBody>
+                  <a:tcPr/>
+                </a:tc>
+              </a:tr>
+              <a:tr h="370840">
+                <a:tc>
+                  <a:txBody>
+                    <a:bodyPr/>
+                    <a:lstStyle/>
+                    <a:p>
+                      <a:pPr marL="0" marR="0" indent="0" algn="l" defTabSz="914400" rtl="0" eaLnBrk="1" fontAlgn="auto" latinLnBrk="0" hangingPunct="1">
+                        <a:lnSpc>
+                          <a:spcPct val="100000"/>
+                        </a:lnSpc>
+                        <a:spcBef>
+                          <a:spcPts val="0"/>
+                        </a:spcBef>
+                        <a:spcAft>
+                          <a:spcPts val="0"/>
+                        </a:spcAft>
+                        <a:buClrTx/>
+                        <a:buSzTx/>
+                        <a:buFontTx/>
+                        <a:buNone/>
+                        <a:tabLst/>
+                        <a:defRPr/>
+                      </a:pPr>
+                      <a:r>
+                        <a:rPr lang="en-US" sz="1200" b="0" i="0" kern="1200" dirty="0" smtClean="0">
+                          <a:solidFill>
+                            <a:schemeClr val="dk1"/>
+                          </a:solidFill>
+                          <a:latin typeface="+mn-lt"/>
+                          <a:ea typeface="+mn-ea"/>
+                          <a:cs typeface="+mn-cs"/>
+                        </a:rPr>
+                        <a:t>COPY</a:t>
+                      </a:r>
+                    </a:p>
+                  </a:txBody>
+                  <a:tcPr/>
+                </a:tc>
+                <a:tc>
+                  <a:txBody>
+                    <a:bodyPr/>
+                    <a:lstStyle/>
+                    <a:p>
+                      <a:r>
+                        <a:rPr lang="zh-CN" altLang="en-US" sz="1200" b="0" i="0" kern="1200" dirty="0" smtClean="0">
+                          <a:solidFill>
+                            <a:schemeClr val="dk1"/>
+                          </a:solidFill>
+                          <a:latin typeface="+mn-lt"/>
+                          <a:ea typeface="+mn-ea"/>
+                          <a:cs typeface="+mn-cs"/>
+                        </a:rPr>
+                        <a:t>复制本地主机的 </a:t>
+                      </a:r>
+                      <a:r>
+                        <a:rPr lang="en-US" altLang="zh-CN" sz="1200" b="0" i="0" kern="1200" dirty="0" smtClean="0">
+                          <a:solidFill>
+                            <a:schemeClr val="dk1"/>
+                          </a:solidFill>
+                          <a:latin typeface="+mn-lt"/>
+                          <a:ea typeface="+mn-ea"/>
+                          <a:cs typeface="+mn-cs"/>
+                        </a:rPr>
+                        <a:t>&lt;</a:t>
+                      </a:r>
+                      <a:r>
+                        <a:rPr lang="en-US" altLang="zh-CN" sz="1200" b="0" i="0" kern="1200" dirty="0" err="1" smtClean="0">
+                          <a:solidFill>
+                            <a:schemeClr val="dk1"/>
+                          </a:solidFill>
+                          <a:latin typeface="+mn-lt"/>
+                          <a:ea typeface="+mn-ea"/>
+                          <a:cs typeface="+mn-cs"/>
+                        </a:rPr>
+                        <a:t>src</a:t>
+                      </a:r>
+                      <a:r>
+                        <a:rPr lang="en-US" altLang="zh-CN" sz="1200" b="0" i="0" kern="1200" dirty="0" smtClean="0">
+                          <a:solidFill>
+                            <a:schemeClr val="dk1"/>
+                          </a:solidFill>
+                          <a:latin typeface="+mn-lt"/>
+                          <a:ea typeface="+mn-ea"/>
+                          <a:cs typeface="+mn-cs"/>
+                        </a:rPr>
+                        <a:t>&gt; (</a:t>
+                      </a:r>
+                      <a:r>
+                        <a:rPr lang="zh-CN" altLang="en-US" sz="1200" b="0" i="0" kern="1200" dirty="0" smtClean="0">
+                          <a:solidFill>
+                            <a:schemeClr val="dk1"/>
+                          </a:solidFill>
+                          <a:latin typeface="+mn-lt"/>
+                          <a:ea typeface="+mn-ea"/>
+                          <a:cs typeface="+mn-cs"/>
+                        </a:rPr>
+                        <a:t>为 </a:t>
+                      </a:r>
+                      <a:r>
+                        <a:rPr lang="en-US" altLang="zh-CN" sz="1200" b="0" i="0" kern="1200" dirty="0" err="1" smtClean="0">
+                          <a:solidFill>
+                            <a:schemeClr val="dk1"/>
+                          </a:solidFill>
+                          <a:latin typeface="+mn-lt"/>
+                          <a:ea typeface="+mn-ea"/>
+                          <a:cs typeface="+mn-cs"/>
+                        </a:rPr>
+                        <a:t>Dockerfile</a:t>
+                      </a:r>
+                      <a:r>
+                        <a:rPr lang="en-US" altLang="zh-CN" sz="1200" b="0" i="0" kern="1200" dirty="0" smtClean="0">
+                          <a:solidFill>
+                            <a:schemeClr val="dk1"/>
+                          </a:solidFill>
+                          <a:latin typeface="+mn-lt"/>
+                          <a:ea typeface="+mn-ea"/>
+                          <a:cs typeface="+mn-cs"/>
+                        </a:rPr>
+                        <a:t> </a:t>
+                      </a:r>
+                      <a:r>
+                        <a:rPr lang="zh-CN" altLang="en-US" sz="1200" b="0" i="0" kern="1200" dirty="0" smtClean="0">
+                          <a:solidFill>
+                            <a:schemeClr val="dk1"/>
+                          </a:solidFill>
+                          <a:latin typeface="+mn-lt"/>
+                          <a:ea typeface="+mn-ea"/>
+                          <a:cs typeface="+mn-cs"/>
+                        </a:rPr>
+                        <a:t>所在目录的相对路径，文件或目录</a:t>
+                      </a:r>
+                      <a:r>
+                        <a:rPr lang="en-US" altLang="zh-CN" sz="1200" b="0" i="0" kern="1200" dirty="0" smtClean="0">
+                          <a:solidFill>
+                            <a:schemeClr val="dk1"/>
+                          </a:solidFill>
+                          <a:latin typeface="+mn-lt"/>
+                          <a:ea typeface="+mn-ea"/>
+                          <a:cs typeface="+mn-cs"/>
+                        </a:rPr>
+                        <a:t>) </a:t>
+                      </a:r>
+                      <a:r>
+                        <a:rPr lang="zh-CN" altLang="en-US" sz="1200" b="0" i="0" kern="1200" dirty="0" smtClean="0">
+                          <a:solidFill>
+                            <a:schemeClr val="dk1"/>
+                          </a:solidFill>
+                          <a:latin typeface="+mn-lt"/>
+                          <a:ea typeface="+mn-ea"/>
+                          <a:cs typeface="+mn-cs"/>
+                        </a:rPr>
+                        <a:t>为容器中的 </a:t>
+                      </a:r>
+                      <a:r>
+                        <a:rPr lang="en-US" altLang="zh-CN" sz="1200" b="0" i="0" kern="1200" dirty="0" smtClean="0">
+                          <a:solidFill>
+                            <a:schemeClr val="dk1"/>
+                          </a:solidFill>
+                          <a:latin typeface="+mn-lt"/>
+                          <a:ea typeface="+mn-ea"/>
+                          <a:cs typeface="+mn-cs"/>
+                        </a:rPr>
+                        <a:t>&lt;</a:t>
+                      </a:r>
+                      <a:r>
+                        <a:rPr lang="en-US" altLang="zh-CN" sz="1200" b="0" i="0" kern="1200" dirty="0" err="1" smtClean="0">
+                          <a:solidFill>
+                            <a:schemeClr val="dk1"/>
+                          </a:solidFill>
+                          <a:latin typeface="+mn-lt"/>
+                          <a:ea typeface="+mn-ea"/>
+                          <a:cs typeface="+mn-cs"/>
+                        </a:rPr>
+                        <a:t>dest</a:t>
+                      </a:r>
+                      <a:r>
+                        <a:rPr lang="en-US" altLang="zh-CN" sz="1200" b="0" i="0" kern="1200" dirty="0" smtClean="0">
+                          <a:solidFill>
+                            <a:schemeClr val="dk1"/>
+                          </a:solidFill>
+                          <a:latin typeface="+mn-lt"/>
+                          <a:ea typeface="+mn-ea"/>
+                          <a:cs typeface="+mn-cs"/>
+                        </a:rPr>
+                        <a:t>&gt;</a:t>
+                      </a:r>
+                      <a:r>
+                        <a:rPr lang="zh-CN" altLang="en-US" sz="1200" b="0" i="0" kern="1200" dirty="0" smtClean="0">
+                          <a:solidFill>
+                            <a:schemeClr val="dk1"/>
+                          </a:solidFill>
+                          <a:latin typeface="+mn-lt"/>
+                          <a:ea typeface="+mn-ea"/>
+                          <a:cs typeface="+mn-cs"/>
+                        </a:rPr>
+                        <a:t>。</a:t>
+                      </a:r>
+                      <a:endParaRPr lang="en-US" altLang="zh-CN" sz="1200" b="0" i="0" kern="1200" dirty="0" smtClean="0">
+                        <a:solidFill>
+                          <a:schemeClr val="dk1"/>
+                        </a:solidFill>
+                        <a:latin typeface="+mn-lt"/>
+                        <a:ea typeface="+mn-ea"/>
+                        <a:cs typeface="+mn-cs"/>
+                      </a:endParaRPr>
+                    </a:p>
+                    <a:p>
+                      <a:r>
+                        <a:rPr lang="zh-CN" altLang="en-US" sz="1200" b="0" i="0" kern="1200" dirty="0" smtClean="0">
+                          <a:solidFill>
+                            <a:schemeClr val="dk1"/>
+                          </a:solidFill>
+                          <a:latin typeface="+mn-lt"/>
+                          <a:ea typeface="+mn-ea"/>
+                          <a:cs typeface="+mn-cs"/>
+                        </a:rPr>
+                        <a:t>目标路径不存在时，会自动创建。当使用本地目录为源目录时，推荐使用 </a:t>
+                      </a:r>
+                      <a:r>
+                        <a:rPr lang="en-US" altLang="zh-CN" sz="1200" b="0" i="0" kern="1200" dirty="0" smtClean="0">
+                          <a:solidFill>
+                            <a:schemeClr val="dk1"/>
+                          </a:solidFill>
+                          <a:latin typeface="+mn-lt"/>
+                          <a:ea typeface="+mn-ea"/>
+                          <a:cs typeface="+mn-cs"/>
+                        </a:rPr>
+                        <a:t>COPY</a:t>
+                      </a:r>
+                      <a:r>
+                        <a:rPr lang="zh-CN" altLang="en-US" sz="1200" b="0" i="0" kern="1200" dirty="0" smtClean="0">
+                          <a:solidFill>
+                            <a:schemeClr val="dk1"/>
+                          </a:solidFill>
+                          <a:latin typeface="+mn-lt"/>
+                          <a:ea typeface="+mn-ea"/>
+                          <a:cs typeface="+mn-cs"/>
+                        </a:rPr>
+                        <a:t>。</a:t>
+                      </a:r>
+                      <a:endParaRPr lang="zh-CN" altLang="en-US" sz="1200" dirty="0"/>
+                    </a:p>
+                  </a:txBody>
+                  <a:tcPr/>
+                </a:tc>
+                <a:tc>
+                  <a:txBody>
+                    <a:bodyPr/>
+                    <a:lstStyle/>
+                    <a:p>
+                      <a:r>
+                        <a:rPr lang="en-US" sz="1200" b="0" i="0" kern="1200" dirty="0" smtClean="0">
+                          <a:solidFill>
+                            <a:schemeClr val="dk1"/>
+                          </a:solidFill>
+                          <a:latin typeface="+mn-lt"/>
+                          <a:ea typeface="+mn-ea"/>
+                          <a:cs typeface="+mn-cs"/>
+                        </a:rPr>
+                        <a:t>COPY &lt;</a:t>
+                      </a:r>
+                      <a:r>
+                        <a:rPr lang="en-US" sz="1200" b="0" i="0" kern="1200" dirty="0" err="1" smtClean="0">
+                          <a:solidFill>
+                            <a:schemeClr val="dk1"/>
+                          </a:solidFill>
+                          <a:latin typeface="+mn-lt"/>
+                          <a:ea typeface="+mn-ea"/>
+                          <a:cs typeface="+mn-cs"/>
+                        </a:rPr>
+                        <a:t>src</a:t>
+                      </a:r>
+                      <a:r>
+                        <a:rPr lang="en-US" sz="1200" b="0" i="0" kern="1200" dirty="0" smtClean="0">
+                          <a:solidFill>
+                            <a:schemeClr val="dk1"/>
+                          </a:solidFill>
+                          <a:latin typeface="+mn-lt"/>
+                          <a:ea typeface="+mn-ea"/>
+                          <a:cs typeface="+mn-cs"/>
+                        </a:rPr>
+                        <a:t>&gt; &lt;</a:t>
+                      </a:r>
+                      <a:r>
+                        <a:rPr lang="en-US" sz="1200" b="0" i="0" kern="1200" dirty="0" err="1" smtClean="0">
+                          <a:solidFill>
+                            <a:schemeClr val="dk1"/>
+                          </a:solidFill>
+                          <a:latin typeface="+mn-lt"/>
+                          <a:ea typeface="+mn-ea"/>
+                          <a:cs typeface="+mn-cs"/>
+                        </a:rPr>
+                        <a:t>dest</a:t>
+                      </a:r>
+                      <a:r>
+                        <a:rPr lang="en-US" sz="1200" b="0" i="0" kern="1200" dirty="0" smtClean="0">
+                          <a:solidFill>
+                            <a:schemeClr val="dk1"/>
+                          </a:solidFill>
+                          <a:latin typeface="+mn-lt"/>
+                          <a:ea typeface="+mn-ea"/>
+                          <a:cs typeface="+mn-cs"/>
+                        </a:rPr>
+                        <a:t>&gt;</a:t>
+                      </a:r>
+                      <a:endParaRPr lang="zh-CN" altLang="en-US" sz="1200" dirty="0"/>
+                    </a:p>
+                  </a:txBody>
+                  <a:tcPr/>
+                </a:tc>
+              </a:tr>
+              <a:tr h="370840">
+                <a:tc>
+                  <a:txBody>
+                    <a:bodyPr/>
+                    <a:lstStyle/>
+                    <a:p>
+                      <a:pPr marL="0" marR="0" indent="0" algn="l" defTabSz="914400" rtl="0" eaLnBrk="1" fontAlgn="auto" latinLnBrk="0" hangingPunct="1">
+                        <a:lnSpc>
+                          <a:spcPct val="100000"/>
+                        </a:lnSpc>
+                        <a:spcBef>
+                          <a:spcPts val="0"/>
+                        </a:spcBef>
+                        <a:spcAft>
+                          <a:spcPts val="0"/>
+                        </a:spcAft>
+                        <a:buClrTx/>
+                        <a:buSzTx/>
+                        <a:buFontTx/>
+                        <a:buNone/>
+                        <a:tabLst/>
+                        <a:defRPr/>
+                      </a:pPr>
+                      <a:r>
+                        <a:rPr lang="en-US" sz="1200" b="0" i="0" kern="1200" dirty="0" smtClean="0">
+                          <a:solidFill>
+                            <a:schemeClr val="dk1"/>
+                          </a:solidFill>
+                          <a:latin typeface="+mn-lt"/>
+                          <a:ea typeface="+mn-ea"/>
+                          <a:cs typeface="+mn-cs"/>
+                        </a:rPr>
+                        <a:t>ENTRYPOINT</a:t>
+                      </a:r>
+                    </a:p>
+                  </a:txBody>
+                  <a:tcPr/>
+                </a:tc>
+                <a:tc>
+                  <a:txBody>
+                    <a:bodyPr/>
+                    <a:lstStyle/>
+                    <a:p>
+                      <a:r>
+                        <a:rPr lang="zh-CN" altLang="en-US" sz="1200" b="0" i="0" kern="1200" dirty="0" smtClean="0">
+                          <a:solidFill>
+                            <a:schemeClr val="dk1"/>
+                          </a:solidFill>
+                          <a:latin typeface="+mn-lt"/>
+                          <a:ea typeface="+mn-ea"/>
+                          <a:cs typeface="+mn-cs"/>
+                        </a:rPr>
+                        <a:t>配置容器启动后执行的命令，并且不可被 </a:t>
+                      </a:r>
+                      <a:r>
+                        <a:rPr lang="en-US" sz="1200" b="0" i="0" kern="1200" dirty="0" err="1" smtClean="0">
+                          <a:solidFill>
+                            <a:schemeClr val="dk1"/>
+                          </a:solidFill>
+                          <a:latin typeface="+mn-lt"/>
+                          <a:ea typeface="+mn-ea"/>
+                          <a:cs typeface="+mn-cs"/>
+                        </a:rPr>
+                        <a:t>docker</a:t>
+                      </a:r>
+                      <a:r>
+                        <a:rPr lang="en-US" sz="1200" b="0" i="0" kern="1200" dirty="0" smtClean="0">
+                          <a:solidFill>
+                            <a:schemeClr val="dk1"/>
+                          </a:solidFill>
+                          <a:latin typeface="+mn-lt"/>
+                          <a:ea typeface="+mn-ea"/>
+                          <a:cs typeface="+mn-cs"/>
+                        </a:rPr>
+                        <a:t> run </a:t>
+                      </a:r>
+                      <a:r>
+                        <a:rPr lang="zh-CN" altLang="en-US" sz="1200" b="0" i="0" kern="1200" dirty="0" smtClean="0">
+                          <a:solidFill>
+                            <a:schemeClr val="dk1"/>
+                          </a:solidFill>
+                          <a:latin typeface="+mn-lt"/>
+                          <a:ea typeface="+mn-ea"/>
+                          <a:cs typeface="+mn-cs"/>
+                        </a:rPr>
+                        <a:t>提供的参数覆盖。</a:t>
+                      </a:r>
+                      <a:endParaRPr lang="en-US" altLang="zh-CN" sz="1200" b="0" i="0" kern="1200" dirty="0" smtClean="0">
+                        <a:solidFill>
+                          <a:schemeClr val="dk1"/>
+                        </a:solidFill>
+                        <a:latin typeface="+mn-lt"/>
+                        <a:ea typeface="+mn-ea"/>
+                        <a:cs typeface="+mn-cs"/>
+                      </a:endParaRPr>
+                    </a:p>
+                    <a:p>
+                      <a:r>
+                        <a:rPr lang="zh-CN" altLang="en-US" sz="1200" b="0" i="0" kern="1200" dirty="0" smtClean="0">
+                          <a:solidFill>
+                            <a:schemeClr val="dk1"/>
+                          </a:solidFill>
+                          <a:latin typeface="+mn-lt"/>
+                          <a:ea typeface="+mn-ea"/>
+                          <a:cs typeface="+mn-cs"/>
+                        </a:rPr>
+                        <a:t>每个 </a:t>
+                      </a:r>
+                      <a:r>
+                        <a:rPr lang="en-US" sz="1200" b="0" i="0" kern="1200" dirty="0" err="1" smtClean="0">
+                          <a:solidFill>
+                            <a:schemeClr val="dk1"/>
+                          </a:solidFill>
+                          <a:latin typeface="+mn-lt"/>
+                          <a:ea typeface="+mn-ea"/>
+                          <a:cs typeface="+mn-cs"/>
+                        </a:rPr>
+                        <a:t>Dockerfile</a:t>
+                      </a:r>
+                      <a:r>
+                        <a:rPr lang="en-US" sz="1200" b="0" i="0" kern="1200" dirty="0" smtClean="0">
+                          <a:solidFill>
+                            <a:schemeClr val="dk1"/>
+                          </a:solidFill>
+                          <a:latin typeface="+mn-lt"/>
+                          <a:ea typeface="+mn-ea"/>
+                          <a:cs typeface="+mn-cs"/>
+                        </a:rPr>
+                        <a:t> </a:t>
+                      </a:r>
+                      <a:r>
+                        <a:rPr lang="zh-CN" altLang="en-US" sz="1200" b="0" i="0" kern="1200" dirty="0" smtClean="0">
+                          <a:solidFill>
+                            <a:schemeClr val="dk1"/>
+                          </a:solidFill>
+                          <a:latin typeface="+mn-lt"/>
+                          <a:ea typeface="+mn-ea"/>
+                          <a:cs typeface="+mn-cs"/>
+                        </a:rPr>
+                        <a:t>中只能有一个 </a:t>
+                      </a:r>
+                      <a:r>
+                        <a:rPr lang="en-US" sz="1200" b="0" i="0" kern="1200" dirty="0" smtClean="0">
+                          <a:solidFill>
+                            <a:schemeClr val="dk1"/>
+                          </a:solidFill>
+                          <a:latin typeface="+mn-lt"/>
+                          <a:ea typeface="+mn-ea"/>
+                          <a:cs typeface="+mn-cs"/>
+                        </a:rPr>
+                        <a:t>ENTRYPOINT，</a:t>
+                      </a:r>
+                      <a:r>
+                        <a:rPr lang="zh-CN" altLang="en-US" sz="1200" b="0" i="0" kern="1200" dirty="0" smtClean="0">
+                          <a:solidFill>
+                            <a:schemeClr val="dk1"/>
+                          </a:solidFill>
+                          <a:latin typeface="+mn-lt"/>
+                          <a:ea typeface="+mn-ea"/>
+                          <a:cs typeface="+mn-cs"/>
+                        </a:rPr>
+                        <a:t>当指定多个 </a:t>
+                      </a:r>
+                      <a:r>
+                        <a:rPr lang="en-US" sz="1200" b="0" i="0" kern="1200" dirty="0" smtClean="0">
+                          <a:solidFill>
+                            <a:schemeClr val="dk1"/>
+                          </a:solidFill>
+                          <a:latin typeface="+mn-lt"/>
+                          <a:ea typeface="+mn-ea"/>
+                          <a:cs typeface="+mn-cs"/>
+                        </a:rPr>
+                        <a:t>ENTRYPOINT </a:t>
+                      </a:r>
+                      <a:r>
+                        <a:rPr lang="zh-CN" altLang="en-US" sz="1200" b="0" i="0" kern="1200" dirty="0" smtClean="0">
+                          <a:solidFill>
+                            <a:schemeClr val="dk1"/>
+                          </a:solidFill>
+                          <a:latin typeface="+mn-lt"/>
+                          <a:ea typeface="+mn-ea"/>
+                          <a:cs typeface="+mn-cs"/>
+                        </a:rPr>
+                        <a:t>时，只有最后一个生效。</a:t>
+                      </a:r>
+                      <a:endParaRPr lang="zh-CN" altLang="en-US" sz="1200" dirty="0"/>
+                    </a:p>
+                  </a:txBody>
+                  <a:tcPr/>
+                </a:tc>
+                <a:tc>
+                  <a:txBody>
+                    <a:bodyPr/>
+                    <a:lstStyle/>
+                    <a:p>
+                      <a:r>
+                        <a:rPr lang="en-US" sz="1200" b="0" i="0" kern="1200" dirty="0" smtClean="0">
+                          <a:solidFill>
+                            <a:schemeClr val="dk1"/>
+                          </a:solidFill>
+                          <a:latin typeface="+mn-lt"/>
+                          <a:ea typeface="+mn-ea"/>
+                          <a:cs typeface="+mn-cs"/>
+                        </a:rPr>
+                        <a:t>ENTRYPOINT [“executable”, “param1”, “param2”] ENTRYPOINT command param1 param2 (shell </a:t>
+                      </a:r>
+                      <a:r>
+                        <a:rPr lang="zh-CN" altLang="en-US" sz="1200" b="0" i="0" kern="1200" dirty="0" smtClean="0">
+                          <a:solidFill>
+                            <a:schemeClr val="dk1"/>
+                          </a:solidFill>
+                          <a:latin typeface="+mn-lt"/>
+                          <a:ea typeface="+mn-ea"/>
+                          <a:cs typeface="+mn-cs"/>
+                        </a:rPr>
+                        <a:t>中执行</a:t>
+                      </a:r>
+                      <a:r>
+                        <a:rPr lang="en-US" altLang="zh-CN" sz="1200" b="0" i="0" kern="1200" dirty="0" smtClean="0">
+                          <a:solidFill>
+                            <a:schemeClr val="dk1"/>
+                          </a:solidFill>
+                          <a:latin typeface="+mn-lt"/>
+                          <a:ea typeface="+mn-ea"/>
+                          <a:cs typeface="+mn-cs"/>
+                        </a:rPr>
+                        <a:t>)</a:t>
+                      </a:r>
+                      <a:endParaRPr lang="zh-CN" altLang="en-US" sz="1200" dirty="0"/>
+                    </a:p>
+                  </a:txBody>
+                  <a:tcPr/>
+                </a:tc>
+              </a:tr>
+              <a:tr h="370840">
+                <a:tc>
+                  <a:txBody>
+                    <a:bodyPr/>
+                    <a:lstStyle/>
+                    <a:p>
+                      <a:pPr marL="0" marR="0" indent="0" algn="l" defTabSz="914400" rtl="0" eaLnBrk="1" fontAlgn="auto" latinLnBrk="0" hangingPunct="1">
+                        <a:lnSpc>
+                          <a:spcPct val="100000"/>
+                        </a:lnSpc>
+                        <a:spcBef>
+                          <a:spcPts val="0"/>
+                        </a:spcBef>
+                        <a:spcAft>
+                          <a:spcPts val="0"/>
+                        </a:spcAft>
+                        <a:buClrTx/>
+                        <a:buSzTx/>
+                        <a:buFontTx/>
+                        <a:buNone/>
+                        <a:tabLst/>
+                        <a:defRPr/>
+                      </a:pPr>
+                      <a:r>
+                        <a:rPr lang="en-US" sz="1200" b="0" i="0" kern="1200" dirty="0" smtClean="0">
+                          <a:solidFill>
+                            <a:schemeClr val="dk1"/>
+                          </a:solidFill>
+                          <a:latin typeface="+mn-lt"/>
+                          <a:ea typeface="+mn-ea"/>
+                          <a:cs typeface="+mn-cs"/>
+                        </a:rPr>
+                        <a:t>VOLUME</a:t>
+                      </a:r>
+                    </a:p>
+                  </a:txBody>
+                  <a:tcPr/>
+                </a:tc>
+                <a:tc>
+                  <a:txBody>
+                    <a:bodyPr/>
+                    <a:lstStyle/>
+                    <a:p>
+                      <a:r>
+                        <a:rPr lang="zh-CN" altLang="en-US" sz="1200" b="0" i="0" kern="1200" dirty="0" smtClean="0">
+                          <a:solidFill>
+                            <a:schemeClr val="dk1"/>
+                          </a:solidFill>
+                          <a:latin typeface="+mn-lt"/>
+                          <a:ea typeface="+mn-ea"/>
+                          <a:cs typeface="+mn-cs"/>
+                        </a:rPr>
+                        <a:t>创建一个可以从本地或其他容器挂载的挂载点，一般用来存放数据库和需要保持的数据等。</a:t>
+                      </a:r>
+                      <a:endParaRPr lang="zh-CN" altLang="en-US" sz="1200" dirty="0"/>
+                    </a:p>
+                  </a:txBody>
+                  <a:tcPr/>
+                </a:tc>
+                <a:tc>
+                  <a:txBody>
+                    <a:bodyPr/>
+                    <a:lstStyle/>
+                    <a:p>
+                      <a:r>
+                        <a:rPr lang="en-US" sz="1200" b="0" i="0" kern="1200" dirty="0" smtClean="0">
+                          <a:solidFill>
+                            <a:schemeClr val="dk1"/>
+                          </a:solidFill>
+                          <a:latin typeface="+mn-lt"/>
+                          <a:ea typeface="+mn-ea"/>
+                          <a:cs typeface="+mn-cs"/>
+                        </a:rPr>
+                        <a:t>VOLUME ["/data"]</a:t>
+                      </a:r>
+                      <a:endParaRPr lang="zh-CN" altLang="en-US" sz="1200" dirty="0"/>
+                    </a:p>
+                  </a:txBody>
+                  <a:tcPr/>
+                </a:tc>
+              </a:tr>
+              <a:tr h="370840">
+                <a:tc>
+                  <a:txBody>
+                    <a:bodyPr/>
+                    <a:lstStyle/>
+                    <a:p>
+                      <a:r>
+                        <a:rPr lang="en-US" sz="1200" b="0" i="0" kern="1200" dirty="0" smtClean="0">
+                          <a:solidFill>
+                            <a:schemeClr val="dk1"/>
+                          </a:solidFill>
+                          <a:latin typeface="+mn-lt"/>
+                          <a:ea typeface="+mn-ea"/>
+                          <a:cs typeface="+mn-cs"/>
+                        </a:rPr>
+                        <a:t>USER</a:t>
+                      </a:r>
+                      <a:endParaRPr lang="en-US" sz="1200" b="0" i="0" kern="1200" dirty="0">
+                        <a:solidFill>
+                          <a:schemeClr val="dk1"/>
+                        </a:solidFill>
+                        <a:latin typeface="+mn-lt"/>
+                        <a:ea typeface="+mn-ea"/>
+                        <a:cs typeface="+mn-cs"/>
+                      </a:endParaRPr>
+                    </a:p>
+                  </a:txBody>
+                  <a:tcPr/>
+                </a:tc>
+                <a:tc>
+                  <a:txBody>
+                    <a:bodyPr/>
+                    <a:lstStyle/>
+                    <a:p>
+                      <a:r>
+                        <a:rPr lang="zh-CN" altLang="en-US" sz="1200" b="0" i="0" kern="1200" dirty="0" smtClean="0">
+                          <a:solidFill>
+                            <a:schemeClr val="dk1"/>
+                          </a:solidFill>
+                          <a:latin typeface="+mn-lt"/>
+                          <a:ea typeface="+mn-ea"/>
+                          <a:cs typeface="+mn-cs"/>
+                        </a:rPr>
+                        <a:t>指定运行容器时的用户名或 </a:t>
+                      </a:r>
+                      <a:r>
+                        <a:rPr lang="en-US" altLang="zh-CN" sz="1200" b="0" i="0" kern="1200" dirty="0" smtClean="0">
+                          <a:solidFill>
+                            <a:schemeClr val="dk1"/>
+                          </a:solidFill>
+                          <a:latin typeface="+mn-lt"/>
+                          <a:ea typeface="+mn-ea"/>
+                          <a:cs typeface="+mn-cs"/>
+                        </a:rPr>
+                        <a:t>UID</a:t>
+                      </a:r>
+                      <a:r>
+                        <a:rPr lang="zh-CN" altLang="en-US" sz="1200" b="0" i="0" kern="1200" dirty="0" smtClean="0">
+                          <a:solidFill>
+                            <a:schemeClr val="dk1"/>
+                          </a:solidFill>
+                          <a:latin typeface="+mn-lt"/>
+                          <a:ea typeface="+mn-ea"/>
+                          <a:cs typeface="+mn-cs"/>
+                        </a:rPr>
+                        <a:t>，后续的 </a:t>
+                      </a:r>
+                      <a:r>
+                        <a:rPr lang="en-US" altLang="zh-CN" sz="1200" b="0" i="0" kern="1200" dirty="0" smtClean="0">
+                          <a:solidFill>
+                            <a:schemeClr val="dk1"/>
+                          </a:solidFill>
+                          <a:latin typeface="+mn-lt"/>
+                          <a:ea typeface="+mn-ea"/>
+                          <a:cs typeface="+mn-cs"/>
+                        </a:rPr>
+                        <a:t>RUN </a:t>
+                      </a:r>
+                      <a:r>
+                        <a:rPr lang="zh-CN" altLang="en-US" sz="1200" b="0" i="0" kern="1200" dirty="0" smtClean="0">
+                          <a:solidFill>
+                            <a:schemeClr val="dk1"/>
+                          </a:solidFill>
+                          <a:latin typeface="+mn-lt"/>
+                          <a:ea typeface="+mn-ea"/>
+                          <a:cs typeface="+mn-cs"/>
+                        </a:rPr>
+                        <a:t>也会使用指定用户。当服务不需要管理员权限时，可以通过该命令指定运行用户。并且可以在之前创建所需要的用户。</a:t>
+                      </a:r>
+                      <a:endParaRPr lang="zh-CN" altLang="en-US" sz="1200" dirty="0"/>
+                    </a:p>
+                  </a:txBody>
+                  <a:tcPr/>
+                </a:tc>
+                <a:tc>
+                  <a:txBody>
+                    <a:bodyPr/>
+                    <a:lstStyle/>
+                    <a:p>
+                      <a:r>
+                        <a:rPr lang="en-US" sz="1200" b="0" i="0" kern="1200" dirty="0" smtClean="0">
+                          <a:solidFill>
+                            <a:schemeClr val="dk1"/>
+                          </a:solidFill>
+                          <a:latin typeface="+mn-lt"/>
+                          <a:ea typeface="+mn-ea"/>
+                          <a:cs typeface="+mn-cs"/>
+                        </a:rPr>
+                        <a:t>USER daemon</a:t>
+                      </a:r>
+                    </a:p>
+                    <a:p>
+                      <a:r>
+                        <a:rPr lang="pt-BR" sz="1200" b="0" i="0" kern="1200" dirty="0" smtClean="0">
+                          <a:solidFill>
+                            <a:schemeClr val="dk1"/>
+                          </a:solidFill>
+                          <a:latin typeface="+mn-lt"/>
+                          <a:ea typeface="+mn-ea"/>
+                          <a:cs typeface="+mn-cs"/>
+                        </a:rPr>
+                        <a:t>RUN groupadd -r postgres &amp;&amp; useradd -r -g postgres postgres</a:t>
+                      </a:r>
+                      <a:endParaRPr lang="zh-CN" altLang="en-US" sz="1200" dirty="0"/>
+                    </a:p>
+                  </a:txBody>
+                  <a:tcPr/>
+                </a:tc>
+              </a:tr>
+              <a:tr h="370840">
+                <a:tc>
+                  <a:txBody>
+                    <a:bodyPr/>
+                    <a:lstStyle/>
+                    <a:p>
+                      <a:pPr marL="0" marR="0" indent="0" algn="l" defTabSz="914400" rtl="0" eaLnBrk="1" fontAlgn="auto" latinLnBrk="0" hangingPunct="1">
+                        <a:lnSpc>
+                          <a:spcPct val="100000"/>
+                        </a:lnSpc>
+                        <a:spcBef>
+                          <a:spcPts val="0"/>
+                        </a:spcBef>
+                        <a:spcAft>
+                          <a:spcPts val="0"/>
+                        </a:spcAft>
+                        <a:buClrTx/>
+                        <a:buSzTx/>
+                        <a:buFontTx/>
+                        <a:buNone/>
+                        <a:tabLst/>
+                        <a:defRPr/>
+                      </a:pPr>
+                      <a:r>
+                        <a:rPr lang="en-US" sz="1200" b="0" i="0" kern="1200" dirty="0" smtClean="0">
+                          <a:solidFill>
+                            <a:schemeClr val="dk1"/>
+                          </a:solidFill>
+                          <a:latin typeface="+mn-lt"/>
+                          <a:ea typeface="+mn-ea"/>
+                          <a:cs typeface="+mn-cs"/>
+                        </a:rPr>
+                        <a:t>WORKDIR</a:t>
+                      </a:r>
+                    </a:p>
+                  </a:txBody>
+                  <a:tcPr/>
+                </a:tc>
+                <a:tc>
+                  <a:txBody>
+                    <a:bodyPr/>
+                    <a:lstStyle/>
+                    <a:p>
+                      <a:r>
+                        <a:rPr lang="zh-CN" altLang="en-US" sz="1200" b="0" i="0" kern="1200" dirty="0" smtClean="0">
+                          <a:solidFill>
+                            <a:schemeClr val="dk1"/>
+                          </a:solidFill>
+                          <a:latin typeface="+mn-lt"/>
+                          <a:ea typeface="+mn-ea"/>
+                          <a:cs typeface="+mn-cs"/>
+                        </a:rPr>
+                        <a:t>为后续的 </a:t>
+                      </a:r>
+                      <a:r>
+                        <a:rPr lang="en-US" altLang="zh-CN" sz="1200" b="0" i="0" kern="1200" dirty="0" smtClean="0">
+                          <a:solidFill>
+                            <a:schemeClr val="dk1"/>
+                          </a:solidFill>
+                          <a:latin typeface="+mn-lt"/>
+                          <a:ea typeface="+mn-ea"/>
+                          <a:cs typeface="+mn-cs"/>
+                        </a:rPr>
+                        <a:t>RUN</a:t>
+                      </a:r>
+                      <a:r>
+                        <a:rPr lang="zh-CN" altLang="en-US" sz="1200" b="0" i="0" kern="1200" dirty="0" smtClean="0">
+                          <a:solidFill>
+                            <a:schemeClr val="dk1"/>
+                          </a:solidFill>
+                          <a:latin typeface="+mn-lt"/>
+                          <a:ea typeface="+mn-ea"/>
+                          <a:cs typeface="+mn-cs"/>
+                        </a:rPr>
+                        <a:t>、</a:t>
+                      </a:r>
+                      <a:r>
+                        <a:rPr lang="en-US" altLang="zh-CN" sz="1200" b="0" i="0" kern="1200" dirty="0" smtClean="0">
+                          <a:solidFill>
+                            <a:schemeClr val="dk1"/>
+                          </a:solidFill>
+                          <a:latin typeface="+mn-lt"/>
+                          <a:ea typeface="+mn-ea"/>
+                          <a:cs typeface="+mn-cs"/>
+                        </a:rPr>
+                        <a:t>CMD</a:t>
+                      </a:r>
+                      <a:r>
+                        <a:rPr lang="zh-CN" altLang="en-US" sz="1200" b="0" i="0" kern="1200" dirty="0" smtClean="0">
+                          <a:solidFill>
+                            <a:schemeClr val="dk1"/>
+                          </a:solidFill>
+                          <a:latin typeface="+mn-lt"/>
+                          <a:ea typeface="+mn-ea"/>
+                          <a:cs typeface="+mn-cs"/>
+                        </a:rPr>
+                        <a:t>、</a:t>
+                      </a:r>
+                      <a:r>
+                        <a:rPr lang="en-US" altLang="zh-CN" sz="1200" b="0" i="0" kern="1200" dirty="0" smtClean="0">
+                          <a:solidFill>
+                            <a:schemeClr val="dk1"/>
+                          </a:solidFill>
+                          <a:latin typeface="+mn-lt"/>
+                          <a:ea typeface="+mn-ea"/>
+                          <a:cs typeface="+mn-cs"/>
+                        </a:rPr>
+                        <a:t>ENTRYPOINT </a:t>
+                      </a:r>
+                      <a:r>
+                        <a:rPr lang="zh-CN" altLang="en-US" sz="1200" b="0" i="0" kern="1200" dirty="0" smtClean="0">
+                          <a:solidFill>
+                            <a:schemeClr val="dk1"/>
+                          </a:solidFill>
+                          <a:latin typeface="+mn-lt"/>
+                          <a:ea typeface="+mn-ea"/>
+                          <a:cs typeface="+mn-cs"/>
+                        </a:rPr>
+                        <a:t>指令配置工作目录。可以使用多个 </a:t>
+                      </a:r>
+                      <a:r>
+                        <a:rPr lang="en-US" altLang="zh-CN" sz="1200" b="0" i="0" kern="1200" dirty="0" smtClean="0">
+                          <a:solidFill>
+                            <a:schemeClr val="dk1"/>
+                          </a:solidFill>
+                          <a:latin typeface="+mn-lt"/>
+                          <a:ea typeface="+mn-ea"/>
+                          <a:cs typeface="+mn-cs"/>
+                        </a:rPr>
+                        <a:t>WORKDIR </a:t>
+                      </a:r>
+                      <a:r>
+                        <a:rPr lang="zh-CN" altLang="en-US" sz="1200" b="0" i="0" kern="1200" dirty="0" smtClean="0">
+                          <a:solidFill>
+                            <a:schemeClr val="dk1"/>
+                          </a:solidFill>
+                          <a:latin typeface="+mn-lt"/>
+                          <a:ea typeface="+mn-ea"/>
+                          <a:cs typeface="+mn-cs"/>
+                        </a:rPr>
+                        <a:t>指令，后续命令如果参数是相对路径，则会基于之前命令指定的路径。</a:t>
+                      </a:r>
+                      <a:endParaRPr lang="zh-CN" altLang="en-US" sz="1200" dirty="0"/>
+                    </a:p>
+                  </a:txBody>
+                  <a:tcPr/>
+                </a:tc>
+                <a:tc>
+                  <a:txBody>
+                    <a:bodyPr/>
+                    <a:lstStyle/>
+                    <a:p>
+                      <a:r>
+                        <a:rPr lang="en-US" sz="1200" b="0" i="0" kern="1200" dirty="0" smtClean="0">
+                          <a:solidFill>
+                            <a:schemeClr val="dk1"/>
+                          </a:solidFill>
+                          <a:latin typeface="+mn-lt"/>
+                          <a:ea typeface="+mn-ea"/>
+                          <a:cs typeface="+mn-cs"/>
+                        </a:rPr>
+                        <a:t>WORKDIR /path/to/</a:t>
+                      </a:r>
+                      <a:r>
+                        <a:rPr lang="en-US" sz="1200" b="0" i="0" kern="1200" dirty="0" err="1" smtClean="0">
+                          <a:solidFill>
+                            <a:schemeClr val="dk1"/>
+                          </a:solidFill>
+                          <a:latin typeface="+mn-lt"/>
+                          <a:ea typeface="+mn-ea"/>
+                          <a:cs typeface="+mn-cs"/>
+                        </a:rPr>
+                        <a:t>workdir</a:t>
+                      </a:r>
+                      <a:endParaRPr lang="en-US" sz="1200" b="0" i="0" kern="1200" dirty="0" smtClean="0">
+                        <a:solidFill>
+                          <a:schemeClr val="dk1"/>
+                        </a:solidFill>
+                        <a:latin typeface="+mn-lt"/>
+                        <a:ea typeface="+mn-ea"/>
+                        <a:cs typeface="+mn-cs"/>
+                      </a:endParaRPr>
+                    </a:p>
+                    <a:p>
+                      <a:r>
+                        <a:rPr lang="en-US" sz="1800" b="0" i="0" kern="1200" dirty="0" smtClean="0">
+                          <a:solidFill>
+                            <a:schemeClr val="dk1"/>
+                          </a:solidFill>
+                          <a:latin typeface="+mn-lt"/>
+                          <a:ea typeface="+mn-ea"/>
+                          <a:cs typeface="+mn-cs"/>
+                        </a:rPr>
+                        <a:t>WORKDIR /a WORKDIR b WORKDIR c RUN </a:t>
+                      </a:r>
+                      <a:r>
+                        <a:rPr lang="en-US" sz="1800" b="0" i="0" kern="1200" dirty="0" err="1" smtClean="0">
+                          <a:solidFill>
+                            <a:schemeClr val="dk1"/>
+                          </a:solidFill>
+                          <a:latin typeface="+mn-lt"/>
+                          <a:ea typeface="+mn-ea"/>
+                          <a:cs typeface="+mn-cs"/>
+                        </a:rPr>
+                        <a:t>pwd</a:t>
+                      </a:r>
+                      <a:endParaRPr lang="zh-CN" altLang="en-US" sz="1200" dirty="0"/>
+                    </a:p>
+                  </a:txBody>
+                  <a:tcPr/>
+                </a:tc>
+              </a:tr>
+              <a:tr h="370840">
+                <a:tc>
+                  <a:txBody>
+                    <a:bodyPr/>
+                    <a:lstStyle/>
+                    <a:p>
+                      <a:pPr marL="0" marR="0" indent="0" algn="l" defTabSz="914400" rtl="0" eaLnBrk="1" fontAlgn="auto" latinLnBrk="0" hangingPunct="1">
+                        <a:lnSpc>
+                          <a:spcPct val="100000"/>
+                        </a:lnSpc>
+                        <a:spcBef>
+                          <a:spcPts val="0"/>
+                        </a:spcBef>
+                        <a:spcAft>
+                          <a:spcPts val="0"/>
+                        </a:spcAft>
+                        <a:buClrTx/>
+                        <a:buSzTx/>
+                        <a:buFontTx/>
+                        <a:buNone/>
+                        <a:tabLst/>
+                        <a:defRPr/>
+                      </a:pPr>
+                      <a:r>
+                        <a:rPr lang="en-US" sz="1200" b="0" i="0" kern="1200" dirty="0" smtClean="0">
+                          <a:solidFill>
+                            <a:schemeClr val="dk1"/>
+                          </a:solidFill>
+                          <a:latin typeface="+mn-lt"/>
+                          <a:ea typeface="+mn-ea"/>
+                          <a:cs typeface="+mn-cs"/>
+                        </a:rPr>
+                        <a:t>ONBUILD</a:t>
+                      </a:r>
+                    </a:p>
+                    <a:p>
+                      <a:pPr marL="0" marR="0" indent="0" algn="l" defTabSz="914400" rtl="0" eaLnBrk="1" fontAlgn="auto" latinLnBrk="0" hangingPunct="1">
+                        <a:lnSpc>
+                          <a:spcPct val="100000"/>
+                        </a:lnSpc>
+                        <a:spcBef>
+                          <a:spcPts val="0"/>
+                        </a:spcBef>
+                        <a:spcAft>
+                          <a:spcPts val="0"/>
+                        </a:spcAft>
+                        <a:buClrTx/>
+                        <a:buSzTx/>
+                        <a:buFontTx/>
+                        <a:buNone/>
+                        <a:tabLst/>
+                        <a:defRPr/>
+                      </a:pPr>
+                      <a:endParaRPr lang="en-US" sz="1200" b="0" i="0" kern="1200" dirty="0" smtClean="0">
+                        <a:solidFill>
+                          <a:schemeClr val="dk1"/>
+                        </a:solidFill>
+                        <a:latin typeface="+mn-lt"/>
+                        <a:ea typeface="+mn-ea"/>
+                        <a:cs typeface="+mn-cs"/>
+                      </a:endParaRPr>
+                    </a:p>
+                  </a:txBody>
+                  <a:tcPr/>
+                </a:tc>
+                <a:tc>
+                  <a:txBody>
+                    <a:bodyPr/>
+                    <a:lstStyle/>
+                    <a:p>
+                      <a:r>
+                        <a:rPr lang="zh-CN" altLang="en-US" sz="1200" b="0" i="0" kern="1200" dirty="0" smtClean="0">
+                          <a:solidFill>
+                            <a:schemeClr val="dk1"/>
+                          </a:solidFill>
+                          <a:latin typeface="+mn-lt"/>
+                          <a:ea typeface="+mn-ea"/>
+                          <a:cs typeface="+mn-cs"/>
+                        </a:rPr>
+                        <a:t>配置当所创建的镜像作为其他新创建镜像的基础镜像时，所执行的操作指令。例如，</a:t>
+                      </a:r>
+                      <a:r>
+                        <a:rPr lang="en-US" altLang="zh-CN" sz="1200" b="0" i="0" kern="1200" dirty="0" err="1" smtClean="0">
+                          <a:solidFill>
+                            <a:schemeClr val="dk1"/>
+                          </a:solidFill>
+                          <a:latin typeface="+mn-lt"/>
+                          <a:ea typeface="+mn-ea"/>
+                          <a:cs typeface="+mn-cs"/>
+                        </a:rPr>
+                        <a:t>Dockerfile</a:t>
+                      </a:r>
+                      <a:r>
+                        <a:rPr lang="en-US" altLang="zh-CN" sz="1200" b="0" i="0" kern="1200" dirty="0" smtClean="0">
+                          <a:solidFill>
+                            <a:schemeClr val="dk1"/>
+                          </a:solidFill>
+                          <a:latin typeface="+mn-lt"/>
+                          <a:ea typeface="+mn-ea"/>
+                          <a:cs typeface="+mn-cs"/>
+                        </a:rPr>
+                        <a:t> </a:t>
+                      </a:r>
+                      <a:r>
+                        <a:rPr lang="zh-CN" altLang="en-US" sz="1200" b="0" i="0" kern="1200" dirty="0" smtClean="0">
+                          <a:solidFill>
+                            <a:schemeClr val="dk1"/>
+                          </a:solidFill>
+                          <a:latin typeface="+mn-lt"/>
+                          <a:ea typeface="+mn-ea"/>
+                          <a:cs typeface="+mn-cs"/>
+                        </a:rPr>
+                        <a:t>使用如下的内容创建了镜像 </a:t>
+                      </a:r>
+                      <a:r>
+                        <a:rPr lang="en-US" altLang="zh-CN" sz="1200" b="0" i="0" kern="1200" dirty="0" smtClean="0">
+                          <a:solidFill>
+                            <a:schemeClr val="dk1"/>
+                          </a:solidFill>
+                          <a:latin typeface="+mn-lt"/>
+                          <a:ea typeface="+mn-ea"/>
+                          <a:cs typeface="+mn-cs"/>
+                        </a:rPr>
+                        <a:t>image-A</a:t>
+                      </a:r>
+                      <a:r>
+                        <a:rPr lang="zh-CN" altLang="en-US" sz="1200" b="0" i="0" kern="1200" dirty="0" smtClean="0">
+                          <a:solidFill>
+                            <a:schemeClr val="dk1"/>
+                          </a:solidFill>
+                          <a:latin typeface="+mn-lt"/>
+                          <a:ea typeface="+mn-ea"/>
+                          <a:cs typeface="+mn-cs"/>
+                        </a:rPr>
+                        <a:t>。</a:t>
+                      </a:r>
+                      <a:endParaRPr lang="zh-CN" altLang="en-US" sz="1200" dirty="0"/>
+                    </a:p>
+                  </a:txBody>
+                  <a:tcPr/>
+                </a:tc>
+                <a:tc>
+                  <a:txBody>
+                    <a:bodyPr/>
+                    <a:lstStyle/>
+                    <a:p>
+                      <a:r>
+                        <a:rPr lang="en-US" sz="1200" b="0" i="0" kern="1200" dirty="0" smtClean="0">
+                          <a:solidFill>
+                            <a:schemeClr val="dk1"/>
+                          </a:solidFill>
+                          <a:latin typeface="+mn-lt"/>
+                          <a:ea typeface="+mn-ea"/>
+                          <a:cs typeface="+mn-cs"/>
+                        </a:rPr>
+                        <a:t>ONBUILD [INSTRUCTION]</a:t>
+                      </a:r>
+                    </a:p>
+                    <a:p>
+                      <a:r>
+                        <a:rPr lang="en-US" sz="1200" b="0" i="0" kern="1200" dirty="0" smtClean="0">
+                          <a:solidFill>
+                            <a:schemeClr val="dk1"/>
+                          </a:solidFill>
+                          <a:latin typeface="+mn-lt"/>
+                          <a:ea typeface="+mn-ea"/>
+                          <a:cs typeface="+mn-cs"/>
+                        </a:rPr>
+                        <a:t>ONBUILD ADD . /app/</a:t>
+                      </a:r>
+                      <a:r>
+                        <a:rPr lang="en-US" sz="1200" b="0" i="0" kern="1200" dirty="0" err="1" smtClean="0">
+                          <a:solidFill>
+                            <a:schemeClr val="dk1"/>
+                          </a:solidFill>
+                          <a:latin typeface="+mn-lt"/>
+                          <a:ea typeface="+mn-ea"/>
+                          <a:cs typeface="+mn-cs"/>
+                        </a:rPr>
+                        <a:t>src</a:t>
+                      </a:r>
+                      <a:r>
+                        <a:rPr lang="en-US" sz="1200" b="0" i="0" kern="1200" dirty="0" smtClean="0">
+                          <a:solidFill>
+                            <a:schemeClr val="dk1"/>
+                          </a:solidFill>
+                          <a:latin typeface="+mn-lt"/>
+                          <a:ea typeface="+mn-ea"/>
+                          <a:cs typeface="+mn-cs"/>
+                        </a:rPr>
+                        <a:t> </a:t>
+                      </a:r>
+                    </a:p>
+                    <a:p>
+                      <a:r>
+                        <a:rPr lang="en-US" sz="1200" b="0" i="0" kern="1200" dirty="0" smtClean="0">
+                          <a:solidFill>
+                            <a:schemeClr val="dk1"/>
+                          </a:solidFill>
+                          <a:latin typeface="+mn-lt"/>
+                          <a:ea typeface="+mn-ea"/>
+                          <a:cs typeface="+mn-cs"/>
+                        </a:rPr>
+                        <a:t>ONBUILD RUN /</a:t>
+                      </a:r>
+                      <a:r>
+                        <a:rPr lang="en-US" sz="1200" b="0" i="0" kern="1200" dirty="0" err="1" smtClean="0">
+                          <a:solidFill>
+                            <a:schemeClr val="dk1"/>
+                          </a:solidFill>
+                          <a:latin typeface="+mn-lt"/>
+                          <a:ea typeface="+mn-ea"/>
+                          <a:cs typeface="+mn-cs"/>
+                        </a:rPr>
+                        <a:t>usr</a:t>
+                      </a:r>
+                      <a:r>
+                        <a:rPr lang="en-US" sz="1200" b="0" i="0" kern="1200" dirty="0" smtClean="0">
+                          <a:solidFill>
+                            <a:schemeClr val="dk1"/>
+                          </a:solidFill>
+                          <a:latin typeface="+mn-lt"/>
+                          <a:ea typeface="+mn-ea"/>
+                          <a:cs typeface="+mn-cs"/>
+                        </a:rPr>
+                        <a:t>/local/bin/python-build –dir /app/</a:t>
+                      </a:r>
+                      <a:r>
+                        <a:rPr lang="en-US" sz="1200" b="0" i="0" kern="1200" dirty="0" err="1" smtClean="0">
+                          <a:solidFill>
+                            <a:schemeClr val="dk1"/>
+                          </a:solidFill>
+                          <a:latin typeface="+mn-lt"/>
+                          <a:ea typeface="+mn-ea"/>
+                          <a:cs typeface="+mn-cs"/>
+                        </a:rPr>
+                        <a:t>src</a:t>
+                      </a:r>
+                      <a:endParaRPr lang="zh-CN" altLang="en-US" sz="1200" dirty="0"/>
+                    </a:p>
+                  </a:txBody>
+                  <a:tcPr/>
+                </a:tc>
+              </a:tr>
+            </a:tbl>
+          </a:graphicData>
+        </a:graphic>
+      </p:graphicFrame>
     </p:spTree>
   </p:cSld>
   <p:clrMapOvr>
     <a:masterClrMapping/>
   </p:clrMapOvr>
+  <p:timing>
+    <p:tnLst>
+      <p:par>
+        <p:cTn id="1" dur="indefinite" restart="never" nodeType="tmRoot"/>
+      </p:par>
+    </p:tnLst>
+  </p:timing>
 </p:sld>
 </file>
 
@@ -4867,4 +10883,287 @@
   <a:objectDefaults/>
   <a:extraClrSchemeLst/>
 </a:theme>
+</file>
+
+<file path=ppt/theme/theme2.xml><?xml version="1.0" encoding="utf-8"?>
+<a:theme xmlns:a="http://schemas.openxmlformats.org/drawingml/2006/main" name="Office 主题">
+  <a:themeElements>
+    <a:clrScheme name="Office">
+      <a:dk1>
+        <a:sysClr val="windowText" lastClr="000000"/>
+      </a:dk1>
+      <a:lt1>
+        <a:sysClr val="window" lastClr="FFFFFF"/>
+      </a:lt1>
+      <a:dk2>
+        <a:srgbClr val="1F497D"/>
+      </a:dk2>
+      <a:lt2>
+        <a:srgbClr val="EEECE1"/>
+      </a:lt2>
+      <a:accent1>
+        <a:srgbClr val="4F81BD"/>
+      </a:accent1>
+      <a:accent2>
+        <a:srgbClr val="C0504D"/>
+      </a:accent2>
+      <a:accent3>
+        <a:srgbClr val="9BBB59"/>
+      </a:accent3>
+      <a:accent4>
+        <a:srgbClr val="8064A2"/>
+      </a:accent4>
+      <a:accent5>
+        <a:srgbClr val="4BACC6"/>
+      </a:accent5>
+      <a:accent6>
+        <a:srgbClr val="F79646"/>
+      </a:accent6>
+      <a:hlink>
+        <a:srgbClr val="0000FF"/>
+      </a:hlink>
+      <a:folHlink>
+        <a:srgbClr val="800080"/>
+      </a:folHlink>
+    </a:clrScheme>
+    <a:fontScheme name="Office">
+      <a:majorFont>
+        <a:latin typeface="Calibri"/>
+        <a:ea typeface=""/>
+        <a:cs typeface=""/>
+        <a:font script="Jpan" typeface="ＭＳ Ｐゴシック"/>
+        <a:font script="Hang" typeface="맑은 고딕"/>
+        <a:font script="Hans" typeface="宋体"/>
+        <a:font script="Hant" typeface="新細明體"/>
+        <a:font script="Arab" typeface="Times New Roman"/>
+        <a:font script="Hebr" typeface="Times New Roman"/>
+        <a:font script="Thai" typeface="Angsana New"/>
+        <a:font script="Ethi" typeface="Nyala"/>
+        <a:font script="Beng" typeface="Vrinda"/>
+        <a:font script="Gujr" typeface="Shruti"/>
+        <a:font script="Khmr" typeface="MoolBoran"/>
+        <a:font script="Knda" typeface="Tunga"/>
+        <a:font script="Guru" typeface="Raavi"/>
+        <a:font script="Cans" typeface="Euphemia"/>
+        <a:font script="Cher" typeface="Plantagenet Cherokee"/>
+        <a:font script="Yiii" typeface="Microsoft Yi Baiti"/>
+        <a:font script="Tibt" typeface="Microsoft Himalaya"/>
+        <a:font script="Thaa" typeface="MV Boli"/>
+        <a:font script="Deva" typeface="Mangal"/>
+        <a:font script="Telu" typeface="Gautami"/>
+        <a:font script="Taml" typeface="Latha"/>
+        <a:font script="Syrc" typeface="Estrangelo Edessa"/>
+        <a:font script="Orya" typeface="Kalinga"/>
+        <a:font script="Mlym" typeface="Kartika"/>
+        <a:font script="Laoo" typeface="DokChampa"/>
+        <a:font script="Sinh" typeface="Iskoola Pota"/>
+        <a:font script="Mong" typeface="Mongolian Baiti"/>
+        <a:font script="Viet" typeface="Times New Roman"/>
+        <a:font script="Uigh" typeface="Microsoft Uighur"/>
+      </a:majorFont>
+      <a:minorFont>
+        <a:latin typeface="Calibri"/>
+        <a:ea typeface=""/>
+        <a:cs typeface=""/>
+        <a:font script="Jpan" typeface="ＭＳ Ｐゴシック"/>
+        <a:font script="Hang" typeface="맑은 고딕"/>
+        <a:font script="Hans" typeface="宋体"/>
+        <a:font script="Hant" typeface="新細明體"/>
+        <a:font script="Arab" typeface="Arial"/>
+        <a:font script="Hebr" typeface="Arial"/>
+        <a:font script="Thai" typeface="Cordia New"/>
+        <a:font script="Ethi" typeface="Nyala"/>
+        <a:font script="Beng" typeface="Vrinda"/>
+        <a:font script="Gujr" typeface="Shruti"/>
+        <a:font script="Khmr" typeface="DaunPenh"/>
+        <a:font script="Knda" typeface="Tunga"/>
+        <a:font script="Guru" typeface="Raavi"/>
+        <a:font script="Cans" typeface="Euphemia"/>
+        <a:font script="Cher" typeface="Plantagenet Cherokee"/>
+        <a:font script="Yiii" typeface="Microsoft Yi Baiti"/>
+        <a:font script="Tibt" typeface="Microsoft Himalaya"/>
+        <a:font script="Thaa" typeface="MV Boli"/>
+        <a:font script="Deva" typeface="Mangal"/>
+        <a:font script="Telu" typeface="Gautami"/>
+        <a:font script="Taml" typeface="Latha"/>
+        <a:font script="Syrc" typeface="Estrangelo Edessa"/>
+        <a:font script="Orya" typeface="Kalinga"/>
+        <a:font script="Mlym" typeface="Kartika"/>
+        <a:font script="Laoo" typeface="DokChampa"/>
+        <a:font script="Sinh" typeface="Iskoola Pota"/>
+        <a:font script="Mong" typeface="Mongolian Baiti"/>
+        <a:font script="Viet" typeface="Arial"/>
+        <a:font script="Uigh" typeface="Microsoft Uighur"/>
+      </a:minorFont>
+    </a:fontScheme>
+    <a:fmtScheme name="Office">
+      <a:fillStyleLst>
+        <a:solidFill>
+          <a:schemeClr val="phClr"/>
+        </a:solidFill>
+        <a:gradFill rotWithShape="1">
+          <a:gsLst>
+            <a:gs pos="0">
+              <a:schemeClr val="phClr">
+                <a:tint val="50000"/>
+                <a:satMod val="300000"/>
+              </a:schemeClr>
+            </a:gs>
+            <a:gs pos="35000">
+              <a:schemeClr val="phClr">
+                <a:tint val="37000"/>
+                <a:satMod val="300000"/>
+              </a:schemeClr>
+            </a:gs>
+            <a:gs pos="100000">
+              <a:schemeClr val="phClr">
+                <a:tint val="15000"/>
+                <a:satMod val="350000"/>
+              </a:schemeClr>
+            </a:gs>
+          </a:gsLst>
+          <a:lin ang="16200000" scaled="1"/>
+        </a:gradFill>
+        <a:gradFill rotWithShape="1">
+          <a:gsLst>
+            <a:gs pos="0">
+              <a:schemeClr val="phClr">
+                <a:shade val="51000"/>
+                <a:satMod val="130000"/>
+              </a:schemeClr>
+            </a:gs>
+            <a:gs pos="80000">
+              <a:schemeClr val="phClr">
+                <a:shade val="93000"/>
+                <a:satMod val="130000"/>
+              </a:schemeClr>
+            </a:gs>
+            <a:gs pos="100000">
+              <a:schemeClr val="phClr">
+                <a:shade val="94000"/>
+                <a:satMod val="135000"/>
+              </a:schemeClr>
+            </a:gs>
+          </a:gsLst>
+          <a:lin ang="16200000" scaled="0"/>
+        </a:gradFill>
+      </a:fillStyleLst>
+      <a:lnStyleLst>
+        <a:ln w="9525" cap="flat" cmpd="sng" algn="ctr">
+          <a:solidFill>
+            <a:schemeClr val="phClr">
+              <a:shade val="95000"/>
+              <a:satMod val="105000"/>
+            </a:schemeClr>
+          </a:solidFill>
+          <a:prstDash val="solid"/>
+        </a:ln>
+        <a:ln w="25400" cap="flat" cmpd="sng" algn="ctr">
+          <a:solidFill>
+            <a:schemeClr val="phClr"/>
+          </a:solidFill>
+          <a:prstDash val="solid"/>
+        </a:ln>
+        <a:ln w="38100" cap="flat" cmpd="sng" algn="ctr">
+          <a:solidFill>
+            <a:schemeClr val="phClr"/>
+          </a:solidFill>
+          <a:prstDash val="solid"/>
+        </a:ln>
+      </a:lnStyleLst>
+      <a:effectStyleLst>
+        <a:effectStyle>
+          <a:effectLst>
+            <a:outerShdw blurRad="40000" dist="20000" dir="5400000" rotWithShape="0">
+              <a:srgbClr val="000000">
+                <a:alpha val="38000"/>
+              </a:srgbClr>
+            </a:outerShdw>
+          </a:effectLst>
+        </a:effectStyle>
+        <a:effectStyle>
+          <a:effectLst>
+            <a:outerShdw blurRad="40000" dist="23000" dir="5400000" rotWithShape="0">
+              <a:srgbClr val="000000">
+                <a:alpha val="35000"/>
+              </a:srgbClr>
+            </a:outerShdw>
+          </a:effectLst>
+        </a:effectStyle>
+        <a:effectStyle>
+          <a:effectLst>
+            <a:outerShdw blurRad="40000" dist="23000" dir="5400000" rotWithShape="0">
+              <a:srgbClr val="000000">
+                <a:alpha val="35000"/>
+              </a:srgbClr>
+            </a:outerShdw>
+          </a:effectLst>
+          <a:scene3d>
+            <a:camera prst="orthographicFront">
+              <a:rot lat="0" lon="0" rev="0"/>
+            </a:camera>
+            <a:lightRig rig="threePt" dir="t">
+              <a:rot lat="0" lon="0" rev="1200000"/>
+            </a:lightRig>
+          </a:scene3d>
+          <a:sp3d>
+            <a:bevelT w="63500" h="25400"/>
+          </a:sp3d>
+        </a:effectStyle>
+      </a:effectStyleLst>
+      <a:bgFillStyleLst>
+        <a:solidFill>
+          <a:schemeClr val="phClr"/>
+        </a:solidFill>
+        <a:gradFill rotWithShape="1">
+          <a:gsLst>
+            <a:gs pos="0">
+              <a:schemeClr val="phClr">
+                <a:tint val="40000"/>
+                <a:satMod val="350000"/>
+              </a:schemeClr>
+            </a:gs>
+            <a:gs pos="40000">
+              <a:schemeClr val="phClr">
+                <a:tint val="45000"/>
+                <a:shade val="99000"/>
+                <a:satMod val="350000"/>
+              </a:schemeClr>
+            </a:gs>
+            <a:gs pos="100000">
+              <a:schemeClr val="phClr">
+                <a:shade val="20000"/>
+                <a:satMod val="255000"/>
+              </a:schemeClr>
+            </a:gs>
+          </a:gsLst>
+          <a:path path="circle">
+            <a:fillToRect l="50000" t="-80000" r="50000" b="180000"/>
+          </a:path>
+        </a:gradFill>
+        <a:gradFill rotWithShape="1">
+          <a:gsLst>
+            <a:gs pos="0">
+              <a:schemeClr val="phClr">
+                <a:tint val="80000"/>
+                <a:satMod val="300000"/>
+              </a:schemeClr>
+            </a:gs>
+            <a:gs pos="100000">
+              <a:schemeClr val="phClr">
+                <a:shade val="30000"/>
+                <a:satMod val="200000"/>
+              </a:schemeClr>
+            </a:gs>
+          </a:gsLst>
+          <a:path path="circle">
+            <a:fillToRect l="50000" t="50000" r="50000" b="50000"/>
+          </a:path>
+        </a:gradFill>
+      </a:bgFillStyleLst>
+    </a:fmtScheme>
+  </a:themeElements>
+  <a:objectDefaults/>
+  <a:extraClrSchemeLst/>
+</a:theme>
 </file>
--- a/Docker基础与简单应用.pptx
+++ b/Docker基础与简单应用.pptx
@@ -5,7 +5,7 @@
     <p:sldMasterId id="2147483648" r:id="rId1"/>
   </p:sldMasterIdLst>
   <p:notesMasterIdLst>
-    <p:notesMasterId r:id="rId18"/>
+    <p:notesMasterId r:id="rId15"/>
   </p:notesMasterIdLst>
   <p:sldIdLst>
     <p:sldId id="256" r:id="rId2"/>
@@ -18,12 +18,9 @@
     <p:sldId id="270" r:id="rId9"/>
     <p:sldId id="273" r:id="rId10"/>
     <p:sldId id="265" r:id="rId11"/>
-    <p:sldId id="277" r:id="rId12"/>
-    <p:sldId id="275" r:id="rId13"/>
-    <p:sldId id="266" r:id="rId14"/>
-    <p:sldId id="268" r:id="rId15"/>
-    <p:sldId id="267" r:id="rId16"/>
-    <p:sldId id="276" r:id="rId17"/>
+    <p:sldId id="266" r:id="rId12"/>
+    <p:sldId id="278" r:id="rId13"/>
+    <p:sldId id="267" r:id="rId14"/>
   </p:sldIdLst>
   <p:sldSz cx="9144000" cy="6858000" type="screen4x3"/>
   <p:notesSz cx="6858000" cy="9144000"/>
@@ -125,6 +122,2148 @@
 </p:presentation>
 </file>
 
+<file path=ppt/diagrams/colors1.xml><?xml version="1.0" encoding="utf-8"?>
+<dgm:colorsDef xmlns:dgm="http://schemas.openxmlformats.org/drawingml/2006/diagram" xmlns:a="http://schemas.openxmlformats.org/drawingml/2006/main" uniqueId="urn:microsoft.com/office/officeart/2005/8/colors/accent1_2">
+  <dgm:title val=""/>
+  <dgm:desc val=""/>
+  <dgm:catLst>
+    <dgm:cat type="accent1" pri="11200"/>
+  </dgm:catLst>
+  <dgm:styleLbl name="node0">
+    <dgm:fillClrLst meth="repeat">
+      <a:schemeClr val="accent1"/>
+    </dgm:fillClrLst>
+    <dgm:linClrLst meth="repeat">
+      <a:schemeClr val="lt1"/>
+    </dgm:linClrLst>
+    <dgm:effectClrLst/>
+    <dgm:txLinClrLst/>
+    <dgm:txFillClrLst/>
+    <dgm:txEffectClrLst/>
+  </dgm:styleLbl>
+  <dgm:styleLbl name="alignNode1">
+    <dgm:fillClrLst meth="repeat">
+      <a:schemeClr val="accent1"/>
+    </dgm:fillClrLst>
+    <dgm:linClrLst meth="repeat">
+      <a:schemeClr val="accent1"/>
+    </dgm:linClrLst>
+    <dgm:effectClrLst/>
+    <dgm:txLinClrLst/>
+    <dgm:txFillClrLst/>
+    <dgm:txEffectClrLst/>
+  </dgm:styleLbl>
+  <dgm:styleLbl name="node1">
+    <dgm:fillClrLst meth="repeat">
+      <a:schemeClr val="accent1"/>
+    </dgm:fillClrLst>
+    <dgm:linClrLst meth="repeat">
+      <a:schemeClr val="lt1"/>
+    </dgm:linClrLst>
+    <dgm:effectClrLst/>
+    <dgm:txLinClrLst/>
+    <dgm:txFillClrLst/>
+    <dgm:txEffectClrLst/>
+  </dgm:styleLbl>
+  <dgm:styleLbl name="lnNode1">
+    <dgm:fillClrLst meth="repeat">
+      <a:schemeClr val="accent1"/>
+    </dgm:fillClrLst>
+    <dgm:linClrLst meth="repeat">
+      <a:schemeClr val="lt1"/>
+    </dgm:linClrLst>
+    <dgm:effectClrLst/>
+    <dgm:txLinClrLst/>
+    <dgm:txFillClrLst/>
+    <dgm:txEffectClrLst/>
+  </dgm:styleLbl>
+  <dgm:styleLbl name="vennNode1">
+    <dgm:fillClrLst meth="repeat">
+      <a:schemeClr val="accent1">
+        <a:alpha val="50000"/>
+      </a:schemeClr>
+    </dgm:fillClrLst>
+    <dgm:linClrLst meth="repeat">
+      <a:schemeClr val="lt1"/>
+    </dgm:linClrLst>
+    <dgm:effectClrLst/>
+    <dgm:txLinClrLst/>
+    <dgm:txFillClrLst/>
+    <dgm:txEffectClrLst/>
+  </dgm:styleLbl>
+  <dgm:styleLbl name="node2">
+    <dgm:fillClrLst meth="repeat">
+      <a:schemeClr val="accent1"/>
+    </dgm:fillClrLst>
+    <dgm:linClrLst meth="repeat">
+      <a:schemeClr val="lt1"/>
+    </dgm:linClrLst>
+    <dgm:effectClrLst/>
+    <dgm:txLinClrLst/>
+    <dgm:txFillClrLst/>
+    <dgm:txEffectClrLst/>
+  </dgm:styleLbl>
+  <dgm:styleLbl name="node3">
+    <dgm:fillClrLst meth="repeat">
+      <a:schemeClr val="accent1"/>
+    </dgm:fillClrLst>
+    <dgm:linClrLst meth="repeat">
+      <a:schemeClr val="lt1"/>
+    </dgm:linClrLst>
+    <dgm:effectClrLst/>
+    <dgm:txLinClrLst/>
+    <dgm:txFillClrLst/>
+    <dgm:txEffectClrLst/>
+  </dgm:styleLbl>
+  <dgm:styleLbl name="node4">
+    <dgm:fillClrLst meth="repeat">
+      <a:schemeClr val="accent1"/>
+    </dgm:fillClrLst>
+    <dgm:linClrLst meth="repeat">
+      <a:schemeClr val="lt1"/>
+    </dgm:linClrLst>
+    <dgm:effectClrLst/>
+    <dgm:txLinClrLst/>
+    <dgm:txFillClrLst/>
+    <dgm:txEffectClrLst/>
+  </dgm:styleLbl>
+  <dgm:styleLbl name="fgImgPlace1">
+    <dgm:fillClrLst meth="repeat">
+      <a:schemeClr val="accent1">
+        <a:tint val="50000"/>
+      </a:schemeClr>
+    </dgm:fillClrLst>
+    <dgm:linClrLst meth="repeat">
+      <a:schemeClr val="lt1"/>
+    </dgm:linClrLst>
+    <dgm:effectClrLst/>
+    <dgm:txLinClrLst/>
+    <dgm:txFillClrLst meth="repeat">
+      <a:schemeClr val="lt1"/>
+    </dgm:txFillClrLst>
+    <dgm:txEffectClrLst/>
+  </dgm:styleLbl>
+  <dgm:styleLbl name="alignImgPlace1">
+    <dgm:fillClrLst meth="repeat">
+      <a:schemeClr val="accent1">
+        <a:tint val="50000"/>
+      </a:schemeClr>
+    </dgm:fillClrLst>
+    <dgm:linClrLst meth="repeat">
+      <a:schemeClr val="lt1"/>
+    </dgm:linClrLst>
+    <dgm:effectClrLst/>
+    <dgm:txLinClrLst/>
+    <dgm:txFillClrLst meth="repeat">
+      <a:schemeClr val="lt1"/>
+    </dgm:txFillClrLst>
+    <dgm:txEffectClrLst/>
+  </dgm:styleLbl>
+  <dgm:styleLbl name="bgImgPlace1">
+    <dgm:fillClrLst meth="repeat">
+      <a:schemeClr val="accent1">
+        <a:tint val="50000"/>
+      </a:schemeClr>
+    </dgm:fillClrLst>
+    <dgm:linClrLst meth="repeat">
+      <a:schemeClr val="lt1"/>
+    </dgm:linClrLst>
+    <dgm:effectClrLst/>
+    <dgm:txLinClrLst/>
+    <dgm:txFillClrLst meth="repeat">
+      <a:schemeClr val="lt1"/>
+    </dgm:txFillClrLst>
+    <dgm:txEffectClrLst/>
+  </dgm:styleLbl>
+  <dgm:styleLbl name="sibTrans2D1">
+    <dgm:fillClrLst meth="repeat">
+      <a:schemeClr val="accent1">
+        <a:tint val="60000"/>
+      </a:schemeClr>
+    </dgm:fillClrLst>
+    <dgm:linClrLst meth="repeat">
+      <a:schemeClr val="accent1">
+        <a:tint val="60000"/>
+      </a:schemeClr>
+    </dgm:linClrLst>
+    <dgm:effectClrLst/>
+    <dgm:txLinClrLst/>
+    <dgm:txFillClrLst/>
+    <dgm:txEffectClrLst/>
+  </dgm:styleLbl>
+  <dgm:styleLbl name="fgSibTrans2D1">
+    <dgm:fillClrLst meth="repeat">
+      <a:schemeClr val="accent1">
+        <a:tint val="60000"/>
+      </a:schemeClr>
+    </dgm:fillClrLst>
+    <dgm:linClrLst meth="repeat">
+      <a:schemeClr val="accent1">
+        <a:tint val="60000"/>
+      </a:schemeClr>
+    </dgm:linClrLst>
+    <dgm:effectClrLst/>
+    <dgm:txLinClrLst/>
+    <dgm:txFillClrLst/>
+    <dgm:txEffectClrLst/>
+  </dgm:styleLbl>
+  <dgm:styleLbl name="bgSibTrans2D1">
+    <dgm:fillClrLst meth="repeat">
+      <a:schemeClr val="accent1">
+        <a:tint val="60000"/>
+      </a:schemeClr>
+    </dgm:fillClrLst>
+    <dgm:linClrLst meth="repeat">
+      <a:schemeClr val="accent1">
+        <a:tint val="60000"/>
+      </a:schemeClr>
+    </dgm:linClrLst>
+    <dgm:effectClrLst/>
+    <dgm:txLinClrLst/>
+    <dgm:txFillClrLst/>
+    <dgm:txEffectClrLst/>
+  </dgm:styleLbl>
+  <dgm:styleLbl name="sibTrans1D1">
+    <dgm:fillClrLst meth="repeat">
+      <a:schemeClr val="accent1"/>
+    </dgm:fillClrLst>
+    <dgm:linClrLst meth="repeat">
+      <a:schemeClr val="accent1"/>
+    </dgm:linClrLst>
+    <dgm:effectClrLst/>
+    <dgm:txLinClrLst/>
+    <dgm:txFillClrLst meth="repeat">
+      <a:schemeClr val="tx1"/>
+    </dgm:txFillClrLst>
+    <dgm:txEffectClrLst/>
+  </dgm:styleLbl>
+  <dgm:styleLbl name="callout">
+    <dgm:fillClrLst meth="repeat">
+      <a:schemeClr val="accent1"/>
+    </dgm:fillClrLst>
+    <dgm:linClrLst meth="repeat">
+      <a:schemeClr val="accent1">
+        <a:tint val="50000"/>
+      </a:schemeClr>
+    </dgm:linClrLst>
+    <dgm:effectClrLst/>
+    <dgm:txLinClrLst/>
+    <dgm:txFillClrLst meth="repeat">
+      <a:schemeClr val="tx1"/>
+    </dgm:txFillClrLst>
+    <dgm:txEffectClrLst/>
+  </dgm:styleLbl>
+  <dgm:styleLbl name="asst0">
+    <dgm:fillClrLst meth="repeat">
+      <a:schemeClr val="accent1"/>
+    </dgm:fillClrLst>
+    <dgm:linClrLst meth="repeat">
+      <a:schemeClr val="lt1"/>
+    </dgm:linClrLst>
+    <dgm:effectClrLst/>
+    <dgm:txLinClrLst/>
+    <dgm:txFillClrLst/>
+    <dgm:txEffectClrLst/>
+  </dgm:styleLbl>
+  <dgm:styleLbl name="asst1">
+    <dgm:fillClrLst meth="repeat">
+      <a:schemeClr val="accent1"/>
+    </dgm:fillClrLst>
+    <dgm:linClrLst meth="repeat">
+      <a:schemeClr val="lt1"/>
+    </dgm:linClrLst>
+    <dgm:effectClrLst/>
+    <dgm:txLinClrLst/>
+    <dgm:txFillClrLst/>
+    <dgm:txEffectClrLst/>
+  </dgm:styleLbl>
+  <dgm:styleLbl name="asst2">
+    <dgm:fillClrLst meth="repeat">
+      <a:schemeClr val="accent1"/>
+    </dgm:fillClrLst>
+    <dgm:linClrLst meth="repeat">
+      <a:schemeClr val="lt1"/>
+    </dgm:linClrLst>
+    <dgm:effectClrLst/>
+    <dgm:txLinClrLst/>
+    <dgm:txFillClrLst/>
+    <dgm:txEffectClrLst/>
+  </dgm:styleLbl>
+  <dgm:styleLbl name="asst3">
+    <dgm:fillClrLst meth="repeat">
+      <a:schemeClr val="accent1"/>
+    </dgm:fillClrLst>
+    <dgm:linClrLst meth="repeat">
+      <a:schemeClr val="lt1"/>
+    </dgm:linClrLst>
+    <dgm:effectClrLst/>
+    <dgm:txLinClrLst/>
+    <dgm:txFillClrLst/>
+    <dgm:txEffectClrLst/>
+  </dgm:styleLbl>
+  <dgm:styleLbl name="asst4">
+    <dgm:fillClrLst meth="repeat">
+      <a:schemeClr val="accent1"/>
+    </dgm:fillClrLst>
+    <dgm:linClrLst meth="repeat">
+      <a:schemeClr val="lt1"/>
+    </dgm:linClrLst>
+    <dgm:effectClrLst/>
+    <dgm:txLinClrLst/>
+    <dgm:txFillClrLst/>
+    <dgm:txEffectClrLst/>
+  </dgm:styleLbl>
+  <dgm:styleLbl name="parChTrans2D1">
+    <dgm:fillClrLst meth="repeat">
+      <a:schemeClr val="accent1">
+        <a:tint val="60000"/>
+      </a:schemeClr>
+    </dgm:fillClrLst>
+    <dgm:linClrLst meth="repeat">
+      <a:schemeClr val="accent1">
+        <a:tint val="60000"/>
+      </a:schemeClr>
+    </dgm:linClrLst>
+    <dgm:effectClrLst/>
+    <dgm:txLinClrLst/>
+    <dgm:txFillClrLst meth="repeat">
+      <a:schemeClr val="lt1"/>
+    </dgm:txFillClrLst>
+    <dgm:txEffectClrLst/>
+  </dgm:styleLbl>
+  <dgm:styleLbl name="parChTrans2D2">
+    <dgm:fillClrLst meth="repeat">
+      <a:schemeClr val="accent1"/>
+    </dgm:fillClrLst>
+    <dgm:linClrLst meth="repeat">
+      <a:schemeClr val="accent1"/>
+    </dgm:linClrLst>
+    <dgm:effectClrLst/>
+    <dgm:txLinClrLst/>
+    <dgm:txFillClrLst meth="repeat">
+      <a:schemeClr val="lt1"/>
+    </dgm:txFillClrLst>
+    <dgm:txEffectClrLst/>
+  </dgm:styleLbl>
+  <dgm:styleLbl name="parChTrans2D3">
+    <dgm:fillClrLst meth="repeat">
+      <a:schemeClr val="accent1"/>
+    </dgm:fillClrLst>
+    <dgm:linClrLst meth="repeat">
+      <a:schemeClr val="accent1"/>
+    </dgm:linClrLst>
+    <dgm:effectClrLst/>
+    <dgm:txLinClrLst/>
+    <dgm:txFillClrLst meth="repeat">
+      <a:schemeClr val="lt1"/>
+    </dgm:txFillClrLst>
+    <dgm:txEffectClrLst/>
+  </dgm:styleLbl>
+  <dgm:styleLbl name="parChTrans2D4">
+    <dgm:fillClrLst meth="repeat">
+      <a:schemeClr val="accent1"/>
+    </dgm:fillClrLst>
+    <dgm:linClrLst meth="repeat">
+      <a:schemeClr val="accent1"/>
+    </dgm:linClrLst>
+    <dgm:effectClrLst/>
+    <dgm:txLinClrLst/>
+    <dgm:txFillClrLst meth="repeat">
+      <a:schemeClr val="lt1"/>
+    </dgm:txFillClrLst>
+    <dgm:txEffectClrLst/>
+  </dgm:styleLbl>
+  <dgm:styleLbl name="parChTrans1D1">
+    <dgm:fillClrLst meth="repeat">
+      <a:schemeClr val="accent1"/>
+    </dgm:fillClrLst>
+    <dgm:linClrLst meth="repeat">
+      <a:schemeClr val="accent1">
+        <a:shade val="60000"/>
+      </a:schemeClr>
+    </dgm:linClrLst>
+    <dgm:effectClrLst/>
+    <dgm:txLinClrLst/>
+    <dgm:txFillClrLst meth="repeat">
+      <a:schemeClr val="tx1"/>
+    </dgm:txFillClrLst>
+    <dgm:txEffectClrLst/>
+  </dgm:styleLbl>
+  <dgm:styleLbl name="parChTrans1D2">
+    <dgm:fillClrLst meth="repeat">
+      <a:schemeClr val="accent1"/>
+    </dgm:fillClrLst>
+    <dgm:linClrLst meth="repeat">
+      <a:schemeClr val="accent1">
+        <a:shade val="60000"/>
+      </a:schemeClr>
+    </dgm:linClrLst>
+    <dgm:effectClrLst/>
+    <dgm:txLinClrLst/>
+    <dgm:txFillClrLst meth="repeat">
+      <a:schemeClr val="tx1"/>
+    </dgm:txFillClrLst>
+    <dgm:txEffectClrLst/>
+  </dgm:styleLbl>
+  <dgm:styleLbl name="parChTrans1D3">
+    <dgm:fillClrLst meth="repeat">
+      <a:schemeClr val="accent1"/>
+    </dgm:fillClrLst>
+    <dgm:linClrLst meth="repeat">
+      <a:schemeClr val="accent1">
+        <a:shade val="80000"/>
+      </a:schemeClr>
+    </dgm:linClrLst>
+    <dgm:effectClrLst/>
+    <dgm:txLinClrLst/>
+    <dgm:txFillClrLst meth="repeat">
+      <a:schemeClr val="tx1"/>
+    </dgm:txFillClrLst>
+    <dgm:txEffectClrLst/>
+  </dgm:styleLbl>
+  <dgm:styleLbl name="parChTrans1D4">
+    <dgm:fillClrLst meth="repeat">
+      <a:schemeClr val="accent1"/>
+    </dgm:fillClrLst>
+    <dgm:linClrLst meth="repeat">
+      <a:schemeClr val="accent1">
+        <a:shade val="80000"/>
+      </a:schemeClr>
+    </dgm:linClrLst>
+    <dgm:effectClrLst/>
+    <dgm:txLinClrLst/>
+    <dgm:txFillClrLst meth="repeat">
+      <a:schemeClr val="tx1"/>
+    </dgm:txFillClrLst>
+    <dgm:txEffectClrLst/>
+  </dgm:styleLbl>
+  <dgm:styleLbl name="fgAcc1">
+    <dgm:fillClrLst meth="repeat">
+      <a:schemeClr val="lt1">
+        <a:alpha val="90000"/>
+      </a:schemeClr>
+    </dgm:fillClrLst>
+    <dgm:linClrLst meth="repeat">
+      <a:schemeClr val="accent1"/>
+    </dgm:linClrLst>
+    <dgm:effectClrLst/>
+    <dgm:txLinClrLst/>
+    <dgm:txFillClrLst meth="repeat">
+      <a:schemeClr val="dk1"/>
+    </dgm:txFillClrLst>
+    <dgm:txEffectClrLst/>
+  </dgm:styleLbl>
+  <dgm:styleLbl name="conFgAcc1">
+    <dgm:fillClrLst meth="repeat">
+      <a:schemeClr val="lt1">
+        <a:alpha val="90000"/>
+      </a:schemeClr>
+    </dgm:fillClrLst>
+    <dgm:linClrLst meth="repeat">
+      <a:schemeClr val="accent1"/>
+    </dgm:linClrLst>
+    <dgm:effectClrLst/>
+    <dgm:txLinClrLst/>
+    <dgm:txFillClrLst meth="repeat">
+      <a:schemeClr val="dk1"/>
+    </dgm:txFillClrLst>
+    <dgm:txEffectClrLst/>
+  </dgm:styleLbl>
+  <dgm:styleLbl name="alignAcc1">
+    <dgm:fillClrLst meth="repeat">
+      <a:schemeClr val="lt1">
+        <a:alpha val="90000"/>
+      </a:schemeClr>
+    </dgm:fillClrLst>
+    <dgm:linClrLst meth="repeat">
+      <a:schemeClr val="accent1"/>
+    </dgm:linClrLst>
+    <dgm:effectClrLst/>
+    <dgm:txLinClrLst/>
+    <dgm:txFillClrLst meth="repeat">
+      <a:schemeClr val="dk1"/>
+    </dgm:txFillClrLst>
+    <dgm:txEffectClrLst/>
+  </dgm:styleLbl>
+  <dgm:styleLbl name="trAlignAcc1">
+    <dgm:fillClrLst meth="repeat">
+      <a:schemeClr val="lt1">
+        <a:alpha val="40000"/>
+      </a:schemeClr>
+    </dgm:fillClrLst>
+    <dgm:linClrLst meth="repeat">
+      <a:schemeClr val="accent1"/>
+    </dgm:linClrLst>
+    <dgm:effectClrLst/>
+    <dgm:txLinClrLst/>
+    <dgm:txFillClrLst meth="repeat">
+      <a:schemeClr val="dk1"/>
+    </dgm:txFillClrLst>
+    <dgm:txEffectClrLst/>
+  </dgm:styleLbl>
+  <dgm:styleLbl name="bgAcc1">
+    <dgm:fillClrLst meth="repeat">
+      <a:schemeClr val="lt1">
+        <a:alpha val="90000"/>
+      </a:schemeClr>
+    </dgm:fillClrLst>
+    <dgm:linClrLst meth="repeat">
+      <a:schemeClr val="accent1"/>
+    </dgm:linClrLst>
+    <dgm:effectClrLst/>
+    <dgm:txLinClrLst/>
+    <dgm:txFillClrLst meth="repeat">
+      <a:schemeClr val="dk1"/>
+    </dgm:txFillClrLst>
+    <dgm:txEffectClrLst/>
+  </dgm:styleLbl>
+  <dgm:styleLbl name="solidFgAcc1">
+    <dgm:fillClrLst meth="repeat">
+      <a:schemeClr val="lt1"/>
+    </dgm:fillClrLst>
+    <dgm:linClrLst meth="repeat">
+      <a:schemeClr val="accent1"/>
+    </dgm:linClrLst>
+    <dgm:effectClrLst/>
+    <dgm:txLinClrLst/>
+    <dgm:txFillClrLst meth="repeat">
+      <a:schemeClr val="dk1"/>
+    </dgm:txFillClrLst>
+    <dgm:txEffectClrLst/>
+  </dgm:styleLbl>
+  <dgm:styleLbl name="solidAlignAcc1">
+    <dgm:fillClrLst meth="repeat">
+      <a:schemeClr val="lt1"/>
+    </dgm:fillClrLst>
+    <dgm:linClrLst meth="repeat">
+      <a:schemeClr val="accent1"/>
+    </dgm:linClrLst>
+    <dgm:effectClrLst/>
+    <dgm:txLinClrLst/>
+    <dgm:txFillClrLst meth="repeat">
+      <a:schemeClr val="dk1"/>
+    </dgm:txFillClrLst>
+    <dgm:txEffectClrLst/>
+  </dgm:styleLbl>
+  <dgm:styleLbl name="solidBgAcc1">
+    <dgm:fillClrLst meth="repeat">
+      <a:schemeClr val="lt1"/>
+    </dgm:fillClrLst>
+    <dgm:linClrLst meth="repeat">
+      <a:schemeClr val="accent1"/>
+    </dgm:linClrLst>
+    <dgm:effectClrLst/>
+    <dgm:txLinClrLst/>
+    <dgm:txFillClrLst meth="repeat">
+      <a:schemeClr val="dk1"/>
+    </dgm:txFillClrLst>
+    <dgm:txEffectClrLst/>
+  </dgm:styleLbl>
+  <dgm:styleLbl name="fgAccFollowNode1">
+    <dgm:fillClrLst meth="repeat">
+      <a:schemeClr val="accent1">
+        <a:alpha val="90000"/>
+        <a:tint val="40000"/>
+      </a:schemeClr>
+    </dgm:fillClrLst>
+    <dgm:linClrLst meth="repeat">
+      <a:schemeClr val="accent1">
+        <a:alpha val="90000"/>
+        <a:tint val="40000"/>
+      </a:schemeClr>
+    </dgm:linClrLst>
+    <dgm:effectClrLst/>
+    <dgm:txLinClrLst/>
+    <dgm:txFillClrLst meth="repeat">
+      <a:schemeClr val="dk1"/>
+    </dgm:txFillClrLst>
+    <dgm:txEffectClrLst/>
+  </dgm:styleLbl>
+  <dgm:styleLbl name="alignAccFollowNode1">
+    <dgm:fillClrLst meth="repeat">
+      <a:schemeClr val="accent1">
+        <a:alpha val="90000"/>
+        <a:tint val="40000"/>
+      </a:schemeClr>
+    </dgm:fillClrLst>
+    <dgm:linClrLst meth="repeat">
+      <a:schemeClr val="accent1">
+        <a:alpha val="90000"/>
+        <a:tint val="40000"/>
+      </a:schemeClr>
+    </dgm:linClrLst>
+    <dgm:effectClrLst/>
+    <dgm:txLinClrLst/>
+    <dgm:txFillClrLst meth="repeat">
+      <a:schemeClr val="dk1"/>
+    </dgm:txFillClrLst>
+    <dgm:txEffectClrLst/>
+  </dgm:styleLbl>
+  <dgm:styleLbl name="bgAccFollowNode1">
+    <dgm:fillClrLst meth="repeat">
+      <a:schemeClr val="accent1">
+        <a:alpha val="90000"/>
+        <a:tint val="40000"/>
+      </a:schemeClr>
+    </dgm:fillClrLst>
+    <dgm:linClrLst meth="repeat">
+      <a:schemeClr val="accent1">
+        <a:alpha val="90000"/>
+        <a:tint val="40000"/>
+      </a:schemeClr>
+    </dgm:linClrLst>
+    <dgm:effectClrLst/>
+    <dgm:txLinClrLst/>
+    <dgm:txFillClrLst meth="repeat">
+      <a:schemeClr val="dk1"/>
+    </dgm:txFillClrLst>
+    <dgm:txEffectClrLst/>
+  </dgm:styleLbl>
+  <dgm:styleLbl name="fgAcc0">
+    <dgm:fillClrLst meth="repeat">
+      <a:schemeClr val="lt1">
+        <a:alpha val="90000"/>
+      </a:schemeClr>
+    </dgm:fillClrLst>
+    <dgm:linClrLst meth="repeat">
+      <a:schemeClr val="accent1"/>
+    </dgm:linClrLst>
+    <dgm:effectClrLst/>
+    <dgm:txLinClrLst/>
+    <dgm:txFillClrLst meth="repeat">
+      <a:schemeClr val="dk1"/>
+    </dgm:txFillClrLst>
+    <dgm:txEffectClrLst/>
+  </dgm:styleLbl>
+  <dgm:styleLbl name="fgAcc2">
+    <dgm:fillClrLst meth="repeat">
+      <a:schemeClr val="lt1">
+        <a:alpha val="90000"/>
+      </a:schemeClr>
+    </dgm:fillClrLst>
+    <dgm:linClrLst meth="repeat">
+      <a:schemeClr val="accent1"/>
+    </dgm:linClrLst>
+    <dgm:effectClrLst/>
+    <dgm:txLinClrLst/>
+    <dgm:txFillClrLst meth="repeat">
+      <a:schemeClr val="dk1"/>
+    </dgm:txFillClrLst>
+    <dgm:txEffectClrLst/>
+  </dgm:styleLbl>
+  <dgm:styleLbl name="fgAcc3">
+    <dgm:fillClrLst meth="repeat">
+      <a:schemeClr val="lt1">
+        <a:alpha val="90000"/>
+      </a:schemeClr>
+    </dgm:fillClrLst>
+    <dgm:linClrLst meth="repeat">
+      <a:schemeClr val="accent1"/>
+    </dgm:linClrLst>
+    <dgm:effectClrLst/>
+    <dgm:txLinClrLst/>
+    <dgm:txFillClrLst meth="repeat">
+      <a:schemeClr val="dk1"/>
+    </dgm:txFillClrLst>
+    <dgm:txEffectClrLst/>
+  </dgm:styleLbl>
+  <dgm:styleLbl name="fgAcc4">
+    <dgm:fillClrLst meth="repeat">
+      <a:schemeClr val="lt1">
+        <a:alpha val="90000"/>
+      </a:schemeClr>
+    </dgm:fillClrLst>
+    <dgm:linClrLst meth="repeat">
+      <a:schemeClr val="accent1"/>
+    </dgm:linClrLst>
+    <dgm:effectClrLst/>
+    <dgm:txLinClrLst/>
+    <dgm:txFillClrLst meth="repeat">
+      <a:schemeClr val="dk1"/>
+    </dgm:txFillClrLst>
+    <dgm:txEffectClrLst/>
+  </dgm:styleLbl>
+  <dgm:styleLbl name="bgShp">
+    <dgm:fillClrLst meth="repeat">
+      <a:schemeClr val="accent1">
+        <a:tint val="40000"/>
+      </a:schemeClr>
+    </dgm:fillClrLst>
+    <dgm:linClrLst meth="repeat">
+      <a:schemeClr val="accent1"/>
+    </dgm:linClrLst>
+    <dgm:effectClrLst/>
+    <dgm:txLinClrLst/>
+    <dgm:txFillClrLst meth="repeat">
+      <a:schemeClr val="dk1"/>
+    </dgm:txFillClrLst>
+    <dgm:txEffectClrLst/>
+  </dgm:styleLbl>
+  <dgm:styleLbl name="dkBgShp">
+    <dgm:fillClrLst meth="repeat">
+      <a:schemeClr val="accent1">
+        <a:shade val="80000"/>
+      </a:schemeClr>
+    </dgm:fillClrLst>
+    <dgm:linClrLst meth="repeat">
+      <a:schemeClr val="accent1"/>
+    </dgm:linClrLst>
+    <dgm:effectClrLst/>
+    <dgm:txLinClrLst/>
+    <dgm:txFillClrLst meth="repeat">
+      <a:schemeClr val="lt1"/>
+    </dgm:txFillClrLst>
+    <dgm:txEffectClrLst/>
+  </dgm:styleLbl>
+  <dgm:styleLbl name="trBgShp">
+    <dgm:fillClrLst meth="repeat">
+      <a:schemeClr val="accent1">
+        <a:tint val="50000"/>
+        <a:alpha val="40000"/>
+      </a:schemeClr>
+    </dgm:fillClrLst>
+    <dgm:linClrLst meth="repeat">
+      <a:schemeClr val="accent1"/>
+    </dgm:linClrLst>
+    <dgm:effectClrLst/>
+    <dgm:txLinClrLst/>
+    <dgm:txFillClrLst meth="repeat">
+      <a:schemeClr val="lt1"/>
+    </dgm:txFillClrLst>
+    <dgm:txEffectClrLst/>
+  </dgm:styleLbl>
+  <dgm:styleLbl name="fgShp">
+    <dgm:fillClrLst meth="repeat">
+      <a:schemeClr val="accent1">
+        <a:tint val="60000"/>
+      </a:schemeClr>
+    </dgm:fillClrLst>
+    <dgm:linClrLst meth="repeat">
+      <a:schemeClr val="lt1"/>
+    </dgm:linClrLst>
+    <dgm:effectClrLst/>
+    <dgm:txLinClrLst/>
+    <dgm:txFillClrLst meth="repeat">
+      <a:schemeClr val="dk1"/>
+    </dgm:txFillClrLst>
+    <dgm:txEffectClrLst/>
+  </dgm:styleLbl>
+  <dgm:styleLbl name="revTx">
+    <dgm:fillClrLst meth="repeat">
+      <a:schemeClr val="lt1">
+        <a:alpha val="0"/>
+      </a:schemeClr>
+    </dgm:fillClrLst>
+    <dgm:linClrLst meth="repeat">
+      <a:schemeClr val="dk1">
+        <a:alpha val="0"/>
+      </a:schemeClr>
+    </dgm:linClrLst>
+    <dgm:effectClrLst/>
+    <dgm:txLinClrLst/>
+    <dgm:txFillClrLst meth="repeat">
+      <a:schemeClr val="tx1"/>
+    </dgm:txFillClrLst>
+    <dgm:txEffectClrLst/>
+  </dgm:styleLbl>
+</dgm:colorsDef>
+</file>
+
+<file path=ppt/diagrams/data1.xml><?xml version="1.0" encoding="utf-8"?>
+<dgm:dataModel xmlns:dgm="http://schemas.openxmlformats.org/drawingml/2006/diagram" xmlns:a="http://schemas.openxmlformats.org/drawingml/2006/main">
+  <dgm:ptLst>
+    <dgm:pt modelId="{C995CF92-EB3E-453F-A9CD-3BE712462A53}" type="doc">
+      <dgm:prSet loTypeId="urn:microsoft.com/office/officeart/2005/8/layout/process1" loCatId="process" qsTypeId="urn:microsoft.com/office/officeart/2005/8/quickstyle/simple1" qsCatId="simple" csTypeId="urn:microsoft.com/office/officeart/2005/8/colors/accent1_2" csCatId="accent1" phldr="1"/>
+      <dgm:spPr/>
+    </dgm:pt>
+    <dgm:pt modelId="{31F1800A-3DEC-459B-B1A3-7261D91D65A0}">
+      <dgm:prSet phldrT="[文本]"/>
+      <dgm:spPr/>
+      <dgm:t>
+        <a:bodyPr/>
+        <a:lstStyle/>
+        <a:p>
+          <a:r>
+            <a:rPr lang="en-US" altLang="zh-CN" dirty="0" smtClean="0"/>
+            <a:t>jar</a:t>
+          </a:r>
+          <a:endParaRPr lang="zh-CN" altLang="en-US" dirty="0"/>
+        </a:p>
+      </dgm:t>
+    </dgm:pt>
+    <dgm:pt modelId="{1D0C7984-4499-4806-970D-EEB839996AC9}" type="parTrans" cxnId="{823BAD73-E8AC-4996-AF75-BEA3A1EC057D}">
+      <dgm:prSet/>
+      <dgm:spPr/>
+      <dgm:t>
+        <a:bodyPr/>
+        <a:lstStyle/>
+        <a:p>
+          <a:endParaRPr lang="zh-CN" altLang="en-US"/>
+        </a:p>
+      </dgm:t>
+    </dgm:pt>
+    <dgm:pt modelId="{B7E51FA4-DE5E-4796-8431-51CD450300F9}" type="sibTrans" cxnId="{823BAD73-E8AC-4996-AF75-BEA3A1EC057D}">
+      <dgm:prSet/>
+      <dgm:spPr/>
+      <dgm:t>
+        <a:bodyPr/>
+        <a:lstStyle/>
+        <a:p>
+          <a:r>
+            <a:rPr lang="en-US" altLang="zh-CN" dirty="0" err="1" smtClean="0"/>
+            <a:t>Dockerfile</a:t>
+          </a:r>
+          <a:endParaRPr lang="zh-CN" altLang="en-US" dirty="0"/>
+        </a:p>
+      </dgm:t>
+    </dgm:pt>
+    <dgm:pt modelId="{AF820F34-470F-43A5-ABBA-EBEF20CCE344}">
+      <dgm:prSet phldrT="[文本]"/>
+      <dgm:spPr/>
+      <dgm:t>
+        <a:bodyPr/>
+        <a:lstStyle/>
+        <a:p>
+          <a:r>
+            <a:rPr lang="en-US" altLang="zh-CN" dirty="0" smtClean="0"/>
+            <a:t>image</a:t>
+          </a:r>
+          <a:endParaRPr lang="zh-CN" altLang="en-US" dirty="0"/>
+        </a:p>
+      </dgm:t>
+    </dgm:pt>
+    <dgm:pt modelId="{DFC63159-14EE-46B3-8FDC-DDA0F65DF752}" type="parTrans" cxnId="{DD5E142C-5D2D-4B3D-8677-9BC99232E965}">
+      <dgm:prSet/>
+      <dgm:spPr/>
+      <dgm:t>
+        <a:bodyPr/>
+        <a:lstStyle/>
+        <a:p>
+          <a:endParaRPr lang="zh-CN" altLang="en-US"/>
+        </a:p>
+      </dgm:t>
+    </dgm:pt>
+    <dgm:pt modelId="{5AA602EC-BAAE-4E0D-BE53-634534A2F7D4}" type="sibTrans" cxnId="{DD5E142C-5D2D-4B3D-8677-9BC99232E965}">
+      <dgm:prSet/>
+      <dgm:spPr/>
+      <dgm:t>
+        <a:bodyPr/>
+        <a:lstStyle/>
+        <a:p>
+          <a:r>
+            <a:rPr lang="en-US" altLang="zh-CN" dirty="0" smtClean="0"/>
+            <a:t>daemon</a:t>
+          </a:r>
+          <a:endParaRPr lang="zh-CN" altLang="en-US" dirty="0"/>
+        </a:p>
+      </dgm:t>
+    </dgm:pt>
+    <dgm:pt modelId="{382DD019-5A87-4A7D-A505-C65289D1CA90}">
+      <dgm:prSet phldrT="[文本]"/>
+      <dgm:spPr/>
+      <dgm:t>
+        <a:bodyPr/>
+        <a:lstStyle/>
+        <a:p>
+          <a:r>
+            <a:rPr lang="en-US" altLang="zh-CN" dirty="0" smtClean="0"/>
+            <a:t>Container</a:t>
+          </a:r>
+          <a:endParaRPr lang="zh-CN" altLang="en-US" dirty="0"/>
+        </a:p>
+      </dgm:t>
+    </dgm:pt>
+    <dgm:pt modelId="{3C3D1873-E202-4CEB-BC1C-1FFEBBB0DFB7}" type="parTrans" cxnId="{DA1809D7-B286-4CB7-8A39-E5848640E2A1}">
+      <dgm:prSet/>
+      <dgm:spPr/>
+      <dgm:t>
+        <a:bodyPr/>
+        <a:lstStyle/>
+        <a:p>
+          <a:endParaRPr lang="zh-CN" altLang="en-US"/>
+        </a:p>
+      </dgm:t>
+    </dgm:pt>
+    <dgm:pt modelId="{049F2FA4-49F6-428A-8B01-A793BD3D5F66}" type="sibTrans" cxnId="{DA1809D7-B286-4CB7-8A39-E5848640E2A1}">
+      <dgm:prSet/>
+      <dgm:spPr/>
+      <dgm:t>
+        <a:bodyPr/>
+        <a:lstStyle/>
+        <a:p>
+          <a:endParaRPr lang="zh-CN" altLang="en-US"/>
+        </a:p>
+      </dgm:t>
+    </dgm:pt>
+    <dgm:pt modelId="{C04DCD29-FF7E-492C-8790-607C9F739A12}" type="pres">
+      <dgm:prSet presAssocID="{C995CF92-EB3E-453F-A9CD-3BE712462A53}" presName="Name0" presStyleCnt="0">
+        <dgm:presLayoutVars>
+          <dgm:dir/>
+          <dgm:resizeHandles val="exact"/>
+        </dgm:presLayoutVars>
+      </dgm:prSet>
+      <dgm:spPr/>
+    </dgm:pt>
+    <dgm:pt modelId="{F2C87A8E-10E0-4C12-B4E8-27D1F5D3C05D}" type="pres">
+      <dgm:prSet presAssocID="{31F1800A-3DEC-459B-B1A3-7261D91D65A0}" presName="node" presStyleLbl="node1" presStyleIdx="0" presStyleCnt="3" custScaleX="22667" custScaleY="24750">
+        <dgm:presLayoutVars>
+          <dgm:bulletEnabled val="1"/>
+        </dgm:presLayoutVars>
+      </dgm:prSet>
+      <dgm:spPr/>
+    </dgm:pt>
+    <dgm:pt modelId="{158C6D14-200E-42B6-A469-B8A53CAC22D0}" type="pres">
+      <dgm:prSet presAssocID="{B7E51FA4-DE5E-4796-8431-51CD450300F9}" presName="sibTrans" presStyleLbl="sibTrans2D1" presStyleIdx="0" presStyleCnt="2" custScaleX="162109" custScaleY="66487"/>
+      <dgm:spPr/>
+      <dgm:t>
+        <a:bodyPr/>
+        <a:lstStyle/>
+        <a:p>
+          <a:endParaRPr lang="zh-CN" altLang="en-US"/>
+        </a:p>
+      </dgm:t>
+    </dgm:pt>
+    <dgm:pt modelId="{BD36B1A5-ADCB-4910-B599-5874D1B0FECD}" type="pres">
+      <dgm:prSet presAssocID="{B7E51FA4-DE5E-4796-8431-51CD450300F9}" presName="connectorText" presStyleLbl="sibTrans2D1" presStyleIdx="0" presStyleCnt="2"/>
+      <dgm:spPr/>
+      <dgm:t>
+        <a:bodyPr/>
+        <a:lstStyle/>
+        <a:p>
+          <a:endParaRPr lang="zh-CN" altLang="en-US"/>
+        </a:p>
+      </dgm:t>
+    </dgm:pt>
+    <dgm:pt modelId="{D452782F-F94A-4D19-94D0-7FD86F28F5D5}" type="pres">
+      <dgm:prSet presAssocID="{AF820F34-470F-43A5-ABBA-EBEF20CCE344}" presName="node" presStyleLbl="node1" presStyleIdx="1" presStyleCnt="3" custScaleX="36002" custScaleY="25910" custLinFactNeighborX="2272" custLinFactNeighborY="-169">
+        <dgm:presLayoutVars>
+          <dgm:bulletEnabled val="1"/>
+        </dgm:presLayoutVars>
+      </dgm:prSet>
+      <dgm:spPr/>
+    </dgm:pt>
+    <dgm:pt modelId="{593BD4AA-8A0E-4301-A5A9-9B6621635D5F}" type="pres">
+      <dgm:prSet presAssocID="{5AA602EC-BAAE-4E0D-BE53-634534A2F7D4}" presName="sibTrans" presStyleLbl="sibTrans2D1" presStyleIdx="1" presStyleCnt="2" custScaleX="170985" custScaleY="66487"/>
+      <dgm:spPr/>
+    </dgm:pt>
+    <dgm:pt modelId="{629DD7C7-34FE-4D72-8E56-1A5A0E7BB707}" type="pres">
+      <dgm:prSet presAssocID="{5AA602EC-BAAE-4E0D-BE53-634534A2F7D4}" presName="connectorText" presStyleLbl="sibTrans2D1" presStyleIdx="1" presStyleCnt="2"/>
+      <dgm:spPr/>
+    </dgm:pt>
+    <dgm:pt modelId="{3FBC6D82-678F-4304-999D-ADF871094F1D}" type="pres">
+      <dgm:prSet presAssocID="{382DD019-5A87-4A7D-A505-C65289D1CA90}" presName="node" presStyleLbl="node1" presStyleIdx="2" presStyleCnt="3" custScaleX="48183" custScaleY="32180">
+        <dgm:presLayoutVars>
+          <dgm:bulletEnabled val="1"/>
+        </dgm:presLayoutVars>
+      </dgm:prSet>
+      <dgm:spPr/>
+    </dgm:pt>
+  </dgm:ptLst>
+  <dgm:cxnLst>
+    <dgm:cxn modelId="{29A60B7E-87F7-4411-A8E6-B8355D9D3835}" type="presOf" srcId="{31F1800A-3DEC-459B-B1A3-7261D91D65A0}" destId="{F2C87A8E-10E0-4C12-B4E8-27D1F5D3C05D}" srcOrd="0" destOrd="0" presId="urn:microsoft.com/office/officeart/2005/8/layout/process1"/>
+    <dgm:cxn modelId="{8D2AFD01-B6A0-4F85-9886-CA18D9A416D9}" type="presOf" srcId="{382DD019-5A87-4A7D-A505-C65289D1CA90}" destId="{3FBC6D82-678F-4304-999D-ADF871094F1D}" srcOrd="0" destOrd="0" presId="urn:microsoft.com/office/officeart/2005/8/layout/process1"/>
+    <dgm:cxn modelId="{823BAD73-E8AC-4996-AF75-BEA3A1EC057D}" srcId="{C995CF92-EB3E-453F-A9CD-3BE712462A53}" destId="{31F1800A-3DEC-459B-B1A3-7261D91D65A0}" srcOrd="0" destOrd="0" parTransId="{1D0C7984-4499-4806-970D-EEB839996AC9}" sibTransId="{B7E51FA4-DE5E-4796-8431-51CD450300F9}"/>
+    <dgm:cxn modelId="{FD543C80-A77B-4F4E-8183-E43177C67DD8}" type="presOf" srcId="{B7E51FA4-DE5E-4796-8431-51CD450300F9}" destId="{BD36B1A5-ADCB-4910-B599-5874D1B0FECD}" srcOrd="1" destOrd="0" presId="urn:microsoft.com/office/officeart/2005/8/layout/process1"/>
+    <dgm:cxn modelId="{233EFC5F-51AF-4FB6-8885-A7DFE0C408C8}" type="presOf" srcId="{AF820F34-470F-43A5-ABBA-EBEF20CCE344}" destId="{D452782F-F94A-4D19-94D0-7FD86F28F5D5}" srcOrd="0" destOrd="0" presId="urn:microsoft.com/office/officeart/2005/8/layout/process1"/>
+    <dgm:cxn modelId="{6D4FB35F-5AE3-4BF1-A4AD-4259F5C4AA50}" type="presOf" srcId="{5AA602EC-BAAE-4E0D-BE53-634534A2F7D4}" destId="{629DD7C7-34FE-4D72-8E56-1A5A0E7BB707}" srcOrd="1" destOrd="0" presId="urn:microsoft.com/office/officeart/2005/8/layout/process1"/>
+    <dgm:cxn modelId="{DD5E142C-5D2D-4B3D-8677-9BC99232E965}" srcId="{C995CF92-EB3E-453F-A9CD-3BE712462A53}" destId="{AF820F34-470F-43A5-ABBA-EBEF20CCE344}" srcOrd="1" destOrd="0" parTransId="{DFC63159-14EE-46B3-8FDC-DDA0F65DF752}" sibTransId="{5AA602EC-BAAE-4E0D-BE53-634534A2F7D4}"/>
+    <dgm:cxn modelId="{5E5695EE-031A-498A-AB27-D529CA6016DB}" type="presOf" srcId="{5AA602EC-BAAE-4E0D-BE53-634534A2F7D4}" destId="{593BD4AA-8A0E-4301-A5A9-9B6621635D5F}" srcOrd="0" destOrd="0" presId="urn:microsoft.com/office/officeart/2005/8/layout/process1"/>
+    <dgm:cxn modelId="{DA1809D7-B286-4CB7-8A39-E5848640E2A1}" srcId="{C995CF92-EB3E-453F-A9CD-3BE712462A53}" destId="{382DD019-5A87-4A7D-A505-C65289D1CA90}" srcOrd="2" destOrd="0" parTransId="{3C3D1873-E202-4CEB-BC1C-1FFEBBB0DFB7}" sibTransId="{049F2FA4-49F6-428A-8B01-A793BD3D5F66}"/>
+    <dgm:cxn modelId="{938853EC-0D87-42DC-8CF6-20EB10FAFB35}" type="presOf" srcId="{C995CF92-EB3E-453F-A9CD-3BE712462A53}" destId="{C04DCD29-FF7E-492C-8790-607C9F739A12}" srcOrd="0" destOrd="0" presId="urn:microsoft.com/office/officeart/2005/8/layout/process1"/>
+    <dgm:cxn modelId="{F351F923-CD92-4D8F-8026-1112FE0CE377}" type="presOf" srcId="{B7E51FA4-DE5E-4796-8431-51CD450300F9}" destId="{158C6D14-200E-42B6-A469-B8A53CAC22D0}" srcOrd="0" destOrd="0" presId="urn:microsoft.com/office/officeart/2005/8/layout/process1"/>
+    <dgm:cxn modelId="{7D0D3E2F-C107-4981-8D0D-E28C226D7237}" type="presParOf" srcId="{C04DCD29-FF7E-492C-8790-607C9F739A12}" destId="{F2C87A8E-10E0-4C12-B4E8-27D1F5D3C05D}" srcOrd="0" destOrd="0" presId="urn:microsoft.com/office/officeart/2005/8/layout/process1"/>
+    <dgm:cxn modelId="{076E1863-C387-49F5-BC0C-5EFB3EC1A017}" type="presParOf" srcId="{C04DCD29-FF7E-492C-8790-607C9F739A12}" destId="{158C6D14-200E-42B6-A469-B8A53CAC22D0}" srcOrd="1" destOrd="0" presId="urn:microsoft.com/office/officeart/2005/8/layout/process1"/>
+    <dgm:cxn modelId="{B2E12061-66CE-44D2-8F2B-EB7757717EC4}" type="presParOf" srcId="{158C6D14-200E-42B6-A469-B8A53CAC22D0}" destId="{BD36B1A5-ADCB-4910-B599-5874D1B0FECD}" srcOrd="0" destOrd="0" presId="urn:microsoft.com/office/officeart/2005/8/layout/process1"/>
+    <dgm:cxn modelId="{EDC64F1E-5925-48B6-ABEB-31183C2124BF}" type="presParOf" srcId="{C04DCD29-FF7E-492C-8790-607C9F739A12}" destId="{D452782F-F94A-4D19-94D0-7FD86F28F5D5}" srcOrd="2" destOrd="0" presId="urn:microsoft.com/office/officeart/2005/8/layout/process1"/>
+    <dgm:cxn modelId="{59933875-256D-460E-A5EA-7801A96AFE6D}" type="presParOf" srcId="{C04DCD29-FF7E-492C-8790-607C9F739A12}" destId="{593BD4AA-8A0E-4301-A5A9-9B6621635D5F}" srcOrd="3" destOrd="0" presId="urn:microsoft.com/office/officeart/2005/8/layout/process1"/>
+    <dgm:cxn modelId="{FD3F6182-E566-4601-937F-054328F2ADDA}" type="presParOf" srcId="{593BD4AA-8A0E-4301-A5A9-9B6621635D5F}" destId="{629DD7C7-34FE-4D72-8E56-1A5A0E7BB707}" srcOrd="0" destOrd="0" presId="urn:microsoft.com/office/officeart/2005/8/layout/process1"/>
+    <dgm:cxn modelId="{F2709F96-0EFD-4820-B126-6E61E0B484CB}" type="presParOf" srcId="{C04DCD29-FF7E-492C-8790-607C9F739A12}" destId="{3FBC6D82-678F-4304-999D-ADF871094F1D}" srcOrd="4" destOrd="0" presId="urn:microsoft.com/office/officeart/2005/8/layout/process1"/>
+  </dgm:cxnLst>
+  <dgm:bg/>
+  <dgm:whole/>
+</dgm:dataModel>
+</file>
+
+<file path=ppt/diagrams/layout1.xml><?xml version="1.0" encoding="utf-8"?>
+<dgm:layoutDef xmlns:dgm="http://schemas.openxmlformats.org/drawingml/2006/diagram" xmlns:a="http://schemas.openxmlformats.org/drawingml/2006/main" uniqueId="urn:microsoft.com/office/officeart/2005/8/layout/process1">
+  <dgm:title val=""/>
+  <dgm:desc val=""/>
+  <dgm:catLst>
+    <dgm:cat type="process" pri="1000"/>
+    <dgm:cat type="convert" pri="15000"/>
+  </dgm:catLst>
+  <dgm:sampData useDef="1">
+    <dgm:dataModel>
+      <dgm:ptLst/>
+      <dgm:bg/>
+      <dgm:whole/>
+    </dgm:dataModel>
+  </dgm:sampData>
+  <dgm:styleData>
+    <dgm:dataModel>
+      <dgm:ptLst>
+        <dgm:pt modelId="0" type="doc"/>
+        <dgm:pt modelId="1"/>
+        <dgm:pt modelId="2"/>
+      </dgm:ptLst>
+      <dgm:cxnLst>
+        <dgm:cxn modelId="3" srcId="0" destId="1" srcOrd="0" destOrd="0"/>
+        <dgm:cxn modelId="4" srcId="0" destId="2" srcOrd="1" destOrd="0"/>
+      </dgm:cxnLst>
+      <dgm:bg/>
+      <dgm:whole/>
+    </dgm:dataModel>
+  </dgm:styleData>
+  <dgm:clrData>
+    <dgm:dataModel>
+      <dgm:ptLst>
+        <dgm:pt modelId="0" type="doc"/>
+        <dgm:pt modelId="1"/>
+        <dgm:pt modelId="2"/>
+        <dgm:pt modelId="3"/>
+        <dgm:pt modelId="4"/>
+      </dgm:ptLst>
+      <dgm:cxnLst>
+        <dgm:cxn modelId="5" srcId="0" destId="1" srcOrd="0" destOrd="0"/>
+        <dgm:cxn modelId="6" srcId="0" destId="2" srcOrd="1" destOrd="0"/>
+        <dgm:cxn modelId="7" srcId="0" destId="3" srcOrd="2" destOrd="0"/>
+        <dgm:cxn modelId="8" srcId="0" destId="4" srcOrd="3" destOrd="0"/>
+      </dgm:cxnLst>
+      <dgm:bg/>
+      <dgm:whole/>
+    </dgm:dataModel>
+  </dgm:clrData>
+  <dgm:layoutNode name="Name0">
+    <dgm:varLst>
+      <dgm:dir/>
+      <dgm:resizeHandles val="exact"/>
+    </dgm:varLst>
+    <dgm:choose name="Name1">
+      <dgm:if name="Name2" func="var" arg="dir" op="equ" val="norm">
+        <dgm:alg type="lin"/>
+      </dgm:if>
+      <dgm:else name="Name3">
+        <dgm:alg type="lin">
+          <dgm:param type="linDir" val="fromR"/>
+        </dgm:alg>
+      </dgm:else>
+    </dgm:choose>
+    <dgm:shape xmlns:r="http://schemas.openxmlformats.org/officeDocument/2006/relationships" r:blip="">
+      <dgm:adjLst/>
+    </dgm:shape>
+    <dgm:presOf/>
+    <dgm:constrLst>
+      <dgm:constr type="w" for="ch" ptType="node" refType="w"/>
+      <dgm:constr type="h" for="ch" ptType="node" op="equ"/>
+      <dgm:constr type="primFontSz" for="ch" ptType="node" op="equ" val="65"/>
+      <dgm:constr type="w" for="ch" ptType="sibTrans" refType="w" refFor="ch" refPtType="node" op="equ" fact="0.4"/>
+      <dgm:constr type="h" for="ch" ptType="sibTrans" op="equ"/>
+      <dgm:constr type="primFontSz" for="des" forName="connectorText" op="equ" val="55"/>
+      <dgm:constr type="primFontSz" for="des" forName="connectorText" refType="primFontSz" refFor="ch" refPtType="node" op="lte" fact="0.8"/>
+    </dgm:constrLst>
+    <dgm:ruleLst/>
+    <dgm:forEach name="nodesForEach" axis="ch" ptType="node">
+      <dgm:layoutNode name="node">
+        <dgm:varLst>
+          <dgm:bulletEnabled val="1"/>
+        </dgm:varLst>
+        <dgm:alg type="tx"/>
+        <dgm:shape xmlns:r="http://schemas.openxmlformats.org/officeDocument/2006/relationships" type="roundRect" r:blip="">
+          <dgm:adjLst>
+            <dgm:adj idx="1" val="0.1"/>
+          </dgm:adjLst>
+        </dgm:shape>
+        <dgm:presOf axis="desOrSelf" ptType="node"/>
+        <dgm:constrLst>
+          <dgm:constr type="h" refType="w" fact="0.6"/>
+          <dgm:constr type="tMarg" refType="primFontSz" fact="0.3"/>
+          <dgm:constr type="bMarg" refType="primFontSz" fact="0.3"/>
+          <dgm:constr type="lMarg" refType="primFontSz" fact="0.3"/>
+          <dgm:constr type="rMarg" refType="primFontSz" fact="0.3"/>
+        </dgm:constrLst>
+        <dgm:ruleLst>
+          <dgm:rule type="primFontSz" val="18" fact="NaN" max="NaN"/>
+          <dgm:rule type="h" val="NaN" fact="1.5" max="NaN"/>
+          <dgm:rule type="primFontSz" val="5" fact="NaN" max="NaN"/>
+          <dgm:rule type="h" val="INF" fact="NaN" max="NaN"/>
+        </dgm:ruleLst>
+      </dgm:layoutNode>
+      <dgm:forEach name="sibTransForEach" axis="followSib" ptType="sibTrans" cnt="1">
+        <dgm:layoutNode name="sibTrans">
+          <dgm:alg type="conn">
+            <dgm:param type="begPts" val="auto"/>
+            <dgm:param type="endPts" val="auto"/>
+          </dgm:alg>
+          <dgm:shape xmlns:r="http://schemas.openxmlformats.org/officeDocument/2006/relationships" type="conn" r:blip="">
+            <dgm:adjLst/>
+          </dgm:shape>
+          <dgm:presOf axis="self"/>
+          <dgm:constrLst>
+            <dgm:constr type="h" refType="w" fact="0.62"/>
+            <dgm:constr type="connDist"/>
+            <dgm:constr type="begPad" refType="connDist" fact="0.25"/>
+            <dgm:constr type="endPad" refType="connDist" fact="0.22"/>
+          </dgm:constrLst>
+          <dgm:ruleLst/>
+          <dgm:layoutNode name="connectorText">
+            <dgm:alg type="tx">
+              <dgm:param type="autoTxRot" val="grav"/>
+            </dgm:alg>
+            <dgm:shape xmlns:r="http://schemas.openxmlformats.org/officeDocument/2006/relationships" type="conn" r:blip="" hideGeom="1">
+              <dgm:adjLst/>
+            </dgm:shape>
+            <dgm:presOf axis="self"/>
+            <dgm:constrLst>
+              <dgm:constr type="lMarg"/>
+              <dgm:constr type="rMarg"/>
+              <dgm:constr type="tMarg"/>
+              <dgm:constr type="bMarg"/>
+            </dgm:constrLst>
+            <dgm:ruleLst>
+              <dgm:rule type="primFontSz" val="5" fact="NaN" max="NaN"/>
+            </dgm:ruleLst>
+          </dgm:layoutNode>
+        </dgm:layoutNode>
+      </dgm:forEach>
+    </dgm:forEach>
+  </dgm:layoutNode>
+</dgm:layoutDef>
+</file>
+
+<file path=ppt/diagrams/quickStyle1.xml><?xml version="1.0" encoding="utf-8"?>
+<dgm:styleDef xmlns:dgm="http://schemas.openxmlformats.org/drawingml/2006/diagram" xmlns:a="http://schemas.openxmlformats.org/drawingml/2006/main" uniqueId="urn:microsoft.com/office/officeart/2005/8/quickstyle/simple1">
+  <dgm:title val=""/>
+  <dgm:desc val=""/>
+  <dgm:catLst>
+    <dgm:cat type="simple" pri="10100"/>
+  </dgm:catLst>
+  <dgm:scene3d>
+    <a:camera prst="orthographicFront"/>
+    <a:lightRig rig="threePt" dir="t"/>
+  </dgm:scene3d>
+  <dgm:styleLbl name="node0">
+    <dgm:scene3d>
+      <a:camera prst="orthographicFront"/>
+      <a:lightRig rig="threePt" dir="t"/>
+    </dgm:scene3d>
+    <dgm:sp3d/>
+    <dgm:txPr/>
+    <dgm:style>
+      <a:lnRef idx="2">
+        <a:scrgbClr r="0" g="0" b="0"/>
+      </a:lnRef>
+      <a:fillRef idx="1">
+        <a:scrgbClr r="0" g="0" b="0"/>
+      </a:fillRef>
+      <a:effectRef idx="0">
+        <a:scrgbClr r="0" g="0" b="0"/>
+      </a:effectRef>
+      <a:fontRef idx="minor">
+        <a:schemeClr val="lt1"/>
+      </a:fontRef>
+    </dgm:style>
+  </dgm:styleLbl>
+  <dgm:styleLbl name="lnNode1">
+    <dgm:scene3d>
+      <a:camera prst="orthographicFront"/>
+      <a:lightRig rig="threePt" dir="t"/>
+    </dgm:scene3d>
+    <dgm:sp3d/>
+    <dgm:txPr/>
+    <dgm:style>
+      <a:lnRef idx="2">
+        <a:scrgbClr r="0" g="0" b="0"/>
+      </a:lnRef>
+      <a:fillRef idx="1">
+        <a:scrgbClr r="0" g="0" b="0"/>
+      </a:fillRef>
+      <a:effectRef idx="0">
+        <a:scrgbClr r="0" g="0" b="0"/>
+      </a:effectRef>
+      <a:fontRef idx="minor">
+        <a:schemeClr val="lt1"/>
+      </a:fontRef>
+    </dgm:style>
+  </dgm:styleLbl>
+  <dgm:styleLbl name="vennNode1">
+    <dgm:scene3d>
+      <a:camera prst="orthographicFront"/>
+      <a:lightRig rig="threePt" dir="t"/>
+    </dgm:scene3d>
+    <dgm:sp3d/>
+    <dgm:txPr/>
+    <dgm:style>
+      <a:lnRef idx="2">
+        <a:scrgbClr r="0" g="0" b="0"/>
+      </a:lnRef>
+      <a:fillRef idx="1">
+        <a:scrgbClr r="0" g="0" b="0"/>
+      </a:fillRef>
+      <a:effectRef idx="0">
+        <a:scrgbClr r="0" g="0" b="0"/>
+      </a:effectRef>
+      <a:fontRef idx="minor">
+        <a:schemeClr val="tx1"/>
+      </a:fontRef>
+    </dgm:style>
+  </dgm:styleLbl>
+  <dgm:styleLbl name="alignNode1">
+    <dgm:scene3d>
+      <a:camera prst="orthographicFront"/>
+      <a:lightRig rig="threePt" dir="t"/>
+    </dgm:scene3d>
+    <dgm:sp3d/>
+    <dgm:txPr/>
+    <dgm:style>
+      <a:lnRef idx="2">
+        <a:scrgbClr r="0" g="0" b="0"/>
+      </a:lnRef>
+      <a:fillRef idx="1">
+        <a:scrgbClr r="0" g="0" b="0"/>
+      </a:fillRef>
+      <a:effectRef idx="0">
+        <a:scrgbClr r="0" g="0" b="0"/>
+      </a:effectRef>
+      <a:fontRef idx="minor">
+        <a:schemeClr val="lt1"/>
+      </a:fontRef>
+    </dgm:style>
+  </dgm:styleLbl>
+  <dgm:styleLbl name="node1">
+    <dgm:scene3d>
+      <a:camera prst="orthographicFront"/>
+      <a:lightRig rig="threePt" dir="t"/>
+    </dgm:scene3d>
+    <dgm:sp3d/>
+    <dgm:txPr/>
+    <dgm:style>
+      <a:lnRef idx="2">
+        <a:scrgbClr r="0" g="0" b="0"/>
+      </a:lnRef>
+      <a:fillRef idx="1">
+        <a:scrgbClr r="0" g="0" b="0"/>
+      </a:fillRef>
+      <a:effectRef idx="0">
+        <a:scrgbClr r="0" g="0" b="0"/>
+      </a:effectRef>
+      <a:fontRef idx="minor">
+        <a:schemeClr val="lt1"/>
+      </a:fontRef>
+    </dgm:style>
+  </dgm:styleLbl>
+  <dgm:styleLbl name="node2">
+    <dgm:scene3d>
+      <a:camera prst="orthographicFront"/>
+      <a:lightRig rig="threePt" dir="t"/>
+    </dgm:scene3d>
+    <dgm:sp3d/>
+    <dgm:txPr/>
+    <dgm:style>
+      <a:lnRef idx="2">
+        <a:scrgbClr r="0" g="0" b="0"/>
+      </a:lnRef>
+      <a:fillRef idx="1">
+        <a:scrgbClr r="0" g="0" b="0"/>
+      </a:fillRef>
+      <a:effectRef idx="0">
+        <a:scrgbClr r="0" g="0" b="0"/>
+      </a:effectRef>
+      <a:fontRef idx="minor">
+        <a:schemeClr val="lt1"/>
+      </a:fontRef>
+    </dgm:style>
+  </dgm:styleLbl>
+  <dgm:styleLbl name="node3">
+    <dgm:scene3d>
+      <a:camera prst="orthographicFront"/>
+      <a:lightRig rig="threePt" dir="t"/>
+    </dgm:scene3d>
+    <dgm:sp3d/>
+    <dgm:txPr/>
+    <dgm:style>
+      <a:lnRef idx="2">
+        <a:scrgbClr r="0" g="0" b="0"/>
+      </a:lnRef>
+      <a:fillRef idx="1">
+        <a:scrgbClr r="0" g="0" b="0"/>
+      </a:fillRef>
+      <a:effectRef idx="0">
+        <a:scrgbClr r="0" g="0" b="0"/>
+      </a:effectRef>
+      <a:fontRef idx="minor">
+        <a:schemeClr val="lt1"/>
+      </a:fontRef>
+    </dgm:style>
+  </dgm:styleLbl>
+  <dgm:styleLbl name="node4">
+    <dgm:scene3d>
+      <a:camera prst="orthographicFront"/>
+      <a:lightRig rig="threePt" dir="t"/>
+    </dgm:scene3d>
+    <dgm:sp3d/>
+    <dgm:txPr/>
+    <dgm:style>
+      <a:lnRef idx="2">
+        <a:scrgbClr r="0" g="0" b="0"/>
+      </a:lnRef>
+      <a:fillRef idx="1">
+        <a:scrgbClr r="0" g="0" b="0"/>
+      </a:fillRef>
+      <a:effectRef idx="0">
+        <a:scrgbClr r="0" g="0" b="0"/>
+      </a:effectRef>
+      <a:fontRef idx="minor">
+        <a:schemeClr val="lt1"/>
+      </a:fontRef>
+    </dgm:style>
+  </dgm:styleLbl>
+  <dgm:styleLbl name="fgImgPlace1">
+    <dgm:scene3d>
+      <a:camera prst="orthographicFront"/>
+      <a:lightRig rig="threePt" dir="t"/>
+    </dgm:scene3d>
+    <dgm:sp3d/>
+    <dgm:txPr/>
+    <dgm:style>
+      <a:lnRef idx="2">
+        <a:scrgbClr r="0" g="0" b="0"/>
+      </a:lnRef>
+      <a:fillRef idx="1">
+        <a:scrgbClr r="0" g="0" b="0"/>
+      </a:fillRef>
+      <a:effectRef idx="0">
+        <a:scrgbClr r="0" g="0" b="0"/>
+      </a:effectRef>
+      <a:fontRef idx="minor"/>
+    </dgm:style>
+  </dgm:styleLbl>
+  <dgm:styleLbl name="alignImgPlace1">
+    <dgm:scene3d>
+      <a:camera prst="orthographicFront"/>
+      <a:lightRig rig="threePt" dir="t"/>
+    </dgm:scene3d>
+    <dgm:sp3d/>
+    <dgm:txPr/>
+    <dgm:style>
+      <a:lnRef idx="2">
+        <a:scrgbClr r="0" g="0" b="0"/>
+      </a:lnRef>
+      <a:fillRef idx="1">
+        <a:scrgbClr r="0" g="0" b="0"/>
+      </a:fillRef>
+      <a:effectRef idx="0">
+        <a:scrgbClr r="0" g="0" b="0"/>
+      </a:effectRef>
+      <a:fontRef idx="minor"/>
+    </dgm:style>
+  </dgm:styleLbl>
+  <dgm:styleLbl name="bgImgPlace1">
+    <dgm:scene3d>
+      <a:camera prst="orthographicFront"/>
+      <a:lightRig rig="threePt" dir="t"/>
+    </dgm:scene3d>
+    <dgm:sp3d/>
+    <dgm:txPr/>
+    <dgm:style>
+      <a:lnRef idx="2">
+        <a:scrgbClr r="0" g="0" b="0"/>
+      </a:lnRef>
+      <a:fillRef idx="1">
+        <a:scrgbClr r="0" g="0" b="0"/>
+      </a:fillRef>
+      <a:effectRef idx="0">
+        <a:scrgbClr r="0" g="0" b="0"/>
+      </a:effectRef>
+      <a:fontRef idx="minor"/>
+    </dgm:style>
+  </dgm:styleLbl>
+  <dgm:styleLbl name="sibTrans2D1">
+    <dgm:scene3d>
+      <a:camera prst="orthographicFront"/>
+      <a:lightRig rig="threePt" dir="t"/>
+    </dgm:scene3d>
+    <dgm:sp3d/>
+    <dgm:txPr/>
+    <dgm:style>
+      <a:lnRef idx="0">
+        <a:scrgbClr r="0" g="0" b="0"/>
+      </a:lnRef>
+      <a:fillRef idx="1">
+        <a:scrgbClr r="0" g="0" b="0"/>
+      </a:fillRef>
+      <a:effectRef idx="0">
+        <a:scrgbClr r="0" g="0" b="0"/>
+      </a:effectRef>
+      <a:fontRef idx="minor">
+        <a:schemeClr val="lt1"/>
+      </a:fontRef>
+    </dgm:style>
+  </dgm:styleLbl>
+  <dgm:styleLbl name="fgSibTrans2D1">
+    <dgm:scene3d>
+      <a:camera prst="orthographicFront"/>
+      <a:lightRig rig="threePt" dir="t"/>
+    </dgm:scene3d>
+    <dgm:sp3d/>
+    <dgm:txPr/>
+    <dgm:style>
+      <a:lnRef idx="0">
+        <a:scrgbClr r="0" g="0" b="0"/>
+      </a:lnRef>
+      <a:fillRef idx="1">
+        <a:scrgbClr r="0" g="0" b="0"/>
+      </a:fillRef>
+      <a:effectRef idx="0">
+        <a:scrgbClr r="0" g="0" b="0"/>
+      </a:effectRef>
+      <a:fontRef idx="minor">
+        <a:schemeClr val="lt1"/>
+      </a:fontRef>
+    </dgm:style>
+  </dgm:styleLbl>
+  <dgm:styleLbl name="bgSibTrans2D1">
+    <dgm:scene3d>
+      <a:camera prst="orthographicFront"/>
+      <a:lightRig rig="threePt" dir="t"/>
+    </dgm:scene3d>
+    <dgm:sp3d/>
+    <dgm:txPr/>
+    <dgm:style>
+      <a:lnRef idx="0">
+        <a:scrgbClr r="0" g="0" b="0"/>
+      </a:lnRef>
+      <a:fillRef idx="1">
+        <a:scrgbClr r="0" g="0" b="0"/>
+      </a:fillRef>
+      <a:effectRef idx="0">
+        <a:scrgbClr r="0" g="0" b="0"/>
+      </a:effectRef>
+      <a:fontRef idx="minor">
+        <a:schemeClr val="lt1"/>
+      </a:fontRef>
+    </dgm:style>
+  </dgm:styleLbl>
+  <dgm:styleLbl name="sibTrans1D1">
+    <dgm:scene3d>
+      <a:camera prst="orthographicFront"/>
+      <a:lightRig rig="threePt" dir="t"/>
+    </dgm:scene3d>
+    <dgm:sp3d/>
+    <dgm:txPr/>
+    <dgm:style>
+      <a:lnRef idx="1">
+        <a:scrgbClr r="0" g="0" b="0"/>
+      </a:lnRef>
+      <a:fillRef idx="0">
+        <a:scrgbClr r="0" g="0" b="0"/>
+      </a:fillRef>
+      <a:effectRef idx="0">
+        <a:scrgbClr r="0" g="0" b="0"/>
+      </a:effectRef>
+      <a:fontRef idx="minor"/>
+    </dgm:style>
+  </dgm:styleLbl>
+  <dgm:styleLbl name="callout">
+    <dgm:scene3d>
+      <a:camera prst="orthographicFront"/>
+      <a:lightRig rig="threePt" dir="t"/>
+    </dgm:scene3d>
+    <dgm:sp3d/>
+    <dgm:txPr/>
+    <dgm:style>
+      <a:lnRef idx="2">
+        <a:scrgbClr r="0" g="0" b="0"/>
+      </a:lnRef>
+      <a:fillRef idx="1">
+        <a:scrgbClr r="0" g="0" b="0"/>
+      </a:fillRef>
+      <a:effectRef idx="0">
+        <a:scrgbClr r="0" g="0" b="0"/>
+      </a:effectRef>
+      <a:fontRef idx="minor"/>
+    </dgm:style>
+  </dgm:styleLbl>
+  <dgm:styleLbl name="asst0">
+    <dgm:scene3d>
+      <a:camera prst="orthographicFront"/>
+      <a:lightRig rig="threePt" dir="t"/>
+    </dgm:scene3d>
+    <dgm:sp3d/>
+    <dgm:txPr/>
+    <dgm:style>
+      <a:lnRef idx="2">
+        <a:scrgbClr r="0" g="0" b="0"/>
+      </a:lnRef>
+      <a:fillRef idx="1">
+        <a:scrgbClr r="0" g="0" b="0"/>
+      </a:fillRef>
+      <a:effectRef idx="0">
+        <a:scrgbClr r="0" g="0" b="0"/>
+      </a:effectRef>
+      <a:fontRef idx="minor">
+        <a:schemeClr val="lt1"/>
+      </a:fontRef>
+    </dgm:style>
+  </dgm:styleLbl>
+  <dgm:styleLbl name="asst1">
+    <dgm:scene3d>
+      <a:camera prst="orthographicFront"/>
+      <a:lightRig rig="threePt" dir="t"/>
+    </dgm:scene3d>
+    <dgm:sp3d/>
+    <dgm:txPr/>
+    <dgm:style>
+      <a:lnRef idx="2">
+        <a:scrgbClr r="0" g="0" b="0"/>
+      </a:lnRef>
+      <a:fillRef idx="1">
+        <a:scrgbClr r="0" g="0" b="0"/>
+      </a:fillRef>
+      <a:effectRef idx="0">
+        <a:scrgbClr r="0" g="0" b="0"/>
+      </a:effectRef>
+      <a:fontRef idx="minor">
+        <a:schemeClr val="lt1"/>
+      </a:fontRef>
+    </dgm:style>
+  </dgm:styleLbl>
+  <dgm:styleLbl name="asst2">
+    <dgm:scene3d>
+      <a:camera prst="orthographicFront"/>
+      <a:lightRig rig="threePt" dir="t"/>
+    </dgm:scene3d>
+    <dgm:sp3d/>
+    <dgm:txPr/>
+    <dgm:style>
+      <a:lnRef idx="2">
+        <a:scrgbClr r="0" g="0" b="0"/>
+      </a:lnRef>
+      <a:fillRef idx="1">
+        <a:scrgbClr r="0" g="0" b="0"/>
+      </a:fillRef>
+      <a:effectRef idx="0">
+        <a:scrgbClr r="0" g="0" b="0"/>
+      </a:effectRef>
+      <a:fontRef idx="minor">
+        <a:schemeClr val="lt1"/>
+      </a:fontRef>
+    </dgm:style>
+  </dgm:styleLbl>
+  <dgm:styleLbl name="asst3">
+    <dgm:scene3d>
+      <a:camera prst="orthographicFront"/>
+      <a:lightRig rig="threePt" dir="t"/>
+    </dgm:scene3d>
+    <dgm:sp3d/>
+    <dgm:txPr/>
+    <dgm:style>
+      <a:lnRef idx="2">
+        <a:scrgbClr r="0" g="0" b="0"/>
+      </a:lnRef>
+      <a:fillRef idx="1">
+        <a:scrgbClr r="0" g="0" b="0"/>
+      </a:fillRef>
+      <a:effectRef idx="0">
+        <a:scrgbClr r="0" g="0" b="0"/>
+      </a:effectRef>
+      <a:fontRef idx="minor">
+        <a:schemeClr val="lt1"/>
+      </a:fontRef>
+    </dgm:style>
+  </dgm:styleLbl>
+  <dgm:styleLbl name="asst4">
+    <dgm:scene3d>
+      <a:camera prst="orthographicFront"/>
+      <a:lightRig rig="threePt" dir="t"/>
+    </dgm:scene3d>
+    <dgm:sp3d/>
+    <dgm:txPr/>
+    <dgm:style>
+      <a:lnRef idx="2">
+        <a:scrgbClr r="0" g="0" b="0"/>
+      </a:lnRef>
+      <a:fillRef idx="1">
+        <a:scrgbClr r="0" g="0" b="0"/>
+      </a:fillRef>
+      <a:effectRef idx="0">
+        <a:scrgbClr r="0" g="0" b="0"/>
+      </a:effectRef>
+      <a:fontRef idx="minor">
+        <a:schemeClr val="lt1"/>
+      </a:fontRef>
+    </dgm:style>
+  </dgm:styleLbl>
+  <dgm:styleLbl name="parChTrans2D1">
+    <dgm:scene3d>
+      <a:camera prst="orthographicFront"/>
+      <a:lightRig rig="threePt" dir="t"/>
+    </dgm:scene3d>
+    <dgm:sp3d/>
+    <dgm:txPr/>
+    <dgm:style>
+      <a:lnRef idx="2">
+        <a:scrgbClr r="0" g="0" b="0"/>
+      </a:lnRef>
+      <a:fillRef idx="1">
+        <a:scrgbClr r="0" g="0" b="0"/>
+      </a:fillRef>
+      <a:effectRef idx="0">
+        <a:scrgbClr r="0" g="0" b="0"/>
+      </a:effectRef>
+      <a:fontRef idx="minor">
+        <a:schemeClr val="lt1"/>
+      </a:fontRef>
+    </dgm:style>
+  </dgm:styleLbl>
+  <dgm:styleLbl name="parChTrans2D2">
+    <dgm:scene3d>
+      <a:camera prst="orthographicFront"/>
+      <a:lightRig rig="threePt" dir="t"/>
+    </dgm:scene3d>
+    <dgm:sp3d/>
+    <dgm:txPr/>
+    <dgm:style>
+      <a:lnRef idx="2">
+        <a:scrgbClr r="0" g="0" b="0"/>
+      </a:lnRef>
+      <a:fillRef idx="1">
+        <a:scrgbClr r="0" g="0" b="0"/>
+      </a:fillRef>
+      <a:effectRef idx="0">
+        <a:scrgbClr r="0" g="0" b="0"/>
+      </a:effectRef>
+      <a:fontRef idx="minor">
+        <a:schemeClr val="lt1"/>
+      </a:fontRef>
+    </dgm:style>
+  </dgm:styleLbl>
+  <dgm:styleLbl name="parChTrans2D3">
+    <dgm:scene3d>
+      <a:camera prst="orthographicFront"/>
+      <a:lightRig rig="threePt" dir="t"/>
+    </dgm:scene3d>
+    <dgm:sp3d/>
+    <dgm:txPr/>
+    <dgm:style>
+      <a:lnRef idx="2">
+        <a:scrgbClr r="0" g="0" b="0"/>
+      </a:lnRef>
+      <a:fillRef idx="1">
+        <a:scrgbClr r="0" g="0" b="0"/>
+      </a:fillRef>
+      <a:effectRef idx="0">
+        <a:scrgbClr r="0" g="0" b="0"/>
+      </a:effectRef>
+      <a:fontRef idx="minor">
+        <a:schemeClr val="lt1"/>
+      </a:fontRef>
+    </dgm:style>
+  </dgm:styleLbl>
+  <dgm:styleLbl name="parChTrans2D4">
+    <dgm:scene3d>
+      <a:camera prst="orthographicFront"/>
+      <a:lightRig rig="threePt" dir="t"/>
+    </dgm:scene3d>
+    <dgm:sp3d/>
+    <dgm:txPr/>
+    <dgm:style>
+      <a:lnRef idx="2">
+        <a:scrgbClr r="0" g="0" b="0"/>
+      </a:lnRef>
+      <a:fillRef idx="1">
+        <a:scrgbClr r="0" g="0" b="0"/>
+      </a:fillRef>
+      <a:effectRef idx="0">
+        <a:scrgbClr r="0" g="0" b="0"/>
+      </a:effectRef>
+      <a:fontRef idx="minor">
+        <a:schemeClr val="lt1"/>
+      </a:fontRef>
+    </dgm:style>
+  </dgm:styleLbl>
+  <dgm:styleLbl name="parChTrans1D1">
+    <dgm:scene3d>
+      <a:camera prst="orthographicFront"/>
+      <a:lightRig rig="threePt" dir="t"/>
+    </dgm:scene3d>
+    <dgm:sp3d/>
+    <dgm:txPr/>
+    <dgm:style>
+      <a:lnRef idx="2">
+        <a:scrgbClr r="0" g="0" b="0"/>
+      </a:lnRef>
+      <a:fillRef idx="0">
+        <a:scrgbClr r="0" g="0" b="0"/>
+      </a:fillRef>
+      <a:effectRef idx="0">
+        <a:scrgbClr r="0" g="0" b="0"/>
+      </a:effectRef>
+      <a:fontRef idx="minor"/>
+    </dgm:style>
+  </dgm:styleLbl>
+  <dgm:styleLbl name="parChTrans1D2">
+    <dgm:scene3d>
+      <a:camera prst="orthographicFront"/>
+      <a:lightRig rig="threePt" dir="t"/>
+    </dgm:scene3d>
+    <dgm:sp3d/>
+    <dgm:txPr/>
+    <dgm:style>
+      <a:lnRef idx="2">
+        <a:scrgbClr r="0" g="0" b="0"/>
+      </a:lnRef>
+      <a:fillRef idx="0">
+        <a:scrgbClr r="0" g="0" b="0"/>
+      </a:fillRef>
+      <a:effectRef idx="0">
+        <a:scrgbClr r="0" g="0" b="0"/>
+      </a:effectRef>
+      <a:fontRef idx="minor"/>
+    </dgm:style>
+  </dgm:styleLbl>
+  <dgm:styleLbl name="parChTrans1D3">
+    <dgm:scene3d>
+      <a:camera prst="orthographicFront"/>
+      <a:lightRig rig="threePt" dir="t"/>
+    </dgm:scene3d>
+    <dgm:sp3d/>
+    <dgm:txPr/>
+    <dgm:style>
+      <a:lnRef idx="2">
+        <a:scrgbClr r="0" g="0" b="0"/>
+      </a:lnRef>
+      <a:fillRef idx="0">
+        <a:scrgbClr r="0" g="0" b="0"/>
+      </a:fillRef>
+      <a:effectRef idx="0">
+        <a:scrgbClr r="0" g="0" b="0"/>
+      </a:effectRef>
+      <a:fontRef idx="minor"/>
+    </dgm:style>
+  </dgm:styleLbl>
+  <dgm:styleLbl name="parChTrans1D4">
+    <dgm:scene3d>
+      <a:camera prst="orthographicFront"/>
+      <a:lightRig rig="threePt" dir="t"/>
+    </dgm:scene3d>
+    <dgm:sp3d/>
+    <dgm:txPr/>
+    <dgm:style>
+      <a:lnRef idx="2">
+        <a:scrgbClr r="0" g="0" b="0"/>
+      </a:lnRef>
+      <a:fillRef idx="0">
+        <a:scrgbClr r="0" g="0" b="0"/>
+      </a:fillRef>
+      <a:effectRef idx="0">
+        <a:scrgbClr r="0" g="0" b="0"/>
+      </a:effectRef>
+      <a:fontRef idx="minor"/>
+    </dgm:style>
+  </dgm:styleLbl>
+  <dgm:styleLbl name="fgAcc1">
+    <dgm:scene3d>
+      <a:camera prst="orthographicFront"/>
+      <a:lightRig rig="threePt" dir="t"/>
+    </dgm:scene3d>
+    <dgm:sp3d/>
+    <dgm:txPr/>
+    <dgm:style>
+      <a:lnRef idx="2">
+        <a:scrgbClr r="0" g="0" b="0"/>
+      </a:lnRef>
+      <a:fillRef idx="1">
+        <a:scrgbClr r="0" g="0" b="0"/>
+      </a:fillRef>
+      <a:effectRef idx="0">
+        <a:scrgbClr r="0" g="0" b="0"/>
+      </a:effectRef>
+      <a:fontRef idx="minor"/>
+    </dgm:style>
+  </dgm:styleLbl>
+  <dgm:styleLbl name="conFgAcc1">
+    <dgm:scene3d>
+      <a:camera prst="orthographicFront"/>
+      <a:lightRig rig="threePt" dir="t"/>
+    </dgm:scene3d>
+    <dgm:sp3d/>
+    <dgm:txPr/>
+    <dgm:style>
+      <a:lnRef idx="2">
+        <a:scrgbClr r="0" g="0" b="0"/>
+      </a:lnRef>
+      <a:fillRef idx="1">
+        <a:scrgbClr r="0" g="0" b="0"/>
+      </a:fillRef>
+      <a:effectRef idx="0">
+        <a:scrgbClr r="0" g="0" b="0"/>
+      </a:effectRef>
+      <a:fontRef idx="minor"/>
+    </dgm:style>
+  </dgm:styleLbl>
+  <dgm:styleLbl name="alignAcc1">
+    <dgm:scene3d>
+      <a:camera prst="orthographicFront"/>
+      <a:lightRig rig="threePt" dir="t"/>
+    </dgm:scene3d>
+    <dgm:sp3d/>
+    <dgm:txPr/>
+    <dgm:style>
+      <a:lnRef idx="2">
+        <a:scrgbClr r="0" g="0" b="0"/>
+      </a:lnRef>
+      <a:fillRef idx="1">
+        <a:scrgbClr r="0" g="0" b="0"/>
+      </a:fillRef>
+      <a:effectRef idx="0">
+        <a:scrgbClr r="0" g="0" b="0"/>
+      </a:effectRef>
+      <a:fontRef idx="minor"/>
+    </dgm:style>
+  </dgm:styleLbl>
+  <dgm:styleLbl name="trAlignAcc1">
+    <dgm:scene3d>
+      <a:camera prst="orthographicFront"/>
+      <a:lightRig rig="threePt" dir="t"/>
+    </dgm:scene3d>
+    <dgm:sp3d/>
+    <dgm:txPr/>
+    <dgm:style>
+      <a:lnRef idx="1">
+        <a:scrgbClr r="0" g="0" b="0"/>
+      </a:lnRef>
+      <a:fillRef idx="1">
+        <a:scrgbClr r="0" g="0" b="0"/>
+      </a:fillRef>
+      <a:effectRef idx="0">
+        <a:scrgbClr r="0" g="0" b="0"/>
+      </a:effectRef>
+      <a:fontRef idx="minor"/>
+    </dgm:style>
+  </dgm:styleLbl>
+  <dgm:styleLbl name="bgAcc1">
+    <dgm:scene3d>
+      <a:camera prst="orthographicFront"/>
+      <a:lightRig rig="threePt" dir="t"/>
+    </dgm:scene3d>
+    <dgm:sp3d/>
+    <dgm:txPr/>
+    <dgm:style>
+      <a:lnRef idx="2">
+        <a:scrgbClr r="0" g="0" b="0"/>
+      </a:lnRef>
+      <a:fillRef idx="1">
+        <a:scrgbClr r="0" g="0" b="0"/>
+      </a:fillRef>
+      <a:effectRef idx="0">
+        <a:scrgbClr r="0" g="0" b="0"/>
+      </a:effectRef>
+      <a:fontRef idx="minor"/>
+    </dgm:style>
+  </dgm:styleLbl>
+  <dgm:styleLbl name="solidFgAcc1">
+    <dgm:scene3d>
+      <a:camera prst="orthographicFront"/>
+      <a:lightRig rig="threePt" dir="t"/>
+    </dgm:scene3d>
+    <dgm:sp3d/>
+    <dgm:txPr/>
+    <dgm:style>
+      <a:lnRef idx="2">
+        <a:scrgbClr r="0" g="0" b="0"/>
+      </a:lnRef>
+      <a:fillRef idx="1">
+        <a:scrgbClr r="0" g="0" b="0"/>
+      </a:fillRef>
+      <a:effectRef idx="0">
+        <a:scrgbClr r="0" g="0" b="0"/>
+      </a:effectRef>
+      <a:fontRef idx="minor"/>
+    </dgm:style>
+  </dgm:styleLbl>
+  <dgm:styleLbl name="solidAlignAcc1">
+    <dgm:scene3d>
+      <a:camera prst="orthographicFront"/>
+      <a:lightRig rig="threePt" dir="t"/>
+    </dgm:scene3d>
+    <dgm:sp3d/>
+    <dgm:txPr/>
+    <dgm:style>
+      <a:lnRef idx="2">
+        <a:scrgbClr r="0" g="0" b="0"/>
+      </a:lnRef>
+      <a:fillRef idx="1">
+        <a:scrgbClr r="0" g="0" b="0"/>
+      </a:fillRef>
+      <a:effectRef idx="0">
+        <a:scrgbClr r="0" g="0" b="0"/>
+      </a:effectRef>
+      <a:fontRef idx="minor"/>
+    </dgm:style>
+  </dgm:styleLbl>
+  <dgm:styleLbl name="solidBgAcc1">
+    <dgm:scene3d>
+      <a:camera prst="orthographicFront"/>
+      <a:lightRig rig="threePt" dir="t"/>
+    </dgm:scene3d>
+    <dgm:sp3d/>
+    <dgm:txPr/>
+    <dgm:style>
+      <a:lnRef idx="2">
+        <a:scrgbClr r="0" g="0" b="0"/>
+      </a:lnRef>
+      <a:fillRef idx="1">
+        <a:scrgbClr r="0" g="0" b="0"/>
+      </a:fillRef>
+      <a:effectRef idx="0">
+        <a:scrgbClr r="0" g="0" b="0"/>
+      </a:effectRef>
+      <a:fontRef idx="minor"/>
+    </dgm:style>
+  </dgm:styleLbl>
+  <dgm:styleLbl name="fgAccFollowNode1">
+    <dgm:scene3d>
+      <a:camera prst="orthographicFront"/>
+      <a:lightRig rig="threePt" dir="t"/>
+    </dgm:scene3d>
+    <dgm:sp3d/>
+    <dgm:txPr/>
+    <dgm:style>
+      <a:lnRef idx="2">
+        <a:scrgbClr r="0" g="0" b="0"/>
+      </a:lnRef>
+      <a:fillRef idx="1">
+        <a:scrgbClr r="0" g="0" b="0"/>
+      </a:fillRef>
+      <a:effectRef idx="0">
+        <a:scrgbClr r="0" g="0" b="0"/>
+      </a:effectRef>
+      <a:fontRef idx="minor"/>
+    </dgm:style>
+  </dgm:styleLbl>
+  <dgm:styleLbl name="alignAccFollowNode1">
+    <dgm:scene3d>
+      <a:camera prst="orthographicFront"/>
+      <a:lightRig rig="threePt" dir="t"/>
+    </dgm:scene3d>
+    <dgm:sp3d/>
+    <dgm:txPr/>
+    <dgm:style>
+      <a:lnRef idx="2">
+        <a:scrgbClr r="0" g="0" b="0"/>
+      </a:lnRef>
+      <a:fillRef idx="1">
+        <a:scrgbClr r="0" g="0" b="0"/>
+      </a:fillRef>
+      <a:effectRef idx="0">
+        <a:scrgbClr r="0" g="0" b="0"/>
+      </a:effectRef>
+      <a:fontRef idx="minor"/>
+    </dgm:style>
+  </dgm:styleLbl>
+  <dgm:styleLbl name="bgAccFollowNode1">
+    <dgm:scene3d>
+      <a:camera prst="orthographicFront"/>
+      <a:lightRig rig="threePt" dir="t"/>
+    </dgm:scene3d>
+    <dgm:sp3d/>
+    <dgm:txPr/>
+    <dgm:style>
+      <a:lnRef idx="2">
+        <a:scrgbClr r="0" g="0" b="0"/>
+      </a:lnRef>
+      <a:fillRef idx="1">
+        <a:scrgbClr r="0" g="0" b="0"/>
+      </a:fillRef>
+      <a:effectRef idx="0">
+        <a:scrgbClr r="0" g="0" b="0"/>
+      </a:effectRef>
+      <a:fontRef idx="minor"/>
+    </dgm:style>
+  </dgm:styleLbl>
+  <dgm:styleLbl name="fgAcc0">
+    <dgm:scene3d>
+      <a:camera prst="orthographicFront"/>
+      <a:lightRig rig="threePt" dir="t"/>
+    </dgm:scene3d>
+    <dgm:sp3d/>
+    <dgm:txPr/>
+    <dgm:style>
+      <a:lnRef idx="2">
+        <a:scrgbClr r="0" g="0" b="0"/>
+      </a:lnRef>
+      <a:fillRef idx="1">
+        <a:scrgbClr r="0" g="0" b="0"/>
+      </a:fillRef>
+      <a:effectRef idx="0">
+        <a:scrgbClr r="0" g="0" b="0"/>
+      </a:effectRef>
+      <a:fontRef idx="minor"/>
+    </dgm:style>
+  </dgm:styleLbl>
+  <dgm:styleLbl name="fgAcc2">
+    <dgm:scene3d>
+      <a:camera prst="orthographicFront"/>
+      <a:lightRig rig="threePt" dir="t"/>
+    </dgm:scene3d>
+    <dgm:sp3d/>
+    <dgm:txPr/>
+    <dgm:style>
+      <a:lnRef idx="2">
+        <a:scrgbClr r="0" g="0" b="0"/>
+      </a:lnRef>
+      <a:fillRef idx="1">
+        <a:scrgbClr r="0" g="0" b="0"/>
+      </a:fillRef>
+      <a:effectRef idx="0">
+        <a:scrgbClr r="0" g="0" b="0"/>
+      </a:effectRef>
+      <a:fontRef idx="minor"/>
+    </dgm:style>
+  </dgm:styleLbl>
+  <dgm:styleLbl name="fgAcc3">
+    <dgm:scene3d>
+      <a:camera prst="orthographicFront"/>
+      <a:lightRig rig="threePt" dir="t"/>
+    </dgm:scene3d>
+    <dgm:sp3d/>
+    <dgm:txPr/>
+    <dgm:style>
+      <a:lnRef idx="2">
+        <a:scrgbClr r="0" g="0" b="0"/>
+      </a:lnRef>
+      <a:fillRef idx="1">
+        <a:scrgbClr r="0" g="0" b="0"/>
+      </a:fillRef>
+      <a:effectRef idx="0">
+        <a:scrgbClr r="0" g="0" b="0"/>
+      </a:effectRef>
+      <a:fontRef idx="minor"/>
+    </dgm:style>
+  </dgm:styleLbl>
+  <dgm:styleLbl name="fgAcc4">
+    <dgm:scene3d>
+      <a:camera prst="orthographicFront"/>
+      <a:lightRig rig="threePt" dir="t"/>
+    </dgm:scene3d>
+    <dgm:sp3d/>
+    <dgm:txPr/>
+    <dgm:style>
+      <a:lnRef idx="2">
+        <a:scrgbClr r="0" g="0" b="0"/>
+      </a:lnRef>
+      <a:fillRef idx="1">
+        <a:scrgbClr r="0" g="0" b="0"/>
+      </a:fillRef>
+      <a:effectRef idx="0">
+        <a:scrgbClr r="0" g="0" b="0"/>
+      </a:effectRef>
+      <a:fontRef idx="minor"/>
+    </dgm:style>
+  </dgm:styleLbl>
+  <dgm:styleLbl name="bgShp">
+    <dgm:scene3d>
+      <a:camera prst="orthographicFront"/>
+      <a:lightRig rig="threePt" dir="t"/>
+    </dgm:scene3d>
+    <dgm:sp3d/>
+    <dgm:txPr/>
+    <dgm:style>
+      <a:lnRef idx="0">
+        <a:scrgbClr r="0" g="0" b="0"/>
+      </a:lnRef>
+      <a:fillRef idx="1">
+        <a:scrgbClr r="0" g="0" b="0"/>
+      </a:fillRef>
+      <a:effectRef idx="0">
+        <a:scrgbClr r="0" g="0" b="0"/>
+      </a:effectRef>
+      <a:fontRef idx="minor"/>
+    </dgm:style>
+  </dgm:styleLbl>
+  <dgm:styleLbl name="dkBgShp">
+    <dgm:scene3d>
+      <a:camera prst="orthographicFront"/>
+      <a:lightRig rig="threePt" dir="t"/>
+    </dgm:scene3d>
+    <dgm:sp3d/>
+    <dgm:txPr/>
+    <dgm:style>
+      <a:lnRef idx="0">
+        <a:scrgbClr r="0" g="0" b="0"/>
+      </a:lnRef>
+      <a:fillRef idx="1">
+        <a:scrgbClr r="0" g="0" b="0"/>
+      </a:fillRef>
+      <a:effectRef idx="0">
+        <a:scrgbClr r="0" g="0" b="0"/>
+      </a:effectRef>
+      <a:fontRef idx="minor"/>
+    </dgm:style>
+  </dgm:styleLbl>
+  <dgm:styleLbl name="trBgShp">
+    <dgm:scene3d>
+      <a:camera prst="orthographicFront"/>
+      <a:lightRig rig="threePt" dir="t"/>
+    </dgm:scene3d>
+    <dgm:sp3d/>
+    <dgm:txPr/>
+    <dgm:style>
+      <a:lnRef idx="0">
+        <a:scrgbClr r="0" g="0" b="0"/>
+      </a:lnRef>
+      <a:fillRef idx="1">
+        <a:scrgbClr r="0" g="0" b="0"/>
+      </a:fillRef>
+      <a:effectRef idx="0">
+        <a:scrgbClr r="0" g="0" b="0"/>
+      </a:effectRef>
+      <a:fontRef idx="minor"/>
+    </dgm:style>
+  </dgm:styleLbl>
+  <dgm:styleLbl name="fgShp">
+    <dgm:scene3d>
+      <a:camera prst="orthographicFront"/>
+      <a:lightRig rig="threePt" dir="t"/>
+    </dgm:scene3d>
+    <dgm:sp3d/>
+    <dgm:txPr/>
+    <dgm:style>
+      <a:lnRef idx="2">
+        <a:scrgbClr r="0" g="0" b="0"/>
+      </a:lnRef>
+      <a:fillRef idx="1">
+        <a:scrgbClr r="0" g="0" b="0"/>
+      </a:fillRef>
+      <a:effectRef idx="0">
+        <a:scrgbClr r="0" g="0" b="0"/>
+      </a:effectRef>
+      <a:fontRef idx="minor"/>
+    </dgm:style>
+  </dgm:styleLbl>
+  <dgm:styleLbl name="revTx">
+    <dgm:scene3d>
+      <a:camera prst="orthographicFront"/>
+      <a:lightRig rig="threePt" dir="t"/>
+    </dgm:scene3d>
+    <dgm:sp3d/>
+    <dgm:txPr/>
+    <dgm:style>
+      <a:lnRef idx="0">
+        <a:scrgbClr r="0" g="0" b="0"/>
+      </a:lnRef>
+      <a:fillRef idx="0">
+        <a:scrgbClr r="0" g="0" b="0"/>
+      </a:fillRef>
+      <a:effectRef idx="0">
+        <a:scrgbClr r="0" g="0" b="0"/>
+      </a:effectRef>
+      <a:fontRef idx="minor"/>
+    </dgm:style>
+  </dgm:styleLbl>
+</dgm:styleDef>
+</file>
+
 <file path=ppt/notesMasters/notesMaster1.xml><?xml version="1.0" encoding="utf-8"?>
 <p:notesMaster xmlns:a="http://schemas.openxmlformats.org/drawingml/2006/main" xmlns:r="http://schemas.openxmlformats.org/officeDocument/2006/relationships" xmlns:p="http://schemas.openxmlformats.org/presentationml/2006/main">
   <p:cSld>
@@ -207,7 +2346,8 @@
           <a:p>
             <a:fld id="{8A9AECEF-6125-4259-BD55-A840A08874E8}" type="datetimeFigureOut">
               <a:rPr lang="zh-CN" altLang="en-US" smtClean="0"/>
-              <a:t>2018/3/12</a:t>
+              <a:pPr/>
+              <a:t>2018/3/13</a:t>
             </a:fld>
             <a:endParaRPr lang="zh-CN" altLang="en-US"/>
           </a:p>
@@ -368,6 +2508,7 @@
           <a:p>
             <a:fld id="{5C07F6E3-1134-492B-BB47-39165E612D99}" type="slidenum">
               <a:rPr lang="zh-CN" altLang="en-US" smtClean="0"/>
+              <a:pPr/>
               <a:t>‹#›</a:t>
             </a:fld>
             <a:endParaRPr lang="zh-CN" altLang="en-US"/>
@@ -576,6 +2717,7 @@
           <a:p>
             <a:fld id="{5C07F6E3-1134-492B-BB47-39165E612D99}" type="slidenum">
               <a:rPr lang="zh-CN" altLang="en-US" smtClean="0"/>
+              <a:pPr/>
               <a:t>7</a:t>
             </a:fld>
             <a:endParaRPr lang="zh-CN" altLang="en-US"/>
@@ -678,6 +2820,7 @@
           <a:p>
             <a:fld id="{5C07F6E3-1134-492B-BB47-39165E612D99}" type="slidenum">
               <a:rPr lang="zh-CN" altLang="en-US" smtClean="0"/>
+              <a:pPr/>
               <a:t>8</a:t>
             </a:fld>
             <a:endParaRPr lang="zh-CN" altLang="en-US"/>
@@ -780,6 +2923,7 @@
           <a:p>
             <a:fld id="{5C07F6E3-1134-492B-BB47-39165E612D99}" type="slidenum">
               <a:rPr lang="zh-CN" altLang="en-US" smtClean="0"/>
+              <a:pPr/>
               <a:t>9</a:t>
             </a:fld>
             <a:endParaRPr lang="zh-CN" altLang="en-US"/>
@@ -861,169 +3005,8 @@
           <a:p>
             <a:fld id="{5C07F6E3-1134-492B-BB47-39165E612D99}" type="slidenum">
               <a:rPr lang="zh-CN" altLang="en-US" smtClean="0"/>
+              <a:pPr/>
               <a:t>10</a:t>
-            </a:fld>
-            <a:endParaRPr lang="zh-CN" altLang="en-US"/>
-          </a:p>
-        </p:txBody>
-      </p:sp>
-    </p:spTree>
-  </p:cSld>
-  <p:clrMapOvr>
-    <a:masterClrMapping/>
-  </p:clrMapOvr>
-</p:notes>
-</file>
-
-<file path=ppt/notesSlides/notesSlide5.xml><?xml version="1.0" encoding="utf-8"?>
-<p:notes xmlns:a="http://schemas.openxmlformats.org/drawingml/2006/main" xmlns:r="http://schemas.openxmlformats.org/officeDocument/2006/relationships" xmlns:p="http://schemas.openxmlformats.org/presentationml/2006/main">
-  <p:cSld>
-    <p:spTree>
-      <p:nvGrpSpPr>
-        <p:cNvPr id="1" name=""/>
-        <p:cNvGrpSpPr/>
-        <p:nvPr/>
-      </p:nvGrpSpPr>
-      <p:grpSpPr>
-        <a:xfrm>
-          <a:off x="0" y="0"/>
-          <a:ext cx="0" cy="0"/>
-          <a:chOff x="0" y="0"/>
-          <a:chExt cx="0" cy="0"/>
-        </a:xfrm>
-      </p:grpSpPr>
-      <p:sp>
-        <p:nvSpPr>
-          <p:cNvPr id="2" name="幻灯片图像占位符 1"/>
-          <p:cNvSpPr>
-            <a:spLocks noGrp="1" noRot="1" noChangeAspect="1"/>
-          </p:cNvSpPr>
-          <p:nvPr>
-            <p:ph type="sldImg"/>
-          </p:nvPr>
-        </p:nvSpPr>
-        <p:spPr/>
-      </p:sp>
-      <p:sp>
-        <p:nvSpPr>
-          <p:cNvPr id="3" name="备注占位符 2"/>
-          <p:cNvSpPr>
-            <a:spLocks noGrp="1"/>
-          </p:cNvSpPr>
-          <p:nvPr>
-            <p:ph type="body" idx="1"/>
-          </p:nvPr>
-        </p:nvSpPr>
-        <p:spPr/>
-        <p:txBody>
-          <a:bodyPr>
-            <a:normAutofit/>
-          </a:bodyPr>
-          <a:lstStyle/>
-          <a:p>
-            <a:endParaRPr lang="zh-CN" altLang="en-US" dirty="0"/>
-          </a:p>
-        </p:txBody>
-      </p:sp>
-      <p:sp>
-        <p:nvSpPr>
-          <p:cNvPr id="4" name="灯片编号占位符 3"/>
-          <p:cNvSpPr>
-            <a:spLocks noGrp="1"/>
-          </p:cNvSpPr>
-          <p:nvPr>
-            <p:ph type="sldNum" sz="quarter" idx="10"/>
-          </p:nvPr>
-        </p:nvSpPr>
-        <p:spPr/>
-        <p:txBody>
-          <a:bodyPr/>
-          <a:lstStyle/>
-          <a:p>
-            <a:fld id="{5C07F6E3-1134-492B-BB47-39165E612D99}" type="slidenum">
-              <a:rPr lang="zh-CN" altLang="en-US" smtClean="0"/>
-              <a:t>11</a:t>
-            </a:fld>
-            <a:endParaRPr lang="zh-CN" altLang="en-US"/>
-          </a:p>
-        </p:txBody>
-      </p:sp>
-    </p:spTree>
-  </p:cSld>
-  <p:clrMapOvr>
-    <a:masterClrMapping/>
-  </p:clrMapOvr>
-</p:notes>
-</file>
-
-<file path=ppt/notesSlides/notesSlide6.xml><?xml version="1.0" encoding="utf-8"?>
-<p:notes xmlns:a="http://schemas.openxmlformats.org/drawingml/2006/main" xmlns:r="http://schemas.openxmlformats.org/officeDocument/2006/relationships" xmlns:p="http://schemas.openxmlformats.org/presentationml/2006/main">
-  <p:cSld>
-    <p:spTree>
-      <p:nvGrpSpPr>
-        <p:cNvPr id="1" name=""/>
-        <p:cNvGrpSpPr/>
-        <p:nvPr/>
-      </p:nvGrpSpPr>
-      <p:grpSpPr>
-        <a:xfrm>
-          <a:off x="0" y="0"/>
-          <a:ext cx="0" cy="0"/>
-          <a:chOff x="0" y="0"/>
-          <a:chExt cx="0" cy="0"/>
-        </a:xfrm>
-      </p:grpSpPr>
-      <p:sp>
-        <p:nvSpPr>
-          <p:cNvPr id="2" name="幻灯片图像占位符 1"/>
-          <p:cNvSpPr>
-            <a:spLocks noGrp="1" noRot="1" noChangeAspect="1"/>
-          </p:cNvSpPr>
-          <p:nvPr>
-            <p:ph type="sldImg"/>
-          </p:nvPr>
-        </p:nvSpPr>
-        <p:spPr/>
-      </p:sp>
-      <p:sp>
-        <p:nvSpPr>
-          <p:cNvPr id="3" name="备注占位符 2"/>
-          <p:cNvSpPr>
-            <a:spLocks noGrp="1"/>
-          </p:cNvSpPr>
-          <p:nvPr>
-            <p:ph type="body" idx="1"/>
-          </p:nvPr>
-        </p:nvSpPr>
-        <p:spPr/>
-        <p:txBody>
-          <a:bodyPr>
-            <a:normAutofit/>
-          </a:bodyPr>
-          <a:lstStyle/>
-          <a:p>
-            <a:endParaRPr lang="zh-CN" altLang="en-US" dirty="0"/>
-          </a:p>
-        </p:txBody>
-      </p:sp>
-      <p:sp>
-        <p:nvSpPr>
-          <p:cNvPr id="4" name="灯片编号占位符 3"/>
-          <p:cNvSpPr>
-            <a:spLocks noGrp="1"/>
-          </p:cNvSpPr>
-          <p:nvPr>
-            <p:ph type="sldNum" sz="quarter" idx="10"/>
-          </p:nvPr>
-        </p:nvSpPr>
-        <p:spPr/>
-        <p:txBody>
-          <a:bodyPr/>
-          <a:lstStyle/>
-          <a:p>
-            <a:fld id="{5C07F6E3-1134-492B-BB47-39165E612D99}" type="slidenum">
-              <a:rPr lang="zh-CN" altLang="en-US" smtClean="0"/>
-              <a:t>12</a:t>
             </a:fld>
             <a:endParaRPr lang="zh-CN" altLang="en-US"/>
           </a:p>
@@ -1219,7 +3202,7 @@
             <a:fld id="{530820CF-B880-4189-942D-D702A7CBA730}" type="datetimeFigureOut">
               <a:rPr lang="zh-CN" altLang="en-US" smtClean="0"/>
               <a:pPr/>
-              <a:t>2018/3/12</a:t>
+              <a:t>2018/3/13</a:t>
             </a:fld>
             <a:endParaRPr lang="zh-CN" altLang="en-US"/>
           </a:p>
@@ -1386,7 +3369,7 @@
             <a:fld id="{530820CF-B880-4189-942D-D702A7CBA730}" type="datetimeFigureOut">
               <a:rPr lang="zh-CN" altLang="en-US" smtClean="0"/>
               <a:pPr/>
-              <a:t>2018/3/12</a:t>
+              <a:t>2018/3/13</a:t>
             </a:fld>
             <a:endParaRPr lang="zh-CN" altLang="en-US"/>
           </a:p>
@@ -1563,7 +3546,7 @@
             <a:fld id="{530820CF-B880-4189-942D-D702A7CBA730}" type="datetimeFigureOut">
               <a:rPr lang="zh-CN" altLang="en-US" smtClean="0"/>
               <a:pPr/>
-              <a:t>2018/3/12</a:t>
+              <a:t>2018/3/13</a:t>
             </a:fld>
             <a:endParaRPr lang="zh-CN" altLang="en-US"/>
           </a:p>
@@ -1730,7 +3713,7 @@
             <a:fld id="{530820CF-B880-4189-942D-D702A7CBA730}" type="datetimeFigureOut">
               <a:rPr lang="zh-CN" altLang="en-US" smtClean="0"/>
               <a:pPr/>
-              <a:t>2018/3/12</a:t>
+              <a:t>2018/3/13</a:t>
             </a:fld>
             <a:endParaRPr lang="zh-CN" altLang="en-US"/>
           </a:p>
@@ -1973,7 +3956,7 @@
             <a:fld id="{530820CF-B880-4189-942D-D702A7CBA730}" type="datetimeFigureOut">
               <a:rPr lang="zh-CN" altLang="en-US" smtClean="0"/>
               <a:pPr/>
-              <a:t>2018/3/12</a:t>
+              <a:t>2018/3/13</a:t>
             </a:fld>
             <a:endParaRPr lang="zh-CN" altLang="en-US"/>
           </a:p>
@@ -2258,7 +4241,7 @@
             <a:fld id="{530820CF-B880-4189-942D-D702A7CBA730}" type="datetimeFigureOut">
               <a:rPr lang="zh-CN" altLang="en-US" smtClean="0"/>
               <a:pPr/>
-              <a:t>2018/3/12</a:t>
+              <a:t>2018/3/13</a:t>
             </a:fld>
             <a:endParaRPr lang="zh-CN" altLang="en-US"/>
           </a:p>
@@ -2677,7 +4660,7 @@
             <a:fld id="{530820CF-B880-4189-942D-D702A7CBA730}" type="datetimeFigureOut">
               <a:rPr lang="zh-CN" altLang="en-US" smtClean="0"/>
               <a:pPr/>
-              <a:t>2018/3/12</a:t>
+              <a:t>2018/3/13</a:t>
             </a:fld>
             <a:endParaRPr lang="zh-CN" altLang="en-US"/>
           </a:p>
@@ -2792,7 +4775,7 @@
             <a:fld id="{530820CF-B880-4189-942D-D702A7CBA730}" type="datetimeFigureOut">
               <a:rPr lang="zh-CN" altLang="en-US" smtClean="0"/>
               <a:pPr/>
-              <a:t>2018/3/12</a:t>
+              <a:t>2018/3/13</a:t>
             </a:fld>
             <a:endParaRPr lang="zh-CN" altLang="en-US"/>
           </a:p>
@@ -2884,7 +4867,7 @@
             <a:fld id="{530820CF-B880-4189-942D-D702A7CBA730}" type="datetimeFigureOut">
               <a:rPr lang="zh-CN" altLang="en-US" smtClean="0"/>
               <a:pPr/>
-              <a:t>2018/3/12</a:t>
+              <a:t>2018/3/13</a:t>
             </a:fld>
             <a:endParaRPr lang="zh-CN" altLang="en-US"/>
           </a:p>
@@ -3158,7 +5141,7 @@
             <a:fld id="{530820CF-B880-4189-942D-D702A7CBA730}" type="datetimeFigureOut">
               <a:rPr lang="zh-CN" altLang="en-US" smtClean="0"/>
               <a:pPr/>
-              <a:t>2018/3/12</a:t>
+              <a:t>2018/3/13</a:t>
             </a:fld>
             <a:endParaRPr lang="zh-CN" altLang="en-US"/>
           </a:p>
@@ -3408,7 +5391,7 @@
             <a:fld id="{530820CF-B880-4189-942D-D702A7CBA730}" type="datetimeFigureOut">
               <a:rPr lang="zh-CN" altLang="en-US" smtClean="0"/>
               <a:pPr/>
-              <a:t>2018/3/12</a:t>
+              <a:t>2018/3/13</a:t>
             </a:fld>
             <a:endParaRPr lang="zh-CN" altLang="en-US"/>
           </a:p>
@@ -3618,7 +5601,7 @@
             <a:fld id="{530820CF-B880-4189-942D-D702A7CBA730}" type="datetimeFigureOut">
               <a:rPr lang="zh-CN" altLang="en-US" smtClean="0"/>
               <a:pPr/>
-              <a:t>2018/3/12</a:t>
+              <a:t>2018/3/13</a:t>
             </a:fld>
             <a:endParaRPr lang="zh-CN" altLang="en-US"/>
           </a:p>
@@ -4097,11 +6080,7 @@
             </a:r>
             <a:r>
               <a:rPr lang="zh-CN" altLang="en-US" sz="3200" dirty="0" smtClean="0"/>
-              <a:t> </a:t>
-            </a:r>
-            <a:r>
-              <a:rPr lang="zh-CN" altLang="en-US" sz="3200" dirty="0" smtClean="0"/>
-              <a:t>数据管理</a:t>
+              <a:t> 数据管理</a:t>
             </a:r>
             <a:endParaRPr lang="zh-CN" altLang="en-US" sz="3200" dirty="0"/>
           </a:p>
@@ -4133,11 +6112,7 @@
             </a:r>
             <a:r>
               <a:rPr lang="zh-CN" altLang="en-US" sz="1400" dirty="0" smtClean="0"/>
-              <a:t>在</a:t>
-            </a:r>
-            <a:r>
-              <a:rPr lang="zh-CN" altLang="en-US" sz="1400" dirty="0" smtClean="0"/>
-              <a:t>使用 </a:t>
+              <a:t>在使用 </a:t>
             </a:r>
             <a:r>
               <a:rPr lang="en-US" altLang="zh-CN" sz="1400" dirty="0" err="1" smtClean="0"/>
@@ -4149,11 +6124,7 @@
             </a:r>
             <a:r>
               <a:rPr lang="zh-CN" altLang="en-US" sz="1400" dirty="0" smtClean="0"/>
-              <a:t>的过程中往往需要查看容器内应用产生的数据，例如输出日志等等。或者需要把容器内的数据进行备份，甚至多个容器之间进行数据共享。这些操作都涉及到数据管理操作</a:t>
-            </a:r>
-            <a:r>
-              <a:rPr lang="zh-CN" altLang="en-US" sz="1400" dirty="0" smtClean="0"/>
-              <a:t>。</a:t>
+              <a:t>的过程中往往需要查看容器内应用产生的数据，例如输出日志等等。或者需要把容器内的数据进行备份，甚至多个容器之间进行数据共享。这些操作都涉及到数据管理操作。</a:t>
             </a:r>
             <a:endParaRPr lang="en-US" altLang="zh-CN" sz="1400" dirty="0" smtClean="0"/>
           </a:p>
@@ -4173,15 +6144,7 @@
             </a:r>
             <a:r>
               <a:rPr lang="zh-CN" altLang="en-US" sz="1400" dirty="0" smtClean="0"/>
-              <a:t>容器</a:t>
-            </a:r>
-            <a:r>
-              <a:rPr lang="zh-CN" altLang="en-US" sz="1400" dirty="0" smtClean="0"/>
-              <a:t>中数据管理主要有两种方式</a:t>
-            </a:r>
-            <a:r>
-              <a:rPr lang="zh-CN" altLang="en-US" sz="1400" dirty="0" smtClean="0"/>
-              <a:t>：</a:t>
+              <a:t>容器中数据管理主要有两种方式：</a:t>
             </a:r>
             <a:endParaRPr lang="en-US" altLang="zh-CN" sz="1400" dirty="0" smtClean="0"/>
           </a:p>
@@ -4223,11 +6186,7 @@
             </a:r>
             <a:r>
               <a:rPr lang="zh-CN" altLang="en-US" sz="1400" dirty="0" smtClean="0"/>
-              <a:t>提供独立于容器之外的持久化存储，支持容器间数据共享</a:t>
-            </a:r>
-            <a:r>
-              <a:rPr lang="zh-CN" altLang="en-US" sz="1400" dirty="0" smtClean="0"/>
-              <a:t>。</a:t>
+              <a:t>提供独立于容器之外的持久化存储，支持容器间数据共享。</a:t>
             </a:r>
             <a:endParaRPr lang="en-US" altLang="zh-CN" sz="1400" dirty="0" smtClean="0"/>
           </a:p>
@@ -4241,11 +6200,7 @@
             </a:r>
             <a:r>
               <a:rPr lang="zh-CN" altLang="en-US" sz="1400" dirty="0" smtClean="0"/>
-              <a:t>数据</a:t>
-            </a:r>
-            <a:r>
-              <a:rPr lang="zh-CN" altLang="en-US" sz="1400" dirty="0" smtClean="0"/>
-              <a:t>卷的使用类似</a:t>
+              <a:t>数据卷的使用类似</a:t>
             </a:r>
             <a:r>
               <a:rPr lang="en-US" altLang="zh-CN" sz="1400" dirty="0" smtClean="0"/>
@@ -4271,31 +6226,11 @@
             </a:pPr>
             <a:r>
               <a:rPr lang="en-US" altLang="zh-CN" sz="1400" dirty="0" smtClean="0"/>
-              <a:t>	</a:t>
-            </a:r>
-            <a:r>
-              <a:rPr lang="en-US" altLang="zh-CN" sz="1400" dirty="0" smtClean="0"/>
-              <a:t>	   </a:t>
+              <a:t>		   </a:t>
             </a:r>
             <a:r>
               <a:rPr lang="zh-CN" altLang="en-US" sz="1400" dirty="0" smtClean="0"/>
-              <a:t>数据</a:t>
-            </a:r>
-            <a:r>
-              <a:rPr lang="zh-CN" altLang="en-US" sz="1400" dirty="0" smtClean="0"/>
-              <a:t>卷可以绕</a:t>
-            </a:r>
-            <a:r>
-              <a:rPr lang="zh-CN" altLang="en-US" sz="1400" dirty="0" smtClean="0"/>
-              <a:t>过容器的文件系统</a:t>
-            </a:r>
-            <a:r>
-              <a:rPr lang="zh-CN" altLang="en-US" sz="1400" dirty="0" smtClean="0"/>
-              <a:t>，并提供很多特性</a:t>
-            </a:r>
-            <a:r>
-              <a:rPr lang="zh-CN" altLang="en-US" sz="1400" dirty="0" smtClean="0"/>
-              <a:t>：</a:t>
+              <a:t>数据卷可以绕过容器的文件系统，并提供很多特性：</a:t>
             </a:r>
             <a:endParaRPr lang="en-US" altLang="zh-CN" sz="1400" dirty="0" smtClean="0"/>
           </a:p>
@@ -4309,45 +6244,21 @@
             </a:r>
             <a:r>
               <a:rPr lang="zh-CN" altLang="en-US" sz="1400" dirty="0" smtClean="0"/>
-              <a:t>数据</a:t>
+              <a:t>数据卷可以在容器之间共享和重用；</a:t>
+            </a:r>
+            <a:endParaRPr lang="en-US" altLang="zh-CN" sz="1400" dirty="0" smtClean="0"/>
+          </a:p>
+          <a:p>
+            <a:pPr>
+              <a:buNone/>
+            </a:pPr>
+            <a:r>
+              <a:rPr lang="en-US" altLang="zh-CN" sz="1400" dirty="0" smtClean="0"/>
+              <a:t>		        2.</a:t>
             </a:r>
             <a:r>
               <a:rPr lang="zh-CN" altLang="en-US" sz="1400" dirty="0" smtClean="0"/>
-              <a:t>卷可以在容器之间共享</a:t>
-            </a:r>
-            <a:r>
-              <a:rPr lang="zh-CN" altLang="en-US" sz="1400" dirty="0" smtClean="0"/>
-              <a:t>和重用；</a:t>
-            </a:r>
-            <a:endParaRPr lang="en-US" altLang="zh-CN" sz="1400" dirty="0" smtClean="0"/>
-          </a:p>
-          <a:p>
-            <a:pPr>
-              <a:buNone/>
-            </a:pPr>
-            <a:r>
-              <a:rPr lang="en-US" altLang="zh-CN" sz="1400" dirty="0" smtClean="0"/>
-              <a:t>	</a:t>
-            </a:r>
-            <a:r>
-              <a:rPr lang="en-US" altLang="zh-CN" sz="1400" dirty="0" smtClean="0"/>
-              <a:t>	        2</a:t>
-            </a:r>
-            <a:r>
-              <a:rPr lang="en-US" altLang="zh-CN" sz="1400" dirty="0" smtClean="0"/>
-              <a:t>.</a:t>
-            </a:r>
-            <a:r>
-              <a:rPr lang="zh-CN" altLang="en-US" sz="1400" dirty="0" smtClean="0"/>
-              <a:t>对数据卷的更改会立即</a:t>
-            </a:r>
-            <a:r>
-              <a:rPr lang="zh-CN" altLang="en-US" sz="1400" dirty="0" smtClean="0"/>
-              <a:t>生效；</a:t>
-            </a:r>
-            <a:r>
-              <a:rPr lang="zh-CN" altLang="en-US" sz="1400" dirty="0" smtClean="0"/>
-              <a:t/>
+              <a:t>对数据卷的更改会立即生效；</a:t>
             </a:r>
             <a:br>
               <a:rPr lang="zh-CN" altLang="en-US" sz="1400" dirty="0" smtClean="0"/>
@@ -4358,23 +6269,11 @@
             </a:r>
             <a:r>
               <a:rPr lang="en-US" altLang="zh-CN" sz="1400" dirty="0" smtClean="0"/>
-              <a:t>	        3</a:t>
-            </a:r>
-            <a:r>
-              <a:rPr lang="en-US" altLang="zh-CN" sz="1400" dirty="0" smtClean="0"/>
-              <a:t>.</a:t>
+              <a:t>	        3.</a:t>
             </a:r>
             <a:r>
               <a:rPr lang="zh-CN" altLang="en-US" sz="1400" dirty="0" smtClean="0"/>
-              <a:t>对数据卷的更新不会影响</a:t>
-            </a:r>
-            <a:r>
-              <a:rPr lang="zh-CN" altLang="en-US" sz="1400" dirty="0" smtClean="0"/>
-              <a:t>镜像；</a:t>
-            </a:r>
-            <a:r>
-              <a:rPr lang="zh-CN" altLang="en-US" sz="1400" dirty="0" smtClean="0"/>
-              <a:t/>
+              <a:t>对数据卷的更新不会影响镜像；</a:t>
             </a:r>
             <a:br>
               <a:rPr lang="zh-CN" altLang="en-US" sz="1400" dirty="0" smtClean="0"/>
@@ -4385,21 +6284,22 @@
             </a:r>
             <a:r>
               <a:rPr lang="en-US" altLang="zh-CN" sz="1400" dirty="0" smtClean="0"/>
-              <a:t>	        4</a:t>
-            </a:r>
+              <a:t>	        4.</a:t>
+            </a:r>
+            <a:r>
+              <a:rPr lang="zh-CN" altLang="en-US" sz="1400" dirty="0" smtClean="0"/>
+              <a:t>数据卷会一直存在，直到没有容器使用。</a:t>
+            </a:r>
+            <a:endParaRPr lang="en-US" altLang="zh-CN" sz="1400" dirty="0" smtClean="0"/>
+          </a:p>
+          <a:p>
+            <a:pPr>
+              <a:buNone/>
+            </a:pPr>
             <a:r>
               <a:rPr lang="en-US" altLang="zh-CN" sz="1400" dirty="0" smtClean="0"/>
-              <a:t>.</a:t>
-            </a:r>
-            <a:r>
-              <a:rPr lang="zh-CN" altLang="en-US" sz="1400" dirty="0" smtClean="0"/>
-              <a:t>数据卷会一直存在，直到没有容器使用</a:t>
-            </a:r>
-            <a:r>
-              <a:rPr lang="zh-CN" altLang="en-US" sz="1400" dirty="0" smtClean="0"/>
-              <a:t>。</a:t>
-            </a:r>
-            <a:endParaRPr lang="en-US" altLang="zh-CN" sz="1400" dirty="0" smtClean="0"/>
+              <a:t>		</a:t>
+            </a:r>
           </a:p>
           <a:p>
             <a:pPr>
@@ -4407,36 +6307,11 @@
             </a:pPr>
             <a:r>
               <a:rPr lang="en-US" altLang="zh-CN" sz="1400" dirty="0" smtClean="0"/>
-              <a:t>	</a:t>
-            </a:r>
-            <a:r>
-              <a:rPr lang="en-US" altLang="zh-CN" sz="1400" dirty="0" smtClean="0"/>
-              <a:t>	</a:t>
-            </a:r>
-          </a:p>
-          <a:p>
-            <a:pPr>
-              <a:buNone/>
-            </a:pPr>
-            <a:r>
-              <a:rPr lang="en-US" altLang="zh-CN" sz="1400" dirty="0" smtClean="0"/>
-              <a:t>	 </a:t>
-            </a:r>
-            <a:r>
-              <a:rPr lang="en-US" altLang="zh-CN" sz="1400" dirty="0" smtClean="0"/>
-              <a:t>        </a:t>
+              <a:t>	         </a:t>
             </a:r>
             <a:r>
               <a:rPr lang="zh-CN" altLang="en-US" sz="1400" b="1" i="1" dirty="0" smtClean="0"/>
-              <a:t>数据</a:t>
-            </a:r>
-            <a:r>
-              <a:rPr lang="zh-CN" altLang="en-US" sz="1400" b="1" i="1" dirty="0" smtClean="0"/>
-              <a:t>卷</a:t>
-            </a:r>
-            <a:r>
-              <a:rPr lang="zh-CN" altLang="en-US" sz="1400" b="1" i="1" dirty="0" smtClean="0"/>
-              <a:t>容器（</a:t>
+              <a:t>数据卷容器（</a:t>
             </a:r>
             <a:r>
               <a:rPr lang="en-US" altLang="zh-CN" sz="1400" b="1" i="1" dirty="0" smtClean="0"/>
@@ -4454,45 +6329,25 @@
             </a:pPr>
             <a:r>
               <a:rPr lang="en-US" altLang="zh-CN" sz="1400" dirty="0" smtClean="0"/>
-              <a:t>	</a:t>
-            </a:r>
+              <a:t>		   </a:t>
+            </a:r>
+            <a:r>
+              <a:rPr lang="zh-CN" altLang="en-US" sz="1400" dirty="0" smtClean="0"/>
+              <a:t>在容器之间共享一些持续更新的数据，最简单的方式是使用数据卷容器。</a:t>
+            </a:r>
+            <a:endParaRPr lang="en-US" altLang="zh-CN" sz="1400" dirty="0" smtClean="0"/>
+          </a:p>
+          <a:p>
+            <a:pPr>
+              <a:buNone/>
+            </a:pPr>
             <a:r>
               <a:rPr lang="en-US" altLang="zh-CN" sz="1400" dirty="0" smtClean="0"/>
-              <a:t>	   </a:t>
+              <a:t>		   </a:t>
             </a:r>
             <a:r>
               <a:rPr lang="zh-CN" altLang="en-US" sz="1400" dirty="0" smtClean="0"/>
-              <a:t>在</a:t>
-            </a:r>
-            <a:r>
-              <a:rPr lang="zh-CN" altLang="en-US" sz="1400" dirty="0" smtClean="0"/>
-              <a:t>容器之间共享一些持续更新的数据，最简单的方式是使用数据卷容器</a:t>
-            </a:r>
-            <a:r>
-              <a:rPr lang="zh-CN" altLang="en-US" sz="1400" dirty="0" smtClean="0"/>
-              <a:t>。</a:t>
-            </a:r>
-            <a:endParaRPr lang="en-US" altLang="zh-CN" sz="1400" dirty="0" smtClean="0"/>
-          </a:p>
-          <a:p>
-            <a:pPr>
-              <a:buNone/>
-            </a:pPr>
-            <a:r>
-              <a:rPr lang="en-US" altLang="zh-CN" sz="1400" dirty="0" smtClean="0"/>
-              <a:t>	</a:t>
-            </a:r>
-            <a:r>
-              <a:rPr lang="en-US" altLang="zh-CN" sz="1400" dirty="0" smtClean="0"/>
-              <a:t>	   </a:t>
-            </a:r>
-            <a:r>
-              <a:rPr lang="zh-CN" altLang="en-US" sz="1400" dirty="0" smtClean="0"/>
-              <a:t>数据</a:t>
-            </a:r>
-            <a:r>
-              <a:rPr lang="zh-CN" altLang="en-US" sz="1400" dirty="0" smtClean="0"/>
-              <a:t>卷容器其实就是一个普通的容器，专门用它提供数据卷供其他容器挂载。</a:t>
+              <a:t>数据卷容器其实就是一个普通的容器，专门用它提供数据卷供其他容器挂载。</a:t>
             </a:r>
             <a:endParaRPr lang="en-US" altLang="zh-CN" sz="1400" dirty="0" smtClean="0"/>
           </a:p>
@@ -4504,7 +6359,6 @@
               <a:rPr lang="en-US" altLang="zh-CN" sz="1400" dirty="0" smtClean="0"/>
               <a:t>		</a:t>
             </a:r>
-            <a:endParaRPr lang="en-US" altLang="zh-CN" sz="1400" dirty="0" smtClean="0"/>
           </a:p>
           <a:p>
             <a:pPr>
@@ -4579,11 +6433,11 @@
             </a:r>
             <a:r>
               <a:rPr lang="zh-CN" altLang="en-US" sz="3200" dirty="0" smtClean="0"/>
-              <a:t> </a:t>
+              <a:t> 网络</a:t>
             </a:r>
             <a:r>
               <a:rPr lang="zh-CN" altLang="en-US" sz="3200" dirty="0" smtClean="0"/>
-              <a:t>数据管理</a:t>
+              <a:t>配置</a:t>
             </a:r>
             <a:r>
               <a:rPr lang="en-US" altLang="zh-CN" sz="3200" dirty="0" smtClean="0"/>
@@ -4591,11 +6445,11 @@
             </a:r>
             <a:r>
               <a:rPr lang="zh-CN" altLang="en-US" sz="3200" dirty="0" smtClean="0"/>
-              <a:t>数据</a:t>
+              <a:t>端口</a:t>
             </a:r>
             <a:r>
               <a:rPr lang="zh-CN" altLang="en-US" sz="3200" dirty="0" smtClean="0"/>
-              <a:t>卷</a:t>
+              <a:t>映射</a:t>
             </a:r>
             <a:endParaRPr lang="zh-CN" altLang="en-US" sz="3200" dirty="0"/>
           </a:p>
@@ -4611,10 +6465,15 @@
             <p:ph idx="1"/>
           </p:nvPr>
         </p:nvSpPr>
-        <p:spPr/>
+        <p:spPr>
+          <a:xfrm>
+            <a:off x="457200" y="1600200"/>
+            <a:ext cx="8229600" cy="4972072"/>
+          </a:xfrm>
+        </p:spPr>
         <p:txBody>
           <a:bodyPr>
-            <a:normAutofit/>
+            <a:normAutofit fontScale="92500" lnSpcReduction="10000"/>
           </a:bodyPr>
           <a:lstStyle/>
           <a:p>
@@ -4622,94 +6481,704 @@
               <a:buNone/>
             </a:pPr>
             <a:r>
-              <a:rPr lang="zh-CN" altLang="en-US" sz="2000" b="1" dirty="0" smtClean="0"/>
-              <a:t>在容器内创建一个数据卷</a:t>
-            </a:r>
-            <a:endParaRPr lang="zh-CN" altLang="en-US" sz="2000" dirty="0" smtClean="0"/>
+              <a:rPr lang="en-US" altLang="zh-CN" sz="1400" dirty="0" smtClean="0"/>
+              <a:t>	</a:t>
+            </a:r>
+            <a:r>
+              <a:rPr lang="zh-CN" altLang="en-US" sz="1400" dirty="0" smtClean="0"/>
+              <a:t>互联网</a:t>
+            </a:r>
+            <a:r>
+              <a:rPr lang="zh-CN" altLang="en-US" sz="1400" dirty="0" smtClean="0"/>
+              <a:t>应用服务包含多个服务组件，这往往需要多个容器之间通过网络通信进行相互配合</a:t>
+            </a:r>
+            <a:r>
+              <a:rPr lang="zh-CN" altLang="en-US" sz="1400" dirty="0" smtClean="0"/>
+              <a:t>。</a:t>
+            </a:r>
+            <a:endParaRPr lang="en-US" altLang="zh-CN" sz="1400" dirty="0" smtClean="0"/>
           </a:p>
           <a:p>
             <a:pPr>
               <a:buNone/>
             </a:pPr>
             <a:r>
-              <a:rPr lang="en-US" altLang="zh-CN" sz="2000" dirty="0" err="1" smtClean="0"/>
+              <a:rPr lang="en-US" altLang="zh-CN" sz="1400" dirty="0" err="1" smtClean="0"/>
+              <a:t>Docker</a:t>
+            </a:r>
+            <a:r>
+              <a:rPr lang="en-US" altLang="zh-CN" sz="1400" dirty="0" smtClean="0"/>
+              <a:t> </a:t>
+            </a:r>
+            <a:r>
+              <a:rPr lang="zh-CN" altLang="en-US" sz="1400" dirty="0" smtClean="0"/>
+              <a:t>提供</a:t>
+            </a:r>
+            <a:r>
+              <a:rPr lang="zh-CN" altLang="en-US" sz="1400" dirty="0" smtClean="0"/>
+              <a:t>了映射容器端口到宿主主机和容器互联机制来为容器提供网络服务</a:t>
+            </a:r>
+            <a:r>
+              <a:rPr lang="zh-CN" altLang="en-US" sz="1400" dirty="0" smtClean="0"/>
+              <a:t>。</a:t>
+            </a:r>
+            <a:endParaRPr lang="en-US" altLang="zh-CN" sz="1400" dirty="0" smtClean="0"/>
+          </a:p>
+          <a:p>
+            <a:pPr>
+              <a:buNone/>
+            </a:pPr>
+            <a:endParaRPr lang="en-US" altLang="zh-CN" sz="1400" dirty="0" smtClean="0"/>
+          </a:p>
+          <a:p>
+            <a:pPr>
+              <a:buNone/>
+            </a:pPr>
+            <a:r>
+              <a:rPr lang="zh-CN" altLang="en-US" sz="1400" b="1" dirty="0" smtClean="0"/>
+              <a:t>从外部访问容器</a:t>
+            </a:r>
+            <a:r>
+              <a:rPr lang="zh-CN" altLang="en-US" sz="1400" b="1" dirty="0" smtClean="0"/>
+              <a:t>应用</a:t>
+            </a:r>
+            <a:endParaRPr lang="en-US" altLang="zh-CN" sz="1400" b="1" dirty="0" smtClean="0"/>
+          </a:p>
+          <a:p>
+            <a:pPr>
+              <a:buNone/>
+            </a:pPr>
+            <a:r>
+              <a:rPr lang="en-US" altLang="zh-CN" sz="1400" dirty="0" smtClean="0"/>
+              <a:t>	</a:t>
+            </a:r>
+            <a:r>
+              <a:rPr lang="zh-CN" altLang="en-US" sz="1400" dirty="0" smtClean="0"/>
+              <a:t>在</a:t>
+            </a:r>
+            <a:r>
+              <a:rPr lang="zh-CN" altLang="en-US" sz="1400" dirty="0" smtClean="0"/>
+              <a:t>启动容器的时候</a:t>
+            </a:r>
+            <a:r>
+              <a:rPr lang="zh-CN" altLang="en-US" sz="1400" dirty="0" smtClean="0"/>
+              <a:t>，不</a:t>
+            </a:r>
+            <a:r>
+              <a:rPr lang="zh-CN" altLang="en-US" sz="1400" dirty="0" smtClean="0"/>
+              <a:t>指定对应的参数，在容器外部是无法通过网络来访问容器内的网络应用</a:t>
+            </a:r>
+            <a:r>
+              <a:rPr lang="zh-CN" altLang="en-US" sz="1400" dirty="0" smtClean="0"/>
+              <a:t>和服</a:t>
+            </a:r>
+            <a:endParaRPr lang="en-US" altLang="zh-CN" sz="1400" dirty="0" smtClean="0"/>
+          </a:p>
+          <a:p>
+            <a:pPr>
+              <a:buNone/>
+            </a:pPr>
+            <a:r>
+              <a:rPr lang="zh-CN" altLang="en-US" sz="1400" dirty="0" smtClean="0"/>
+              <a:t>务</a:t>
+            </a:r>
+            <a:r>
+              <a:rPr lang="zh-CN" altLang="en-US" sz="1400" dirty="0" smtClean="0"/>
+              <a:t>的</a:t>
+            </a:r>
+            <a:r>
+              <a:rPr lang="zh-CN" altLang="en-US" sz="1400" dirty="0" smtClean="0"/>
+              <a:t>。当</a:t>
+            </a:r>
+            <a:r>
+              <a:rPr lang="zh-CN" altLang="en-US" sz="1400" dirty="0" smtClean="0"/>
+              <a:t>容器中运行了一些网络应用，要让外部访问这些应用时，可以通过 </a:t>
+            </a:r>
+            <a:r>
+              <a:rPr lang="en-US" altLang="zh-CN" sz="1400" dirty="0" smtClean="0"/>
+              <a:t>-P </a:t>
+            </a:r>
+            <a:r>
+              <a:rPr lang="zh-CN" altLang="en-US" sz="1400" dirty="0" smtClean="0"/>
+              <a:t>或 </a:t>
+            </a:r>
+            <a:r>
+              <a:rPr lang="en-US" altLang="zh-CN" sz="1400" dirty="0" smtClean="0"/>
+              <a:t>-p </a:t>
+            </a:r>
+            <a:r>
+              <a:rPr lang="zh-CN" altLang="en-US" sz="1400" dirty="0" smtClean="0"/>
+              <a:t>参数</a:t>
+            </a:r>
+            <a:r>
+              <a:rPr lang="zh-CN" altLang="en-US" sz="1400" dirty="0" smtClean="0"/>
+              <a:t>进行</a:t>
+            </a:r>
+            <a:r>
+              <a:rPr lang="zh-CN" altLang="en-US" sz="1400" dirty="0" smtClean="0"/>
+              <a:t>端口映射。</a:t>
+            </a:r>
+            <a:endParaRPr lang="en-US" altLang="zh-CN" sz="800" dirty="0" smtClean="0"/>
+          </a:p>
+          <a:p>
+            <a:pPr>
+              <a:buNone/>
+            </a:pPr>
+            <a:r>
+              <a:rPr lang="en-US" altLang="zh-CN" sz="1400" dirty="0" smtClean="0"/>
+              <a:t>	</a:t>
+            </a:r>
+            <a:r>
+              <a:rPr lang="en-US" altLang="zh-CN" sz="1400" i="1" dirty="0" err="1" smtClean="0">
+                <a:solidFill>
+                  <a:srgbClr val="0070C0"/>
+                </a:solidFill>
+              </a:rPr>
               <a:t>docker</a:t>
             </a:r>
             <a:r>
-              <a:rPr lang="en-US" altLang="zh-CN" sz="2000" dirty="0" smtClean="0"/>
-              <a:t> run</a:t>
-            </a:r>
-            <a:r>
-              <a:rPr lang="zh-CN" altLang="en-US" sz="2000" dirty="0" smtClean="0"/>
-              <a:t>命令的时候，使用</a:t>
-            </a:r>
-            <a:r>
-              <a:rPr lang="en-US" altLang="zh-CN" sz="2000" dirty="0" smtClean="0"/>
-              <a:t>-v</a:t>
-            </a:r>
-            <a:r>
-              <a:rPr lang="zh-CN" altLang="en-US" sz="2000" dirty="0" smtClean="0"/>
-              <a:t>变量可以在容器内创建一个数据卷，多次使用可以创建多个。</a:t>
-            </a:r>
+              <a:rPr lang="en-US" altLang="zh-CN" sz="1400" i="1" dirty="0" smtClean="0">
+                <a:solidFill>
+                  <a:srgbClr val="0070C0"/>
+                </a:solidFill>
+              </a:rPr>
+              <a:t> run [option] -P </a:t>
+            </a:r>
+            <a:r>
+              <a:rPr lang="en-US" altLang="zh-CN" sz="1400" i="1" dirty="0" err="1" smtClean="0">
+                <a:solidFill>
+                  <a:srgbClr val="0070C0"/>
+                </a:solidFill>
+              </a:rPr>
+              <a:t>imageName:version</a:t>
+            </a:r>
+            <a:r>
+              <a:rPr lang="en-US" altLang="zh-CN" sz="1400" i="1" dirty="0" smtClean="0">
+                <a:solidFill>
+                  <a:srgbClr val="0070C0"/>
+                </a:solidFill>
+              </a:rPr>
+              <a:t> </a:t>
+            </a:r>
+            <a:r>
+              <a:rPr lang="en-US" altLang="zh-CN" sz="1400" i="1" dirty="0" smtClean="0"/>
+              <a:t> </a:t>
+            </a:r>
+            <a:r>
+              <a:rPr lang="zh-CN" altLang="en-US" sz="1200" i="1" dirty="0" smtClean="0"/>
+              <a:t>（随机映射端口，需要</a:t>
+            </a:r>
+            <a:r>
+              <a:rPr lang="en-US" altLang="zh-CN" sz="1200" i="1" dirty="0" err="1" smtClean="0"/>
+              <a:t>docker</a:t>
+            </a:r>
+            <a:r>
+              <a:rPr lang="en-US" altLang="zh-CN" sz="1200" i="1" dirty="0" smtClean="0"/>
+              <a:t> </a:t>
+            </a:r>
+            <a:r>
+              <a:rPr lang="en-US" altLang="zh-CN" sz="1200" i="1" dirty="0" err="1" smtClean="0"/>
+              <a:t>ps</a:t>
+            </a:r>
+            <a:r>
+              <a:rPr lang="zh-CN" altLang="en-US" sz="1200" i="1" dirty="0" smtClean="0"/>
+              <a:t>或</a:t>
+            </a:r>
+            <a:r>
+              <a:rPr lang="en-US" altLang="zh-CN" sz="1200" i="1" dirty="0" err="1" smtClean="0"/>
+              <a:t>docker</a:t>
+            </a:r>
+            <a:r>
+              <a:rPr lang="en-US" altLang="zh-CN" sz="1200" i="1" dirty="0" smtClean="0"/>
+              <a:t> port</a:t>
+            </a:r>
+            <a:r>
+              <a:rPr lang="zh-CN" altLang="en-US" sz="1200" i="1" dirty="0" smtClean="0"/>
+              <a:t>去查看）</a:t>
+            </a:r>
+            <a:endParaRPr lang="en-US" altLang="zh-CN" sz="1200" i="1" dirty="0" smtClean="0"/>
           </a:p>
           <a:p>
             <a:pPr>
               <a:buNone/>
             </a:pPr>
             <a:r>
-              <a:rPr lang="zh-CN" altLang="en-US" sz="2000" dirty="0" smtClean="0"/>
+              <a:rPr lang="en-US" altLang="zh-CN" sz="1400" dirty="0" smtClean="0"/>
+              <a:t>	</a:t>
+            </a:r>
+            <a:r>
+              <a:rPr lang="en-US" altLang="zh-CN" sz="1400" i="1" dirty="0" err="1" smtClean="0">
+                <a:solidFill>
+                  <a:srgbClr val="0070C0"/>
+                </a:solidFill>
+              </a:rPr>
+              <a:t>docker</a:t>
+            </a:r>
+            <a:r>
+              <a:rPr lang="en-US" altLang="zh-CN" sz="1400" i="1" dirty="0" smtClean="0">
+                <a:solidFill>
+                  <a:srgbClr val="0070C0"/>
+                </a:solidFill>
+              </a:rPr>
+              <a:t> run [option] -p </a:t>
+            </a:r>
+            <a:r>
+              <a:rPr lang="en-US" altLang="zh-CN" sz="1400" i="1" dirty="0" err="1" smtClean="0">
+                <a:solidFill>
+                  <a:srgbClr val="0070C0"/>
+                </a:solidFill>
+              </a:rPr>
+              <a:t>hostPort:containerPort</a:t>
+            </a:r>
+            <a:r>
+              <a:rPr lang="en-US" altLang="zh-CN" sz="1400" i="1" dirty="0" smtClean="0">
+                <a:solidFill>
+                  <a:srgbClr val="0070C0"/>
+                </a:solidFill>
+              </a:rPr>
+              <a:t> </a:t>
+            </a:r>
+            <a:r>
+              <a:rPr lang="en-US" altLang="zh-CN" sz="1400" i="1" dirty="0" err="1" smtClean="0">
+                <a:solidFill>
+                  <a:srgbClr val="0070C0"/>
+                </a:solidFill>
+              </a:rPr>
+              <a:t>imageName:version</a:t>
+            </a:r>
+            <a:r>
+              <a:rPr lang="en-US" altLang="zh-CN" sz="1400" i="1" dirty="0" smtClean="0">
+                <a:solidFill>
+                  <a:srgbClr val="0070C0"/>
+                </a:solidFill>
+              </a:rPr>
+              <a:t> </a:t>
+            </a:r>
+            <a:r>
+              <a:rPr lang="zh-CN" altLang="en-US" sz="1200" i="1" dirty="0" smtClean="0"/>
+              <a:t>（</a:t>
+            </a:r>
+            <a:r>
+              <a:rPr lang="en-US" altLang="zh-CN" sz="1200" i="1" dirty="0" smtClean="0"/>
+              <a:t>-p</a:t>
+            </a:r>
+            <a:r>
+              <a:rPr lang="zh-CN" altLang="en-US" sz="1200" i="1" dirty="0" smtClean="0"/>
+              <a:t>可以多次使用）</a:t>
+            </a:r>
+            <a:endParaRPr lang="en-US" altLang="zh-CN" sz="1200" i="1" dirty="0" smtClean="0"/>
+          </a:p>
+          <a:p>
+            <a:pPr>
+              <a:buNone/>
+            </a:pPr>
+            <a:r>
+              <a:rPr lang="en-US" altLang="zh-CN" sz="1400" b="1" dirty="0" smtClean="0"/>
+              <a:t>	</a:t>
+            </a:r>
+            <a:r>
+              <a:rPr lang="en-US" altLang="zh-CN" sz="1400" i="1" dirty="0" err="1" smtClean="0">
+                <a:solidFill>
+                  <a:srgbClr val="0070C0"/>
+                </a:solidFill>
+              </a:rPr>
+              <a:t>docker</a:t>
+            </a:r>
+            <a:r>
+              <a:rPr lang="en-US" altLang="zh-CN" sz="1400" i="1" dirty="0" smtClean="0">
+                <a:solidFill>
+                  <a:srgbClr val="0070C0"/>
+                </a:solidFill>
+              </a:rPr>
+              <a:t> run -d -p 8080:9090 -p 9090:8080 </a:t>
+            </a:r>
+            <a:r>
+              <a:rPr lang="en-US" altLang="zh-CN" sz="1400" i="1" dirty="0" err="1" smtClean="0">
+                <a:solidFill>
+                  <a:srgbClr val="0070C0"/>
+                </a:solidFill>
+              </a:rPr>
+              <a:t>imageName</a:t>
+            </a:r>
+            <a:endParaRPr lang="zh-CN" altLang="en-US" sz="1400" i="1" dirty="0" smtClean="0">
+              <a:solidFill>
+                <a:srgbClr val="0070C0"/>
+              </a:solidFill>
+            </a:endParaRPr>
+          </a:p>
+          <a:p>
+            <a:pPr>
+              <a:buNone/>
+            </a:pPr>
+            <a:endParaRPr lang="en-US" altLang="zh-CN" sz="1400" b="1" dirty="0" smtClean="0"/>
+          </a:p>
+          <a:p>
+            <a:pPr>
+              <a:buNone/>
+            </a:pPr>
+            <a:r>
+              <a:rPr lang="zh-CN" altLang="en-US" sz="1400" b="1" dirty="0" smtClean="0"/>
+              <a:t>映射到指定地址的指定</a:t>
+            </a:r>
+            <a:r>
+              <a:rPr lang="zh-CN" altLang="en-US" sz="1400" b="1" dirty="0" smtClean="0"/>
+              <a:t>端口</a:t>
+            </a:r>
+            <a:endParaRPr lang="en-US" altLang="zh-CN" sz="1400" b="1" dirty="0" smtClean="0"/>
+          </a:p>
+          <a:p>
+            <a:pPr>
+              <a:buNone/>
+            </a:pPr>
+            <a:r>
+              <a:rPr lang="en-US" altLang="zh-CN" sz="1400" b="1" dirty="0" smtClean="0"/>
+              <a:t>	</a:t>
+            </a:r>
+            <a:r>
+              <a:rPr lang="zh-CN" altLang="en-US" sz="1400" dirty="0" smtClean="0"/>
               <a:t>使用 </a:t>
             </a:r>
             <a:r>
-              <a:rPr lang="en-US" altLang="zh-CN" sz="2000" dirty="0" err="1" smtClean="0"/>
-              <a:t>myimg</a:t>
-            </a:r>
-            <a:r>
-              <a:rPr lang="en-US" altLang="zh-CN" sz="2000" dirty="0" smtClean="0"/>
-              <a:t>/</a:t>
-            </a:r>
-            <a:r>
-              <a:rPr lang="en-US" altLang="zh-CN" sz="2000" dirty="0" err="1" smtClean="0"/>
-              <a:t>webapp</a:t>
-            </a:r>
-            <a:r>
-              <a:rPr lang="en-US" altLang="zh-CN" sz="2000" dirty="0" smtClean="0"/>
+              <a:rPr lang="en-US" sz="1400" dirty="0" err="1" smtClean="0"/>
+              <a:t>ip:hostPort:containerPort</a:t>
+            </a:r>
+            <a:r>
+              <a:rPr lang="en-US" sz="1400" dirty="0" smtClean="0"/>
               <a:t> </a:t>
             </a:r>
             <a:r>
-              <a:rPr lang="zh-CN" altLang="en-US" sz="2000" dirty="0" smtClean="0"/>
-              <a:t>镜像创建一个 </a:t>
-            </a:r>
-            <a:r>
-              <a:rPr lang="en-US" altLang="zh-CN" sz="2000" dirty="0" smtClean="0"/>
-              <a:t>web </a:t>
-            </a:r>
-            <a:r>
-              <a:rPr lang="zh-CN" altLang="en-US" sz="2000" dirty="0" smtClean="0"/>
-              <a:t>容器，并创建一个数据卷挂载到容器的 </a:t>
-            </a:r>
-            <a:r>
-              <a:rPr lang="en-US" altLang="zh-CN" sz="2000" dirty="0" smtClean="0"/>
-              <a:t>/</a:t>
-            </a:r>
-            <a:r>
-              <a:rPr lang="en-US" altLang="zh-CN" sz="2000" dirty="0" err="1" smtClean="0"/>
-              <a:t>webdata</a:t>
-            </a:r>
-            <a:r>
-              <a:rPr lang="en-US" altLang="zh-CN" sz="2000" dirty="0" smtClean="0"/>
+              <a:rPr lang="zh-CN" altLang="en-US" sz="1400" dirty="0" smtClean="0"/>
+              <a:t>格式的参数指定映射使用一个特定</a:t>
+            </a:r>
+            <a:r>
+              <a:rPr lang="zh-CN" altLang="en-US" sz="1400" dirty="0" smtClean="0"/>
+              <a:t>地址。</a:t>
+            </a:r>
+            <a:endParaRPr lang="en-US" altLang="zh-CN" sz="800" dirty="0" smtClean="0"/>
+          </a:p>
+          <a:p>
+            <a:pPr>
+              <a:buNone/>
+            </a:pPr>
+            <a:r>
+              <a:rPr lang="en-US" altLang="zh-CN" sz="1400" b="1" dirty="0" smtClean="0"/>
+              <a:t>	</a:t>
+            </a:r>
+            <a:r>
+              <a:rPr lang="en-US" sz="1400" dirty="0" smtClean="0">
+                <a:solidFill>
+                  <a:srgbClr val="0070C0"/>
+                </a:solidFill>
+              </a:rPr>
               <a:t> </a:t>
             </a:r>
             <a:r>
-              <a:rPr lang="zh-CN" altLang="en-US" sz="2000" dirty="0" smtClean="0"/>
-              <a:t>目录。</a:t>
-            </a:r>
+              <a:rPr lang="en-US" sz="1400" i="1" dirty="0" err="1" smtClean="0">
+                <a:solidFill>
+                  <a:srgbClr val="0070C0"/>
+                </a:solidFill>
+              </a:rPr>
+              <a:t>docker</a:t>
+            </a:r>
+            <a:r>
+              <a:rPr lang="en-US" sz="1400" i="1" dirty="0" smtClean="0">
+                <a:solidFill>
+                  <a:srgbClr val="0070C0"/>
+                </a:solidFill>
+              </a:rPr>
+              <a:t> run -d -p </a:t>
+            </a:r>
+            <a:r>
+              <a:rPr lang="en-US" sz="1400" i="1" dirty="0" smtClean="0">
+                <a:solidFill>
+                  <a:srgbClr val="0070C0"/>
+                </a:solidFill>
+              </a:rPr>
+              <a:t>127.0.0.1:5000:5000 </a:t>
+            </a:r>
+            <a:endParaRPr lang="zh-CN" altLang="en-US" sz="1400" b="1" i="1" dirty="0" smtClean="0">
+              <a:solidFill>
+                <a:srgbClr val="0070C0"/>
+              </a:solidFill>
+            </a:endParaRPr>
           </a:p>
           <a:p>
             <a:pPr>
               <a:buNone/>
             </a:pPr>
-            <a:endParaRPr lang="en-US" altLang="zh-CN" sz="2000" dirty="0" smtClean="0"/>
+            <a:endParaRPr lang="en-US" altLang="zh-CN" sz="1400" b="1" dirty="0" smtClean="0"/>
+          </a:p>
+          <a:p>
+            <a:pPr>
+              <a:buNone/>
+            </a:pPr>
+            <a:r>
+              <a:rPr lang="zh-CN" altLang="en-US" sz="1400" b="1" dirty="0" smtClean="0"/>
+              <a:t>映射到指定地址的任意</a:t>
+            </a:r>
+            <a:r>
+              <a:rPr lang="zh-CN" altLang="en-US" sz="1400" b="1" dirty="0" smtClean="0"/>
+              <a:t>端口</a:t>
+            </a:r>
+            <a:endParaRPr lang="en-US" altLang="zh-CN" sz="1400" b="1" dirty="0" smtClean="0"/>
+          </a:p>
+          <a:p>
+            <a:pPr>
+              <a:buNone/>
+            </a:pPr>
+            <a:r>
+              <a:rPr lang="en-US" altLang="zh-CN" sz="1400" dirty="0" smtClean="0"/>
+              <a:t>	</a:t>
+            </a:r>
+            <a:r>
+              <a:rPr lang="zh-CN" altLang="en-US" sz="1400" dirty="0" smtClean="0"/>
+              <a:t>使用 </a:t>
+            </a:r>
+            <a:r>
+              <a:rPr lang="en-US" sz="1400" dirty="0" err="1" smtClean="0"/>
+              <a:t>ip</a:t>
+            </a:r>
+            <a:r>
+              <a:rPr lang="en-US" sz="1400" dirty="0" smtClean="0"/>
+              <a:t>::</a:t>
+            </a:r>
+            <a:r>
+              <a:rPr lang="en-US" sz="1400" dirty="0" err="1" smtClean="0"/>
+              <a:t>containerPort</a:t>
+            </a:r>
+            <a:r>
+              <a:rPr lang="en-US" sz="1400" dirty="0" smtClean="0"/>
+              <a:t> </a:t>
+            </a:r>
+            <a:r>
+              <a:rPr lang="zh-CN" altLang="en-US" sz="1400" dirty="0" smtClean="0"/>
+              <a:t>格式的参数可以绑定 </a:t>
+            </a:r>
+            <a:r>
+              <a:rPr lang="en-US" sz="1400" dirty="0" err="1" smtClean="0"/>
+              <a:t>localhost</a:t>
+            </a:r>
+            <a:r>
+              <a:rPr lang="en-US" sz="1400" dirty="0" smtClean="0"/>
+              <a:t> </a:t>
+            </a:r>
+            <a:r>
+              <a:rPr lang="zh-CN" altLang="en-US" sz="1400" dirty="0" smtClean="0"/>
+              <a:t>的任意端口到容器的 </a:t>
+            </a:r>
+            <a:r>
+              <a:rPr lang="en-US" altLang="zh-CN" sz="1400" dirty="0" smtClean="0"/>
+              <a:t>5000 </a:t>
+            </a:r>
+            <a:r>
+              <a:rPr lang="zh-CN" altLang="en-US" sz="1400" dirty="0" smtClean="0"/>
+              <a:t>端口。</a:t>
+            </a:r>
+            <a:endParaRPr lang="en-US" altLang="zh-CN" sz="1400" dirty="0" smtClean="0"/>
+          </a:p>
+          <a:p>
+            <a:pPr>
+              <a:buNone/>
+            </a:pPr>
+            <a:r>
+              <a:rPr lang="en-US" altLang="zh-CN" sz="1400" b="1" dirty="0" smtClean="0"/>
+              <a:t>	</a:t>
+            </a:r>
+            <a:r>
+              <a:rPr lang="en-US" sz="1400" dirty="0" smtClean="0">
+                <a:solidFill>
+                  <a:srgbClr val="0070C0"/>
+                </a:solidFill>
+              </a:rPr>
+              <a:t> </a:t>
+            </a:r>
+            <a:r>
+              <a:rPr lang="en-US" sz="1400" i="1" dirty="0" err="1" smtClean="0">
+                <a:solidFill>
+                  <a:srgbClr val="0070C0"/>
+                </a:solidFill>
+              </a:rPr>
+              <a:t>docker</a:t>
+            </a:r>
+            <a:r>
+              <a:rPr lang="en-US" sz="1400" i="1" dirty="0" smtClean="0">
+                <a:solidFill>
+                  <a:srgbClr val="0070C0"/>
+                </a:solidFill>
+              </a:rPr>
+              <a:t> run -d -p 127.0.0.1::</a:t>
+            </a:r>
+            <a:r>
+              <a:rPr lang="en-US" sz="1400" i="1" dirty="0" smtClean="0">
+                <a:solidFill>
+                  <a:srgbClr val="0070C0"/>
+                </a:solidFill>
+              </a:rPr>
+              <a:t>5000 </a:t>
+            </a:r>
+            <a:r>
+              <a:rPr lang="en-US" altLang="zh-CN" sz="1400" i="1" dirty="0" err="1" smtClean="0">
+                <a:solidFill>
+                  <a:srgbClr val="0070C0"/>
+                </a:solidFill>
+              </a:rPr>
+              <a:t>imageName</a:t>
+            </a:r>
+            <a:endParaRPr lang="en-US" sz="1400" i="1" dirty="0" smtClean="0">
+              <a:solidFill>
+                <a:srgbClr val="0070C0"/>
+              </a:solidFill>
+            </a:endParaRPr>
+          </a:p>
+          <a:p>
+            <a:pPr>
+              <a:buNone/>
+            </a:pPr>
+            <a:r>
+              <a:rPr lang="en-US" altLang="zh-CN" sz="1400" b="1" i="1" dirty="0" smtClean="0"/>
+              <a:t>	</a:t>
+            </a:r>
+            <a:r>
+              <a:rPr lang="en-US" sz="1400" i="1" dirty="0" smtClean="0">
+                <a:solidFill>
+                  <a:srgbClr val="0070C0"/>
+                </a:solidFill>
+              </a:rPr>
+              <a:t> </a:t>
+            </a:r>
+            <a:r>
+              <a:rPr lang="en-US" sz="1400" i="1" dirty="0" err="1" smtClean="0">
+                <a:solidFill>
+                  <a:srgbClr val="0070C0"/>
+                </a:solidFill>
+              </a:rPr>
+              <a:t>docker</a:t>
+            </a:r>
+            <a:r>
+              <a:rPr lang="en-US" sz="1400" i="1" dirty="0" smtClean="0">
+                <a:solidFill>
+                  <a:srgbClr val="0070C0"/>
+                </a:solidFill>
+              </a:rPr>
+              <a:t> run -d -p </a:t>
+            </a:r>
+            <a:r>
+              <a:rPr lang="en-US" sz="1400" i="1" dirty="0" smtClean="0">
+                <a:solidFill>
+                  <a:srgbClr val="0070C0"/>
+                </a:solidFill>
+              </a:rPr>
+              <a:t>127.0.0.1:5000:5000/</a:t>
+            </a:r>
+            <a:r>
+              <a:rPr lang="en-US" sz="1400" i="1" dirty="0" err="1" smtClean="0">
+                <a:solidFill>
+                  <a:srgbClr val="0070C0"/>
+                </a:solidFill>
+              </a:rPr>
+              <a:t>udp</a:t>
+            </a:r>
+            <a:r>
+              <a:rPr lang="en-US" sz="1400" i="1" dirty="0" smtClean="0">
+                <a:solidFill>
+                  <a:srgbClr val="0070C0"/>
+                </a:solidFill>
+              </a:rPr>
+              <a:t> </a:t>
+            </a:r>
+            <a:r>
+              <a:rPr lang="en-US" sz="1400" i="1" dirty="0" err="1" smtClean="0">
+                <a:solidFill>
+                  <a:srgbClr val="0070C0"/>
+                </a:solidFill>
+              </a:rPr>
+              <a:t>image</a:t>
+            </a:r>
+            <a:r>
+              <a:rPr lang="en-US" altLang="zh-CN" sz="1400" i="1" dirty="0" err="1" smtClean="0">
+                <a:solidFill>
+                  <a:srgbClr val="0070C0"/>
+                </a:solidFill>
+              </a:rPr>
+              <a:t>Name</a:t>
+            </a:r>
+            <a:endParaRPr lang="zh-CN" altLang="en-US" sz="1400" b="1" i="1" dirty="0" smtClean="0">
+              <a:solidFill>
+                <a:srgbClr val="0070C0"/>
+              </a:solidFill>
+            </a:endParaRPr>
+          </a:p>
+          <a:p>
+            <a:pPr>
+              <a:buNone/>
+            </a:pPr>
+            <a:endParaRPr lang="en-US" altLang="zh-CN" sz="1400" b="1" dirty="0" smtClean="0"/>
+          </a:p>
+          <a:p>
+            <a:pPr>
+              <a:buNone/>
+            </a:pPr>
+            <a:r>
+              <a:rPr lang="zh-CN" altLang="en-US" sz="1400" b="1" dirty="0" smtClean="0"/>
+              <a:t>查看映射端口</a:t>
+            </a:r>
+            <a:r>
+              <a:rPr lang="zh-CN" altLang="en-US" sz="1400" b="1" dirty="0" smtClean="0"/>
+              <a:t>配置</a:t>
+            </a:r>
+            <a:endParaRPr lang="en-US" altLang="zh-CN" sz="1400" b="1" dirty="0" smtClean="0"/>
+          </a:p>
+          <a:p>
+            <a:pPr>
+              <a:buNone/>
+            </a:pPr>
+            <a:r>
+              <a:rPr lang="en-US" altLang="zh-CN" sz="1400" b="1" dirty="0" smtClean="0"/>
+              <a:t>	</a:t>
+            </a:r>
+            <a:r>
+              <a:rPr lang="en-US" altLang="zh-CN" sz="1400" i="1" dirty="0" err="1" smtClean="0">
+                <a:solidFill>
+                  <a:srgbClr val="0070C0"/>
+                </a:solidFill>
+              </a:rPr>
+              <a:t>docker</a:t>
+            </a:r>
+            <a:r>
+              <a:rPr lang="en-US" altLang="zh-CN" sz="1400" i="1" dirty="0" smtClean="0">
+                <a:solidFill>
+                  <a:srgbClr val="0070C0"/>
+                </a:solidFill>
+              </a:rPr>
+              <a:t> port </a:t>
+            </a:r>
+            <a:r>
+              <a:rPr lang="en-US" altLang="zh-CN" sz="1400" i="1" dirty="0" err="1" smtClean="0">
+                <a:solidFill>
+                  <a:srgbClr val="0070C0"/>
+                </a:solidFill>
+              </a:rPr>
+              <a:t>containerName</a:t>
+            </a:r>
+            <a:r>
+              <a:rPr lang="en-US" altLang="zh-CN" sz="1400" i="1" dirty="0" smtClean="0">
+                <a:solidFill>
+                  <a:srgbClr val="0070C0"/>
+                </a:solidFill>
+              </a:rPr>
+              <a:t> port</a:t>
+            </a:r>
+            <a:endParaRPr lang="zh-CN" altLang="en-US" sz="1400" i="1" dirty="0" smtClean="0">
+              <a:solidFill>
+                <a:srgbClr val="0070C0"/>
+              </a:solidFill>
+            </a:endParaRPr>
+          </a:p>
+          <a:p>
+            <a:pPr>
+              <a:buNone/>
+            </a:pPr>
+            <a:endParaRPr lang="zh-CN" altLang="en-US" sz="1400" b="1" dirty="0" smtClean="0"/>
           </a:p>
         </p:txBody>
       </p:sp>
@@ -4769,11 +7238,11 @@
             </a:r>
             <a:r>
               <a:rPr lang="zh-CN" altLang="en-US" sz="3200" dirty="0" smtClean="0"/>
-              <a:t> </a:t>
+              <a:t> 网络</a:t>
             </a:r>
             <a:r>
               <a:rPr lang="zh-CN" altLang="en-US" sz="3200" dirty="0" smtClean="0"/>
-              <a:t>数据管理</a:t>
+              <a:t>配置</a:t>
             </a:r>
             <a:r>
               <a:rPr lang="en-US" altLang="zh-CN" sz="3200" dirty="0" smtClean="0"/>
@@ -4781,11 +7250,11 @@
             </a:r>
             <a:r>
               <a:rPr lang="zh-CN" altLang="en-US" sz="3200" dirty="0" smtClean="0"/>
-              <a:t>数据</a:t>
+              <a:t>容器间</a:t>
             </a:r>
             <a:r>
               <a:rPr lang="zh-CN" altLang="en-US" sz="3200" dirty="0" smtClean="0"/>
-              <a:t>卷容器</a:t>
+              <a:t>通信</a:t>
             </a:r>
             <a:endParaRPr lang="zh-CN" altLang="en-US" sz="3200" dirty="0"/>
           </a:p>
@@ -4801,17 +7270,675 @@
             <p:ph idx="1"/>
           </p:nvPr>
         </p:nvSpPr>
-        <p:spPr/>
+        <p:spPr>
+          <a:xfrm>
+            <a:off x="457200" y="1600200"/>
+            <a:ext cx="8229600" cy="5114948"/>
+          </a:xfrm>
+        </p:spPr>
         <p:txBody>
           <a:bodyPr>
-            <a:normAutofit/>
+            <a:normAutofit lnSpcReduction="10000"/>
           </a:bodyPr>
           <a:lstStyle/>
           <a:p>
             <a:pPr>
               <a:buNone/>
             </a:pPr>
-            <a:endParaRPr lang="en-US" altLang="zh-CN" sz="2000" dirty="0" smtClean="0"/>
+            <a:r>
+              <a:rPr lang="en-US" altLang="zh-CN" sz="1400" dirty="0" smtClean="0"/>
+              <a:t>	</a:t>
+            </a:r>
+            <a:r>
+              <a:rPr lang="zh-CN" altLang="en-US" sz="1400" dirty="0" smtClean="0"/>
+              <a:t>容器</a:t>
+            </a:r>
+            <a:r>
+              <a:rPr lang="zh-CN" altLang="en-US" sz="1400" dirty="0" smtClean="0"/>
+              <a:t>的</a:t>
+            </a:r>
+            <a:r>
+              <a:rPr lang="zh-CN" altLang="en-US" sz="1400" dirty="0" smtClean="0"/>
+              <a:t>连接系统</a:t>
+            </a:r>
+            <a:r>
+              <a:rPr lang="zh-CN" altLang="en-US" sz="1400" dirty="0" smtClean="0"/>
+              <a:t>是除了端口映射外另一种可以与容器中应用进行交互的方式。它会在源和</a:t>
+            </a:r>
+            <a:r>
+              <a:rPr lang="zh-CN" altLang="en-US" sz="1400" dirty="0" smtClean="0"/>
+              <a:t>接收容器</a:t>
+            </a:r>
+            <a:endParaRPr lang="en-US" altLang="zh-CN" sz="1400" dirty="0" smtClean="0"/>
+          </a:p>
+          <a:p>
+            <a:pPr>
+              <a:buNone/>
+            </a:pPr>
+            <a:r>
+              <a:rPr lang="zh-CN" altLang="en-US" sz="1400" dirty="0" smtClean="0"/>
+              <a:t>之间</a:t>
+            </a:r>
+            <a:r>
+              <a:rPr lang="zh-CN" altLang="en-US" sz="1400" dirty="0" smtClean="0"/>
+              <a:t>创建一个隧道，接收容器可以看到源容器指定的信息</a:t>
+            </a:r>
+            <a:r>
+              <a:rPr lang="zh-CN" altLang="en-US" sz="1400" dirty="0" smtClean="0"/>
+              <a:t>。</a:t>
+            </a:r>
+            <a:endParaRPr lang="en-US" altLang="zh-CN" sz="1400" dirty="0" smtClean="0"/>
+          </a:p>
+          <a:p>
+            <a:pPr>
+              <a:buNone/>
+            </a:pPr>
+            <a:endParaRPr lang="en-US" altLang="zh-CN" sz="1400" dirty="0" smtClean="0"/>
+          </a:p>
+          <a:p>
+            <a:pPr>
+              <a:buNone/>
+            </a:pPr>
+            <a:r>
+              <a:rPr lang="zh-CN" altLang="en-US" sz="1400" dirty="0" smtClean="0"/>
+              <a:t>一、自定义容器名</a:t>
+            </a:r>
+            <a:endParaRPr lang="en-US" altLang="zh-CN" sz="1400" dirty="0" smtClean="0"/>
+          </a:p>
+          <a:p>
+            <a:pPr>
+              <a:buNone/>
+            </a:pPr>
+            <a:r>
+              <a:rPr lang="en-US" altLang="zh-CN" sz="1400" dirty="0" smtClean="0"/>
+              <a:t>	</a:t>
+            </a:r>
+            <a:r>
+              <a:rPr lang="zh-CN" altLang="en-US" sz="1400" dirty="0" smtClean="0"/>
+              <a:t>连接</a:t>
+            </a:r>
+            <a:r>
+              <a:rPr lang="zh-CN" altLang="en-US" sz="1400" dirty="0" smtClean="0"/>
+              <a:t>系统依据容器的名称来</a:t>
+            </a:r>
+            <a:r>
+              <a:rPr lang="zh-CN" altLang="en-US" sz="1400" dirty="0" smtClean="0"/>
+              <a:t>执行的，在启动容器的时候需要使用</a:t>
+            </a:r>
+            <a:r>
+              <a:rPr lang="en-US" altLang="zh-CN" sz="1400" dirty="0" smtClean="0"/>
+              <a:t>-name</a:t>
+            </a:r>
+            <a:r>
+              <a:rPr lang="zh-CN" altLang="en-US" sz="1400" dirty="0" smtClean="0"/>
+              <a:t>参数自定义一个容器名。</a:t>
+            </a:r>
+            <a:endParaRPr lang="en-US" altLang="zh-CN" sz="1400" dirty="0" smtClean="0"/>
+          </a:p>
+          <a:p>
+            <a:pPr>
+              <a:buNone/>
+            </a:pPr>
+            <a:r>
+              <a:rPr lang="en-US" altLang="zh-CN" sz="1400" dirty="0" smtClean="0"/>
+              <a:t>	</a:t>
+            </a:r>
+            <a:r>
+              <a:rPr lang="en-US" altLang="zh-CN" sz="1400" i="1" dirty="0" err="1" smtClean="0">
+                <a:solidFill>
+                  <a:srgbClr val="0070C0"/>
+                </a:solidFill>
+              </a:rPr>
+              <a:t>docker</a:t>
+            </a:r>
+            <a:r>
+              <a:rPr lang="en-US" altLang="zh-CN" sz="1400" i="1" dirty="0" smtClean="0">
+                <a:solidFill>
+                  <a:srgbClr val="0070C0"/>
+                </a:solidFill>
+              </a:rPr>
+              <a:t> run -d –p 8899:80 --name </a:t>
+            </a:r>
+            <a:r>
+              <a:rPr lang="en-US" altLang="zh-CN" sz="1400" i="1" dirty="0" err="1" smtClean="0">
+                <a:solidFill>
+                  <a:srgbClr val="0070C0"/>
+                </a:solidFill>
+              </a:rPr>
+              <a:t>nginx</a:t>
+            </a:r>
+            <a:r>
+              <a:rPr lang="en-US" altLang="zh-CN" sz="1400" i="1" dirty="0" smtClean="0">
+                <a:solidFill>
+                  <a:srgbClr val="0070C0"/>
+                </a:solidFill>
+              </a:rPr>
+              <a:t> </a:t>
+            </a:r>
+            <a:r>
+              <a:rPr lang="en-US" altLang="zh-CN" sz="1400" i="1" dirty="0" err="1" smtClean="0">
+                <a:solidFill>
+                  <a:srgbClr val="0070C0"/>
+                </a:solidFill>
+              </a:rPr>
+              <a:t>nginx:latest</a:t>
+            </a:r>
+            <a:r>
+              <a:rPr lang="en-US" altLang="zh-CN" sz="1400" i="1" dirty="0" smtClean="0">
+                <a:solidFill>
+                  <a:srgbClr val="0070C0"/>
+                </a:solidFill>
+              </a:rPr>
+              <a:t> </a:t>
+            </a:r>
+          </a:p>
+          <a:p>
+            <a:pPr>
+              <a:buNone/>
+            </a:pPr>
+            <a:r>
+              <a:rPr lang="en-US" altLang="zh-CN" sz="1400" i="1" dirty="0" smtClean="0"/>
+              <a:t>	</a:t>
+            </a:r>
+            <a:r>
+              <a:rPr lang="zh-CN" altLang="en-US" sz="1200" i="1" dirty="0" smtClean="0"/>
+              <a:t>自定义名称好记，</a:t>
+            </a:r>
+            <a:r>
+              <a:rPr lang="zh-CN" altLang="en-US" sz="1200" i="1" dirty="0" smtClean="0"/>
+              <a:t>连接特定容器时可作为一个参考点，例如</a:t>
+            </a:r>
+            <a:r>
+              <a:rPr lang="en-US" altLang="zh-CN" sz="1200" i="1" dirty="0" smtClean="0"/>
+              <a:t>web</a:t>
+            </a:r>
+            <a:r>
+              <a:rPr lang="zh-CN" altLang="en-US" sz="1200" i="1" dirty="0" smtClean="0"/>
+              <a:t>和</a:t>
+            </a:r>
+            <a:r>
+              <a:rPr lang="en-US" altLang="zh-CN" sz="1200" i="1" dirty="0" smtClean="0"/>
+              <a:t>DB</a:t>
+            </a:r>
+            <a:r>
+              <a:rPr lang="zh-CN" altLang="en-US" sz="1200" i="1" dirty="0" smtClean="0"/>
+              <a:t>容器连接。 </a:t>
+            </a:r>
+            <a:endParaRPr lang="en-US" altLang="zh-CN" sz="1200" i="1" dirty="0" smtClean="0"/>
+          </a:p>
+          <a:p>
+            <a:pPr>
+              <a:buNone/>
+            </a:pPr>
+            <a:endParaRPr lang="en-US" altLang="zh-CN" sz="1400" dirty="0" smtClean="0"/>
+          </a:p>
+          <a:p>
+            <a:pPr>
+              <a:buNone/>
+            </a:pPr>
+            <a:r>
+              <a:rPr lang="zh-CN" altLang="en-US" sz="1400" dirty="0" smtClean="0"/>
+              <a:t>二、容器互联</a:t>
+            </a:r>
+            <a:endParaRPr lang="en-US" altLang="zh-CN" sz="1400" dirty="0" smtClean="0"/>
+          </a:p>
+          <a:p>
+            <a:pPr>
+              <a:buNone/>
+            </a:pPr>
+            <a:r>
+              <a:rPr lang="en-US" altLang="zh-CN" sz="1400" dirty="0" smtClean="0"/>
+              <a:t>	</a:t>
+            </a:r>
+            <a:r>
+              <a:rPr lang="zh-CN" altLang="en-US" sz="1400" dirty="0" smtClean="0"/>
+              <a:t>使用 </a:t>
+            </a:r>
+            <a:r>
+              <a:rPr lang="en-US" altLang="zh-CN" sz="1400" dirty="0" smtClean="0"/>
+              <a:t>-</a:t>
+            </a:r>
+            <a:r>
+              <a:rPr lang="en-US" altLang="zh-CN" sz="1400" dirty="0" smtClean="0"/>
+              <a:t>link </a:t>
+            </a:r>
+            <a:r>
+              <a:rPr lang="zh-CN" altLang="en-US" sz="1400" dirty="0" smtClean="0"/>
+              <a:t>参数可以让容器之间安全的进行交互</a:t>
+            </a:r>
+            <a:r>
+              <a:rPr lang="zh-CN" altLang="en-US" sz="1400" dirty="0" smtClean="0"/>
+              <a:t>。</a:t>
+            </a:r>
+            <a:endParaRPr lang="en-US" altLang="zh-CN" sz="1400" dirty="0" smtClean="0"/>
+          </a:p>
+          <a:p>
+            <a:pPr>
+              <a:buNone/>
+            </a:pPr>
+            <a:r>
+              <a:rPr lang="en-US" altLang="zh-CN" sz="1400" dirty="0" smtClean="0"/>
+              <a:t>	</a:t>
+            </a:r>
+            <a:r>
+              <a:rPr lang="en-US" sz="1400" dirty="0" smtClean="0"/>
+              <a:t> </a:t>
+            </a:r>
+            <a:r>
+              <a:rPr lang="en-US" sz="1400" i="1" dirty="0" err="1" smtClean="0">
+                <a:solidFill>
+                  <a:srgbClr val="0070C0"/>
+                </a:solidFill>
+              </a:rPr>
+              <a:t>docker</a:t>
+            </a:r>
+            <a:r>
+              <a:rPr lang="en-US" sz="1400" i="1" dirty="0" smtClean="0">
+                <a:solidFill>
+                  <a:srgbClr val="0070C0"/>
+                </a:solidFill>
+              </a:rPr>
+              <a:t> run </a:t>
+            </a:r>
+            <a:r>
+              <a:rPr lang="en-US" sz="1400" i="1" dirty="0" smtClean="0">
+                <a:solidFill>
+                  <a:srgbClr val="0070C0"/>
+                </a:solidFill>
+              </a:rPr>
+              <a:t>–d  </a:t>
+            </a:r>
+            <a:r>
+              <a:rPr lang="en-US" altLang="zh-CN" sz="1400" i="1" dirty="0" smtClean="0">
+                <a:solidFill>
+                  <a:srgbClr val="0070C0"/>
+                </a:solidFill>
+              </a:rPr>
+              <a:t>-P</a:t>
+            </a:r>
+            <a:r>
+              <a:rPr lang="en-US" sz="1400" i="1" dirty="0" smtClean="0">
+                <a:solidFill>
+                  <a:srgbClr val="0070C0"/>
+                </a:solidFill>
+              </a:rPr>
+              <a:t> -</a:t>
+            </a:r>
+            <a:r>
+              <a:rPr lang="en-US" altLang="zh-CN" sz="1400" i="1" dirty="0" smtClean="0">
+                <a:solidFill>
+                  <a:srgbClr val="0070C0"/>
+                </a:solidFill>
+              </a:rPr>
+              <a:t>-</a:t>
+            </a:r>
+            <a:r>
+              <a:rPr lang="en-US" sz="1400" i="1" dirty="0" smtClean="0">
+                <a:solidFill>
+                  <a:srgbClr val="0070C0"/>
+                </a:solidFill>
+              </a:rPr>
+              <a:t>name db </a:t>
+            </a:r>
+            <a:r>
+              <a:rPr lang="en-US" sz="1400" i="1" dirty="0" err="1" smtClean="0">
+                <a:solidFill>
+                  <a:srgbClr val="0070C0"/>
+                </a:solidFill>
+              </a:rPr>
+              <a:t>mysql</a:t>
+            </a:r>
+            <a:r>
+              <a:rPr lang="en-US" sz="1400" i="1" dirty="0" smtClean="0">
+                <a:solidFill>
+                  <a:srgbClr val="0070C0"/>
+                </a:solidFill>
+              </a:rPr>
+              <a:t>  </a:t>
+            </a:r>
+            <a:endParaRPr lang="en-US" sz="1400" i="1" dirty="0" smtClean="0">
+              <a:solidFill>
+                <a:srgbClr val="0070C0"/>
+              </a:solidFill>
+            </a:endParaRPr>
+          </a:p>
+          <a:p>
+            <a:pPr>
+              <a:buNone/>
+            </a:pPr>
+            <a:r>
+              <a:rPr lang="en-US" altLang="zh-CN" sz="1400" i="1" dirty="0" smtClean="0"/>
+              <a:t>	</a:t>
+            </a:r>
+            <a:r>
+              <a:rPr lang="zh-CN" altLang="en-US" sz="1200" i="1" dirty="0" smtClean="0"/>
+              <a:t>（使用</a:t>
+            </a:r>
+            <a:r>
+              <a:rPr lang="en-US" altLang="zh-CN" sz="1200" i="1" dirty="0" err="1" smtClean="0"/>
+              <a:t>mysql</a:t>
+            </a:r>
+            <a:r>
+              <a:rPr lang="zh-CN" altLang="en-US" sz="1200" i="1" dirty="0" smtClean="0"/>
+              <a:t>镜像创建一个名字为</a:t>
+            </a:r>
+            <a:r>
+              <a:rPr lang="en-US" altLang="zh-CN" sz="1200" i="1" dirty="0" smtClean="0"/>
+              <a:t>db</a:t>
+            </a:r>
+            <a:r>
+              <a:rPr lang="zh-CN" altLang="en-US" sz="1200" i="1" dirty="0" smtClean="0"/>
+              <a:t>的数据库容器</a:t>
+            </a:r>
+            <a:r>
+              <a:rPr lang="zh-CN" altLang="en-US" sz="1200" i="1" dirty="0" smtClean="0"/>
+              <a:t>）</a:t>
+            </a:r>
+            <a:endParaRPr lang="en-US" sz="1200" i="1" dirty="0" smtClean="0"/>
+          </a:p>
+          <a:p>
+            <a:pPr>
+              <a:buNone/>
+            </a:pPr>
+            <a:r>
+              <a:rPr lang="en-US" altLang="zh-CN" sz="1400" dirty="0" smtClean="0"/>
+              <a:t>	</a:t>
+            </a:r>
+            <a:r>
+              <a:rPr lang="en-US" sz="1400" dirty="0" smtClean="0"/>
+              <a:t> </a:t>
+            </a:r>
+            <a:r>
+              <a:rPr lang="en-US" sz="1400" i="1" dirty="0" err="1" smtClean="0">
+                <a:solidFill>
+                  <a:srgbClr val="0070C0"/>
+                </a:solidFill>
+              </a:rPr>
+              <a:t>docker</a:t>
+            </a:r>
+            <a:r>
+              <a:rPr lang="en-US" sz="1400" i="1" dirty="0" smtClean="0">
+                <a:solidFill>
+                  <a:srgbClr val="0070C0"/>
+                </a:solidFill>
+              </a:rPr>
+              <a:t> run -d </a:t>
+            </a:r>
+            <a:r>
+              <a:rPr lang="en-US" sz="1400" i="1" dirty="0" smtClean="0">
+                <a:solidFill>
+                  <a:srgbClr val="0070C0"/>
+                </a:solidFill>
+              </a:rPr>
+              <a:t>-p 8080:80 --name </a:t>
+            </a:r>
+            <a:r>
+              <a:rPr lang="en-US" sz="1400" i="1" dirty="0" smtClean="0">
+                <a:solidFill>
+                  <a:srgbClr val="0070C0"/>
+                </a:solidFill>
+              </a:rPr>
+              <a:t>web </a:t>
+            </a:r>
+            <a:r>
+              <a:rPr lang="en-US" sz="1400" i="1" dirty="0" smtClean="0">
+                <a:solidFill>
+                  <a:srgbClr val="0070C0"/>
+                </a:solidFill>
+              </a:rPr>
+              <a:t>-link </a:t>
+            </a:r>
+            <a:r>
+              <a:rPr lang="en-US" sz="1400" i="1" dirty="0" err="1" smtClean="0">
+                <a:solidFill>
+                  <a:srgbClr val="0070C0"/>
+                </a:solidFill>
+              </a:rPr>
+              <a:t>db:db</a:t>
+            </a:r>
+            <a:r>
+              <a:rPr lang="en-US" sz="1400" i="1" dirty="0" smtClean="0">
+                <a:solidFill>
+                  <a:srgbClr val="0070C0"/>
+                </a:solidFill>
+              </a:rPr>
+              <a:t> </a:t>
+            </a:r>
+            <a:r>
+              <a:rPr lang="en-US" sz="1400" i="1" dirty="0" err="1" smtClean="0">
+                <a:solidFill>
+                  <a:srgbClr val="0070C0"/>
+                </a:solidFill>
+              </a:rPr>
+              <a:t>jpress</a:t>
+            </a:r>
+            <a:r>
+              <a:rPr lang="en-US" sz="1400" i="1" dirty="0" smtClean="0">
+                <a:solidFill>
+                  <a:srgbClr val="0070C0"/>
+                </a:solidFill>
+              </a:rPr>
+              <a:t> </a:t>
+            </a:r>
+          </a:p>
+          <a:p>
+            <a:pPr>
+              <a:buNone/>
+            </a:pPr>
+            <a:r>
+              <a:rPr lang="en-US" altLang="zh-CN" sz="1400" i="1" dirty="0" smtClean="0"/>
+              <a:t>	</a:t>
+            </a:r>
+            <a:r>
+              <a:rPr lang="zh-CN" altLang="en-US" sz="1200" i="1" dirty="0" smtClean="0"/>
+              <a:t>（使用</a:t>
+            </a:r>
+            <a:r>
+              <a:rPr lang="en-US" altLang="zh-CN" sz="1200" i="1" dirty="0" err="1" smtClean="0"/>
+              <a:t>jpress</a:t>
+            </a:r>
+            <a:r>
+              <a:rPr lang="zh-CN" altLang="en-US" sz="1200" i="1" dirty="0" smtClean="0"/>
+              <a:t>镜像创建一个名字为</a:t>
+            </a:r>
+            <a:r>
+              <a:rPr lang="en-US" altLang="zh-CN" sz="1200" i="1" dirty="0" smtClean="0"/>
+              <a:t>web</a:t>
+            </a:r>
+            <a:r>
+              <a:rPr lang="zh-CN" altLang="en-US" sz="1200" i="1" dirty="0" smtClean="0"/>
+              <a:t>的容器，并连接名为</a:t>
+            </a:r>
+            <a:r>
+              <a:rPr lang="en-US" altLang="zh-CN" sz="1200" i="1" dirty="0" smtClean="0"/>
+              <a:t>db</a:t>
+            </a:r>
+            <a:r>
+              <a:rPr lang="zh-CN" altLang="en-US" sz="1200" i="1" dirty="0" smtClean="0"/>
+              <a:t>的数据库容器）</a:t>
+            </a:r>
+            <a:endParaRPr lang="en-US" altLang="zh-CN" sz="1200" i="1" dirty="0" smtClean="0"/>
+          </a:p>
+          <a:p>
+            <a:pPr>
+              <a:buNone/>
+            </a:pPr>
+            <a:r>
+              <a:rPr lang="en-US" altLang="zh-CN" sz="1200" i="1" dirty="0" smtClean="0"/>
+              <a:t>	</a:t>
+            </a:r>
+            <a:r>
+              <a:rPr lang="en-US" sz="1400" dirty="0" smtClean="0"/>
+              <a:t> </a:t>
+            </a:r>
+            <a:r>
+              <a:rPr lang="en-US" sz="1400" dirty="0" smtClean="0"/>
+              <a:t>--</a:t>
+            </a:r>
+            <a:r>
+              <a:rPr lang="en-US" sz="1400" dirty="0" smtClean="0"/>
+              <a:t>link </a:t>
+            </a:r>
+            <a:r>
+              <a:rPr lang="zh-CN" altLang="en-US" sz="1400" dirty="0" smtClean="0"/>
+              <a:t>参数的格式为 </a:t>
+            </a:r>
+            <a:r>
+              <a:rPr lang="en-US" altLang="zh-CN" sz="1400" dirty="0" smtClean="0"/>
+              <a:t>--</a:t>
+            </a:r>
+            <a:r>
+              <a:rPr lang="en-US" sz="1400" dirty="0" smtClean="0"/>
+              <a:t>link </a:t>
+            </a:r>
+            <a:r>
+              <a:rPr lang="en-US" sz="1400" dirty="0" err="1" smtClean="0"/>
+              <a:t>name:alias</a:t>
+            </a:r>
+            <a:r>
+              <a:rPr lang="en-US" sz="1400" dirty="0" smtClean="0"/>
+              <a:t>，</a:t>
+            </a:r>
+            <a:r>
+              <a:rPr lang="zh-CN" altLang="en-US" sz="1400" dirty="0" smtClean="0"/>
+              <a:t>其中 </a:t>
+            </a:r>
+            <a:r>
+              <a:rPr lang="en-US" sz="1400" dirty="0" smtClean="0"/>
+              <a:t>name </a:t>
+            </a:r>
+            <a:r>
+              <a:rPr lang="zh-CN" altLang="en-US" sz="1400" dirty="0" smtClean="0"/>
+              <a:t>是要连接的容器的名称，</a:t>
+            </a:r>
+            <a:r>
+              <a:rPr lang="en-US" sz="1400" dirty="0" smtClean="0"/>
+              <a:t>alias </a:t>
+            </a:r>
+            <a:r>
+              <a:rPr lang="zh-CN" altLang="en-US" sz="1400" dirty="0" smtClean="0"/>
+              <a:t>是这个连接的别名</a:t>
+            </a:r>
+            <a:r>
+              <a:rPr lang="zh-CN" altLang="en-US" sz="1400" dirty="0" smtClean="0"/>
+              <a:t>。</a:t>
+            </a:r>
+            <a:endParaRPr lang="en-US" altLang="zh-CN" sz="1400" dirty="0" smtClean="0"/>
+          </a:p>
+          <a:p>
+            <a:pPr>
+              <a:buNone/>
+            </a:pPr>
+            <a:r>
+              <a:rPr lang="en-US" altLang="zh-CN" sz="1400" dirty="0" smtClean="0"/>
+              <a:t>		</a:t>
+            </a:r>
+          </a:p>
+          <a:p>
+            <a:pPr>
+              <a:buNone/>
+            </a:pPr>
+            <a:r>
+              <a:rPr lang="en-US" altLang="zh-CN" sz="1400" dirty="0" smtClean="0"/>
+              <a:t>	</a:t>
+            </a:r>
+            <a:r>
+              <a:rPr lang="en-US" altLang="zh-CN" sz="1400" dirty="0" smtClean="0"/>
+              <a:t>         </a:t>
+            </a:r>
+            <a:r>
+              <a:rPr lang="en-US" altLang="zh-CN" sz="1400" dirty="0" err="1" smtClean="0"/>
+              <a:t>Docker</a:t>
+            </a:r>
+            <a:r>
+              <a:rPr lang="en-US" altLang="zh-CN" sz="1400" dirty="0" smtClean="0"/>
+              <a:t> </a:t>
+            </a:r>
+            <a:r>
+              <a:rPr lang="zh-CN" altLang="en-US" sz="1400" dirty="0" smtClean="0"/>
+              <a:t>在两个互联的容器之间创建了一个安全隧道，而且不用映射它们的端口到宿主主机上。在启动 </a:t>
+            </a:r>
+            <a:r>
+              <a:rPr lang="en-US" altLang="zh-CN" sz="1400" dirty="0" smtClean="0"/>
+              <a:t>db </a:t>
+            </a:r>
+            <a:r>
+              <a:rPr lang="zh-CN" altLang="en-US" sz="1400" dirty="0" smtClean="0"/>
+              <a:t>容器的时候没有使用 </a:t>
+            </a:r>
+            <a:r>
+              <a:rPr lang="en-US" altLang="zh-CN" sz="1400" dirty="0" smtClean="0"/>
+              <a:t>-p </a:t>
+            </a:r>
+            <a:r>
+              <a:rPr lang="zh-CN" altLang="en-US" sz="1400" dirty="0" smtClean="0"/>
+              <a:t>和 </a:t>
+            </a:r>
+            <a:r>
+              <a:rPr lang="en-US" altLang="zh-CN" sz="1400" dirty="0" smtClean="0"/>
+              <a:t>-P </a:t>
+            </a:r>
+            <a:r>
+              <a:rPr lang="zh-CN" altLang="en-US" sz="1400" dirty="0" smtClean="0"/>
+              <a:t>标记，从而避免了暴露数据库端口到外部网络上</a:t>
+            </a:r>
+            <a:r>
+              <a:rPr lang="zh-CN" altLang="en-US" sz="1400" dirty="0" smtClean="0"/>
+              <a:t>。</a:t>
+            </a:r>
+            <a:endParaRPr lang="en-US" altLang="zh-CN" sz="1400" dirty="0" smtClean="0"/>
+          </a:p>
+          <a:p>
+            <a:pPr>
+              <a:buNone/>
+            </a:pPr>
+            <a:r>
+              <a:rPr lang="en-US" altLang="zh-CN" sz="1400" i="1" dirty="0" smtClean="0"/>
+              <a:t>	         </a:t>
+            </a:r>
+            <a:r>
+              <a:rPr lang="zh-CN" altLang="en-US" sz="1400" dirty="0" smtClean="0"/>
+              <a:t>通过启动时查看容器环境变量信息查看容器连接信息，在启动命令后加 </a:t>
+            </a:r>
+            <a:r>
+              <a:rPr lang="en-US" altLang="zh-CN" sz="1400" dirty="0" err="1" smtClean="0"/>
+              <a:t>env</a:t>
+            </a:r>
+            <a:r>
+              <a:rPr lang="zh-CN" altLang="en-US" sz="1400" dirty="0" smtClean="0"/>
+              <a:t>即可。</a:t>
+            </a:r>
+            <a:endParaRPr lang="en-US" altLang="zh-CN" sz="1400" dirty="0" smtClean="0"/>
+          </a:p>
+          <a:p>
+            <a:pPr>
+              <a:buNone/>
+            </a:pPr>
+            <a:r>
+              <a:rPr lang="en-US" altLang="zh-CN" sz="1400" dirty="0" smtClean="0"/>
+              <a:t>	         </a:t>
+            </a:r>
+            <a:r>
+              <a:rPr lang="zh-CN" altLang="en-US" sz="1400" dirty="0" smtClean="0"/>
+              <a:t>进入</a:t>
+            </a:r>
+            <a:r>
+              <a:rPr lang="en-US" altLang="zh-CN" sz="1400" dirty="0" err="1" smtClean="0"/>
+              <a:t>jpress</a:t>
+            </a:r>
+            <a:r>
+              <a:rPr lang="zh-CN" altLang="en-US" sz="1400" dirty="0" smtClean="0"/>
+              <a:t>容器查看容器</a:t>
+            </a:r>
+            <a:r>
+              <a:rPr lang="en-US" altLang="zh-CN" sz="1400" dirty="0" smtClean="0"/>
+              <a:t>hosts</a:t>
+            </a:r>
+            <a:r>
+              <a:rPr lang="zh-CN" altLang="en-US" sz="1400" dirty="0" smtClean="0"/>
+              <a:t>文件也可查看容器连接信息。</a:t>
+            </a:r>
+            <a:endParaRPr lang="en-US" altLang="zh-CN" sz="1400" dirty="0" smtClean="0"/>
           </a:p>
         </p:txBody>
       </p:sp>
@@ -4875,322 +8002,7 @@
             </a:r>
             <a:r>
               <a:rPr lang="zh-CN" altLang="en-US" sz="3200" dirty="0" smtClean="0"/>
-              <a:t>网络配置</a:t>
-            </a:r>
-            <a:endParaRPr lang="zh-CN" altLang="en-US" sz="3200" dirty="0"/>
-          </a:p>
-        </p:txBody>
-      </p:sp>
-      <p:sp>
-        <p:nvSpPr>
-          <p:cNvPr id="3" name="内容占位符 2"/>
-          <p:cNvSpPr>
-            <a:spLocks noGrp="1"/>
-          </p:cNvSpPr>
-          <p:nvPr>
-            <p:ph idx="1"/>
-          </p:nvPr>
-        </p:nvSpPr>
-        <p:spPr/>
-        <p:txBody>
-          <a:bodyPr>
-            <a:normAutofit/>
-          </a:bodyPr>
-          <a:lstStyle/>
-          <a:p>
-            <a:pPr>
-              <a:buNone/>
-            </a:pPr>
-            <a:r>
-              <a:rPr lang="zh-CN" altLang="en-US" sz="2000" dirty="0" smtClean="0"/>
-              <a:t>桥接</a:t>
-            </a:r>
-            <a:endParaRPr lang="zh-CN" altLang="en-US" sz="2000" dirty="0"/>
-          </a:p>
-        </p:txBody>
-      </p:sp>
-    </p:spTree>
-  </p:cSld>
-  <p:clrMapOvr>
-    <a:masterClrMapping/>
-  </p:clrMapOvr>
-  <p:timing>
-    <p:tnLst>
-      <p:par>
-        <p:cTn id="1" dur="indefinite" restart="never" nodeType="tmRoot"/>
-      </p:par>
-    </p:tnLst>
-  </p:timing>
-</p:sld>
-</file>
-
-<file path=ppt/slides/slide14.xml><?xml version="1.0" encoding="utf-8"?>
-<p:sld xmlns:a="http://schemas.openxmlformats.org/drawingml/2006/main" xmlns:r="http://schemas.openxmlformats.org/officeDocument/2006/relationships" xmlns:p="http://schemas.openxmlformats.org/presentationml/2006/main">
-  <p:cSld>
-    <p:spTree>
-      <p:nvGrpSpPr>
-        <p:cNvPr id="1" name=""/>
-        <p:cNvGrpSpPr/>
-        <p:nvPr/>
-      </p:nvGrpSpPr>
-      <p:grpSpPr>
-        <a:xfrm>
-          <a:off x="0" y="0"/>
-          <a:ext cx="0" cy="0"/>
-          <a:chOff x="0" y="0"/>
-          <a:chExt cx="0" cy="0"/>
-        </a:xfrm>
-      </p:grpSpPr>
-      <p:sp>
-        <p:nvSpPr>
-          <p:cNvPr id="2" name="标题 1"/>
-          <p:cNvSpPr>
-            <a:spLocks noGrp="1"/>
-          </p:cNvSpPr>
-          <p:nvPr>
-            <p:ph type="title"/>
-          </p:nvPr>
-        </p:nvSpPr>
-        <p:spPr/>
-        <p:txBody>
-          <a:bodyPr>
-            <a:normAutofit/>
-          </a:bodyPr>
-          <a:lstStyle/>
-          <a:p>
-            <a:pPr algn="l"/>
-            <a:r>
-              <a:rPr lang="en-US" altLang="zh-CN" sz="3200" dirty="0" err="1" smtClean="0"/>
-              <a:t>Docker</a:t>
-            </a:r>
-            <a:r>
-              <a:rPr lang="en-US" altLang="zh-CN" sz="3200" dirty="0" smtClean="0"/>
-              <a:t> </a:t>
-            </a:r>
-            <a:r>
-              <a:rPr lang="en-US" altLang="zh-CN" sz="3200" dirty="0" smtClean="0"/>
-              <a:t>Registry</a:t>
-            </a:r>
-            <a:endParaRPr lang="zh-CN" altLang="en-US" sz="3200" dirty="0"/>
-          </a:p>
-        </p:txBody>
-      </p:sp>
-      <p:sp>
-        <p:nvSpPr>
-          <p:cNvPr id="3" name="内容占位符 2"/>
-          <p:cNvSpPr>
-            <a:spLocks noGrp="1"/>
-          </p:cNvSpPr>
-          <p:nvPr>
-            <p:ph idx="1"/>
-          </p:nvPr>
-        </p:nvSpPr>
-        <p:spPr/>
-        <p:txBody>
-          <a:bodyPr>
-            <a:normAutofit/>
-          </a:bodyPr>
-          <a:lstStyle/>
-          <a:p>
-            <a:pPr>
-              <a:buNone/>
-            </a:pPr>
-            <a:endParaRPr lang="zh-CN" altLang="en-US" sz="2000" dirty="0"/>
-          </a:p>
-        </p:txBody>
-      </p:sp>
-    </p:spTree>
-  </p:cSld>
-  <p:clrMapOvr>
-    <a:masterClrMapping/>
-  </p:clrMapOvr>
-  <p:timing>
-    <p:tnLst>
-      <p:par>
-        <p:cTn id="1" dur="indefinite" restart="never" nodeType="tmRoot"/>
-      </p:par>
-    </p:tnLst>
-  </p:timing>
-</p:sld>
-</file>
-
-<file path=ppt/slides/slide15.xml><?xml version="1.0" encoding="utf-8"?>
-<p:sld xmlns:a="http://schemas.openxmlformats.org/drawingml/2006/main" xmlns:r="http://schemas.openxmlformats.org/officeDocument/2006/relationships" xmlns:p="http://schemas.openxmlformats.org/presentationml/2006/main">
-  <p:cSld>
-    <p:spTree>
-      <p:nvGrpSpPr>
-        <p:cNvPr id="1" name=""/>
-        <p:cNvGrpSpPr/>
-        <p:nvPr/>
-      </p:nvGrpSpPr>
-      <p:grpSpPr>
-        <a:xfrm>
-          <a:off x="0" y="0"/>
-          <a:ext cx="0" cy="0"/>
-          <a:chOff x="0" y="0"/>
-          <a:chExt cx="0" cy="0"/>
-        </a:xfrm>
-      </p:grpSpPr>
-      <p:sp>
-        <p:nvSpPr>
-          <p:cNvPr id="2" name="标题 1"/>
-          <p:cNvSpPr>
-            <a:spLocks noGrp="1"/>
-          </p:cNvSpPr>
-          <p:nvPr>
-            <p:ph type="title"/>
-          </p:nvPr>
-        </p:nvSpPr>
-        <p:spPr/>
-        <p:txBody>
-          <a:bodyPr>
-            <a:normAutofit/>
-          </a:bodyPr>
-          <a:lstStyle/>
-          <a:p>
-            <a:pPr algn="l"/>
-            <a:r>
-              <a:rPr lang="en-US" altLang="zh-CN" sz="3200" dirty="0" err="1" smtClean="0"/>
-              <a:t>Docker</a:t>
-            </a:r>
-            <a:r>
-              <a:rPr lang="zh-CN" altLang="en-US" sz="3200" dirty="0" smtClean="0"/>
-              <a:t> </a:t>
-            </a:r>
-            <a:r>
-              <a:rPr lang="zh-CN" altLang="en-US" sz="3200" dirty="0" smtClean="0"/>
               <a:t>集群</a:t>
-            </a:r>
-            <a:r>
-              <a:rPr lang="en-US" altLang="zh-CN" sz="3200" dirty="0" smtClean="0"/>
-              <a:t>——</a:t>
-            </a:r>
-            <a:r>
-              <a:rPr lang="en-US" altLang="zh-CN" sz="3200" dirty="0" err="1" smtClean="0"/>
-              <a:t>Docker</a:t>
-            </a:r>
-            <a:r>
-              <a:rPr lang="en-US" altLang="zh-CN" sz="3200" dirty="0" smtClean="0"/>
-              <a:t> </a:t>
-            </a:r>
-            <a:r>
-              <a:rPr lang="en-US" altLang="zh-CN" sz="3200" dirty="0" smtClean="0"/>
-              <a:t>Swarm</a:t>
-            </a:r>
-            <a:endParaRPr lang="zh-CN" altLang="en-US" sz="3200" dirty="0"/>
-          </a:p>
-        </p:txBody>
-      </p:sp>
-      <p:sp>
-        <p:nvSpPr>
-          <p:cNvPr id="3" name="内容占位符 2"/>
-          <p:cNvSpPr>
-            <a:spLocks noGrp="1"/>
-          </p:cNvSpPr>
-          <p:nvPr>
-            <p:ph idx="1"/>
-          </p:nvPr>
-        </p:nvSpPr>
-        <p:spPr/>
-        <p:txBody>
-          <a:bodyPr>
-            <a:normAutofit/>
-          </a:bodyPr>
-          <a:lstStyle/>
-          <a:p>
-            <a:pPr>
-              <a:buNone/>
-            </a:pPr>
-            <a:r>
-              <a:rPr lang="en-US" altLang="zh-CN" sz="2000" dirty="0" err="1" smtClean="0"/>
-              <a:t>Docker</a:t>
-            </a:r>
-            <a:r>
-              <a:rPr lang="en-US" altLang="zh-CN" sz="2000" dirty="0" smtClean="0"/>
-              <a:t> Swarm</a:t>
-            </a:r>
-          </a:p>
-          <a:p>
-            <a:pPr>
-              <a:buNone/>
-            </a:pPr>
-            <a:r>
-              <a:rPr lang="en-US" altLang="zh-CN" sz="2000" dirty="0" err="1" smtClean="0"/>
-              <a:t>Kubenates</a:t>
-            </a:r>
-            <a:endParaRPr lang="zh-CN" altLang="en-US" sz="2000" dirty="0"/>
-          </a:p>
-        </p:txBody>
-      </p:sp>
-    </p:spTree>
-  </p:cSld>
-  <p:clrMapOvr>
-    <a:masterClrMapping/>
-  </p:clrMapOvr>
-  <p:timing>
-    <p:tnLst>
-      <p:par>
-        <p:cTn id="1" dur="indefinite" restart="never" nodeType="tmRoot"/>
-      </p:par>
-    </p:tnLst>
-  </p:timing>
-</p:sld>
-</file>
-
-<file path=ppt/slides/slide16.xml><?xml version="1.0" encoding="utf-8"?>
-<p:sld xmlns:a="http://schemas.openxmlformats.org/drawingml/2006/main" xmlns:r="http://schemas.openxmlformats.org/officeDocument/2006/relationships" xmlns:p="http://schemas.openxmlformats.org/presentationml/2006/main">
-  <p:cSld>
-    <p:spTree>
-      <p:nvGrpSpPr>
-        <p:cNvPr id="1" name=""/>
-        <p:cNvGrpSpPr/>
-        <p:nvPr/>
-      </p:nvGrpSpPr>
-      <p:grpSpPr>
-        <a:xfrm>
-          <a:off x="0" y="0"/>
-          <a:ext cx="0" cy="0"/>
-          <a:chOff x="0" y="0"/>
-          <a:chExt cx="0" cy="0"/>
-        </a:xfrm>
-      </p:grpSpPr>
-      <p:sp>
-        <p:nvSpPr>
-          <p:cNvPr id="2" name="标题 1"/>
-          <p:cNvSpPr>
-            <a:spLocks noGrp="1"/>
-          </p:cNvSpPr>
-          <p:nvPr>
-            <p:ph type="title"/>
-          </p:nvPr>
-        </p:nvSpPr>
-        <p:spPr/>
-        <p:txBody>
-          <a:bodyPr>
-            <a:normAutofit/>
-          </a:bodyPr>
-          <a:lstStyle/>
-          <a:p>
-            <a:pPr algn="l"/>
-            <a:r>
-              <a:rPr lang="en-US" altLang="zh-CN" sz="3200" dirty="0" err="1" smtClean="0"/>
-              <a:t>Docker</a:t>
-            </a:r>
-            <a:r>
-              <a:rPr lang="zh-CN" altLang="en-US" sz="3200" dirty="0" smtClean="0"/>
-              <a:t> </a:t>
-            </a:r>
-            <a:r>
-              <a:rPr lang="zh-CN" altLang="en-US" sz="3200" dirty="0" smtClean="0"/>
-              <a:t>集群</a:t>
-            </a:r>
-            <a:r>
-              <a:rPr lang="en-US" altLang="zh-CN" sz="3200" dirty="0" smtClean="0"/>
-              <a:t>——</a:t>
-            </a:r>
-            <a:r>
-              <a:rPr lang="en-US" altLang="zh-CN" sz="3200" dirty="0" err="1" smtClean="0"/>
-              <a:t>Kubenates</a:t>
             </a:r>
             <a:endParaRPr lang="zh-CN" altLang="en-US" sz="3200" dirty="0"/>
           </a:p>
@@ -5324,11 +8136,7 @@
             </a:r>
             <a:r>
               <a:rPr lang="zh-CN" altLang="en-US" sz="2000" dirty="0" smtClean="0"/>
-              <a:t>的使用场景和范围进一步发展，如今在微服务架构越来越流行的情况下，微</a:t>
-            </a:r>
-            <a:r>
-              <a:rPr lang="zh-CN" altLang="en-US" sz="2000" dirty="0" smtClean="0"/>
-              <a:t>服务 </a:t>
+              <a:t>的使用场景和范围进一步发展，如今在微服务架构越来越流行的情况下，微服务 </a:t>
             </a:r>
             <a:r>
               <a:rPr lang="en-US" altLang="zh-CN" sz="2000" dirty="0" smtClean="0"/>
@@ -5539,7 +8347,7 @@
         <p:spPr>
           <a:xfrm>
             <a:off x="428596" y="1643050"/>
-            <a:ext cx="8401080" cy="4525963"/>
+            <a:ext cx="8401080" cy="5072098"/>
           </a:xfrm>
         </p:spPr>
         <p:txBody>
@@ -5552,94 +8360,94 @@
               <a:buNone/>
             </a:pPr>
             <a:r>
-              <a:rPr lang="en-US" altLang="zh-CN" sz="2000" dirty="0" err="1" smtClean="0"/>
+              <a:rPr lang="en-US" altLang="zh-CN" sz="1600" dirty="0" err="1" smtClean="0"/>
               <a:t>Docker</a:t>
             </a:r>
             <a:r>
-              <a:rPr lang="en-US" altLang="zh-CN" sz="2000" dirty="0" smtClean="0"/>
+              <a:rPr lang="en-US" altLang="zh-CN" sz="1600" dirty="0" smtClean="0"/>
               <a:t> </a:t>
             </a:r>
             <a:r>
-              <a:rPr lang="zh-CN" altLang="en-US" sz="2000" dirty="0" smtClean="0"/>
+              <a:rPr lang="zh-CN" altLang="en-US" sz="1600" dirty="0" smtClean="0"/>
               <a:t>是 </a:t>
             </a:r>
             <a:r>
-              <a:rPr lang="en-US" altLang="zh-CN" sz="2000" dirty="0" err="1" smtClean="0"/>
+              <a:rPr lang="en-US" altLang="zh-CN" sz="1600" dirty="0" err="1" smtClean="0"/>
               <a:t>PaaS</a:t>
             </a:r>
             <a:r>
-              <a:rPr lang="en-US" altLang="zh-CN" sz="2000" dirty="0" smtClean="0"/>
+              <a:rPr lang="en-US" altLang="zh-CN" sz="1600" dirty="0" smtClean="0"/>
               <a:t> </a:t>
             </a:r>
             <a:r>
-              <a:rPr lang="zh-CN" altLang="en-US" sz="2000" dirty="0" smtClean="0"/>
+              <a:rPr lang="zh-CN" altLang="en-US" sz="1600" dirty="0" smtClean="0"/>
               <a:t>提供商 </a:t>
             </a:r>
             <a:r>
-              <a:rPr lang="en-US" altLang="zh-CN" sz="2000" dirty="0" err="1" smtClean="0"/>
+              <a:rPr lang="en-US" altLang="zh-CN" sz="1600" dirty="0" err="1" smtClean="0"/>
               <a:t>dotCloud</a:t>
             </a:r>
             <a:r>
-              <a:rPr lang="en-US" altLang="zh-CN" sz="2000" dirty="0" smtClean="0"/>
+              <a:rPr lang="en-US" altLang="zh-CN" sz="1600" dirty="0" smtClean="0"/>
               <a:t> </a:t>
             </a:r>
             <a:r>
-              <a:rPr lang="zh-CN" altLang="en-US" sz="2000" dirty="0" smtClean="0"/>
+              <a:rPr lang="zh-CN" altLang="en-US" sz="1600" dirty="0" smtClean="0"/>
               <a:t>开源的高级容器引擎。</a:t>
             </a:r>
-            <a:endParaRPr lang="en-US" altLang="zh-CN" sz="2000" dirty="0" smtClean="0"/>
+            <a:endParaRPr lang="en-US" altLang="zh-CN" sz="1600" dirty="0" smtClean="0"/>
           </a:p>
           <a:p>
             <a:pPr>
               <a:buNone/>
             </a:pPr>
             <a:r>
-              <a:rPr lang="en-US" sz="2000" dirty="0" err="1" smtClean="0"/>
+              <a:rPr lang="en-US" sz="1600" dirty="0" err="1" smtClean="0"/>
               <a:t>Docker</a:t>
             </a:r>
             <a:r>
-              <a:rPr lang="en-US" sz="2000" dirty="0" smtClean="0"/>
+              <a:rPr lang="en-US" sz="1600" dirty="0" smtClean="0"/>
               <a:t> </a:t>
             </a:r>
             <a:r>
-              <a:rPr lang="zh-CN" altLang="en-US" sz="2000" dirty="0" smtClean="0"/>
+              <a:rPr lang="zh-CN" altLang="en-US" sz="1600" dirty="0" smtClean="0"/>
               <a:t>提供简单易用的容器使用的接口。</a:t>
             </a:r>
-            <a:endParaRPr lang="en-US" altLang="zh-CN" sz="2000" dirty="0" smtClean="0"/>
+            <a:endParaRPr lang="en-US" altLang="zh-CN" sz="1600" dirty="0" smtClean="0"/>
           </a:p>
           <a:p>
             <a:pPr>
               <a:buNone/>
             </a:pPr>
             <a:r>
-              <a:rPr lang="en-US" altLang="zh-CN" sz="2000" dirty="0" err="1" smtClean="0"/>
+              <a:rPr lang="en-US" altLang="zh-CN" sz="1600" dirty="0" err="1" smtClean="0"/>
               <a:t>Docker</a:t>
             </a:r>
             <a:r>
-              <a:rPr lang="en-US" altLang="zh-CN" sz="2000" dirty="0" smtClean="0"/>
+              <a:rPr lang="en-US" altLang="zh-CN" sz="1600" dirty="0" smtClean="0"/>
               <a:t> </a:t>
             </a:r>
             <a:r>
-              <a:rPr lang="zh-CN" altLang="en-US" sz="2000" dirty="0" smtClean="0"/>
+              <a:rPr lang="zh-CN" altLang="en-US" sz="1600" dirty="0" smtClean="0"/>
               <a:t>是基于</a:t>
             </a:r>
             <a:r>
-              <a:rPr lang="en-US" altLang="zh-CN" sz="2000" dirty="0" smtClean="0"/>
+              <a:rPr lang="en-US" altLang="zh-CN" sz="1600" dirty="0" smtClean="0"/>
               <a:t>Linux</a:t>
             </a:r>
             <a:r>
-              <a:rPr lang="zh-CN" altLang="en-US" sz="2000" dirty="0" smtClean="0"/>
+              <a:rPr lang="zh-CN" altLang="en-US" sz="1600" dirty="0" smtClean="0"/>
               <a:t>的</a:t>
             </a:r>
             <a:r>
-              <a:rPr lang="en-US" altLang="zh-CN" sz="2000" dirty="0" smtClean="0"/>
+              <a:rPr lang="en-US" altLang="zh-CN" sz="1600" dirty="0" smtClean="0"/>
               <a:t>LXC</a:t>
             </a:r>
             <a:r>
-              <a:rPr lang="zh-CN" altLang="en-US" sz="2000" dirty="0" smtClean="0"/>
+              <a:rPr lang="zh-CN" altLang="en-US" sz="1600" dirty="0" smtClean="0"/>
               <a:t>技术开发的，提供轻量级虚拟化，隔离进程资源。</a:t>
             </a:r>
-            <a:endParaRPr lang="en-US" altLang="zh-CN" sz="2000" dirty="0" smtClean="0"/>
+            <a:endParaRPr lang="en-US" altLang="zh-CN" sz="1600" dirty="0" smtClean="0"/>
           </a:p>
           <a:p>
             <a:pPr>
@@ -5651,7 +8459,72 @@
             <a:pPr>
               <a:buNone/>
             </a:pPr>
-            <a:endParaRPr lang="en-US" altLang="zh-CN" sz="2000" dirty="0" smtClean="0"/>
+            <a:r>
+              <a:rPr lang="zh-CN" altLang="en-US" sz="1600" dirty="0" smtClean="0"/>
+              <a:t>一个完整的</a:t>
+            </a:r>
+            <a:r>
+              <a:rPr lang="en-US" sz="1600" dirty="0" err="1" smtClean="0"/>
+              <a:t>Docker</a:t>
+            </a:r>
+            <a:r>
+              <a:rPr lang="zh-CN" altLang="en-US" sz="1600" dirty="0" smtClean="0"/>
+              <a:t>有以下几个部分组成：</a:t>
+            </a:r>
+            <a:endParaRPr lang="en-US" altLang="zh-CN" sz="1600" dirty="0" smtClean="0"/>
+          </a:p>
+          <a:p>
+            <a:r>
+              <a:rPr lang="en-US" altLang="zh-CN" sz="1400" dirty="0" err="1" smtClean="0"/>
+              <a:t>D</a:t>
+            </a:r>
+            <a:r>
+              <a:rPr lang="en-US" sz="1400" dirty="0" err="1" smtClean="0"/>
+              <a:t>ockerClient</a:t>
+            </a:r>
+            <a:r>
+              <a:rPr lang="zh-CN" altLang="en-US" sz="1400" dirty="0" smtClean="0"/>
+              <a:t>客户端</a:t>
+            </a:r>
+          </a:p>
+          <a:p>
+            <a:r>
+              <a:rPr lang="en-US" sz="1400" dirty="0" err="1" smtClean="0"/>
+              <a:t>Docker</a:t>
+            </a:r>
+            <a:r>
+              <a:rPr lang="en-US" sz="1400" dirty="0" smtClean="0"/>
+              <a:t> Daemon</a:t>
+            </a:r>
+            <a:r>
+              <a:rPr lang="zh-CN" altLang="en-US" sz="1400" dirty="0" smtClean="0"/>
+              <a:t>守护进程</a:t>
+            </a:r>
+          </a:p>
+          <a:p>
+            <a:r>
+              <a:rPr lang="en-US" sz="1400" dirty="0" err="1" smtClean="0"/>
+              <a:t>Docker</a:t>
+            </a:r>
+            <a:r>
+              <a:rPr lang="en-US" sz="1400" dirty="0" smtClean="0"/>
+              <a:t> Image</a:t>
+            </a:r>
+            <a:r>
+              <a:rPr lang="zh-CN" altLang="en-US" sz="1400" dirty="0" smtClean="0"/>
+              <a:t>镜像</a:t>
+            </a:r>
+          </a:p>
+          <a:p>
+            <a:r>
+              <a:rPr lang="en-US" sz="1400" dirty="0" err="1" smtClean="0"/>
+              <a:t>DockerContainer</a:t>
+            </a:r>
+            <a:r>
+              <a:rPr lang="zh-CN" altLang="en-US" sz="1400" dirty="0" smtClean="0"/>
+              <a:t>容器</a:t>
+            </a:r>
+            <a:endParaRPr lang="en-US" altLang="zh-CN" sz="1400" dirty="0" smtClean="0"/>
           </a:p>
           <a:p>
             <a:pPr>
@@ -5663,80 +8536,92 @@
             <a:pPr>
               <a:buNone/>
             </a:pPr>
-            <a:r>
-              <a:rPr lang="zh-CN" altLang="en-US" sz="2000" dirty="0" smtClean="0"/>
-              <a:t>一个完整的</a:t>
-            </a:r>
-            <a:r>
-              <a:rPr lang="en-US" sz="2000" dirty="0" err="1" smtClean="0"/>
-              <a:t>Docker</a:t>
-            </a:r>
-            <a:r>
-              <a:rPr lang="zh-CN" altLang="en-US" sz="2000" dirty="0" smtClean="0"/>
-              <a:t>有以下几个部分组成：</a:t>
-            </a:r>
-            <a:endParaRPr lang="en-US" altLang="zh-CN" sz="2000" dirty="0" smtClean="0"/>
-          </a:p>
-          <a:p>
-            <a:r>
-              <a:rPr lang="en-US" altLang="zh-CN" sz="2000" dirty="0" err="1" smtClean="0"/>
-              <a:t>D</a:t>
-            </a:r>
-            <a:r>
-              <a:rPr lang="en-US" sz="2000" dirty="0" err="1" smtClean="0"/>
-              <a:t>ockerClient</a:t>
-            </a:r>
-            <a:r>
-              <a:rPr lang="zh-CN" altLang="en-US" sz="2000" dirty="0" smtClean="0"/>
-              <a:t>客户端</a:t>
-            </a:r>
-          </a:p>
-          <a:p>
-            <a:r>
-              <a:rPr lang="en-US" sz="2000" dirty="0" err="1" smtClean="0"/>
-              <a:t>Docker</a:t>
-            </a:r>
-            <a:r>
-              <a:rPr lang="en-US" sz="2000" dirty="0" smtClean="0"/>
-              <a:t> Daemon</a:t>
-            </a:r>
-            <a:r>
-              <a:rPr lang="zh-CN" altLang="en-US" sz="2000" dirty="0" smtClean="0"/>
-              <a:t>守护进程</a:t>
-            </a:r>
-          </a:p>
-          <a:p>
-            <a:r>
-              <a:rPr lang="en-US" sz="2000" dirty="0" err="1" smtClean="0"/>
-              <a:t>Docker</a:t>
-            </a:r>
-            <a:r>
-              <a:rPr lang="en-US" sz="2000" dirty="0" smtClean="0"/>
-              <a:t> Image</a:t>
-            </a:r>
-            <a:r>
-              <a:rPr lang="zh-CN" altLang="en-US" sz="2000" dirty="0" smtClean="0"/>
-              <a:t>镜像</a:t>
-            </a:r>
-          </a:p>
-          <a:p>
-            <a:r>
-              <a:rPr lang="en-US" sz="2000" dirty="0" err="1" smtClean="0"/>
-              <a:t>DockerContainer</a:t>
-            </a:r>
-            <a:r>
-              <a:rPr lang="zh-CN" altLang="en-US" sz="2000" dirty="0" smtClean="0"/>
-              <a:t>容器</a:t>
-            </a:r>
-          </a:p>
-          <a:p>
-            <a:pPr>
-              <a:buNone/>
-            </a:pPr>
             <a:endParaRPr lang="en-US" altLang="zh-CN" sz="2000" dirty="0" smtClean="0"/>
           </a:p>
         </p:txBody>
       </p:sp>
+      <p:pic>
+        <p:nvPicPr>
+          <p:cNvPr id="1028" name="Picture 4"/>
+          <p:cNvPicPr>
+            <a:picLocks noChangeAspect="1" noChangeArrowheads="1"/>
+          </p:cNvPicPr>
+          <p:nvPr/>
+        </p:nvPicPr>
+        <p:blipFill>
+          <a:blip r:embed="rId2"/>
+          <a:srcRect/>
+          <a:stretch>
+            <a:fillRect/>
+          </a:stretch>
+        </p:blipFill>
+        <p:spPr bwMode="auto">
+          <a:xfrm>
+            <a:off x="4714876" y="3786190"/>
+            <a:ext cx="3786214" cy="2869011"/>
+          </a:xfrm>
+          <a:prstGeom prst="rect">
+            <a:avLst/>
+          </a:prstGeom>
+          <a:noFill/>
+          <a:ln w="9525">
+            <a:noFill/>
+            <a:miter lim="800000"/>
+            <a:headEnd/>
+            <a:tailEnd/>
+          </a:ln>
+          <a:effectLst/>
+        </p:spPr>
+      </p:pic>
+      <p:graphicFrame>
+        <p:nvGraphicFramePr>
+          <p:cNvPr id="7" name="图示 6"/>
+          <p:cNvGraphicFramePr/>
+          <p:nvPr/>
+        </p:nvGraphicFramePr>
+        <p:xfrm>
+          <a:off x="4643438" y="2857496"/>
+          <a:ext cx="3857652" cy="714380"/>
+        </p:xfrm>
+        <a:graphic>
+          <a:graphicData uri="http://schemas.openxmlformats.org/drawingml/2006/diagram">
+            <dgm:relIds xmlns:dgm="http://schemas.openxmlformats.org/drawingml/2006/diagram" xmlns:r="http://schemas.openxmlformats.org/officeDocument/2006/relationships" r:dm="rId3" r:lo="rId4" r:qs="rId5" r:cs="rId6"/>
+          </a:graphicData>
+        </a:graphic>
+      </p:graphicFrame>
+      <p:pic>
+        <p:nvPicPr>
+          <p:cNvPr id="1029" name="Picture 5"/>
+          <p:cNvPicPr>
+            <a:picLocks noChangeAspect="1" noChangeArrowheads="1"/>
+          </p:cNvPicPr>
+          <p:nvPr/>
+        </p:nvPicPr>
+        <p:blipFill>
+          <a:blip r:embed="rId7"/>
+          <a:srcRect/>
+          <a:stretch>
+            <a:fillRect/>
+          </a:stretch>
+        </p:blipFill>
+        <p:spPr bwMode="auto">
+          <a:xfrm>
+            <a:off x="928662" y="4572008"/>
+            <a:ext cx="2000264" cy="1949193"/>
+          </a:xfrm>
+          <a:prstGeom prst="rect">
+            <a:avLst/>
+          </a:prstGeom>
+          <a:noFill/>
+          <a:ln w="9525">
+            <a:noFill/>
+            <a:miter lim="800000"/>
+            <a:headEnd/>
+            <a:tailEnd/>
+          </a:ln>
+          <a:effectLst/>
+        </p:spPr>
+      </p:pic>
     </p:spTree>
   </p:cSld>
   <p:clrMapOvr>
@@ -6029,7 +8914,7 @@
               <a:t> </a:t>
             </a:r>
             <a:r>
-              <a:rPr lang="zh-CN" altLang="en-US" sz="2000" dirty="0" smtClean="0">
+              <a:rPr lang="zh-CN" altLang="en-US" sz="2000" smtClean="0">
                 <a:hlinkClick r:id="rId2"/>
               </a:rPr>
               <a:t>安装</a:t>
@@ -6846,7 +9731,12 @@
             <p:ph idx="1"/>
           </p:nvPr>
         </p:nvSpPr>
-        <p:spPr/>
+        <p:spPr>
+          <a:xfrm>
+            <a:off x="457200" y="1600200"/>
+            <a:ext cx="8229600" cy="4972072"/>
+          </a:xfrm>
+        </p:spPr>
         <p:txBody>
           <a:bodyPr>
             <a:normAutofit/>
@@ -6857,21 +9747,55 @@
               <a:buNone/>
             </a:pPr>
             <a:r>
+              <a:rPr lang="zh-CN" altLang="en-US" sz="1600" dirty="0" smtClean="0"/>
+              <a:t>一、将一个应用打包成</a:t>
+            </a:r>
+            <a:r>
+              <a:rPr lang="en-US" altLang="zh-CN" sz="1600" dirty="0" smtClean="0"/>
+              <a:t>jar</a:t>
+            </a:r>
+          </a:p>
+          <a:p>
+            <a:pPr>
+              <a:buNone/>
+            </a:pPr>
+            <a:endParaRPr lang="en-US" altLang="zh-CN" sz="2000" dirty="0" smtClean="0"/>
+          </a:p>
+          <a:p>
+            <a:pPr>
+              <a:buNone/>
+            </a:pPr>
+            <a:endParaRPr lang="en-US" altLang="zh-CN" sz="2000" dirty="0" smtClean="0"/>
+          </a:p>
+          <a:p>
+            <a:pPr>
+              <a:buNone/>
+            </a:pPr>
+            <a:endParaRPr lang="en-US" altLang="zh-CN" sz="2000" dirty="0" smtClean="0"/>
+          </a:p>
+          <a:p>
+            <a:pPr>
+              <a:buNone/>
+            </a:pPr>
+            <a:endParaRPr lang="en-US" altLang="zh-CN" sz="2000" dirty="0" smtClean="0"/>
+          </a:p>
+          <a:p>
+            <a:pPr>
+              <a:buNone/>
+            </a:pPr>
+            <a:endParaRPr lang="en-US" altLang="zh-CN" sz="2000" dirty="0" smtClean="0"/>
+          </a:p>
+          <a:p>
+            <a:pPr>
+              <a:buNone/>
+            </a:pPr>
+            <a:r>
               <a:rPr lang="zh-CN" altLang="en-US" sz="2000" dirty="0" smtClean="0"/>
-              <a:t>一、将一个应用打包成</a:t>
-            </a:r>
-            <a:r>
-              <a:rPr lang="en-US" altLang="zh-CN" sz="2000" dirty="0" smtClean="0"/>
-              <a:t>jar</a:t>
-            </a:r>
-          </a:p>
-          <a:p>
-            <a:pPr>
-              <a:buNone/>
-            </a:pPr>
+              <a:t>二</a:t>
+            </a:r>
             <a:r>
               <a:rPr lang="zh-CN" altLang="en-US" sz="2000" dirty="0" smtClean="0"/>
-              <a:t>二、编写</a:t>
+              <a:t>、编写</a:t>
             </a:r>
             <a:r>
               <a:rPr lang="en-US" altLang="zh-CN" sz="2000" dirty="0" err="1" smtClean="0"/>
@@ -6883,6 +9807,38 @@
             <a:pPr>
               <a:buNone/>
             </a:pPr>
+            <a:r>
+              <a:rPr lang="en-US" altLang="zh-CN" sz="1400" dirty="0" smtClean="0"/>
+              <a:t>FROM java</a:t>
+            </a:r>
+          </a:p>
+          <a:p>
+            <a:pPr>
+              <a:buNone/>
+            </a:pPr>
+            <a:r>
+              <a:rPr lang="en-US" altLang="zh-CN" sz="1400" dirty="0" smtClean="0"/>
+              <a:t>COPY ./DockerDemo-0.0.1-SNAPSHOT.jar /DockerDemo.jar</a:t>
+            </a:r>
+          </a:p>
+          <a:p>
+            <a:pPr>
+              <a:buNone/>
+            </a:pPr>
+            <a:r>
+              <a:rPr lang="en-US" altLang="zh-CN" sz="1400" dirty="0" smtClean="0"/>
+              <a:t>CMD ["java","-jar","/DockerDemo.jar</a:t>
+            </a:r>
+            <a:r>
+              <a:rPr lang="en-US" altLang="zh-CN" sz="1400" dirty="0" smtClean="0"/>
+              <a:t>"]</a:t>
+            </a:r>
+            <a:endParaRPr lang="en-US" altLang="zh-CN" sz="2000" dirty="0" smtClean="0"/>
+          </a:p>
+          <a:p>
+            <a:pPr>
+              <a:buNone/>
+            </a:pPr>
             <a:endParaRPr lang="en-US" altLang="zh-CN" sz="2000" dirty="0" smtClean="0"/>
           </a:p>
           <a:p>
@@ -6907,10 +9863,313 @@
             <a:pPr>
               <a:buNone/>
             </a:pPr>
-            <a:endParaRPr lang="zh-CN" altLang="en-US" sz="2000" dirty="0"/>
+            <a:r>
+              <a:rPr lang="en-US" altLang="zh-CN" sz="1400" dirty="0" err="1" smtClean="0"/>
+              <a:t>d</a:t>
+            </a:r>
+            <a:r>
+              <a:rPr lang="en-US" altLang="zh-CN" sz="1400" dirty="0" err="1" smtClean="0"/>
+              <a:t>ocker</a:t>
+            </a:r>
+            <a:r>
+              <a:rPr lang="en-US" altLang="zh-CN" sz="1400" dirty="0" smtClean="0"/>
+              <a:t> build -t </a:t>
+            </a:r>
+            <a:r>
+              <a:rPr lang="en-US" altLang="zh-CN" sz="1400" dirty="0" err="1" smtClean="0"/>
+              <a:t>firstimage</a:t>
+            </a:r>
+            <a:r>
+              <a:rPr lang="en-US" altLang="zh-CN" sz="1400" dirty="0" smtClean="0"/>
+              <a:t> .</a:t>
+            </a:r>
+          </a:p>
+          <a:p>
+            <a:pPr>
+              <a:buNone/>
+            </a:pPr>
+            <a:r>
+              <a:rPr lang="en-US" altLang="zh-CN" sz="1400" dirty="0" err="1" smtClean="0"/>
+              <a:t>d</a:t>
+            </a:r>
+            <a:r>
+              <a:rPr lang="en-US" altLang="zh-CN" sz="1400" dirty="0" err="1" smtClean="0"/>
+              <a:t>ocker</a:t>
+            </a:r>
+            <a:r>
+              <a:rPr lang="en-US" altLang="zh-CN" sz="1400" dirty="0" smtClean="0"/>
+              <a:t> build [option] [</a:t>
+            </a:r>
+            <a:r>
+              <a:rPr lang="en-US" altLang="zh-CN" sz="1400" dirty="0" err="1" smtClean="0"/>
+              <a:t>imageName</a:t>
+            </a:r>
+            <a:r>
+              <a:rPr lang="en-US" altLang="zh-CN" sz="1400" dirty="0" smtClean="0"/>
+              <a:t>] [</a:t>
+            </a:r>
+            <a:r>
+              <a:rPr lang="en-US" altLang="zh-CN" sz="1400" dirty="0" err="1" smtClean="0"/>
+              <a:t>src</a:t>
+            </a:r>
+            <a:r>
+              <a:rPr lang="en-US" altLang="zh-CN" sz="1400" dirty="0" smtClean="0"/>
+              <a:t>]</a:t>
+            </a:r>
+            <a:endParaRPr lang="zh-CN" altLang="en-US" sz="1400" dirty="0"/>
           </a:p>
         </p:txBody>
       </p:sp>
+      <p:graphicFrame>
+        <p:nvGraphicFramePr>
+          <p:cNvPr id="4" name="表格 3"/>
+          <p:cNvGraphicFramePr>
+            <a:graphicFrameLocks noGrp="1"/>
+          </p:cNvGraphicFramePr>
+          <p:nvPr/>
+        </p:nvGraphicFramePr>
+        <p:xfrm>
+          <a:off x="1142976" y="2071679"/>
+          <a:ext cx="5429288" cy="1371600"/>
+        </p:xfrm>
+        <a:graphic>
+          <a:graphicData uri="http://schemas.openxmlformats.org/drawingml/2006/table">
+            <a:tbl>
+              <a:tblPr firstRow="1" bandRow="1">
+                <a:tableStyleId>{5C22544A-7EE6-4342-B048-85BDC9FD1C3A}</a:tableStyleId>
+              </a:tblPr>
+              <a:tblGrid>
+                <a:gridCol w="1143008"/>
+                <a:gridCol w="4286280"/>
+              </a:tblGrid>
+              <a:tr h="242889">
+                <a:tc>
+                  <a:txBody>
+                    <a:bodyPr/>
+                    <a:lstStyle/>
+                    <a:p>
+                      <a:pPr algn="ctr"/>
+                      <a:r>
+                        <a:rPr lang="zh-CN" altLang="en-US" sz="1200" dirty="0" smtClean="0"/>
+                        <a:t>命令</a:t>
+                      </a:r>
+                      <a:endParaRPr lang="zh-CN" altLang="en-US" sz="1200" dirty="0"/>
+                    </a:p>
+                  </a:txBody>
+                  <a:tcPr/>
+                </a:tc>
+                <a:tc>
+                  <a:txBody>
+                    <a:bodyPr/>
+                    <a:lstStyle/>
+                    <a:p>
+                      <a:pPr algn="ctr"/>
+                      <a:r>
+                        <a:rPr lang="zh-CN" altLang="en-US" sz="1200" dirty="0" smtClean="0"/>
+                        <a:t>用途</a:t>
+                      </a:r>
+                      <a:endParaRPr lang="zh-CN" altLang="en-US" sz="1200" dirty="0"/>
+                    </a:p>
+                  </a:txBody>
+                  <a:tcPr/>
+                </a:tc>
+              </a:tr>
+              <a:tr h="242889">
+                <a:tc>
+                  <a:txBody>
+                    <a:bodyPr/>
+                    <a:lstStyle/>
+                    <a:p>
+                      <a:r>
+                        <a:rPr lang="en-US" altLang="zh-CN" sz="1200" dirty="0" err="1" smtClean="0"/>
+                        <a:t>mvn</a:t>
+                      </a:r>
+                      <a:r>
+                        <a:rPr lang="en-US" altLang="zh-CN" sz="1200" dirty="0" smtClean="0"/>
+                        <a:t> clean</a:t>
+                      </a:r>
+                      <a:endParaRPr lang="zh-CN" altLang="en-US" sz="1200" dirty="0"/>
+                    </a:p>
+                  </a:txBody>
+                  <a:tcPr/>
+                </a:tc>
+                <a:tc>
+                  <a:txBody>
+                    <a:bodyPr/>
+                    <a:lstStyle/>
+                    <a:p>
+                      <a:r>
+                        <a:rPr lang="zh-CN" altLang="en-US" sz="1200" dirty="0" smtClean="0"/>
+                        <a:t>清理</a:t>
+                      </a:r>
+                      <a:r>
+                        <a:rPr lang="en-US" altLang="zh-CN" sz="1200" dirty="0" smtClean="0"/>
+                        <a:t>target</a:t>
+                      </a:r>
+                      <a:r>
+                        <a:rPr lang="zh-CN" altLang="en-US" sz="1200" dirty="0" smtClean="0"/>
+                        <a:t>文件夹，清楚编译内容。</a:t>
+                      </a:r>
+                      <a:endParaRPr lang="zh-CN" altLang="en-US" sz="1200" dirty="0"/>
+                    </a:p>
+                  </a:txBody>
+                  <a:tcPr/>
+                </a:tc>
+              </a:tr>
+              <a:tr h="242889">
+                <a:tc>
+                  <a:txBody>
+                    <a:bodyPr/>
+                    <a:lstStyle/>
+                    <a:p>
+                      <a:r>
+                        <a:rPr lang="en-US" altLang="zh-CN" sz="1200" dirty="0" err="1" smtClean="0"/>
+                        <a:t>mvn</a:t>
+                      </a:r>
+                      <a:r>
+                        <a:rPr lang="en-US" altLang="zh-CN" sz="1200" dirty="0" smtClean="0"/>
+                        <a:t> package</a:t>
+                      </a:r>
+                      <a:endParaRPr lang="zh-CN" altLang="en-US" sz="1200" dirty="0"/>
+                    </a:p>
+                  </a:txBody>
+                  <a:tcPr/>
+                </a:tc>
+                <a:tc>
+                  <a:txBody>
+                    <a:bodyPr/>
+                    <a:lstStyle/>
+                    <a:p>
+                      <a:r>
+                        <a:rPr lang="zh-CN" altLang="en-US" sz="1200" dirty="0" smtClean="0"/>
+                        <a:t>将项目重新编译并打包成</a:t>
+                      </a:r>
+                      <a:r>
+                        <a:rPr lang="en-US" altLang="zh-CN" sz="1200" dirty="0" smtClean="0"/>
+                        <a:t>jar</a:t>
+                      </a:r>
+                      <a:r>
+                        <a:rPr lang="zh-CN" altLang="en-US" sz="1200" dirty="0" smtClean="0"/>
+                        <a:t>。</a:t>
+                      </a:r>
+                      <a:endParaRPr lang="zh-CN" altLang="en-US" sz="1200" dirty="0"/>
+                    </a:p>
+                  </a:txBody>
+                  <a:tcPr/>
+                </a:tc>
+              </a:tr>
+              <a:tr h="242889">
+                <a:tc>
+                  <a:txBody>
+                    <a:bodyPr/>
+                    <a:lstStyle/>
+                    <a:p>
+                      <a:r>
+                        <a:rPr lang="en-US" altLang="zh-CN" sz="1200" dirty="0" err="1" smtClean="0"/>
+                        <a:t>mvn</a:t>
+                      </a:r>
+                      <a:r>
+                        <a:rPr lang="en-US" altLang="zh-CN" sz="1200" dirty="0" smtClean="0"/>
+                        <a:t> install</a:t>
+                      </a:r>
+                      <a:endParaRPr lang="zh-CN" altLang="en-US" sz="1200" dirty="0"/>
+                    </a:p>
+                  </a:txBody>
+                  <a:tcPr/>
+                </a:tc>
+                <a:tc>
+                  <a:txBody>
+                    <a:bodyPr/>
+                    <a:lstStyle/>
+                    <a:p>
+                      <a:pPr marL="0" marR="0" indent="0" algn="l" defTabSz="914400" rtl="0" eaLnBrk="1" fontAlgn="auto" latinLnBrk="0" hangingPunct="1">
+                        <a:lnSpc>
+                          <a:spcPct val="100000"/>
+                        </a:lnSpc>
+                        <a:spcBef>
+                          <a:spcPts val="0"/>
+                        </a:spcBef>
+                        <a:spcAft>
+                          <a:spcPts val="0"/>
+                        </a:spcAft>
+                        <a:buClrTx/>
+                        <a:buSzTx/>
+                        <a:buFontTx/>
+                        <a:buNone/>
+                        <a:tabLst/>
+                        <a:defRPr/>
+                      </a:pPr>
+                      <a:r>
+                        <a:rPr lang="zh-CN" altLang="en-US" sz="1200" dirty="0" smtClean="0"/>
+                        <a:t>将项目重新编译并打包成</a:t>
+                      </a:r>
+                      <a:r>
+                        <a:rPr lang="en-US" altLang="zh-CN" sz="1200" dirty="0" smtClean="0"/>
+                        <a:t>jar</a:t>
+                      </a:r>
+                      <a:r>
+                        <a:rPr lang="zh-CN" altLang="en-US" sz="1200" dirty="0" smtClean="0"/>
+                        <a:t>，且将打好的</a:t>
+                      </a:r>
+                      <a:r>
+                        <a:rPr lang="en-US" altLang="zh-CN" sz="1200" dirty="0" smtClean="0"/>
+                        <a:t>jar</a:t>
+                      </a:r>
+                      <a:r>
+                        <a:rPr lang="zh-CN" altLang="en-US" sz="1200" dirty="0" smtClean="0"/>
+                        <a:t>放入本地仓库中。</a:t>
+                      </a:r>
+                    </a:p>
+                  </a:txBody>
+                  <a:tcPr/>
+                </a:tc>
+              </a:tr>
+              <a:tr h="242889">
+                <a:tc>
+                  <a:txBody>
+                    <a:bodyPr/>
+                    <a:lstStyle/>
+                    <a:p>
+                      <a:r>
+                        <a:rPr lang="en-US" altLang="zh-CN" sz="1200" dirty="0" err="1" smtClean="0"/>
+                        <a:t>mvn</a:t>
+                      </a:r>
+                      <a:r>
+                        <a:rPr lang="en-US" altLang="zh-CN" sz="1200" dirty="0" smtClean="0"/>
+                        <a:t> run</a:t>
+                      </a:r>
+                      <a:endParaRPr lang="zh-CN" altLang="en-US" sz="1200" dirty="0"/>
+                    </a:p>
+                  </a:txBody>
+                  <a:tcPr/>
+                </a:tc>
+                <a:tc>
+                  <a:txBody>
+                    <a:bodyPr/>
+                    <a:lstStyle/>
+                    <a:p>
+                      <a:r>
+                        <a:rPr lang="zh-CN" altLang="en-US" sz="1200" dirty="0" smtClean="0"/>
+                        <a:t>使用</a:t>
+                      </a:r>
+                      <a:r>
+                        <a:rPr lang="en-US" altLang="zh-CN" sz="1200" dirty="0" smtClean="0"/>
+                        <a:t>Maven</a:t>
+                      </a:r>
+                      <a:r>
+                        <a:rPr lang="zh-CN" altLang="en-US" sz="1200" dirty="0" smtClean="0"/>
+                        <a:t>的方式将项目运行。</a:t>
+                      </a:r>
+                      <a:endParaRPr lang="zh-CN" altLang="en-US" sz="1200" dirty="0"/>
+                    </a:p>
+                  </a:txBody>
+                  <a:tcPr/>
+                </a:tc>
+              </a:tr>
+            </a:tbl>
+          </a:graphicData>
+        </a:graphic>
+      </p:graphicFrame>
     </p:spTree>
   </p:cSld>
   <p:clrMapOvr>
@@ -7011,11 +10270,7 @@
             </a:r>
             <a:r>
               <a:rPr lang="zh-CN" altLang="en-US" sz="1400" dirty="0" smtClean="0"/>
-              <a:t>快速创建自定义的镜像</a:t>
-            </a:r>
-            <a:r>
-              <a:rPr lang="zh-CN" altLang="en-US" sz="1400" dirty="0" smtClean="0"/>
-              <a:t>。</a:t>
+              <a:t>快速创建自定义的镜像。</a:t>
             </a:r>
             <a:endParaRPr lang="en-US" altLang="zh-CN" sz="1400" dirty="0" smtClean="0"/>
           </a:p>
@@ -7041,11 +10296,7 @@
             </a:r>
             <a:r>
               <a:rPr lang="zh-CN" altLang="en-US" sz="1400" dirty="0" smtClean="0"/>
-              <a:t>开头的注释行</a:t>
-            </a:r>
-            <a:r>
-              <a:rPr lang="zh-CN" altLang="en-US" sz="1400" dirty="0" smtClean="0"/>
-              <a:t>。</a:t>
+              <a:t>开头的注释行。</a:t>
             </a:r>
             <a:endParaRPr lang="en-US" altLang="zh-CN" sz="1400" dirty="0" smtClean="0"/>
           </a:p>
@@ -7069,59 +10320,7 @@
             </a:r>
             <a:r>
               <a:rPr lang="zh-CN" altLang="en-US" sz="1400" dirty="0" smtClean="0"/>
-              <a:t>的内容分为四个部分</a:t>
-            </a:r>
-            <a:r>
-              <a:rPr lang="zh-CN" altLang="en-US" sz="1400" dirty="0" smtClean="0"/>
-              <a:t>：基础</a:t>
-            </a:r>
-            <a:r>
-              <a:rPr lang="zh-CN" altLang="en-US" sz="1400" dirty="0" smtClean="0"/>
-              <a:t>镜像</a:t>
-            </a:r>
-            <a:r>
-              <a:rPr lang="zh-CN" altLang="en-US" sz="1400" dirty="0" smtClean="0"/>
-              <a:t>信息</a:t>
-            </a:r>
-            <a:r>
-              <a:rPr lang="zh-CN" altLang="en-US" sz="1400" dirty="0" smtClean="0"/>
-              <a:t>、</a:t>
-            </a:r>
-            <a:r>
-              <a:rPr lang="zh-CN" altLang="en-US" sz="1400" dirty="0" smtClean="0"/>
-              <a:t>维护</a:t>
-            </a:r>
-            <a:r>
-              <a:rPr lang="zh-CN" altLang="en-US" sz="1400" dirty="0" smtClean="0"/>
-              <a:t>者</a:t>
-            </a:r>
-            <a:r>
-              <a:rPr lang="zh-CN" altLang="en-US" sz="1400" dirty="0" smtClean="0"/>
-              <a:t>信息</a:t>
-            </a:r>
-            <a:r>
-              <a:rPr lang="zh-CN" altLang="en-US" sz="1400" dirty="0" smtClean="0"/>
-              <a:t>、</a:t>
-            </a:r>
-            <a:r>
-              <a:rPr lang="zh-CN" altLang="en-US" sz="1400" dirty="0" smtClean="0"/>
-              <a:t>镜像操作指令</a:t>
-            </a:r>
-            <a:r>
-              <a:rPr lang="zh-CN" altLang="en-US" sz="1400" dirty="0" smtClean="0"/>
-              <a:t>、</a:t>
-            </a:r>
-            <a:r>
-              <a:rPr lang="zh-CN" altLang="en-US" sz="1400" dirty="0" smtClean="0"/>
-              <a:t>容器</a:t>
-            </a:r>
-            <a:r>
-              <a:rPr lang="zh-CN" altLang="en-US" sz="1400" dirty="0" smtClean="0"/>
-              <a:t>启动时</a:t>
-            </a:r>
-            <a:r>
-              <a:rPr lang="zh-CN" altLang="en-US" sz="1400" dirty="0" smtClean="0"/>
-              <a:t>执行的指令</a:t>
+              <a:t>的内容分为四个部分：基础镜像信息、维护者信息、镜像操作指令、容器启动时执行的指令</a:t>
             </a:r>
             <a:endParaRPr lang="en-US" altLang="zh-CN" sz="1400" dirty="0" smtClean="0"/>
           </a:p>
@@ -9312,7 +12511,7 @@
         </p:nvGraphicFramePr>
         <p:xfrm>
           <a:off x="457200" y="1600200"/>
-          <a:ext cx="8229600" cy="4759960"/>
+          <a:ext cx="8229600" cy="4577080"/>
         </p:xfrm>
         <a:graphic>
           <a:graphicData uri="http://schemas.openxmlformats.org/drawingml/2006/table">
@@ -10312,7 +13511,7 @@
                     </a:p>
                     <a:p>
                       <a:r>
-                        <a:rPr lang="en-US" sz="1800" b="0" i="0" kern="1200" dirty="0" smtClean="0">
+                        <a:rPr lang="en-US" sz="1200" b="0" i="0" kern="1200" dirty="0" smtClean="0">
                           <a:solidFill>
                             <a:schemeClr val="dk1"/>
                           </a:solidFill>
@@ -10323,7 +13522,7 @@
                         <a:t>WORKDIR /a WORKDIR b WORKDIR c RUN </a:t>
                       </a:r>
                       <a:r>
-                        <a:rPr lang="en-US" sz="1800" b="0" i="0" kern="1200" dirty="0" err="1" smtClean="0">
+                        <a:rPr lang="en-US" sz="1200" b="0" i="0" kern="1200" dirty="0" err="1" smtClean="0">
                           <a:solidFill>
                             <a:schemeClr val="dk1"/>
                           </a:solidFill>
